--- a/CQL/Documents/CQL_Technical_Introduction_20140604.pptx
+++ b/CQL/Documents/CQL_Technical_Introduction_20140604.pptx
@@ -5,35 +5,30 @@
     <p:sldMasterId id="2147483648" r:id="rId1"/>
   </p:sldMasterIdLst>
   <p:sldIdLst>
-    <p:sldId id="257" r:id="rId2"/>
-    <p:sldId id="256" r:id="rId3"/>
-    <p:sldId id="261" r:id="rId4"/>
-    <p:sldId id="268" r:id="rId5"/>
-    <p:sldId id="269" r:id="rId6"/>
-    <p:sldId id="270" r:id="rId7"/>
-    <p:sldId id="283" r:id="rId8"/>
-    <p:sldId id="272" r:id="rId9"/>
-    <p:sldId id="271" r:id="rId10"/>
-    <p:sldId id="273" r:id="rId11"/>
-    <p:sldId id="274" r:id="rId12"/>
-    <p:sldId id="275" r:id="rId13"/>
-    <p:sldId id="276" r:id="rId14"/>
-    <p:sldId id="277" r:id="rId15"/>
-    <p:sldId id="282" r:id="rId16"/>
-    <p:sldId id="284" r:id="rId17"/>
-    <p:sldId id="278" r:id="rId18"/>
-    <p:sldId id="279" r:id="rId19"/>
-    <p:sldId id="280" r:id="rId20"/>
-    <p:sldId id="281" r:id="rId21"/>
-    <p:sldId id="262" r:id="rId22"/>
-    <p:sldId id="263" r:id="rId23"/>
-    <p:sldId id="264" r:id="rId24"/>
-    <p:sldId id="259" r:id="rId25"/>
-    <p:sldId id="258" r:id="rId26"/>
-    <p:sldId id="265" r:id="rId27"/>
-    <p:sldId id="266" r:id="rId28"/>
-    <p:sldId id="267" r:id="rId29"/>
-    <p:sldId id="260" r:id="rId30"/>
+    <p:sldId id="285" r:id="rId2"/>
+    <p:sldId id="286" r:id="rId3"/>
+    <p:sldId id="287" r:id="rId4"/>
+    <p:sldId id="288" r:id="rId5"/>
+    <p:sldId id="289" r:id="rId6"/>
+    <p:sldId id="290" r:id="rId7"/>
+    <p:sldId id="272" r:id="rId8"/>
+    <p:sldId id="271" r:id="rId9"/>
+    <p:sldId id="268" r:id="rId10"/>
+    <p:sldId id="269" r:id="rId11"/>
+    <p:sldId id="270" r:id="rId12"/>
+    <p:sldId id="283" r:id="rId13"/>
+    <p:sldId id="273" r:id="rId14"/>
+    <p:sldId id="274" r:id="rId15"/>
+    <p:sldId id="275" r:id="rId16"/>
+    <p:sldId id="276" r:id="rId17"/>
+    <p:sldId id="277" r:id="rId18"/>
+    <p:sldId id="282" r:id="rId19"/>
+    <p:sldId id="284" r:id="rId20"/>
+    <p:sldId id="278" r:id="rId21"/>
+    <p:sldId id="279" r:id="rId22"/>
+    <p:sldId id="280" r:id="rId23"/>
+    <p:sldId id="281" r:id="rId24"/>
+    <p:sldId id="260" r:id="rId25"/>
   </p:sldIdLst>
   <p:sldSz cx="9144000" cy="6858000" type="screen4x3"/>
   <p:notesSz cx="6858000" cy="9144000"/>
@@ -332,7 +327,7 @@
           <a:p>
             <a:fld id="{AE358F06-F08A-4581-9382-C6FEB46FADBD}" type="datetimeFigureOut">
               <a:rPr lang="en-US" smtClean="0"/>
-              <a:t>6/4/2014</a:t>
+              <a:t>6/10/2014</a:t>
             </a:fld>
             <a:endParaRPr lang="en-US"/>
           </a:p>
@@ -502,7 +497,7 @@
           <a:p>
             <a:fld id="{AE358F06-F08A-4581-9382-C6FEB46FADBD}" type="datetimeFigureOut">
               <a:rPr lang="en-US" smtClean="0"/>
-              <a:t>6/4/2014</a:t>
+              <a:t>6/10/2014</a:t>
             </a:fld>
             <a:endParaRPr lang="en-US"/>
           </a:p>
@@ -682,7 +677,7 @@
           <a:p>
             <a:fld id="{AE358F06-F08A-4581-9382-C6FEB46FADBD}" type="datetimeFigureOut">
               <a:rPr lang="en-US" smtClean="0"/>
-              <a:t>6/4/2014</a:t>
+              <a:t>6/10/2014</a:t>
             </a:fld>
             <a:endParaRPr lang="en-US"/>
           </a:p>
@@ -852,7 +847,7 @@
           <a:p>
             <a:fld id="{AE358F06-F08A-4581-9382-C6FEB46FADBD}" type="datetimeFigureOut">
               <a:rPr lang="en-US" smtClean="0"/>
-              <a:t>6/4/2014</a:t>
+              <a:t>6/10/2014</a:t>
             </a:fld>
             <a:endParaRPr lang="en-US"/>
           </a:p>
@@ -1098,7 +1093,7 @@
           <a:p>
             <a:fld id="{AE358F06-F08A-4581-9382-C6FEB46FADBD}" type="datetimeFigureOut">
               <a:rPr lang="en-US" smtClean="0"/>
-              <a:t>6/4/2014</a:t>
+              <a:t>6/10/2014</a:t>
             </a:fld>
             <a:endParaRPr lang="en-US"/>
           </a:p>
@@ -1386,7 +1381,7 @@
           <a:p>
             <a:fld id="{AE358F06-F08A-4581-9382-C6FEB46FADBD}" type="datetimeFigureOut">
               <a:rPr lang="en-US" smtClean="0"/>
-              <a:t>6/4/2014</a:t>
+              <a:t>6/10/2014</a:t>
             </a:fld>
             <a:endParaRPr lang="en-US"/>
           </a:p>
@@ -1808,7 +1803,7 @@
           <a:p>
             <a:fld id="{AE358F06-F08A-4581-9382-C6FEB46FADBD}" type="datetimeFigureOut">
               <a:rPr lang="en-US" smtClean="0"/>
-              <a:t>6/4/2014</a:t>
+              <a:t>6/10/2014</a:t>
             </a:fld>
             <a:endParaRPr lang="en-US"/>
           </a:p>
@@ -1926,7 +1921,7 @@
           <a:p>
             <a:fld id="{AE358F06-F08A-4581-9382-C6FEB46FADBD}" type="datetimeFigureOut">
               <a:rPr lang="en-US" smtClean="0"/>
-              <a:t>6/4/2014</a:t>
+              <a:t>6/10/2014</a:t>
             </a:fld>
             <a:endParaRPr lang="en-US"/>
           </a:p>
@@ -2021,7 +2016,7 @@
           <a:p>
             <a:fld id="{AE358F06-F08A-4581-9382-C6FEB46FADBD}" type="datetimeFigureOut">
               <a:rPr lang="en-US" smtClean="0"/>
-              <a:t>6/4/2014</a:t>
+              <a:t>6/10/2014</a:t>
             </a:fld>
             <a:endParaRPr lang="en-US"/>
           </a:p>
@@ -2298,7 +2293,7 @@
           <a:p>
             <a:fld id="{AE358F06-F08A-4581-9382-C6FEB46FADBD}" type="datetimeFigureOut">
               <a:rPr lang="en-US" smtClean="0"/>
-              <a:t>6/4/2014</a:t>
+              <a:t>6/10/2014</a:t>
             </a:fld>
             <a:endParaRPr lang="en-US"/>
           </a:p>
@@ -2551,7 +2546,7 @@
           <a:p>
             <a:fld id="{AE358F06-F08A-4581-9382-C6FEB46FADBD}" type="datetimeFigureOut">
               <a:rPr lang="en-US" smtClean="0"/>
-              <a:t>6/4/2014</a:t>
+              <a:t>6/10/2014</a:t>
             </a:fld>
             <a:endParaRPr lang="en-US"/>
           </a:p>
@@ -2764,7 +2759,7 @@
           <a:p>
             <a:fld id="{AE358F06-F08A-4581-9382-C6FEB46FADBD}" type="datetimeFigureOut">
               <a:rPr lang="en-US" smtClean="0"/>
-              <a:t>6/4/2014</a:t>
+              <a:t>6/10/2014</a:t>
             </a:fld>
             <a:endParaRPr lang="en-US"/>
           </a:p>
@@ -3146,7 +3141,7 @@
             <a:spLocks noGrp="1"/>
           </p:cNvSpPr>
           <p:nvPr>
-            <p:ph type="title"/>
+            <p:ph type="ctrTitle"/>
           </p:nvPr>
         </p:nvSpPr>
         <p:spPr/>
@@ -3156,7 +3151,7 @@
           <a:p>
             <a:r>
               <a:rPr lang="en-US" dirty="0" smtClean="0"/>
-              <a:t>Clinical Quality Language</a:t>
+              <a:t>Clinical Quality Language (CQL)</a:t>
             </a:r>
             <a:endParaRPr lang="en-US" dirty="0"/>
           </a:p>
@@ -3164,77 +3159,43 @@
       </p:sp>
       <p:sp>
         <p:nvSpPr>
-          <p:cNvPr id="3" name="Content Placeholder 2"/>
-          <p:cNvSpPr>
-            <a:spLocks noGrp="1"/>
-          </p:cNvSpPr>
-          <p:nvPr>
-            <p:ph idx="1"/>
+          <p:cNvPr id="3" name="Subtitle 2"/>
+          <p:cNvSpPr>
+            <a:spLocks noGrp="1"/>
+          </p:cNvSpPr>
+          <p:nvPr>
+            <p:ph type="subTitle" idx="1"/>
           </p:nvPr>
         </p:nvSpPr>
         <p:spPr/>
         <p:txBody>
-          <a:bodyPr>
-            <a:normAutofit lnSpcReduction="10000"/>
-          </a:bodyPr>
+          <a:bodyPr/>
           <a:lstStyle/>
           <a:p>
             <a:r>
               <a:rPr lang="en-US" dirty="0" smtClean="0"/>
-              <a:t>Builds on functional requirements defined in: </a:t>
-            </a:r>
-          </a:p>
-          <a:p>
-            <a:pPr lvl="1"/>
+              <a:t>Bryn Rhodes</a:t>
+            </a:r>
+          </a:p>
+          <a:p>
             <a:r>
               <a:rPr lang="en-US" dirty="0" smtClean="0"/>
-              <a:t>Harmonization of Health Quality Artifact Reasoning and Expression Logic</a:t>
+              <a:t>Chris Moesel</a:t>
             </a:r>
           </a:p>
           <a:p>
             <a:r>
               <a:rPr lang="en-US" dirty="0" smtClean="0"/>
-              <a:t>Leverages</a:t>
-            </a:r>
-          </a:p>
-          <a:p>
-            <a:pPr lvl="1"/>
-            <a:r>
-              <a:rPr lang="en-US" dirty="0" smtClean="0"/>
-              <a:t>Computability achieved by </a:t>
-            </a:r>
-            <a:r>
-              <a:rPr lang="en-US" dirty="0" err="1" smtClean="0"/>
-              <a:t>HeD</a:t>
-            </a:r>
-            <a:endParaRPr lang="en-US" dirty="0" smtClean="0"/>
-          </a:p>
-          <a:p>
-            <a:pPr lvl="1"/>
-            <a:r>
-              <a:rPr lang="en-US" dirty="0" smtClean="0"/>
-              <a:t>Measure Author understanding (QDM Heritage)</a:t>
-            </a:r>
-          </a:p>
-          <a:p>
-            <a:r>
-              <a:rPr lang="en-US" dirty="0" smtClean="0"/>
-              <a:t>Focus of the high-level syntax is on authoring</a:t>
-            </a:r>
-          </a:p>
-          <a:p>
-            <a:pPr lvl="1"/>
-            <a:r>
-              <a:rPr lang="en-US" dirty="0" smtClean="0"/>
-              <a:t>While providing a clear/automatic path to computable logic</a:t>
-            </a:r>
+              <a:t>Mark Kramer</a:t>
+            </a:r>
+            <a:endParaRPr lang="en-US" dirty="0"/>
           </a:p>
         </p:txBody>
       </p:sp>
     </p:spTree>
     <p:extLst>
       <p:ext uri="{BB962C8B-B14F-4D97-AF65-F5344CB8AC3E}">
-        <p14:creationId xmlns:p14="http://schemas.microsoft.com/office/powerpoint/2010/main" val="1735069156"/>
+        <p14:creationId xmlns:p14="http://schemas.microsoft.com/office/powerpoint/2010/main" val="4113703814"/>
       </p:ext>
     </p:extLst>
   </p:cSld>
@@ -3278,7 +3239,7 @@
           <a:p>
             <a:r>
               <a:rPr lang="en-US" dirty="0" smtClean="0"/>
-              <a:t>Filtering</a:t>
+              <a:t>Simple Expressions</a:t>
             </a:r>
             <a:endParaRPr lang="en-US" dirty="0"/>
           </a:p>
@@ -3296,18 +3257,20 @@
         </p:nvSpPr>
         <p:spPr/>
         <p:txBody>
-          <a:bodyPr/>
+          <a:bodyPr>
+            <a:normAutofit lnSpcReduction="10000"/>
+          </a:bodyPr>
           <a:lstStyle/>
           <a:p>
             <a:r>
               <a:rPr lang="en-US" dirty="0" smtClean="0"/>
-              <a:t>A “where” clause returns only those elements that satisfy the condition:</a:t>
+              <a:t>Logic</a:t>
             </a:r>
           </a:p>
           <a:p>
             <a:pPr lvl="1"/>
             <a:r>
-              <a:rPr lang="en-US" sz="2000" dirty="0">
+              <a:rPr lang="en-US" dirty="0">
                 <a:solidFill>
                   <a:srgbClr val="000000"/>
                 </a:solidFill>
@@ -3316,22 +3279,22 @@
                 </a:highlight>
                 <a:latin typeface="Consolas" panose="020B0609020204030204" pitchFamily="49" charset="0"/>
               </a:rPr>
-              <a:t>[Encounter, Performed: </a:t>
-            </a:r>
-            <a:r>
-              <a:rPr lang="en-US" sz="2000" dirty="0">
-                <a:solidFill>
-                  <a:srgbClr val="A31515"/>
-                </a:solidFill>
-                <a:highlight>
-                  <a:srgbClr val="FFFFFF"/>
-                </a:highlight>
-                <a:latin typeface="Consolas" panose="020B0609020204030204" pitchFamily="49" charset="0"/>
-              </a:rPr>
-              <a:t>"Inpatient"</a:t>
-            </a:r>
-            <a:r>
-              <a:rPr lang="en-US" sz="2000" dirty="0">
+              <a:t>A </a:t>
+            </a:r>
+            <a:r>
+              <a:rPr lang="en-US" dirty="0">
+                <a:solidFill>
+                  <a:srgbClr val="0000FF"/>
+                </a:solidFill>
+                <a:highlight>
+                  <a:srgbClr val="FFFFFF"/>
+                </a:highlight>
+                <a:latin typeface="Consolas" panose="020B0609020204030204" pitchFamily="49" charset="0"/>
+              </a:rPr>
+              <a:t>and</a:t>
+            </a:r>
+            <a:r>
+              <a:rPr lang="en-US" dirty="0">
                 <a:solidFill>
                   <a:srgbClr val="000000"/>
                 </a:solidFill>
@@ -3340,10 +3303,10 @@
                 </a:highlight>
                 <a:latin typeface="Consolas" panose="020B0609020204030204" pitchFamily="49" charset="0"/>
               </a:rPr>
-              <a:t>] E </a:t>
-            </a:r>
-            <a:br>
-              <a:rPr lang="en-US" sz="2000" dirty="0">
+              <a:t> </a:t>
+            </a:r>
+            <a:r>
+              <a:rPr lang="en-US" dirty="0" smtClean="0">
                 <a:solidFill>
                   <a:srgbClr val="000000"/>
                 </a:solidFill>
@@ -3352,9 +3315,13 @@
                 </a:highlight>
                 <a:latin typeface="Consolas" panose="020B0609020204030204" pitchFamily="49" charset="0"/>
               </a:rPr>
-            </a:br>
-            <a:r>
-              <a:rPr lang="en-US" sz="2000" dirty="0">
+              <a:t>B</a:t>
+            </a:r>
+          </a:p>
+          <a:p>
+            <a:pPr lvl="1"/>
+            <a:r>
+              <a:rPr lang="en-US" dirty="0">
                 <a:solidFill>
                   <a:srgbClr val="000000"/>
                 </a:solidFill>
@@ -3363,10 +3330,10 @@
                 </a:highlight>
                 <a:latin typeface="Consolas" panose="020B0609020204030204" pitchFamily="49" charset="0"/>
               </a:rPr>
-              <a:t>	</a:t>
-            </a:r>
-            <a:r>
-              <a:rPr lang="en-US" sz="2000" dirty="0">
+              <a:t>A </a:t>
+            </a:r>
+            <a:r>
+              <a:rPr lang="en-US" dirty="0">
                 <a:solidFill>
                   <a:srgbClr val="0000FF"/>
                 </a:solidFill>
@@ -3375,10 +3342,10 @@
                 </a:highlight>
                 <a:latin typeface="Consolas" panose="020B0609020204030204" pitchFamily="49" charset="0"/>
               </a:rPr>
-              <a:t>where</a:t>
-            </a:r>
-            <a:r>
-              <a:rPr lang="en-US" sz="2000" dirty="0">
+              <a:t>and</a:t>
+            </a:r>
+            <a:r>
+              <a:rPr lang="en-US" dirty="0">
                 <a:solidFill>
                   <a:srgbClr val="000000"/>
                 </a:solidFill>
@@ -3390,7 +3357,19 @@
               <a:t> </a:t>
             </a:r>
             <a:r>
-              <a:rPr lang="en-US" sz="2000" dirty="0" err="1">
+              <a:rPr lang="en-US" dirty="0">
+                <a:solidFill>
+                  <a:srgbClr val="0000FF"/>
+                </a:solidFill>
+                <a:highlight>
+                  <a:srgbClr val="FFFFFF"/>
+                </a:highlight>
+                <a:latin typeface="Consolas" panose="020B0609020204030204" pitchFamily="49" charset="0"/>
+              </a:rPr>
+              <a:t>not</a:t>
+            </a:r>
+            <a:r>
+              <a:rPr lang="en-US" dirty="0">
                 <a:solidFill>
                   <a:srgbClr val="000000"/>
                 </a:solidFill>
@@ -3399,10 +3378,22 @@
                 </a:highlight>
                 <a:latin typeface="Consolas" panose="020B0609020204030204" pitchFamily="49" charset="0"/>
               </a:rPr>
-              <a:t>E.lengthOfStay</a:t>
-            </a:r>
-            <a:r>
-              <a:rPr lang="en-US" sz="2000" dirty="0">
+              <a:t> (B </a:t>
+            </a:r>
+            <a:r>
+              <a:rPr lang="en-US" dirty="0">
+                <a:solidFill>
+                  <a:srgbClr val="0000FF"/>
+                </a:solidFill>
+                <a:highlight>
+                  <a:srgbClr val="FFFFFF"/>
+                </a:highlight>
+                <a:latin typeface="Consolas" panose="020B0609020204030204" pitchFamily="49" charset="0"/>
+              </a:rPr>
+              <a:t>or</a:t>
+            </a:r>
+            <a:r>
+              <a:rPr lang="en-US" dirty="0">
                 <a:solidFill>
                   <a:srgbClr val="000000"/>
                 </a:solidFill>
@@ -3411,34 +3402,117 @@
                 </a:highlight>
                 <a:latin typeface="Consolas" panose="020B0609020204030204" pitchFamily="49" charset="0"/>
               </a:rPr>
-              <a:t> &gt; 120 </a:t>
-            </a:r>
-            <a:r>
-              <a:rPr lang="en-US" sz="2000" dirty="0" smtClean="0">
-                <a:solidFill>
-                  <a:srgbClr val="0000FF"/>
-                </a:solidFill>
-                <a:highlight>
-                  <a:srgbClr val="FFFFFF"/>
-                </a:highlight>
-                <a:latin typeface="Consolas" panose="020B0609020204030204" pitchFamily="49" charset="0"/>
-              </a:rPr>
-              <a:t>days</a:t>
-            </a:r>
-            <a:endParaRPr lang="en-US" sz="2000" dirty="0" smtClean="0"/>
+              <a:t> C)</a:t>
+            </a:r>
+            <a:endParaRPr lang="en-US" dirty="0" smtClean="0"/>
           </a:p>
           <a:p>
             <a:r>
               <a:rPr lang="en-US" dirty="0" smtClean="0"/>
-              <a:t>“E” in the above example is an alias for the results in the retrieve and can be used anywhere within the query.</a:t>
-            </a:r>
+              <a:t>Comparison</a:t>
+            </a:r>
+          </a:p>
+          <a:p>
+            <a:pPr lvl="1"/>
+            <a:r>
+              <a:rPr lang="en-US" dirty="0">
+                <a:solidFill>
+                  <a:srgbClr val="000000"/>
+                </a:solidFill>
+                <a:highlight>
+                  <a:srgbClr val="FFFFFF"/>
+                </a:highlight>
+                <a:latin typeface="Consolas" panose="020B0609020204030204" pitchFamily="49" charset="0"/>
+              </a:rPr>
+              <a:t>A &gt;= </a:t>
+            </a:r>
+            <a:r>
+              <a:rPr lang="en-US" dirty="0" smtClean="0">
+                <a:solidFill>
+                  <a:srgbClr val="000000"/>
+                </a:solidFill>
+                <a:highlight>
+                  <a:srgbClr val="FFFFFF"/>
+                </a:highlight>
+                <a:latin typeface="Consolas" panose="020B0609020204030204" pitchFamily="49" charset="0"/>
+              </a:rPr>
+              <a:t>B</a:t>
+            </a:r>
+          </a:p>
+          <a:p>
+            <a:pPr lvl="1"/>
+            <a:r>
+              <a:rPr lang="en-US" dirty="0">
+                <a:solidFill>
+                  <a:srgbClr val="000000"/>
+                </a:solidFill>
+                <a:highlight>
+                  <a:srgbClr val="FFFFFF"/>
+                </a:highlight>
+                <a:latin typeface="Consolas" panose="020B0609020204030204" pitchFamily="49" charset="0"/>
+              </a:rPr>
+              <a:t>A &lt;&gt; B</a:t>
+            </a:r>
+            <a:endParaRPr lang="en-US" dirty="0" smtClean="0"/>
+          </a:p>
+          <a:p>
+            <a:r>
+              <a:rPr lang="en-US" dirty="0" smtClean="0"/>
+              <a:t>Arithmetic</a:t>
+            </a:r>
+          </a:p>
+          <a:p>
+            <a:pPr lvl="1"/>
+            <a:r>
+              <a:rPr lang="en-US" dirty="0">
+                <a:solidFill>
+                  <a:srgbClr val="000000"/>
+                </a:solidFill>
+                <a:highlight>
+                  <a:srgbClr val="FFFFFF"/>
+                </a:highlight>
+                <a:latin typeface="Consolas" panose="020B0609020204030204" pitchFamily="49" charset="0"/>
+              </a:rPr>
+              <a:t>A + </a:t>
+            </a:r>
+            <a:r>
+              <a:rPr lang="en-US" dirty="0" smtClean="0">
+                <a:solidFill>
+                  <a:srgbClr val="000000"/>
+                </a:solidFill>
+                <a:highlight>
+                  <a:srgbClr val="FFFFFF"/>
+                </a:highlight>
+                <a:latin typeface="Consolas" panose="020B0609020204030204" pitchFamily="49" charset="0"/>
+              </a:rPr>
+              <a:t>B</a:t>
+            </a:r>
+          </a:p>
+          <a:p>
+            <a:pPr lvl="1"/>
+            <a:r>
+              <a:rPr lang="en-US" dirty="0">
+                <a:solidFill>
+                  <a:srgbClr val="000000"/>
+                </a:solidFill>
+                <a:highlight>
+                  <a:srgbClr val="FFFFFF"/>
+                </a:highlight>
+                <a:latin typeface="Consolas" panose="020B0609020204030204" pitchFamily="49" charset="0"/>
+              </a:rPr>
+              <a:t>A + B * C</a:t>
+            </a:r>
+            <a:endParaRPr lang="en-US" dirty="0" smtClean="0"/>
+          </a:p>
+          <a:p>
+            <a:endParaRPr lang="en-US" dirty="0"/>
           </a:p>
         </p:txBody>
       </p:sp>
     </p:spTree>
     <p:extLst>
       <p:ext uri="{BB962C8B-B14F-4D97-AF65-F5344CB8AC3E}">
-        <p14:creationId xmlns:p14="http://schemas.microsoft.com/office/powerpoint/2010/main" val="1271474877"/>
+        <p14:creationId xmlns:p14="http://schemas.microsoft.com/office/powerpoint/2010/main" val="3825470710"/>
       </p:ext>
     </p:extLst>
   </p:cSld>
@@ -3482,7 +3556,7 @@
           <a:p>
             <a:r>
               <a:rPr lang="en-US" dirty="0" smtClean="0"/>
-              <a:t>Filtering by Relationships</a:t>
+              <a:t>Timing/Interval Operations</a:t>
             </a:r>
             <a:endParaRPr lang="en-US" dirty="0"/>
           </a:p>
@@ -3500,15 +3574,656 @@
         </p:nvSpPr>
         <p:spPr/>
         <p:txBody>
-          <a:bodyPr/>
+          <a:bodyPr>
+            <a:normAutofit fontScale="77500" lnSpcReduction="20000"/>
+          </a:bodyPr>
           <a:lstStyle/>
           <a:p>
             <a:r>
               <a:rPr lang="en-US" dirty="0" smtClean="0"/>
-              <a:t>Use the “with” keyword to introduce a filtering relationship:</a:t>
-            </a:r>
-          </a:p>
-          <a:p>
+              <a:t>Full set from QDM</a:t>
+            </a:r>
+          </a:p>
+          <a:p>
+            <a:pPr lvl="1"/>
+            <a:r>
+              <a:rPr lang="en-US" dirty="0">
+                <a:solidFill>
+                  <a:srgbClr val="0000FF"/>
+                </a:solidFill>
+                <a:highlight>
+                  <a:srgbClr val="FFFFFF"/>
+                </a:highlight>
+                <a:latin typeface="Consolas" panose="020B0609020204030204" pitchFamily="49" charset="0"/>
+              </a:rPr>
+              <a:t>starts</a:t>
+            </a:r>
+            <a:r>
+              <a:rPr lang="en-US" dirty="0">
+                <a:solidFill>
+                  <a:srgbClr val="000000"/>
+                </a:solidFill>
+                <a:highlight>
+                  <a:srgbClr val="FFFFFF"/>
+                </a:highlight>
+                <a:latin typeface="Consolas" panose="020B0609020204030204" pitchFamily="49" charset="0"/>
+              </a:rPr>
+              <a:t> </a:t>
+            </a:r>
+            <a:r>
+              <a:rPr lang="en-US" dirty="0">
+                <a:solidFill>
+                  <a:srgbClr val="0000FF"/>
+                </a:solidFill>
+                <a:highlight>
+                  <a:srgbClr val="FFFFFF"/>
+                </a:highlight>
+                <a:latin typeface="Consolas" panose="020B0609020204030204" pitchFamily="49" charset="0"/>
+              </a:rPr>
+              <a:t>before</a:t>
+            </a:r>
+            <a:r>
+              <a:rPr lang="en-US" dirty="0">
+                <a:solidFill>
+                  <a:srgbClr val="000000"/>
+                </a:solidFill>
+                <a:highlight>
+                  <a:srgbClr val="FFFFFF"/>
+                </a:highlight>
+                <a:latin typeface="Consolas" panose="020B0609020204030204" pitchFamily="49" charset="0"/>
+              </a:rPr>
+              <a:t> </a:t>
+            </a:r>
+            <a:r>
+              <a:rPr lang="en-US" dirty="0">
+                <a:solidFill>
+                  <a:srgbClr val="0000FF"/>
+                </a:solidFill>
+                <a:highlight>
+                  <a:srgbClr val="FFFFFF"/>
+                </a:highlight>
+                <a:latin typeface="Consolas" panose="020B0609020204030204" pitchFamily="49" charset="0"/>
+              </a:rPr>
+              <a:t>start</a:t>
+            </a:r>
+            <a:r>
+              <a:rPr lang="en-US" dirty="0">
+                <a:solidFill>
+                  <a:srgbClr val="000000"/>
+                </a:solidFill>
+                <a:highlight>
+                  <a:srgbClr val="FFFFFF"/>
+                </a:highlight>
+                <a:latin typeface="Consolas" panose="020B0609020204030204" pitchFamily="49" charset="0"/>
+              </a:rPr>
+              <a:t>, </a:t>
+            </a:r>
+            <a:r>
+              <a:rPr lang="en-US" dirty="0">
+                <a:solidFill>
+                  <a:srgbClr val="0000FF"/>
+                </a:solidFill>
+                <a:highlight>
+                  <a:srgbClr val="FFFFFF"/>
+                </a:highlight>
+                <a:latin typeface="Consolas" panose="020B0609020204030204" pitchFamily="49" charset="0"/>
+              </a:rPr>
+              <a:t>starts</a:t>
+            </a:r>
+            <a:r>
+              <a:rPr lang="en-US" dirty="0">
+                <a:solidFill>
+                  <a:srgbClr val="000000"/>
+                </a:solidFill>
+                <a:highlight>
+                  <a:srgbClr val="FFFFFF"/>
+                </a:highlight>
+                <a:latin typeface="Consolas" panose="020B0609020204030204" pitchFamily="49" charset="0"/>
+              </a:rPr>
+              <a:t> </a:t>
+            </a:r>
+            <a:r>
+              <a:rPr lang="en-US" dirty="0">
+                <a:solidFill>
+                  <a:srgbClr val="0000FF"/>
+                </a:solidFill>
+                <a:highlight>
+                  <a:srgbClr val="FFFFFF"/>
+                </a:highlight>
+                <a:latin typeface="Consolas" panose="020B0609020204030204" pitchFamily="49" charset="0"/>
+              </a:rPr>
+              <a:t>concurrent with</a:t>
+            </a:r>
+            <a:r>
+              <a:rPr lang="en-US" dirty="0">
+                <a:solidFill>
+                  <a:srgbClr val="000000"/>
+                </a:solidFill>
+                <a:highlight>
+                  <a:srgbClr val="FFFFFF"/>
+                </a:highlight>
+                <a:latin typeface="Consolas" panose="020B0609020204030204" pitchFamily="49" charset="0"/>
+              </a:rPr>
+              <a:t> </a:t>
+            </a:r>
+            <a:endParaRPr lang="en-US" dirty="0" smtClean="0">
+              <a:solidFill>
+                <a:srgbClr val="000000"/>
+              </a:solidFill>
+              <a:highlight>
+                <a:srgbClr val="FFFFFF"/>
+              </a:highlight>
+              <a:latin typeface="Consolas" panose="020B0609020204030204" pitchFamily="49" charset="0"/>
+            </a:endParaRPr>
+          </a:p>
+          <a:p>
+            <a:r>
+              <a:rPr lang="en-US" dirty="0" smtClean="0">
+                <a:solidFill>
+                  <a:srgbClr val="000000"/>
+                </a:solidFill>
+                <a:highlight>
+                  <a:srgbClr val="FFFFFF"/>
+                </a:highlight>
+                <a:latin typeface="Consolas" panose="020B0609020204030204" pitchFamily="49" charset="0"/>
+              </a:rPr>
+              <a:t>Timing Phrases</a:t>
+            </a:r>
+          </a:p>
+          <a:p>
+            <a:pPr lvl="1"/>
+            <a:r>
+              <a:rPr lang="en-US" dirty="0">
+                <a:solidFill>
+                  <a:srgbClr val="0000FF"/>
+                </a:solidFill>
+                <a:highlight>
+                  <a:srgbClr val="FFFFFF"/>
+                </a:highlight>
+                <a:latin typeface="Consolas" panose="020B0609020204030204" pitchFamily="49" charset="0"/>
+              </a:rPr>
+              <a:t>starts</a:t>
+            </a:r>
+            <a:r>
+              <a:rPr lang="en-US" dirty="0">
+                <a:solidFill>
+                  <a:srgbClr val="000000"/>
+                </a:solidFill>
+                <a:highlight>
+                  <a:srgbClr val="FFFFFF"/>
+                </a:highlight>
+                <a:latin typeface="Consolas" panose="020B0609020204030204" pitchFamily="49" charset="0"/>
+              </a:rPr>
+              <a:t> 3 </a:t>
+            </a:r>
+            <a:r>
+              <a:rPr lang="en-US" dirty="0">
+                <a:solidFill>
+                  <a:srgbClr val="0000FF"/>
+                </a:solidFill>
+                <a:highlight>
+                  <a:srgbClr val="FFFFFF"/>
+                </a:highlight>
+                <a:latin typeface="Consolas" panose="020B0609020204030204" pitchFamily="49" charset="0"/>
+              </a:rPr>
+              <a:t>days</a:t>
+            </a:r>
+            <a:r>
+              <a:rPr lang="en-US" dirty="0">
+                <a:solidFill>
+                  <a:srgbClr val="000000"/>
+                </a:solidFill>
+                <a:highlight>
+                  <a:srgbClr val="FFFFFF"/>
+                </a:highlight>
+                <a:latin typeface="Consolas" panose="020B0609020204030204" pitchFamily="49" charset="0"/>
+              </a:rPr>
+              <a:t> </a:t>
+            </a:r>
+            <a:r>
+              <a:rPr lang="en-US" dirty="0">
+                <a:solidFill>
+                  <a:srgbClr val="0000FF"/>
+                </a:solidFill>
+                <a:highlight>
+                  <a:srgbClr val="FFFFFF"/>
+                </a:highlight>
+                <a:latin typeface="Consolas" panose="020B0609020204030204" pitchFamily="49" charset="0"/>
+              </a:rPr>
+              <a:t>before</a:t>
+            </a:r>
+            <a:r>
+              <a:rPr lang="en-US" dirty="0">
+                <a:solidFill>
+                  <a:srgbClr val="000000"/>
+                </a:solidFill>
+                <a:highlight>
+                  <a:srgbClr val="FFFFFF"/>
+                </a:highlight>
+                <a:latin typeface="Consolas" panose="020B0609020204030204" pitchFamily="49" charset="0"/>
+              </a:rPr>
+              <a:t> </a:t>
+            </a:r>
+            <a:r>
+              <a:rPr lang="en-US" dirty="0" smtClean="0">
+                <a:solidFill>
+                  <a:srgbClr val="0000FF"/>
+                </a:solidFill>
+                <a:highlight>
+                  <a:srgbClr val="FFFFFF"/>
+                </a:highlight>
+                <a:latin typeface="Consolas" panose="020B0609020204030204" pitchFamily="49" charset="0"/>
+              </a:rPr>
+              <a:t>start</a:t>
+            </a:r>
+          </a:p>
+          <a:p>
+            <a:pPr lvl="1"/>
+            <a:r>
+              <a:rPr lang="en-US" dirty="0">
+                <a:solidFill>
+                  <a:srgbClr val="0000FF"/>
+                </a:solidFill>
+                <a:highlight>
+                  <a:srgbClr val="FFFFFF"/>
+                </a:highlight>
+                <a:latin typeface="Consolas" panose="020B0609020204030204" pitchFamily="49" charset="0"/>
+              </a:rPr>
+              <a:t>starts</a:t>
+            </a:r>
+            <a:r>
+              <a:rPr lang="en-US" dirty="0">
+                <a:solidFill>
+                  <a:srgbClr val="000000"/>
+                </a:solidFill>
+                <a:highlight>
+                  <a:srgbClr val="FFFFFF"/>
+                </a:highlight>
+                <a:latin typeface="Consolas" panose="020B0609020204030204" pitchFamily="49" charset="0"/>
+              </a:rPr>
+              <a:t> </a:t>
+            </a:r>
+            <a:r>
+              <a:rPr lang="en-US" dirty="0">
+                <a:solidFill>
+                  <a:srgbClr val="0000FF"/>
+                </a:solidFill>
+                <a:highlight>
+                  <a:srgbClr val="FFFFFF"/>
+                </a:highlight>
+                <a:latin typeface="Consolas" panose="020B0609020204030204" pitchFamily="49" charset="0"/>
+              </a:rPr>
+              <a:t>within</a:t>
+            </a:r>
+            <a:r>
+              <a:rPr lang="en-US" dirty="0">
+                <a:solidFill>
+                  <a:srgbClr val="000000"/>
+                </a:solidFill>
+                <a:highlight>
+                  <a:srgbClr val="FFFFFF"/>
+                </a:highlight>
+                <a:latin typeface="Consolas" panose="020B0609020204030204" pitchFamily="49" charset="0"/>
+              </a:rPr>
+              <a:t> 3 </a:t>
+            </a:r>
+            <a:r>
+              <a:rPr lang="en-US" dirty="0">
+                <a:solidFill>
+                  <a:srgbClr val="0000FF"/>
+                </a:solidFill>
+                <a:highlight>
+                  <a:srgbClr val="FFFFFF"/>
+                </a:highlight>
+                <a:latin typeface="Consolas" panose="020B0609020204030204" pitchFamily="49" charset="0"/>
+              </a:rPr>
+              <a:t>days</a:t>
+            </a:r>
+            <a:r>
+              <a:rPr lang="en-US" dirty="0">
+                <a:solidFill>
+                  <a:srgbClr val="000000"/>
+                </a:solidFill>
+                <a:highlight>
+                  <a:srgbClr val="FFFFFF"/>
+                </a:highlight>
+                <a:latin typeface="Consolas" panose="020B0609020204030204" pitchFamily="49" charset="0"/>
+              </a:rPr>
+              <a:t> </a:t>
+            </a:r>
+            <a:r>
+              <a:rPr lang="en-US" dirty="0">
+                <a:solidFill>
+                  <a:srgbClr val="0000FF"/>
+                </a:solidFill>
+                <a:highlight>
+                  <a:srgbClr val="FFFFFF"/>
+                </a:highlight>
+                <a:latin typeface="Consolas" panose="020B0609020204030204" pitchFamily="49" charset="0"/>
+              </a:rPr>
+              <a:t>before</a:t>
+            </a:r>
+            <a:r>
+              <a:rPr lang="en-US" dirty="0">
+                <a:solidFill>
+                  <a:srgbClr val="000000"/>
+                </a:solidFill>
+                <a:highlight>
+                  <a:srgbClr val="FFFFFF"/>
+                </a:highlight>
+                <a:latin typeface="Consolas" panose="020B0609020204030204" pitchFamily="49" charset="0"/>
+              </a:rPr>
+              <a:t> </a:t>
+            </a:r>
+            <a:r>
+              <a:rPr lang="en-US" dirty="0" smtClean="0">
+                <a:solidFill>
+                  <a:srgbClr val="0000FF"/>
+                </a:solidFill>
+                <a:highlight>
+                  <a:srgbClr val="FFFFFF"/>
+                </a:highlight>
+                <a:latin typeface="Consolas" panose="020B0609020204030204" pitchFamily="49" charset="0"/>
+              </a:rPr>
+              <a:t>start</a:t>
+            </a:r>
+          </a:p>
+          <a:p>
+            <a:pPr lvl="1"/>
+            <a:r>
+              <a:rPr lang="en-US" dirty="0">
+                <a:solidFill>
+                  <a:srgbClr val="0000FF"/>
+                </a:solidFill>
+                <a:highlight>
+                  <a:srgbClr val="FFFFFF"/>
+                </a:highlight>
+                <a:latin typeface="Consolas" panose="020B0609020204030204" pitchFamily="49" charset="0"/>
+              </a:rPr>
+              <a:t>starts</a:t>
+            </a:r>
+            <a:r>
+              <a:rPr lang="en-US" dirty="0">
+                <a:solidFill>
+                  <a:srgbClr val="000000"/>
+                </a:solidFill>
+                <a:highlight>
+                  <a:srgbClr val="FFFFFF"/>
+                </a:highlight>
+                <a:latin typeface="Consolas" panose="020B0609020204030204" pitchFamily="49" charset="0"/>
+              </a:rPr>
+              <a:t> </a:t>
+            </a:r>
+            <a:r>
+              <a:rPr lang="en-US" dirty="0">
+                <a:solidFill>
+                  <a:srgbClr val="0000FF"/>
+                </a:solidFill>
+                <a:highlight>
+                  <a:srgbClr val="FFFFFF"/>
+                </a:highlight>
+                <a:latin typeface="Consolas" panose="020B0609020204030204" pitchFamily="49" charset="0"/>
+              </a:rPr>
+              <a:t>within</a:t>
+            </a:r>
+            <a:r>
+              <a:rPr lang="en-US" dirty="0">
+                <a:solidFill>
+                  <a:srgbClr val="000000"/>
+                </a:solidFill>
+                <a:highlight>
+                  <a:srgbClr val="FFFFFF"/>
+                </a:highlight>
+                <a:latin typeface="Consolas" panose="020B0609020204030204" pitchFamily="49" charset="0"/>
+              </a:rPr>
+              <a:t> 3 </a:t>
+            </a:r>
+            <a:r>
+              <a:rPr lang="en-US" dirty="0">
+                <a:solidFill>
+                  <a:srgbClr val="0000FF"/>
+                </a:solidFill>
+                <a:highlight>
+                  <a:srgbClr val="FFFFFF"/>
+                </a:highlight>
+                <a:latin typeface="Consolas" panose="020B0609020204030204" pitchFamily="49" charset="0"/>
+              </a:rPr>
+              <a:t>days</a:t>
+            </a:r>
+            <a:r>
+              <a:rPr lang="en-US" dirty="0">
+                <a:solidFill>
+                  <a:srgbClr val="000000"/>
+                </a:solidFill>
+                <a:highlight>
+                  <a:srgbClr val="FFFFFF"/>
+                </a:highlight>
+                <a:latin typeface="Consolas" panose="020B0609020204030204" pitchFamily="49" charset="0"/>
+              </a:rPr>
+              <a:t> </a:t>
+            </a:r>
+            <a:r>
+              <a:rPr lang="en-US" dirty="0">
+                <a:solidFill>
+                  <a:srgbClr val="0000FF"/>
+                </a:solidFill>
+                <a:highlight>
+                  <a:srgbClr val="FFFFFF"/>
+                </a:highlight>
+                <a:latin typeface="Consolas" panose="020B0609020204030204" pitchFamily="49" charset="0"/>
+              </a:rPr>
+              <a:t>of</a:t>
+            </a:r>
+            <a:r>
+              <a:rPr lang="en-US" dirty="0">
+                <a:solidFill>
+                  <a:srgbClr val="000000"/>
+                </a:solidFill>
+                <a:highlight>
+                  <a:srgbClr val="FFFFFF"/>
+                </a:highlight>
+                <a:latin typeface="Consolas" panose="020B0609020204030204" pitchFamily="49" charset="0"/>
+              </a:rPr>
+              <a:t> </a:t>
+            </a:r>
+            <a:r>
+              <a:rPr lang="en-US" dirty="0">
+                <a:solidFill>
+                  <a:srgbClr val="0000FF"/>
+                </a:solidFill>
+                <a:highlight>
+                  <a:srgbClr val="FFFFFF"/>
+                </a:highlight>
+                <a:latin typeface="Consolas" panose="020B0609020204030204" pitchFamily="49" charset="0"/>
+              </a:rPr>
+              <a:t>start</a:t>
+            </a:r>
+            <a:endParaRPr lang="en-US" dirty="0" smtClean="0"/>
+          </a:p>
+          <a:p>
+            <a:r>
+              <a:rPr lang="en-US" dirty="0" smtClean="0"/>
+              <a:t>Interval operators</a:t>
+            </a:r>
+          </a:p>
+          <a:p>
+            <a:pPr lvl="1"/>
+            <a:r>
+              <a:rPr lang="en-US" dirty="0">
+                <a:solidFill>
+                  <a:srgbClr val="0000FF"/>
+                </a:solidFill>
+                <a:highlight>
+                  <a:srgbClr val="FFFFFF"/>
+                </a:highlight>
+                <a:latin typeface="Consolas" panose="020B0609020204030204" pitchFamily="49" charset="0"/>
+              </a:rPr>
+              <a:t>meets</a:t>
+            </a:r>
+            <a:r>
+              <a:rPr lang="en-US" dirty="0">
+                <a:solidFill>
+                  <a:srgbClr val="000000"/>
+                </a:solidFill>
+                <a:highlight>
+                  <a:srgbClr val="FFFFFF"/>
+                </a:highlight>
+                <a:latin typeface="Consolas" panose="020B0609020204030204" pitchFamily="49" charset="0"/>
+              </a:rPr>
+              <a:t>, </a:t>
+            </a:r>
+            <a:r>
+              <a:rPr lang="en-US" dirty="0">
+                <a:solidFill>
+                  <a:srgbClr val="0000FF"/>
+                </a:solidFill>
+                <a:highlight>
+                  <a:srgbClr val="FFFFFF"/>
+                </a:highlight>
+                <a:latin typeface="Consolas" panose="020B0609020204030204" pitchFamily="49" charset="0"/>
+              </a:rPr>
+              <a:t>overlaps</a:t>
+            </a:r>
+            <a:r>
+              <a:rPr lang="en-US" dirty="0">
+                <a:solidFill>
+                  <a:srgbClr val="000000"/>
+                </a:solidFill>
+                <a:highlight>
+                  <a:srgbClr val="FFFFFF"/>
+                </a:highlight>
+                <a:latin typeface="Consolas" panose="020B0609020204030204" pitchFamily="49" charset="0"/>
+              </a:rPr>
+              <a:t>, </a:t>
+            </a:r>
+            <a:r>
+              <a:rPr lang="en-US" dirty="0">
+                <a:solidFill>
+                  <a:srgbClr val="0000FF"/>
+                </a:solidFill>
+                <a:highlight>
+                  <a:srgbClr val="FFFFFF"/>
+                </a:highlight>
+                <a:latin typeface="Consolas" panose="020B0609020204030204" pitchFamily="49" charset="0"/>
+              </a:rPr>
+              <a:t>during</a:t>
+            </a:r>
+            <a:endParaRPr lang="en-US" dirty="0" smtClean="0"/>
+          </a:p>
+          <a:p>
+            <a:r>
+              <a:rPr lang="en-US" dirty="0" smtClean="0"/>
+              <a:t>Point access</a:t>
+            </a:r>
+          </a:p>
+          <a:p>
+            <a:pPr lvl="1"/>
+            <a:r>
+              <a:rPr lang="en-US" dirty="0">
+                <a:solidFill>
+                  <a:srgbClr val="0000FF"/>
+                </a:solidFill>
+                <a:highlight>
+                  <a:srgbClr val="FFFFFF"/>
+                </a:highlight>
+                <a:latin typeface="Consolas" panose="020B0609020204030204" pitchFamily="49" charset="0"/>
+              </a:rPr>
+              <a:t>start</a:t>
+            </a:r>
+            <a:r>
+              <a:rPr lang="en-US" dirty="0">
+                <a:solidFill>
+                  <a:srgbClr val="000000"/>
+                </a:solidFill>
+                <a:highlight>
+                  <a:srgbClr val="FFFFFF"/>
+                </a:highlight>
+                <a:latin typeface="Consolas" panose="020B0609020204030204" pitchFamily="49" charset="0"/>
+              </a:rPr>
+              <a:t> </a:t>
+            </a:r>
+            <a:r>
+              <a:rPr lang="en-US" dirty="0">
+                <a:solidFill>
+                  <a:srgbClr val="0000FF"/>
+                </a:solidFill>
+                <a:highlight>
+                  <a:srgbClr val="FFFFFF"/>
+                </a:highlight>
+                <a:latin typeface="Consolas" panose="020B0609020204030204" pitchFamily="49" charset="0"/>
+              </a:rPr>
+              <a:t>of</a:t>
+            </a:r>
+            <a:r>
+              <a:rPr lang="en-US" dirty="0">
+                <a:solidFill>
+                  <a:srgbClr val="000000"/>
+                </a:solidFill>
+                <a:highlight>
+                  <a:srgbClr val="FFFFFF"/>
+                </a:highlight>
+                <a:latin typeface="Consolas" panose="020B0609020204030204" pitchFamily="49" charset="0"/>
+              </a:rPr>
+              <a:t> </a:t>
+            </a:r>
+            <a:r>
+              <a:rPr lang="en-US" dirty="0" err="1">
+                <a:solidFill>
+                  <a:srgbClr val="000000"/>
+                </a:solidFill>
+                <a:highlight>
+                  <a:srgbClr val="FFFFFF"/>
+                </a:highlight>
+                <a:latin typeface="Consolas" panose="020B0609020204030204" pitchFamily="49" charset="0"/>
+              </a:rPr>
+              <a:t>MeasurementPeriod</a:t>
+            </a:r>
+            <a:endParaRPr lang="en-US" dirty="0" smtClean="0"/>
+          </a:p>
+          <a:p>
+            <a:r>
+              <a:rPr lang="en-US" dirty="0" smtClean="0"/>
+              <a:t>Membership</a:t>
+            </a:r>
+          </a:p>
+          <a:p>
+            <a:pPr lvl="1"/>
+            <a:r>
+              <a:rPr lang="en-US" dirty="0">
+                <a:solidFill>
+                  <a:srgbClr val="000000"/>
+                </a:solidFill>
+                <a:highlight>
+                  <a:srgbClr val="FFFFFF"/>
+                </a:highlight>
+                <a:latin typeface="Consolas" panose="020B0609020204030204" pitchFamily="49" charset="0"/>
+              </a:rPr>
+              <a:t>X </a:t>
+            </a:r>
+            <a:r>
+              <a:rPr lang="en-US" dirty="0">
+                <a:solidFill>
+                  <a:srgbClr val="0000FF"/>
+                </a:solidFill>
+                <a:highlight>
+                  <a:srgbClr val="FFFFFF"/>
+                </a:highlight>
+                <a:latin typeface="Consolas" panose="020B0609020204030204" pitchFamily="49" charset="0"/>
+              </a:rPr>
+              <a:t>in</a:t>
+            </a:r>
+            <a:r>
+              <a:rPr lang="en-US" dirty="0">
+                <a:solidFill>
+                  <a:srgbClr val="000000"/>
+                </a:solidFill>
+                <a:highlight>
+                  <a:srgbClr val="FFFFFF"/>
+                </a:highlight>
+                <a:latin typeface="Consolas" panose="020B0609020204030204" pitchFamily="49" charset="0"/>
+              </a:rPr>
+              <a:t> { 1, 2, 3, 4, 5 }</a:t>
+            </a:r>
             <a:endParaRPr lang="en-US" dirty="0"/>
           </a:p>
         </p:txBody>
@@ -3516,7 +4231,7 @@
     </p:spTree>
     <p:extLst>
       <p:ext uri="{BB962C8B-B14F-4D97-AF65-F5344CB8AC3E}">
-        <p14:creationId xmlns:p14="http://schemas.microsoft.com/office/powerpoint/2010/main" val="1363575500"/>
+        <p14:creationId xmlns:p14="http://schemas.microsoft.com/office/powerpoint/2010/main" val="3833174328"/>
       </p:ext>
     </p:extLst>
   </p:cSld>
@@ -3560,7 +4275,7 @@
           <a:p>
             <a:r>
               <a:rPr lang="en-US" dirty="0" smtClean="0"/>
-              <a:t>Set Operations</a:t>
+              <a:t>Date/Time Manipulation</a:t>
             </a:r>
             <a:endParaRPr lang="en-US" dirty="0"/>
           </a:p>
@@ -3578,17 +4293,558 @@
         </p:nvSpPr>
         <p:spPr/>
         <p:txBody>
-          <a:bodyPr/>
-          <a:lstStyle/>
-          <a:p>
-            <a:endParaRPr lang="en-US"/>
+          <a:bodyPr>
+            <a:normAutofit lnSpcReduction="10000"/>
+          </a:bodyPr>
+          <a:lstStyle/>
+          <a:p>
+            <a:r>
+              <a:rPr lang="en-US" dirty="0" smtClean="0"/>
+              <a:t>Date </a:t>
+            </a:r>
+            <a:r>
+              <a:rPr lang="en-US" dirty="0" smtClean="0"/>
+              <a:t>Construction</a:t>
+            </a:r>
+          </a:p>
+          <a:p>
+            <a:pPr lvl="1"/>
+            <a:r>
+              <a:rPr lang="en-US" sz="2000" dirty="0">
+                <a:solidFill>
+                  <a:srgbClr val="000000"/>
+                </a:solidFill>
+                <a:highlight>
+                  <a:srgbClr val="FFFFFF"/>
+                </a:highlight>
+                <a:latin typeface="Consolas" panose="020B0609020204030204" pitchFamily="49" charset="0"/>
+              </a:rPr>
+              <a:t>Date(2014, 1, 1, 12, 0, 0, -6</a:t>
+            </a:r>
+            <a:r>
+              <a:rPr lang="en-US" sz="2000" dirty="0" smtClean="0">
+                <a:solidFill>
+                  <a:srgbClr val="000000"/>
+                </a:solidFill>
+                <a:highlight>
+                  <a:srgbClr val="FFFFFF"/>
+                </a:highlight>
+                <a:latin typeface="Consolas" panose="020B0609020204030204" pitchFamily="49" charset="0"/>
+              </a:rPr>
+              <a:t>)</a:t>
+            </a:r>
+          </a:p>
+          <a:p>
+            <a:pPr lvl="1"/>
+            <a:r>
+              <a:rPr lang="en-US" sz="2000" dirty="0">
+                <a:solidFill>
+                  <a:srgbClr val="0000FF"/>
+                </a:solidFill>
+                <a:highlight>
+                  <a:srgbClr val="FFFFFF"/>
+                </a:highlight>
+                <a:latin typeface="Consolas" panose="020B0609020204030204" pitchFamily="49" charset="0"/>
+              </a:rPr>
+              <a:t>convert</a:t>
+            </a:r>
+            <a:r>
+              <a:rPr lang="en-US" sz="2000" dirty="0">
+                <a:solidFill>
+                  <a:srgbClr val="000000"/>
+                </a:solidFill>
+                <a:highlight>
+                  <a:srgbClr val="FFFFFF"/>
+                </a:highlight>
+                <a:latin typeface="Consolas" panose="020B0609020204030204" pitchFamily="49" charset="0"/>
+              </a:rPr>
+              <a:t> </a:t>
+            </a:r>
+            <a:r>
+              <a:rPr lang="en-US" sz="2000" dirty="0">
+                <a:solidFill>
+                  <a:srgbClr val="A31515"/>
+                </a:solidFill>
+                <a:highlight>
+                  <a:srgbClr val="FFFFFF"/>
+                </a:highlight>
+                <a:latin typeface="Consolas" panose="020B0609020204030204" pitchFamily="49" charset="0"/>
+              </a:rPr>
+              <a:t>"20140101120000-0600"</a:t>
+            </a:r>
+            <a:r>
+              <a:rPr lang="en-US" sz="2000" dirty="0">
+                <a:solidFill>
+                  <a:srgbClr val="000000"/>
+                </a:solidFill>
+                <a:highlight>
+                  <a:srgbClr val="FFFFFF"/>
+                </a:highlight>
+                <a:latin typeface="Consolas" panose="020B0609020204030204" pitchFamily="49" charset="0"/>
+              </a:rPr>
+              <a:t> </a:t>
+            </a:r>
+            <a:r>
+              <a:rPr lang="en-US" sz="2000" dirty="0">
+                <a:solidFill>
+                  <a:srgbClr val="0000FF"/>
+                </a:solidFill>
+                <a:highlight>
+                  <a:srgbClr val="FFFFFF"/>
+                </a:highlight>
+                <a:latin typeface="Consolas" panose="020B0609020204030204" pitchFamily="49" charset="0"/>
+              </a:rPr>
+              <a:t>to</a:t>
+            </a:r>
+            <a:r>
+              <a:rPr lang="en-US" sz="2000" dirty="0">
+                <a:solidFill>
+                  <a:srgbClr val="000000"/>
+                </a:solidFill>
+                <a:highlight>
+                  <a:srgbClr val="FFFFFF"/>
+                </a:highlight>
+                <a:latin typeface="Consolas" panose="020B0609020204030204" pitchFamily="49" charset="0"/>
+              </a:rPr>
+              <a:t> Timestamp</a:t>
+            </a:r>
+            <a:endParaRPr lang="en-US" sz="2000" dirty="0" smtClean="0"/>
+          </a:p>
+          <a:p>
+            <a:r>
+              <a:rPr lang="en-US" dirty="0" smtClean="0"/>
+              <a:t>Date </a:t>
+            </a:r>
+            <a:r>
+              <a:rPr lang="en-US" dirty="0" smtClean="0"/>
+              <a:t>Arithmetic</a:t>
+            </a:r>
+          </a:p>
+          <a:p>
+            <a:pPr lvl="1"/>
+            <a:r>
+              <a:rPr lang="en-US" sz="2000" dirty="0">
+                <a:solidFill>
+                  <a:srgbClr val="000000"/>
+                </a:solidFill>
+                <a:highlight>
+                  <a:srgbClr val="FFFFFF"/>
+                </a:highlight>
+                <a:latin typeface="Consolas" panose="020B0609020204030204" pitchFamily="49" charset="0"/>
+              </a:rPr>
+              <a:t>today + 3 </a:t>
+            </a:r>
+            <a:r>
+              <a:rPr lang="en-US" sz="2000" dirty="0">
+                <a:solidFill>
+                  <a:srgbClr val="0000FF"/>
+                </a:solidFill>
+                <a:highlight>
+                  <a:srgbClr val="FFFFFF"/>
+                </a:highlight>
+                <a:latin typeface="Consolas" panose="020B0609020204030204" pitchFamily="49" charset="0"/>
+              </a:rPr>
+              <a:t>months</a:t>
+            </a:r>
+            <a:r>
+              <a:rPr lang="en-US" sz="2000" dirty="0">
+                <a:solidFill>
+                  <a:srgbClr val="000000"/>
+                </a:solidFill>
+                <a:highlight>
+                  <a:srgbClr val="FFFFFF"/>
+                </a:highlight>
+                <a:latin typeface="Consolas" panose="020B0609020204030204" pitchFamily="49" charset="0"/>
+              </a:rPr>
+              <a:t> - 2 </a:t>
+            </a:r>
+            <a:r>
+              <a:rPr lang="en-US" sz="2000" dirty="0" smtClean="0">
+                <a:solidFill>
+                  <a:srgbClr val="0000FF"/>
+                </a:solidFill>
+                <a:highlight>
+                  <a:srgbClr val="FFFFFF"/>
+                </a:highlight>
+                <a:latin typeface="Consolas" panose="020B0609020204030204" pitchFamily="49" charset="0"/>
+              </a:rPr>
+              <a:t>days</a:t>
+            </a:r>
+          </a:p>
+          <a:p>
+            <a:pPr lvl="1"/>
+            <a:r>
+              <a:rPr lang="en-US" sz="2000" dirty="0">
+                <a:solidFill>
+                  <a:srgbClr val="0000FF"/>
+                </a:solidFill>
+                <a:highlight>
+                  <a:srgbClr val="FFFFFF"/>
+                </a:highlight>
+                <a:latin typeface="Consolas" panose="020B0609020204030204" pitchFamily="49" charset="0"/>
+              </a:rPr>
+              <a:t>months</a:t>
+            </a:r>
+            <a:r>
+              <a:rPr lang="en-US" sz="2000" dirty="0">
+                <a:solidFill>
+                  <a:srgbClr val="000000"/>
+                </a:solidFill>
+                <a:highlight>
+                  <a:srgbClr val="FFFFFF"/>
+                </a:highlight>
+                <a:latin typeface="Consolas" panose="020B0609020204030204" pitchFamily="49" charset="0"/>
+              </a:rPr>
+              <a:t> between </a:t>
+            </a:r>
+            <a:r>
+              <a:rPr lang="en-US" sz="2000" dirty="0">
+                <a:solidFill>
+                  <a:srgbClr val="0000FF"/>
+                </a:solidFill>
+                <a:highlight>
+                  <a:srgbClr val="FFFFFF"/>
+                </a:highlight>
+                <a:latin typeface="Consolas" panose="020B0609020204030204" pitchFamily="49" charset="0"/>
+              </a:rPr>
+              <a:t>start</a:t>
+            </a:r>
+            <a:r>
+              <a:rPr lang="en-US" sz="2000" dirty="0">
+                <a:solidFill>
+                  <a:srgbClr val="000000"/>
+                </a:solidFill>
+                <a:highlight>
+                  <a:srgbClr val="FFFFFF"/>
+                </a:highlight>
+                <a:latin typeface="Consolas" panose="020B0609020204030204" pitchFamily="49" charset="0"/>
+              </a:rPr>
+              <a:t> </a:t>
+            </a:r>
+            <a:r>
+              <a:rPr lang="en-US" sz="2000" dirty="0">
+                <a:solidFill>
+                  <a:srgbClr val="0000FF"/>
+                </a:solidFill>
+                <a:highlight>
+                  <a:srgbClr val="FFFFFF"/>
+                </a:highlight>
+                <a:latin typeface="Consolas" panose="020B0609020204030204" pitchFamily="49" charset="0"/>
+              </a:rPr>
+              <a:t>of</a:t>
+            </a:r>
+            <a:r>
+              <a:rPr lang="en-US" sz="2000" dirty="0">
+                <a:solidFill>
+                  <a:srgbClr val="000000"/>
+                </a:solidFill>
+                <a:highlight>
+                  <a:srgbClr val="FFFFFF"/>
+                </a:highlight>
+                <a:latin typeface="Consolas" panose="020B0609020204030204" pitchFamily="49" charset="0"/>
+              </a:rPr>
+              <a:t> X </a:t>
+            </a:r>
+            <a:r>
+              <a:rPr lang="en-US" sz="2000" dirty="0">
+                <a:solidFill>
+                  <a:srgbClr val="0000FF"/>
+                </a:solidFill>
+                <a:highlight>
+                  <a:srgbClr val="FFFFFF"/>
+                </a:highlight>
+                <a:latin typeface="Consolas" panose="020B0609020204030204" pitchFamily="49" charset="0"/>
+              </a:rPr>
+              <a:t>and</a:t>
+            </a:r>
+            <a:r>
+              <a:rPr lang="en-US" sz="2000" dirty="0">
+                <a:solidFill>
+                  <a:srgbClr val="000000"/>
+                </a:solidFill>
+                <a:highlight>
+                  <a:srgbClr val="FFFFFF"/>
+                </a:highlight>
+                <a:latin typeface="Consolas" panose="020B0609020204030204" pitchFamily="49" charset="0"/>
+              </a:rPr>
+              <a:t> </a:t>
+            </a:r>
+            <a:r>
+              <a:rPr lang="en-US" sz="2000" dirty="0">
+                <a:solidFill>
+                  <a:srgbClr val="0000FF"/>
+                </a:solidFill>
+                <a:highlight>
+                  <a:srgbClr val="FFFFFF"/>
+                </a:highlight>
+                <a:latin typeface="Consolas" panose="020B0609020204030204" pitchFamily="49" charset="0"/>
+              </a:rPr>
+              <a:t>end</a:t>
+            </a:r>
+            <a:r>
+              <a:rPr lang="en-US" sz="2000" dirty="0">
+                <a:solidFill>
+                  <a:srgbClr val="000000"/>
+                </a:solidFill>
+                <a:highlight>
+                  <a:srgbClr val="FFFFFF"/>
+                </a:highlight>
+                <a:latin typeface="Consolas" panose="020B0609020204030204" pitchFamily="49" charset="0"/>
+              </a:rPr>
+              <a:t> </a:t>
+            </a:r>
+            <a:r>
+              <a:rPr lang="en-US" sz="2000" dirty="0">
+                <a:solidFill>
+                  <a:srgbClr val="0000FF"/>
+                </a:solidFill>
+                <a:highlight>
+                  <a:srgbClr val="FFFFFF"/>
+                </a:highlight>
+                <a:latin typeface="Consolas" panose="020B0609020204030204" pitchFamily="49" charset="0"/>
+              </a:rPr>
+              <a:t>of</a:t>
+            </a:r>
+            <a:r>
+              <a:rPr lang="en-US" sz="2000" dirty="0">
+                <a:solidFill>
+                  <a:srgbClr val="000000"/>
+                </a:solidFill>
+                <a:highlight>
+                  <a:srgbClr val="FFFFFF"/>
+                </a:highlight>
+                <a:latin typeface="Consolas" panose="020B0609020204030204" pitchFamily="49" charset="0"/>
+              </a:rPr>
+              <a:t> X</a:t>
+            </a:r>
+            <a:endParaRPr lang="en-US" sz="2000" dirty="0" smtClean="0"/>
+          </a:p>
+          <a:p>
+            <a:r>
+              <a:rPr lang="en-US" dirty="0" smtClean="0"/>
+              <a:t>Date/Time </a:t>
+            </a:r>
+            <a:r>
+              <a:rPr lang="en-US" dirty="0" smtClean="0"/>
+              <a:t>extraction</a:t>
+            </a:r>
+          </a:p>
+          <a:p>
+            <a:pPr lvl="1"/>
+            <a:r>
+              <a:rPr lang="en-US" sz="2000" dirty="0">
+                <a:solidFill>
+                  <a:srgbClr val="0000FF"/>
+                </a:solidFill>
+                <a:highlight>
+                  <a:srgbClr val="FFFFFF"/>
+                </a:highlight>
+                <a:latin typeface="Consolas" panose="020B0609020204030204" pitchFamily="49" charset="0"/>
+              </a:rPr>
+              <a:t>date</a:t>
+            </a:r>
+            <a:r>
+              <a:rPr lang="en-US" sz="2000" dirty="0">
+                <a:solidFill>
+                  <a:srgbClr val="000000"/>
+                </a:solidFill>
+                <a:highlight>
+                  <a:srgbClr val="FFFFFF"/>
+                </a:highlight>
+                <a:latin typeface="Consolas" panose="020B0609020204030204" pitchFamily="49" charset="0"/>
+              </a:rPr>
+              <a:t> </a:t>
+            </a:r>
+            <a:r>
+              <a:rPr lang="en-US" sz="2000" dirty="0">
+                <a:solidFill>
+                  <a:srgbClr val="0000FF"/>
+                </a:solidFill>
+                <a:highlight>
+                  <a:srgbClr val="FFFFFF"/>
+                </a:highlight>
+                <a:latin typeface="Consolas" panose="020B0609020204030204" pitchFamily="49" charset="0"/>
+              </a:rPr>
+              <a:t>of</a:t>
+            </a:r>
+            <a:r>
+              <a:rPr lang="en-US" sz="2000" dirty="0">
+                <a:solidFill>
+                  <a:srgbClr val="000000"/>
+                </a:solidFill>
+                <a:highlight>
+                  <a:srgbClr val="FFFFFF"/>
+                </a:highlight>
+                <a:latin typeface="Consolas" panose="020B0609020204030204" pitchFamily="49" charset="0"/>
+              </a:rPr>
+              <a:t> </a:t>
+            </a:r>
+            <a:r>
+              <a:rPr lang="en-US" sz="2000" dirty="0">
+                <a:solidFill>
+                  <a:srgbClr val="0000FF"/>
+                </a:solidFill>
+                <a:highlight>
+                  <a:srgbClr val="FFFFFF"/>
+                </a:highlight>
+                <a:latin typeface="Consolas" panose="020B0609020204030204" pitchFamily="49" charset="0"/>
+              </a:rPr>
+              <a:t>start</a:t>
+            </a:r>
+            <a:r>
+              <a:rPr lang="en-US" sz="2000" dirty="0">
+                <a:solidFill>
+                  <a:srgbClr val="000000"/>
+                </a:solidFill>
+                <a:highlight>
+                  <a:srgbClr val="FFFFFF"/>
+                </a:highlight>
+                <a:latin typeface="Consolas" panose="020B0609020204030204" pitchFamily="49" charset="0"/>
+              </a:rPr>
+              <a:t> </a:t>
+            </a:r>
+            <a:r>
+              <a:rPr lang="en-US" sz="2000" dirty="0">
+                <a:solidFill>
+                  <a:srgbClr val="0000FF"/>
+                </a:solidFill>
+                <a:highlight>
+                  <a:srgbClr val="FFFFFF"/>
+                </a:highlight>
+                <a:latin typeface="Consolas" panose="020B0609020204030204" pitchFamily="49" charset="0"/>
+              </a:rPr>
+              <a:t>of</a:t>
+            </a:r>
+            <a:r>
+              <a:rPr lang="en-US" sz="2000" dirty="0">
+                <a:solidFill>
+                  <a:srgbClr val="000000"/>
+                </a:solidFill>
+                <a:highlight>
+                  <a:srgbClr val="FFFFFF"/>
+                </a:highlight>
+                <a:latin typeface="Consolas" panose="020B0609020204030204" pitchFamily="49" charset="0"/>
+              </a:rPr>
+              <a:t> X</a:t>
+            </a:r>
+            <a:endParaRPr lang="en-US" sz="2000" dirty="0" smtClean="0"/>
+          </a:p>
+          <a:p>
+            <a:r>
+              <a:rPr lang="en-US" dirty="0" smtClean="0"/>
+              <a:t>Component </a:t>
+            </a:r>
+            <a:r>
+              <a:rPr lang="en-US" dirty="0" smtClean="0"/>
+              <a:t>extraction</a:t>
+            </a:r>
+          </a:p>
+          <a:p>
+            <a:pPr lvl="1"/>
+            <a:r>
+              <a:rPr lang="en-US" sz="2000" dirty="0">
+                <a:solidFill>
+                  <a:srgbClr val="0000FF"/>
+                </a:solidFill>
+                <a:highlight>
+                  <a:srgbClr val="FFFFFF"/>
+                </a:highlight>
+                <a:latin typeface="Consolas" panose="020B0609020204030204" pitchFamily="49" charset="0"/>
+              </a:rPr>
+              <a:t>month</a:t>
+            </a:r>
+            <a:r>
+              <a:rPr lang="en-US" sz="2000" dirty="0">
+                <a:solidFill>
+                  <a:srgbClr val="000000"/>
+                </a:solidFill>
+                <a:highlight>
+                  <a:srgbClr val="FFFFFF"/>
+                </a:highlight>
+                <a:latin typeface="Consolas" panose="020B0609020204030204" pitchFamily="49" charset="0"/>
+              </a:rPr>
+              <a:t> </a:t>
+            </a:r>
+            <a:r>
+              <a:rPr lang="en-US" sz="2000" dirty="0">
+                <a:solidFill>
+                  <a:srgbClr val="0000FF"/>
+                </a:solidFill>
+                <a:highlight>
+                  <a:srgbClr val="FFFFFF"/>
+                </a:highlight>
+                <a:latin typeface="Consolas" panose="020B0609020204030204" pitchFamily="49" charset="0"/>
+              </a:rPr>
+              <a:t>of</a:t>
+            </a:r>
+            <a:r>
+              <a:rPr lang="en-US" sz="2000" dirty="0">
+                <a:solidFill>
+                  <a:srgbClr val="000000"/>
+                </a:solidFill>
+                <a:highlight>
+                  <a:srgbClr val="FFFFFF"/>
+                </a:highlight>
+                <a:latin typeface="Consolas" panose="020B0609020204030204" pitchFamily="49" charset="0"/>
+              </a:rPr>
+              <a:t> </a:t>
+            </a:r>
+            <a:r>
+              <a:rPr lang="en-US" sz="2000" dirty="0">
+                <a:solidFill>
+                  <a:srgbClr val="0000FF"/>
+                </a:solidFill>
+                <a:highlight>
+                  <a:srgbClr val="FFFFFF"/>
+                </a:highlight>
+                <a:latin typeface="Consolas" panose="020B0609020204030204" pitchFamily="49" charset="0"/>
+              </a:rPr>
+              <a:t>start</a:t>
+            </a:r>
+            <a:r>
+              <a:rPr lang="en-US" sz="2000" dirty="0">
+                <a:solidFill>
+                  <a:srgbClr val="000000"/>
+                </a:solidFill>
+                <a:highlight>
+                  <a:srgbClr val="FFFFFF"/>
+                </a:highlight>
+                <a:latin typeface="Consolas" panose="020B0609020204030204" pitchFamily="49" charset="0"/>
+              </a:rPr>
+              <a:t> </a:t>
+            </a:r>
+            <a:r>
+              <a:rPr lang="en-US" sz="2000" dirty="0">
+                <a:solidFill>
+                  <a:srgbClr val="0000FF"/>
+                </a:solidFill>
+                <a:highlight>
+                  <a:srgbClr val="FFFFFF"/>
+                </a:highlight>
+                <a:latin typeface="Consolas" panose="020B0609020204030204" pitchFamily="49" charset="0"/>
+              </a:rPr>
+              <a:t>of</a:t>
+            </a:r>
+            <a:r>
+              <a:rPr lang="en-US" sz="2000" dirty="0">
+                <a:solidFill>
+                  <a:srgbClr val="000000"/>
+                </a:solidFill>
+                <a:highlight>
+                  <a:srgbClr val="FFFFFF"/>
+                </a:highlight>
+                <a:latin typeface="Consolas" panose="020B0609020204030204" pitchFamily="49" charset="0"/>
+              </a:rPr>
+              <a:t> X</a:t>
+            </a:r>
+            <a:endParaRPr lang="en-US" sz="2000" dirty="0"/>
           </a:p>
         </p:txBody>
       </p:sp>
     </p:spTree>
     <p:extLst>
       <p:ext uri="{BB962C8B-B14F-4D97-AF65-F5344CB8AC3E}">
-        <p14:creationId xmlns:p14="http://schemas.microsoft.com/office/powerpoint/2010/main" val="1224130417"/>
+        <p14:creationId xmlns:p14="http://schemas.microsoft.com/office/powerpoint/2010/main" val="3835497586"/>
       </p:ext>
     </p:extLst>
   </p:cSld>
@@ -3632,7 +4888,7 @@
           <a:p>
             <a:r>
               <a:rPr lang="en-US" dirty="0" smtClean="0"/>
-              <a:t>Combining Results</a:t>
+              <a:t>Filtering</a:t>
             </a:r>
             <a:endParaRPr lang="en-US" dirty="0"/>
           </a:p>
@@ -3653,14 +4909,146 @@
           <a:bodyPr/>
           <a:lstStyle/>
           <a:p>
-            <a:endParaRPr lang="en-US"/>
+            <a:r>
+              <a:rPr lang="en-US" dirty="0" smtClean="0"/>
+              <a:t>A “where” clause returns only those elements that satisfy the condition:</a:t>
+            </a:r>
+          </a:p>
+          <a:p>
+            <a:pPr lvl="1"/>
+            <a:r>
+              <a:rPr lang="en-US" sz="2000" dirty="0">
+                <a:solidFill>
+                  <a:srgbClr val="000000"/>
+                </a:solidFill>
+                <a:highlight>
+                  <a:srgbClr val="FFFFFF"/>
+                </a:highlight>
+                <a:latin typeface="Consolas" panose="020B0609020204030204" pitchFamily="49" charset="0"/>
+              </a:rPr>
+              <a:t>[Encounter, Performed: </a:t>
+            </a:r>
+            <a:r>
+              <a:rPr lang="en-US" sz="2000" dirty="0">
+                <a:solidFill>
+                  <a:srgbClr val="A31515"/>
+                </a:solidFill>
+                <a:highlight>
+                  <a:srgbClr val="FFFFFF"/>
+                </a:highlight>
+                <a:latin typeface="Consolas" panose="020B0609020204030204" pitchFamily="49" charset="0"/>
+              </a:rPr>
+              <a:t>"Inpatient"</a:t>
+            </a:r>
+            <a:r>
+              <a:rPr lang="en-US" sz="2000" dirty="0">
+                <a:solidFill>
+                  <a:srgbClr val="000000"/>
+                </a:solidFill>
+                <a:highlight>
+                  <a:srgbClr val="FFFFFF"/>
+                </a:highlight>
+                <a:latin typeface="Consolas" panose="020B0609020204030204" pitchFamily="49" charset="0"/>
+              </a:rPr>
+              <a:t>] E </a:t>
+            </a:r>
+            <a:br>
+              <a:rPr lang="en-US" sz="2000" dirty="0">
+                <a:solidFill>
+                  <a:srgbClr val="000000"/>
+                </a:solidFill>
+                <a:highlight>
+                  <a:srgbClr val="FFFFFF"/>
+                </a:highlight>
+                <a:latin typeface="Consolas" panose="020B0609020204030204" pitchFamily="49" charset="0"/>
+              </a:rPr>
+            </a:br>
+            <a:r>
+              <a:rPr lang="en-US" sz="2000" dirty="0">
+                <a:solidFill>
+                  <a:srgbClr val="000000"/>
+                </a:solidFill>
+                <a:highlight>
+                  <a:srgbClr val="FFFFFF"/>
+                </a:highlight>
+                <a:latin typeface="Consolas" panose="020B0609020204030204" pitchFamily="49" charset="0"/>
+              </a:rPr>
+              <a:t>	</a:t>
+            </a:r>
+            <a:r>
+              <a:rPr lang="en-US" sz="2000" dirty="0">
+                <a:solidFill>
+                  <a:srgbClr val="0000FF"/>
+                </a:solidFill>
+                <a:highlight>
+                  <a:srgbClr val="FFFFFF"/>
+                </a:highlight>
+                <a:latin typeface="Consolas" panose="020B0609020204030204" pitchFamily="49" charset="0"/>
+              </a:rPr>
+              <a:t>where</a:t>
+            </a:r>
+            <a:r>
+              <a:rPr lang="en-US" sz="2000" dirty="0">
+                <a:solidFill>
+                  <a:srgbClr val="000000"/>
+                </a:solidFill>
+                <a:highlight>
+                  <a:srgbClr val="FFFFFF"/>
+                </a:highlight>
+                <a:latin typeface="Consolas" panose="020B0609020204030204" pitchFamily="49" charset="0"/>
+              </a:rPr>
+              <a:t> </a:t>
+            </a:r>
+            <a:r>
+              <a:rPr lang="en-US" sz="2000" dirty="0" err="1">
+                <a:solidFill>
+                  <a:srgbClr val="000000"/>
+                </a:solidFill>
+                <a:highlight>
+                  <a:srgbClr val="FFFFFF"/>
+                </a:highlight>
+                <a:latin typeface="Consolas" panose="020B0609020204030204" pitchFamily="49" charset="0"/>
+              </a:rPr>
+              <a:t>E.lengthOfStay</a:t>
+            </a:r>
+            <a:r>
+              <a:rPr lang="en-US" sz="2000" dirty="0">
+                <a:solidFill>
+                  <a:srgbClr val="000000"/>
+                </a:solidFill>
+                <a:highlight>
+                  <a:srgbClr val="FFFFFF"/>
+                </a:highlight>
+                <a:latin typeface="Consolas" panose="020B0609020204030204" pitchFamily="49" charset="0"/>
+              </a:rPr>
+              <a:t> &gt; 120 </a:t>
+            </a:r>
+            <a:r>
+              <a:rPr lang="en-US" sz="2000" dirty="0" smtClean="0">
+                <a:solidFill>
+                  <a:srgbClr val="0000FF"/>
+                </a:solidFill>
+                <a:highlight>
+                  <a:srgbClr val="FFFFFF"/>
+                </a:highlight>
+                <a:latin typeface="Consolas" panose="020B0609020204030204" pitchFamily="49" charset="0"/>
+              </a:rPr>
+              <a:t>days</a:t>
+            </a:r>
+            <a:endParaRPr lang="en-US" sz="2000" dirty="0" smtClean="0"/>
+          </a:p>
+          <a:p>
+            <a:r>
+              <a:rPr lang="en-US" dirty="0" smtClean="0"/>
+              <a:t>“E” in the above example is an alias for the results in the retrieve and can be used anywhere within the query.</a:t>
+            </a:r>
           </a:p>
         </p:txBody>
       </p:sp>
     </p:spTree>
     <p:extLst>
       <p:ext uri="{BB962C8B-B14F-4D97-AF65-F5344CB8AC3E}">
-        <p14:creationId xmlns:p14="http://schemas.microsoft.com/office/powerpoint/2010/main" val="3172554914"/>
+        <p14:creationId xmlns:p14="http://schemas.microsoft.com/office/powerpoint/2010/main" val="1271474877"/>
       </p:ext>
     </p:extLst>
   </p:cSld>
@@ -3704,7 +5092,7 @@
           <a:p>
             <a:r>
               <a:rPr lang="en-US" dirty="0" smtClean="0"/>
-              <a:t>Let Statements</a:t>
+              <a:t>Filtering by Relationships</a:t>
             </a:r>
             <a:endParaRPr lang="en-US" dirty="0"/>
           </a:p>
@@ -3725,14 +5113,20 @@
           <a:bodyPr/>
           <a:lstStyle/>
           <a:p>
-            <a:endParaRPr lang="en-US"/>
+            <a:r>
+              <a:rPr lang="en-US" dirty="0" smtClean="0"/>
+              <a:t>Use the “with” keyword to introduce a filtering relationship:</a:t>
+            </a:r>
+          </a:p>
+          <a:p>
+            <a:endParaRPr lang="en-US" dirty="0"/>
           </a:p>
         </p:txBody>
       </p:sp>
     </p:spTree>
     <p:extLst>
       <p:ext uri="{BB962C8B-B14F-4D97-AF65-F5344CB8AC3E}">
-        <p14:creationId xmlns:p14="http://schemas.microsoft.com/office/powerpoint/2010/main" val="1709965973"/>
+        <p14:creationId xmlns:p14="http://schemas.microsoft.com/office/powerpoint/2010/main" val="1363575500"/>
       </p:ext>
     </p:extLst>
   </p:cSld>
@@ -3776,7 +5170,7 @@
           <a:p>
             <a:r>
               <a:rPr lang="en-US" dirty="0" smtClean="0"/>
-              <a:t>Conditional Expressions</a:t>
+              <a:t>Set Operations</a:t>
             </a:r>
             <a:endParaRPr lang="en-US" dirty="0"/>
           </a:p>
@@ -3804,7 +5198,7 @@
     </p:spTree>
     <p:extLst>
       <p:ext uri="{BB962C8B-B14F-4D97-AF65-F5344CB8AC3E}">
-        <p14:creationId xmlns:p14="http://schemas.microsoft.com/office/powerpoint/2010/main" val="3157644089"/>
+        <p14:creationId xmlns:p14="http://schemas.microsoft.com/office/powerpoint/2010/main" val="1224130417"/>
       </p:ext>
     </p:extLst>
   </p:cSld>
@@ -3848,7 +5242,7 @@
           <a:p>
             <a:r>
               <a:rPr lang="en-US" dirty="0" smtClean="0"/>
-              <a:t>Aggregate Expressions</a:t>
+              <a:t>Combining Results</a:t>
             </a:r>
             <a:endParaRPr lang="en-US" dirty="0"/>
           </a:p>
@@ -3876,7 +5270,7 @@
     </p:spTree>
     <p:extLst>
       <p:ext uri="{BB962C8B-B14F-4D97-AF65-F5344CB8AC3E}">
-        <p14:creationId xmlns:p14="http://schemas.microsoft.com/office/powerpoint/2010/main" val="3903863185"/>
+        <p14:creationId xmlns:p14="http://schemas.microsoft.com/office/powerpoint/2010/main" val="3172554914"/>
       </p:ext>
     </p:extLst>
   </p:cSld>
@@ -3920,7 +5314,7 @@
           <a:p>
             <a:r>
               <a:rPr lang="en-US" dirty="0" smtClean="0"/>
-              <a:t>Advanced Constructs</a:t>
+              <a:t>Let Statements</a:t>
             </a:r>
             <a:endParaRPr lang="en-US" dirty="0"/>
           </a:p>
@@ -3948,7 +5342,7 @@
     </p:spTree>
     <p:extLst>
       <p:ext uri="{BB962C8B-B14F-4D97-AF65-F5344CB8AC3E}">
-        <p14:creationId xmlns:p14="http://schemas.microsoft.com/office/powerpoint/2010/main" val="269679045"/>
+        <p14:creationId xmlns:p14="http://schemas.microsoft.com/office/powerpoint/2010/main" val="1709965973"/>
       </p:ext>
     </p:extLst>
   </p:cSld>
@@ -3992,7 +5386,7 @@
           <a:p>
             <a:r>
               <a:rPr lang="en-US" dirty="0" smtClean="0"/>
-              <a:t>Defining Operators</a:t>
+              <a:t>Conditional Expressions</a:t>
             </a:r>
             <a:endParaRPr lang="en-US" dirty="0"/>
           </a:p>
@@ -4020,7 +5414,7 @@
     </p:spTree>
     <p:extLst>
       <p:ext uri="{BB962C8B-B14F-4D97-AF65-F5344CB8AC3E}">
-        <p14:creationId xmlns:p14="http://schemas.microsoft.com/office/powerpoint/2010/main" val="1600844107"/>
+        <p14:creationId xmlns:p14="http://schemas.microsoft.com/office/powerpoint/2010/main" val="3157644089"/>
       </p:ext>
     </p:extLst>
   </p:cSld>
@@ -4064,7 +5458,7 @@
           <a:p>
             <a:r>
               <a:rPr lang="en-US" dirty="0" smtClean="0"/>
-              <a:t>Defining Retrieves</a:t>
+              <a:t>Aggregate Expressions</a:t>
             </a:r>
             <a:endParaRPr lang="en-US" dirty="0"/>
           </a:p>
@@ -4092,7 +5486,7 @@
     </p:spTree>
     <p:extLst>
       <p:ext uri="{BB962C8B-B14F-4D97-AF65-F5344CB8AC3E}">
-        <p14:creationId xmlns:p14="http://schemas.microsoft.com/office/powerpoint/2010/main" val="107329143"/>
+        <p14:creationId xmlns:p14="http://schemas.microsoft.com/office/powerpoint/2010/main" val="3903863185"/>
       </p:ext>
     </p:extLst>
   </p:cSld>
@@ -4121,43 +5515,22 @@
       </p:grpSpPr>
       <p:sp>
         <p:nvSpPr>
-          <p:cNvPr id="4" name="Rectangle 3"/>
-          <p:cNvSpPr/>
-          <p:nvPr/>
-        </p:nvSpPr>
-        <p:spPr>
-          <a:xfrm>
-            <a:off x="5338316" y="1665905"/>
-            <a:ext cx="1600200" cy="762000"/>
-          </a:xfrm>
-          <a:prstGeom prst="rect">
-            <a:avLst/>
-          </a:prstGeom>
-        </p:spPr>
-        <p:style>
-          <a:lnRef idx="2">
-            <a:schemeClr val="accent1">
-              <a:shade val="50000"/>
-            </a:schemeClr>
-          </a:lnRef>
-          <a:fillRef idx="1">
-            <a:schemeClr val="accent1"/>
-          </a:fillRef>
-          <a:effectRef idx="0">
-            <a:schemeClr val="accent1"/>
-          </a:effectRef>
-          <a:fontRef idx="minor">
-            <a:schemeClr val="lt1"/>
-          </a:fontRef>
-        </p:style>
-        <p:txBody>
-          <a:bodyPr rtlCol="0" anchor="ctr"/>
-          <a:lstStyle/>
-          <a:p>
-            <a:pPr algn="ctr"/>
-            <a:r>
-              <a:rPr lang="en-US" smtClean="0"/>
-              <a:t>Sexually Active</a:t>
+          <p:cNvPr id="2" name="Title 1"/>
+          <p:cNvSpPr>
+            <a:spLocks noGrp="1"/>
+          </p:cNvSpPr>
+          <p:nvPr>
+            <p:ph type="title"/>
+          </p:nvPr>
+        </p:nvSpPr>
+        <p:spPr/>
+        <p:txBody>
+          <a:bodyPr/>
+          <a:lstStyle/>
+          <a:p>
+            <a:r>
+              <a:rPr lang="en-US" smtClean="0"/>
+              <a:t>CQL Background</a:t>
             </a:r>
             <a:endParaRPr lang="en-US"/>
           </a:p>
@@ -4165,1782 +5538,64 @@
       </p:sp>
       <p:sp>
         <p:nvSpPr>
-          <p:cNvPr id="5" name="Rectangle 4"/>
-          <p:cNvSpPr/>
-          <p:nvPr/>
-        </p:nvSpPr>
-        <p:spPr>
-          <a:xfrm>
-            <a:off x="2436110" y="533400"/>
-            <a:ext cx="1600200" cy="750332"/>
-          </a:xfrm>
-          <a:prstGeom prst="rect">
-            <a:avLst/>
-          </a:prstGeom>
-        </p:spPr>
-        <p:style>
-          <a:lnRef idx="2">
-            <a:schemeClr val="accent1">
-              <a:shade val="50000"/>
-            </a:schemeClr>
-          </a:lnRef>
-          <a:fillRef idx="1">
-            <a:schemeClr val="accent1"/>
-          </a:fillRef>
-          <a:effectRef idx="0">
-            <a:schemeClr val="accent1"/>
-          </a:effectRef>
-          <a:fontRef idx="minor">
-            <a:schemeClr val="lt1"/>
-          </a:fontRef>
-        </p:style>
-        <p:txBody>
-          <a:bodyPr rtlCol="0" anchor="ctr"/>
-          <a:lstStyle/>
-          <a:p>
-            <a:pPr algn="ctr"/>
-            <a:r>
-              <a:rPr lang="en-US" sz="1600" smtClean="0"/>
-              <a:t>Some Population Definition</a:t>
-            </a:r>
-            <a:endParaRPr lang="en-US" sz="1600"/>
-          </a:p>
-        </p:txBody>
-      </p:sp>
-      <p:sp>
-        <p:nvSpPr>
-          <p:cNvPr id="7" name="Rectangle 6"/>
-          <p:cNvSpPr/>
-          <p:nvPr/>
-        </p:nvSpPr>
-        <p:spPr>
-          <a:xfrm>
-            <a:off x="2286000" y="2820135"/>
-            <a:ext cx="1600200" cy="762000"/>
-          </a:xfrm>
-          <a:prstGeom prst="rect">
-            <a:avLst/>
-          </a:prstGeom>
-        </p:spPr>
-        <p:style>
-          <a:lnRef idx="2">
-            <a:schemeClr val="accent1">
-              <a:shade val="50000"/>
-            </a:schemeClr>
-          </a:lnRef>
-          <a:fillRef idx="1">
-            <a:schemeClr val="accent1"/>
-          </a:fillRef>
-          <a:effectRef idx="0">
-            <a:schemeClr val="accent1"/>
-          </a:effectRef>
-          <a:fontRef idx="minor">
-            <a:schemeClr val="lt1"/>
-          </a:fontRef>
-        </p:style>
-        <p:txBody>
-          <a:bodyPr rtlCol="0" anchor="ctr"/>
-          <a:lstStyle/>
-          <a:p>
-            <a:pPr algn="ctr"/>
-            <a:r>
-              <a:rPr lang="en-US" smtClean="0"/>
-              <a:t>Condition</a:t>
-            </a:r>
+          <p:cNvPr id="3" name="Content Placeholder 2"/>
+          <p:cNvSpPr>
+            <a:spLocks noGrp="1"/>
+          </p:cNvSpPr>
+          <p:nvPr>
+            <p:ph idx="1"/>
+          </p:nvPr>
+        </p:nvSpPr>
+        <p:spPr/>
+        <p:txBody>
+          <a:bodyPr>
+            <a:normAutofit fontScale="92500" lnSpcReduction="10000"/>
+          </a:bodyPr>
+          <a:lstStyle/>
+          <a:p>
+            <a:r>
+              <a:rPr lang="en-US"/>
+              <a:t>Part of CQM-CDS harmonization </a:t>
+            </a:r>
+            <a:r>
+              <a:rPr lang="en-US" smtClean="0"/>
+              <a:t>project</a:t>
+            </a:r>
+          </a:p>
+          <a:p>
+            <a:r>
+              <a:rPr lang="en-US" smtClean="0"/>
+              <a:t>Objective is to define an author-friendly and human-readable language to define quality measures and decision support rules (QDM heritage)</a:t>
+            </a:r>
+          </a:p>
+          <a:p>
+            <a:r>
+              <a:rPr lang="en-US" smtClean="0"/>
+              <a:t>Must be computable and implementable (HeD heritage)</a:t>
+            </a:r>
+          </a:p>
+          <a:p>
+            <a:r>
+              <a:rPr lang="en-US" smtClean="0"/>
+              <a:t>Functional requirements </a:t>
+            </a:r>
+            <a:r>
+              <a:rPr lang="en-US"/>
+              <a:t>defined in “Harmonization of Health Quality Artifact Reasoning and Expression Logic”</a:t>
+            </a:r>
+          </a:p>
+          <a:p>
+            <a:endParaRPr lang="en-US" smtClean="0"/>
+          </a:p>
+          <a:p>
             <a:endParaRPr lang="en-US"/>
           </a:p>
         </p:txBody>
       </p:sp>
-      <p:sp>
-        <p:nvSpPr>
-          <p:cNvPr id="8" name="Rectangle 7"/>
-          <p:cNvSpPr/>
-          <p:nvPr/>
-        </p:nvSpPr>
-        <p:spPr>
-          <a:xfrm>
-            <a:off x="4143703" y="2820135"/>
-            <a:ext cx="1224545" cy="762000"/>
-          </a:xfrm>
-          <a:prstGeom prst="rect">
-            <a:avLst/>
-          </a:prstGeom>
-        </p:spPr>
-        <p:style>
-          <a:lnRef idx="2">
-            <a:schemeClr val="accent1">
-              <a:shade val="50000"/>
-            </a:schemeClr>
-          </a:lnRef>
-          <a:fillRef idx="1">
-            <a:schemeClr val="accent1"/>
-          </a:fillRef>
-          <a:effectRef idx="0">
-            <a:schemeClr val="accent1"/>
-          </a:effectRef>
-          <a:fontRef idx="minor">
-            <a:schemeClr val="lt1"/>
-          </a:fontRef>
-        </p:style>
-        <p:txBody>
-          <a:bodyPr rtlCol="0" anchor="ctr"/>
-          <a:lstStyle/>
-          <a:p>
-            <a:pPr algn="ctr"/>
-            <a:r>
-              <a:rPr lang="en-US" sz="1600" smtClean="0"/>
-              <a:t>Procedure</a:t>
-            </a:r>
-            <a:endParaRPr lang="en-US" sz="1600"/>
-          </a:p>
-        </p:txBody>
-      </p:sp>
-      <p:sp>
-        <p:nvSpPr>
-          <p:cNvPr id="9" name="Rectangle 8"/>
-          <p:cNvSpPr/>
-          <p:nvPr/>
-        </p:nvSpPr>
-        <p:spPr>
-          <a:xfrm>
-            <a:off x="2027451" y="4486692"/>
-            <a:ext cx="1226608" cy="762000"/>
-          </a:xfrm>
-          <a:prstGeom prst="rect">
-            <a:avLst/>
-          </a:prstGeom>
-          <a:solidFill>
-            <a:srgbClr val="00CC99"/>
-          </a:solidFill>
-        </p:spPr>
-        <p:style>
-          <a:lnRef idx="2">
-            <a:schemeClr val="accent1">
-              <a:shade val="50000"/>
-            </a:schemeClr>
-          </a:lnRef>
-          <a:fillRef idx="1">
-            <a:schemeClr val="accent1"/>
-          </a:fillRef>
-          <a:effectRef idx="0">
-            <a:schemeClr val="accent1"/>
-          </a:effectRef>
-          <a:fontRef idx="minor">
-            <a:schemeClr val="lt1"/>
-          </a:fontRef>
-        </p:style>
-        <p:txBody>
-          <a:bodyPr rtlCol="0" anchor="ctr"/>
-          <a:lstStyle/>
-          <a:p>
-            <a:pPr algn="ctr"/>
-            <a:r>
-              <a:rPr lang="en-US" smtClean="0"/>
-              <a:t>FHIR Logic</a:t>
-            </a:r>
-            <a:endParaRPr lang="en-US"/>
-          </a:p>
-        </p:txBody>
-      </p:sp>
-      <p:sp>
-        <p:nvSpPr>
-          <p:cNvPr id="11" name="Rectangle 10"/>
-          <p:cNvSpPr/>
-          <p:nvPr/>
-        </p:nvSpPr>
-        <p:spPr>
-          <a:xfrm>
-            <a:off x="5637753" y="4557635"/>
-            <a:ext cx="1226608" cy="762000"/>
-          </a:xfrm>
-          <a:prstGeom prst="rect">
-            <a:avLst/>
-          </a:prstGeom>
-          <a:solidFill>
-            <a:srgbClr val="00CC99"/>
-          </a:solidFill>
-        </p:spPr>
-        <p:style>
-          <a:lnRef idx="2">
-            <a:schemeClr val="accent1">
-              <a:shade val="50000"/>
-            </a:schemeClr>
-          </a:lnRef>
-          <a:fillRef idx="1">
-            <a:schemeClr val="accent1"/>
-          </a:fillRef>
-          <a:effectRef idx="0">
-            <a:schemeClr val="accent1"/>
-          </a:effectRef>
-          <a:fontRef idx="minor">
-            <a:schemeClr val="lt1"/>
-          </a:fontRef>
-        </p:style>
-        <p:txBody>
-          <a:bodyPr rtlCol="0" anchor="ctr"/>
-          <a:lstStyle/>
-          <a:p>
-            <a:pPr algn="ctr"/>
-            <a:r>
-              <a:rPr lang="en-US" smtClean="0"/>
-              <a:t>CCDA Logic</a:t>
-            </a:r>
-            <a:endParaRPr lang="en-US"/>
-          </a:p>
-        </p:txBody>
-      </p:sp>
-      <p:sp>
-        <p:nvSpPr>
-          <p:cNvPr id="12" name="Rectangle 11"/>
-          <p:cNvSpPr/>
-          <p:nvPr/>
-        </p:nvSpPr>
-        <p:spPr>
-          <a:xfrm>
-            <a:off x="2067237" y="5553590"/>
-            <a:ext cx="1173482" cy="526081"/>
-          </a:xfrm>
-          <a:prstGeom prst="rect">
-            <a:avLst/>
-          </a:prstGeom>
-          <a:solidFill>
-            <a:schemeClr val="accent3">
-              <a:lumMod val="75000"/>
-            </a:schemeClr>
-          </a:solidFill>
-        </p:spPr>
-        <p:style>
-          <a:lnRef idx="2">
-            <a:schemeClr val="accent1">
-              <a:shade val="50000"/>
-            </a:schemeClr>
-          </a:lnRef>
-          <a:fillRef idx="1">
-            <a:schemeClr val="accent1"/>
-          </a:fillRef>
-          <a:effectRef idx="0">
-            <a:schemeClr val="accent1"/>
-          </a:effectRef>
-          <a:fontRef idx="minor">
-            <a:schemeClr val="lt1"/>
-          </a:fontRef>
-        </p:style>
-        <p:txBody>
-          <a:bodyPr rtlCol="0" anchor="ctr"/>
-          <a:lstStyle/>
-          <a:p>
-            <a:pPr algn="ctr"/>
-            <a:r>
-              <a:rPr lang="en-US" sz="1600" smtClean="0"/>
-              <a:t>FHIR API</a:t>
-            </a:r>
-            <a:endParaRPr lang="en-US" sz="1600"/>
-          </a:p>
-        </p:txBody>
-      </p:sp>
-      <p:sp>
-        <p:nvSpPr>
-          <p:cNvPr id="14" name="Rectangle 13"/>
-          <p:cNvSpPr/>
-          <p:nvPr/>
-        </p:nvSpPr>
-        <p:spPr>
-          <a:xfrm>
-            <a:off x="5682984" y="5646119"/>
-            <a:ext cx="1173482" cy="526081"/>
-          </a:xfrm>
-          <a:prstGeom prst="rect">
-            <a:avLst/>
-          </a:prstGeom>
-          <a:solidFill>
-            <a:schemeClr val="accent3">
-              <a:lumMod val="75000"/>
-            </a:schemeClr>
-          </a:solidFill>
-        </p:spPr>
-        <p:style>
-          <a:lnRef idx="2">
-            <a:schemeClr val="accent1">
-              <a:shade val="50000"/>
-            </a:schemeClr>
-          </a:lnRef>
-          <a:fillRef idx="1">
-            <a:schemeClr val="accent1"/>
-          </a:fillRef>
-          <a:effectRef idx="0">
-            <a:schemeClr val="accent1"/>
-          </a:effectRef>
-          <a:fontRef idx="minor">
-            <a:schemeClr val="lt1"/>
-          </a:fontRef>
-        </p:style>
-        <p:txBody>
-          <a:bodyPr rtlCol="0" anchor="ctr"/>
-          <a:lstStyle/>
-          <a:p>
-            <a:pPr algn="ctr"/>
-            <a:endParaRPr lang="en-US" sz="1600"/>
-          </a:p>
-        </p:txBody>
-      </p:sp>
-      <p:sp>
-        <p:nvSpPr>
-          <p:cNvPr id="15" name="Flowchart: Magnetic Disk 14"/>
-          <p:cNvSpPr/>
-          <p:nvPr/>
-        </p:nvSpPr>
-        <p:spPr>
-          <a:xfrm>
-            <a:off x="2254976" y="6079671"/>
-            <a:ext cx="819190" cy="418067"/>
-          </a:xfrm>
-          <a:prstGeom prst="flowChartMagneticDisk">
-            <a:avLst/>
-          </a:prstGeom>
-          <a:solidFill>
-            <a:schemeClr val="accent3">
-              <a:lumMod val="75000"/>
-            </a:schemeClr>
-          </a:solidFill>
-        </p:spPr>
-        <p:style>
-          <a:lnRef idx="2">
-            <a:schemeClr val="accent1">
-              <a:shade val="50000"/>
-            </a:schemeClr>
-          </a:lnRef>
-          <a:fillRef idx="1">
-            <a:schemeClr val="accent1"/>
-          </a:fillRef>
-          <a:effectRef idx="0">
-            <a:schemeClr val="accent1"/>
-          </a:effectRef>
-          <a:fontRef idx="minor">
-            <a:schemeClr val="lt1"/>
-          </a:fontRef>
-        </p:style>
-        <p:txBody>
-          <a:bodyPr rtlCol="0" anchor="ctr"/>
-          <a:lstStyle/>
-          <a:p>
-            <a:pPr algn="ctr"/>
-            <a:endParaRPr lang="en-US"/>
-          </a:p>
-        </p:txBody>
-      </p:sp>
-      <p:sp>
-        <p:nvSpPr>
-          <p:cNvPr id="18" name="Rectangle 17"/>
-          <p:cNvSpPr/>
-          <p:nvPr/>
-        </p:nvSpPr>
-        <p:spPr>
-          <a:xfrm>
-            <a:off x="492398" y="2590800"/>
-            <a:ext cx="6924596" cy="1219200"/>
-          </a:xfrm>
-          <a:prstGeom prst="rect">
-            <a:avLst/>
-          </a:prstGeom>
-          <a:noFill/>
-        </p:spPr>
-        <p:style>
-          <a:lnRef idx="2">
-            <a:schemeClr val="accent1">
-              <a:shade val="50000"/>
-            </a:schemeClr>
-          </a:lnRef>
-          <a:fillRef idx="1">
-            <a:schemeClr val="accent1"/>
-          </a:fillRef>
-          <a:effectRef idx="0">
-            <a:schemeClr val="accent1"/>
-          </a:effectRef>
-          <a:fontRef idx="minor">
-            <a:schemeClr val="lt1"/>
-          </a:fontRef>
-        </p:style>
-        <p:txBody>
-          <a:bodyPr rtlCol="0" anchor="ctr"/>
-          <a:lstStyle/>
-          <a:p>
-            <a:pPr algn="ctr"/>
-            <a:endParaRPr lang="en-US"/>
-          </a:p>
-        </p:txBody>
-      </p:sp>
-      <p:sp>
-        <p:nvSpPr>
-          <p:cNvPr id="20" name="TextBox 19"/>
-          <p:cNvSpPr txBox="1"/>
-          <p:nvPr/>
-        </p:nvSpPr>
-        <p:spPr>
-          <a:xfrm>
-            <a:off x="7137690" y="4131674"/>
-            <a:ext cx="1858093" cy="1384995"/>
-          </a:xfrm>
-          <a:prstGeom prst="rect">
-            <a:avLst/>
-          </a:prstGeom>
-          <a:noFill/>
-        </p:spPr>
-        <p:txBody>
-          <a:bodyPr wrap="square" rtlCol="0">
-            <a:spAutoFit/>
-          </a:bodyPr>
-          <a:lstStyle/>
-          <a:p>
-            <a:r>
-              <a:rPr lang="en-US" sz="1400" dirty="0" smtClean="0"/>
-              <a:t>As well as Data Format Specific concepts that implement a common “data provider” interface in terms of the logical model</a:t>
-            </a:r>
-            <a:endParaRPr lang="en-US" sz="1400" dirty="0"/>
-          </a:p>
-        </p:txBody>
-      </p:sp>
-      <p:sp>
-        <p:nvSpPr>
-          <p:cNvPr id="21" name="Rectangle 20"/>
-          <p:cNvSpPr/>
-          <p:nvPr/>
-        </p:nvSpPr>
-        <p:spPr>
-          <a:xfrm>
-            <a:off x="5667703" y="2820135"/>
-            <a:ext cx="1278010" cy="762000"/>
-          </a:xfrm>
-          <a:prstGeom prst="rect">
-            <a:avLst/>
-          </a:prstGeom>
-        </p:spPr>
-        <p:style>
-          <a:lnRef idx="2">
-            <a:schemeClr val="accent1">
-              <a:shade val="50000"/>
-            </a:schemeClr>
-          </a:lnRef>
-          <a:fillRef idx="1">
-            <a:schemeClr val="accent1"/>
-          </a:fillRef>
-          <a:effectRef idx="0">
-            <a:schemeClr val="accent1"/>
-          </a:effectRef>
-          <a:fontRef idx="minor">
-            <a:schemeClr val="lt1"/>
-          </a:fontRef>
-        </p:style>
-        <p:txBody>
-          <a:bodyPr rtlCol="0" anchor="ctr"/>
-          <a:lstStyle/>
-          <a:p>
-            <a:pPr algn="ctr"/>
-            <a:r>
-              <a:rPr lang="en-US" sz="1600" smtClean="0"/>
-              <a:t>Medication</a:t>
-            </a:r>
-            <a:endParaRPr lang="en-US" sz="1600"/>
-          </a:p>
-        </p:txBody>
-      </p:sp>
-      <p:cxnSp>
-        <p:nvCxnSpPr>
-          <p:cNvPr id="23" name="Straight Arrow Connector 22"/>
-          <p:cNvCxnSpPr>
-            <a:stCxn id="9" idx="2"/>
-            <a:endCxn id="12" idx="0"/>
-          </p:cNvCxnSpPr>
-          <p:nvPr/>
-        </p:nvCxnSpPr>
-        <p:spPr>
-          <a:xfrm>
-            <a:off x="2640755" y="5248692"/>
-            <a:ext cx="13223" cy="304898"/>
-          </a:xfrm>
-          <a:prstGeom prst="straightConnector1">
-            <a:avLst/>
-          </a:prstGeom>
-          <a:ln w="28575">
-            <a:solidFill>
-              <a:schemeClr val="accent1">
-                <a:lumMod val="75000"/>
-              </a:schemeClr>
-            </a:solidFill>
-            <a:headEnd type="arrow"/>
-            <a:tailEnd type="arrow"/>
-          </a:ln>
-        </p:spPr>
-        <p:style>
-          <a:lnRef idx="1">
-            <a:schemeClr val="accent1"/>
-          </a:lnRef>
-          <a:fillRef idx="0">
-            <a:schemeClr val="accent1"/>
-          </a:fillRef>
-          <a:effectRef idx="0">
-            <a:schemeClr val="accent1"/>
-          </a:effectRef>
-          <a:fontRef idx="minor">
-            <a:schemeClr val="tx1"/>
-          </a:fontRef>
-        </p:style>
-      </p:cxnSp>
-      <p:cxnSp>
-        <p:nvCxnSpPr>
-          <p:cNvPr id="27" name="Straight Arrow Connector 26"/>
-          <p:cNvCxnSpPr>
-            <a:stCxn id="11" idx="2"/>
-            <a:endCxn id="14" idx="0"/>
-          </p:cNvCxnSpPr>
-          <p:nvPr/>
-        </p:nvCxnSpPr>
-        <p:spPr>
-          <a:xfrm>
-            <a:off x="6251057" y="5319635"/>
-            <a:ext cx="18668" cy="326484"/>
-          </a:xfrm>
-          <a:prstGeom prst="straightConnector1">
-            <a:avLst/>
-          </a:prstGeom>
-          <a:ln w="28575">
-            <a:solidFill>
-              <a:schemeClr val="accent1">
-                <a:lumMod val="75000"/>
-              </a:schemeClr>
-            </a:solidFill>
-            <a:headEnd type="arrow"/>
-            <a:tailEnd type="arrow"/>
-          </a:ln>
-        </p:spPr>
-        <p:style>
-          <a:lnRef idx="1">
-            <a:schemeClr val="accent1"/>
-          </a:lnRef>
-          <a:fillRef idx="0">
-            <a:schemeClr val="accent1"/>
-          </a:fillRef>
-          <a:effectRef idx="0">
-            <a:schemeClr val="accent1"/>
-          </a:effectRef>
-          <a:fontRef idx="minor">
-            <a:schemeClr val="tx1"/>
-          </a:fontRef>
-        </p:style>
-      </p:cxnSp>
-      <p:cxnSp>
-        <p:nvCxnSpPr>
-          <p:cNvPr id="33" name="Straight Arrow Connector 32"/>
-          <p:cNvCxnSpPr>
-            <a:stCxn id="9" idx="0"/>
-            <a:endCxn id="7" idx="2"/>
-          </p:cNvCxnSpPr>
-          <p:nvPr/>
-        </p:nvCxnSpPr>
-        <p:spPr>
-          <a:xfrm flipV="1">
-            <a:off x="2640755" y="3582135"/>
-            <a:ext cx="445345" cy="904557"/>
-          </a:xfrm>
-          <a:prstGeom prst="straightConnector1">
-            <a:avLst/>
-          </a:prstGeom>
-          <a:ln w="28575">
-            <a:solidFill>
-              <a:schemeClr val="accent1">
-                <a:lumMod val="75000"/>
-              </a:schemeClr>
-            </a:solidFill>
-            <a:headEnd type="arrow"/>
-            <a:tailEnd type="arrow"/>
-          </a:ln>
-        </p:spPr>
-        <p:style>
-          <a:lnRef idx="1">
-            <a:schemeClr val="accent1"/>
-          </a:lnRef>
-          <a:fillRef idx="0">
-            <a:schemeClr val="accent1"/>
-          </a:fillRef>
-          <a:effectRef idx="0">
-            <a:schemeClr val="accent1"/>
-          </a:effectRef>
-          <a:fontRef idx="minor">
-            <a:schemeClr val="tx1"/>
-          </a:fontRef>
-        </p:style>
-      </p:cxnSp>
-      <p:cxnSp>
-        <p:nvCxnSpPr>
-          <p:cNvPr id="41" name="Straight Arrow Connector 40"/>
-          <p:cNvCxnSpPr>
-            <a:stCxn id="11" idx="0"/>
-            <a:endCxn id="7" idx="2"/>
-          </p:cNvCxnSpPr>
-          <p:nvPr/>
-        </p:nvCxnSpPr>
-        <p:spPr>
-          <a:xfrm flipH="1" flipV="1">
-            <a:off x="3086100" y="3582135"/>
-            <a:ext cx="3164957" cy="975500"/>
-          </a:xfrm>
-          <a:prstGeom prst="straightConnector1">
-            <a:avLst/>
-          </a:prstGeom>
-          <a:ln w="28575">
-            <a:solidFill>
-              <a:schemeClr val="accent1">
-                <a:lumMod val="75000"/>
-              </a:schemeClr>
-            </a:solidFill>
-            <a:headEnd type="arrow"/>
-            <a:tailEnd type="arrow"/>
-          </a:ln>
-        </p:spPr>
-        <p:style>
-          <a:lnRef idx="1">
-            <a:schemeClr val="accent1"/>
-          </a:lnRef>
-          <a:fillRef idx="0">
-            <a:schemeClr val="accent1"/>
-          </a:fillRef>
-          <a:effectRef idx="0">
-            <a:schemeClr val="accent1"/>
-          </a:effectRef>
-          <a:fontRef idx="minor">
-            <a:schemeClr val="tx1"/>
-          </a:fontRef>
-        </p:style>
-      </p:cxnSp>
-      <p:sp>
-        <p:nvSpPr>
-          <p:cNvPr id="57" name="Rectangle 56"/>
-          <p:cNvSpPr/>
-          <p:nvPr/>
-        </p:nvSpPr>
-        <p:spPr>
-          <a:xfrm>
-            <a:off x="4414214" y="533400"/>
-            <a:ext cx="1496033" cy="762000"/>
-          </a:xfrm>
-          <a:prstGeom prst="rect">
-            <a:avLst/>
-          </a:prstGeom>
-        </p:spPr>
-        <p:style>
-          <a:lnRef idx="2">
-            <a:schemeClr val="accent1">
-              <a:shade val="50000"/>
-            </a:schemeClr>
-          </a:lnRef>
-          <a:fillRef idx="1">
-            <a:schemeClr val="accent1"/>
-          </a:fillRef>
-          <a:effectRef idx="0">
-            <a:schemeClr val="accent1"/>
-          </a:effectRef>
-          <a:fontRef idx="minor">
-            <a:schemeClr val="lt1"/>
-          </a:fontRef>
-        </p:style>
-        <p:txBody>
-          <a:bodyPr rtlCol="0" anchor="ctr"/>
-          <a:lstStyle/>
-          <a:p>
-            <a:pPr algn="ctr"/>
-            <a:r>
-              <a:rPr lang="en-US" sz="1600" smtClean="0"/>
-              <a:t>Chlamydia  Test Recommended</a:t>
-            </a:r>
-            <a:endParaRPr lang="en-US" sz="1600"/>
-          </a:p>
-        </p:txBody>
-      </p:sp>
-      <p:sp>
-        <p:nvSpPr>
-          <p:cNvPr id="71" name="TextBox 70"/>
-          <p:cNvSpPr txBox="1"/>
-          <p:nvPr/>
-        </p:nvSpPr>
-        <p:spPr>
-          <a:xfrm>
-            <a:off x="7128712" y="1468534"/>
-            <a:ext cx="1671655" cy="954107"/>
-          </a:xfrm>
-          <a:prstGeom prst="rect">
-            <a:avLst/>
-          </a:prstGeom>
-          <a:noFill/>
-        </p:spPr>
-        <p:txBody>
-          <a:bodyPr wrap="square" rtlCol="0">
-            <a:spAutoFit/>
-          </a:bodyPr>
-          <a:lstStyle/>
-          <a:p>
-            <a:r>
-              <a:rPr lang="en-US" sz="1400" dirty="0" smtClean="0"/>
-              <a:t>In the same way that lower-level concepts can be referenced</a:t>
-            </a:r>
-            <a:endParaRPr lang="en-US" sz="1400" dirty="0"/>
-          </a:p>
-        </p:txBody>
-      </p:sp>
-      <p:sp>
-        <p:nvSpPr>
-          <p:cNvPr id="73" name="Rectangle 72"/>
-          <p:cNvSpPr/>
-          <p:nvPr/>
-        </p:nvSpPr>
-        <p:spPr>
-          <a:xfrm>
-            <a:off x="1201730" y="1573234"/>
-            <a:ext cx="1301357" cy="762000"/>
-          </a:xfrm>
-          <a:prstGeom prst="rect">
-            <a:avLst/>
-          </a:prstGeom>
-          <a:ln>
-            <a:solidFill>
-              <a:schemeClr val="accent1">
-                <a:lumMod val="75000"/>
-              </a:schemeClr>
-            </a:solidFill>
-          </a:ln>
-        </p:spPr>
-        <p:style>
-          <a:lnRef idx="2">
-            <a:schemeClr val="accent1">
-              <a:shade val="50000"/>
-            </a:schemeClr>
-          </a:lnRef>
-          <a:fillRef idx="1">
-            <a:schemeClr val="accent1"/>
-          </a:fillRef>
-          <a:effectRef idx="0">
-            <a:schemeClr val="accent1"/>
-          </a:effectRef>
-          <a:fontRef idx="minor">
-            <a:schemeClr val="lt1"/>
-          </a:fontRef>
-        </p:style>
-        <p:txBody>
-          <a:bodyPr rtlCol="0" anchor="ctr"/>
-          <a:lstStyle/>
-          <a:p>
-            <a:pPr algn="ctr"/>
-            <a:r>
-              <a:rPr lang="en-US" sz="1600" smtClean="0"/>
-              <a:t>Uses  Device</a:t>
-            </a:r>
-            <a:endParaRPr lang="en-US" sz="1600"/>
-          </a:p>
-        </p:txBody>
-      </p:sp>
-      <p:cxnSp>
-        <p:nvCxnSpPr>
-          <p:cNvPr id="74" name="Straight Arrow Connector 73"/>
-          <p:cNvCxnSpPr>
-            <a:stCxn id="7" idx="0"/>
-            <a:endCxn id="57" idx="2"/>
-          </p:cNvCxnSpPr>
-          <p:nvPr/>
-        </p:nvCxnSpPr>
-        <p:spPr>
-          <a:xfrm flipV="1">
-            <a:off x="3086100" y="1295400"/>
-            <a:ext cx="2076131" cy="1524735"/>
-          </a:xfrm>
-          <a:prstGeom prst="straightConnector1">
-            <a:avLst/>
-          </a:prstGeom>
-          <a:ln w="28575">
-            <a:solidFill>
-              <a:schemeClr val="accent1">
-                <a:lumMod val="75000"/>
-              </a:schemeClr>
-            </a:solidFill>
-            <a:headEnd type="arrow"/>
-            <a:tailEnd type="arrow"/>
-          </a:ln>
-        </p:spPr>
-        <p:style>
-          <a:lnRef idx="1">
-            <a:schemeClr val="accent1"/>
-          </a:lnRef>
-          <a:fillRef idx="0">
-            <a:schemeClr val="accent1"/>
-          </a:fillRef>
-          <a:effectRef idx="0">
-            <a:schemeClr val="accent1"/>
-          </a:effectRef>
-          <a:fontRef idx="minor">
-            <a:schemeClr val="tx1"/>
-          </a:fontRef>
-        </p:style>
-      </p:cxnSp>
-      <p:cxnSp>
-        <p:nvCxnSpPr>
-          <p:cNvPr id="77" name="Straight Arrow Connector 76"/>
-          <p:cNvCxnSpPr>
-            <a:stCxn id="4" idx="0"/>
-            <a:endCxn id="57" idx="2"/>
-          </p:cNvCxnSpPr>
-          <p:nvPr/>
-        </p:nvCxnSpPr>
-        <p:spPr>
-          <a:xfrm flipH="1" flipV="1">
-            <a:off x="5162231" y="1295400"/>
-            <a:ext cx="976185" cy="370505"/>
-          </a:xfrm>
-          <a:prstGeom prst="straightConnector1">
-            <a:avLst/>
-          </a:prstGeom>
-          <a:ln w="28575">
-            <a:solidFill>
-              <a:schemeClr val="accent1">
-                <a:lumMod val="75000"/>
-              </a:schemeClr>
-            </a:solidFill>
-            <a:headEnd type="arrow"/>
-            <a:tailEnd type="arrow"/>
-          </a:ln>
-        </p:spPr>
-        <p:style>
-          <a:lnRef idx="1">
-            <a:schemeClr val="accent1"/>
-          </a:lnRef>
-          <a:fillRef idx="0">
-            <a:schemeClr val="accent1"/>
-          </a:fillRef>
-          <a:effectRef idx="0">
-            <a:schemeClr val="accent1"/>
-          </a:effectRef>
-          <a:fontRef idx="minor">
-            <a:schemeClr val="tx1"/>
-          </a:fontRef>
-        </p:style>
-      </p:cxnSp>
-      <p:cxnSp>
-        <p:nvCxnSpPr>
-          <p:cNvPr id="80" name="Straight Arrow Connector 79"/>
-          <p:cNvCxnSpPr>
-            <a:stCxn id="73" idx="0"/>
-            <a:endCxn id="5" idx="2"/>
-          </p:cNvCxnSpPr>
-          <p:nvPr/>
-        </p:nvCxnSpPr>
-        <p:spPr>
-          <a:xfrm flipV="1">
-            <a:off x="1852409" y="1283732"/>
-            <a:ext cx="1383801" cy="289502"/>
-          </a:xfrm>
-          <a:prstGeom prst="straightConnector1">
-            <a:avLst/>
-          </a:prstGeom>
-          <a:ln w="28575">
-            <a:solidFill>
-              <a:schemeClr val="accent1">
-                <a:lumMod val="75000"/>
-              </a:schemeClr>
-            </a:solidFill>
-            <a:headEnd type="arrow"/>
-            <a:tailEnd type="arrow"/>
-          </a:ln>
-        </p:spPr>
-        <p:style>
-          <a:lnRef idx="1">
-            <a:schemeClr val="accent1"/>
-          </a:lnRef>
-          <a:fillRef idx="0">
-            <a:schemeClr val="accent1"/>
-          </a:fillRef>
-          <a:effectRef idx="0">
-            <a:schemeClr val="accent1"/>
-          </a:effectRef>
-          <a:fontRef idx="minor">
-            <a:schemeClr val="tx1"/>
-          </a:fontRef>
-        </p:style>
-      </p:cxnSp>
-      <p:sp>
-        <p:nvSpPr>
-          <p:cNvPr id="87" name="TextBox 86"/>
-          <p:cNvSpPr txBox="1"/>
-          <p:nvPr/>
-        </p:nvSpPr>
-        <p:spPr>
-          <a:xfrm>
-            <a:off x="3237292" y="4442482"/>
-            <a:ext cx="503664" cy="646331"/>
-          </a:xfrm>
-          <a:prstGeom prst="rect">
-            <a:avLst/>
-          </a:prstGeom>
-          <a:noFill/>
-        </p:spPr>
-        <p:txBody>
-          <a:bodyPr wrap="none" rtlCol="0">
-            <a:spAutoFit/>
-          </a:bodyPr>
-          <a:lstStyle/>
-          <a:p>
-            <a:r>
-              <a:rPr lang="en-US" sz="3600" smtClean="0"/>
-              <a:t>…</a:t>
-            </a:r>
-            <a:endParaRPr lang="en-US" sz="3600"/>
-          </a:p>
-        </p:txBody>
-      </p:sp>
-      <p:sp>
-        <p:nvSpPr>
-          <p:cNvPr id="103" name="Flowchart: Magnetic Disk 102"/>
-          <p:cNvSpPr/>
-          <p:nvPr/>
-        </p:nvSpPr>
-        <p:spPr>
-          <a:xfrm>
-            <a:off x="3981621" y="5564197"/>
-            <a:ext cx="1051514" cy="611336"/>
-          </a:xfrm>
-          <a:prstGeom prst="flowChartMagneticDisk">
-            <a:avLst/>
-          </a:prstGeom>
-          <a:solidFill>
-            <a:schemeClr val="accent3">
-              <a:lumMod val="75000"/>
-            </a:schemeClr>
-          </a:solidFill>
-        </p:spPr>
-        <p:style>
-          <a:lnRef idx="2">
-            <a:schemeClr val="accent1">
-              <a:shade val="50000"/>
-            </a:schemeClr>
-          </a:lnRef>
-          <a:fillRef idx="1">
-            <a:schemeClr val="accent1"/>
-          </a:fillRef>
-          <a:effectRef idx="0">
-            <a:schemeClr val="accent1"/>
-          </a:effectRef>
-          <a:fontRef idx="minor">
-            <a:schemeClr val="lt1"/>
-          </a:fontRef>
-        </p:style>
-        <p:txBody>
-          <a:bodyPr rtlCol="0" anchor="ctr"/>
-          <a:lstStyle/>
-          <a:p>
-            <a:pPr algn="ctr"/>
-            <a:r>
-              <a:rPr lang="en-US" smtClean="0"/>
-              <a:t>EHR</a:t>
-            </a:r>
-            <a:endParaRPr lang="en-US"/>
-          </a:p>
-        </p:txBody>
-      </p:sp>
-      <p:sp>
-        <p:nvSpPr>
-          <p:cNvPr id="109" name="Rectangle 108"/>
-          <p:cNvSpPr/>
-          <p:nvPr/>
-        </p:nvSpPr>
-        <p:spPr>
-          <a:xfrm>
-            <a:off x="3877745" y="4500209"/>
-            <a:ext cx="1226608" cy="762000"/>
-          </a:xfrm>
-          <a:prstGeom prst="rect">
-            <a:avLst/>
-          </a:prstGeom>
-          <a:solidFill>
-            <a:srgbClr val="00CC99"/>
-          </a:solidFill>
-        </p:spPr>
-        <p:style>
-          <a:lnRef idx="2">
-            <a:schemeClr val="accent1">
-              <a:shade val="50000"/>
-            </a:schemeClr>
-          </a:lnRef>
-          <a:fillRef idx="1">
-            <a:schemeClr val="accent1"/>
-          </a:fillRef>
-          <a:effectRef idx="0">
-            <a:schemeClr val="accent1"/>
-          </a:effectRef>
-          <a:fontRef idx="minor">
-            <a:schemeClr val="lt1"/>
-          </a:fontRef>
-        </p:style>
-        <p:txBody>
-          <a:bodyPr rtlCol="0" anchor="ctr"/>
-          <a:lstStyle/>
-          <a:p>
-            <a:pPr algn="ctr"/>
-            <a:r>
-              <a:rPr lang="en-US" sz="1600" smtClean="0"/>
-              <a:t>Custom EHR Logic</a:t>
-            </a:r>
-            <a:endParaRPr lang="en-US" sz="1600"/>
-          </a:p>
-        </p:txBody>
-      </p:sp>
-      <p:cxnSp>
-        <p:nvCxnSpPr>
-          <p:cNvPr id="110" name="Straight Arrow Connector 109"/>
-          <p:cNvCxnSpPr>
-            <a:stCxn id="109" idx="0"/>
-            <a:endCxn id="7" idx="2"/>
-          </p:cNvCxnSpPr>
-          <p:nvPr/>
-        </p:nvCxnSpPr>
-        <p:spPr>
-          <a:xfrm flipH="1" flipV="1">
-            <a:off x="3086100" y="3582135"/>
-            <a:ext cx="1404949" cy="918074"/>
-          </a:xfrm>
-          <a:prstGeom prst="straightConnector1">
-            <a:avLst/>
-          </a:prstGeom>
-          <a:ln w="28575">
-            <a:solidFill>
-              <a:schemeClr val="accent1">
-                <a:lumMod val="75000"/>
-              </a:schemeClr>
-            </a:solidFill>
-            <a:headEnd type="arrow"/>
-            <a:tailEnd type="arrow"/>
-          </a:ln>
-        </p:spPr>
-        <p:style>
-          <a:lnRef idx="1">
-            <a:schemeClr val="accent1"/>
-          </a:lnRef>
-          <a:fillRef idx="0">
-            <a:schemeClr val="accent1"/>
-          </a:fillRef>
-          <a:effectRef idx="0">
-            <a:schemeClr val="accent1"/>
-          </a:effectRef>
-          <a:fontRef idx="minor">
-            <a:schemeClr val="tx1"/>
-          </a:fontRef>
-        </p:style>
-      </p:cxnSp>
-      <p:cxnSp>
-        <p:nvCxnSpPr>
-          <p:cNvPr id="113" name="Straight Arrow Connector 112"/>
-          <p:cNvCxnSpPr>
-            <a:stCxn id="109" idx="2"/>
-            <a:endCxn id="103" idx="1"/>
-          </p:cNvCxnSpPr>
-          <p:nvPr/>
-        </p:nvCxnSpPr>
-        <p:spPr>
-          <a:xfrm>
-            <a:off x="4491049" y="5262209"/>
-            <a:ext cx="16329" cy="301988"/>
-          </a:xfrm>
-          <a:prstGeom prst="straightConnector1">
-            <a:avLst/>
-          </a:prstGeom>
-          <a:ln w="28575">
-            <a:solidFill>
-              <a:schemeClr val="accent1">
-                <a:lumMod val="75000"/>
-              </a:schemeClr>
-            </a:solidFill>
-            <a:headEnd type="arrow"/>
-            <a:tailEnd type="arrow"/>
-          </a:ln>
-        </p:spPr>
-        <p:style>
-          <a:lnRef idx="1">
-            <a:schemeClr val="accent1"/>
-          </a:lnRef>
-          <a:fillRef idx="0">
-            <a:schemeClr val="accent1"/>
-          </a:fillRef>
-          <a:effectRef idx="0">
-            <a:schemeClr val="accent1"/>
-          </a:effectRef>
-          <a:fontRef idx="minor">
-            <a:schemeClr val="tx1"/>
-          </a:fontRef>
-        </p:style>
-      </p:cxnSp>
-      <p:cxnSp>
-        <p:nvCxnSpPr>
-          <p:cNvPr id="147" name="Straight Arrow Connector 146"/>
-          <p:cNvCxnSpPr>
-            <a:stCxn id="21" idx="0"/>
-            <a:endCxn id="4" idx="2"/>
-          </p:cNvCxnSpPr>
-          <p:nvPr/>
-        </p:nvCxnSpPr>
-        <p:spPr>
-          <a:xfrm flipH="1" flipV="1">
-            <a:off x="6138416" y="2427905"/>
-            <a:ext cx="168292" cy="392230"/>
-          </a:xfrm>
-          <a:prstGeom prst="straightConnector1">
-            <a:avLst/>
-          </a:prstGeom>
-          <a:ln w="28575">
-            <a:solidFill>
-              <a:schemeClr val="accent1">
-                <a:lumMod val="75000"/>
-              </a:schemeClr>
-            </a:solidFill>
-            <a:headEnd type="arrow"/>
-            <a:tailEnd type="arrow"/>
-          </a:ln>
-        </p:spPr>
-        <p:style>
-          <a:lnRef idx="1">
-            <a:schemeClr val="accent1"/>
-          </a:lnRef>
-          <a:fillRef idx="0">
-            <a:schemeClr val="accent1"/>
-          </a:fillRef>
-          <a:effectRef idx="0">
-            <a:schemeClr val="accent1"/>
-          </a:effectRef>
-          <a:fontRef idx="minor">
-            <a:schemeClr val="tx1"/>
-          </a:fontRef>
-        </p:style>
-      </p:cxnSp>
-      <p:cxnSp>
-        <p:nvCxnSpPr>
-          <p:cNvPr id="150" name="Straight Arrow Connector 149"/>
-          <p:cNvCxnSpPr>
-            <a:stCxn id="7" idx="0"/>
-            <a:endCxn id="4" idx="2"/>
-          </p:cNvCxnSpPr>
-          <p:nvPr/>
-        </p:nvCxnSpPr>
-        <p:spPr>
-          <a:xfrm flipV="1">
-            <a:off x="3086100" y="2427905"/>
-            <a:ext cx="3052316" cy="392230"/>
-          </a:xfrm>
-          <a:prstGeom prst="straightConnector1">
-            <a:avLst/>
-          </a:prstGeom>
-          <a:ln w="28575">
-            <a:solidFill>
-              <a:schemeClr val="accent1">
-                <a:lumMod val="75000"/>
-              </a:schemeClr>
-            </a:solidFill>
-            <a:headEnd type="arrow"/>
-            <a:tailEnd type="arrow"/>
-          </a:ln>
-        </p:spPr>
-        <p:style>
-          <a:lnRef idx="1">
-            <a:schemeClr val="accent1"/>
-          </a:lnRef>
-          <a:fillRef idx="0">
-            <a:schemeClr val="accent1"/>
-          </a:fillRef>
-          <a:effectRef idx="0">
-            <a:schemeClr val="accent1"/>
-          </a:effectRef>
-          <a:fontRef idx="minor">
-            <a:schemeClr val="tx1"/>
-          </a:fontRef>
-        </p:style>
-      </p:cxnSp>
-      <p:cxnSp>
-        <p:nvCxnSpPr>
-          <p:cNvPr id="153" name="Straight Arrow Connector 152"/>
-          <p:cNvCxnSpPr>
-            <a:stCxn id="7" idx="0"/>
-            <a:endCxn id="5" idx="2"/>
-          </p:cNvCxnSpPr>
-          <p:nvPr/>
-        </p:nvCxnSpPr>
-        <p:spPr>
-          <a:xfrm flipV="1">
-            <a:off x="3086100" y="1283732"/>
-            <a:ext cx="150110" cy="1536403"/>
-          </a:xfrm>
-          <a:prstGeom prst="straightConnector1">
-            <a:avLst/>
-          </a:prstGeom>
-          <a:ln w="28575">
-            <a:solidFill>
-              <a:schemeClr val="accent1">
-                <a:lumMod val="75000"/>
-              </a:schemeClr>
-            </a:solidFill>
-            <a:headEnd type="arrow"/>
-            <a:tailEnd type="arrow"/>
-          </a:ln>
-        </p:spPr>
-        <p:style>
-          <a:lnRef idx="1">
-            <a:schemeClr val="accent1"/>
-          </a:lnRef>
-          <a:fillRef idx="0">
-            <a:schemeClr val="accent1"/>
-          </a:fillRef>
-          <a:effectRef idx="0">
-            <a:schemeClr val="accent1"/>
-          </a:effectRef>
-          <a:fontRef idx="minor">
-            <a:schemeClr val="tx1"/>
-          </a:fontRef>
-        </p:style>
-      </p:cxnSp>
-      <p:sp>
-        <p:nvSpPr>
-          <p:cNvPr id="157" name="TextBox 156"/>
-          <p:cNvSpPr txBox="1"/>
-          <p:nvPr/>
-        </p:nvSpPr>
-        <p:spPr>
-          <a:xfrm>
-            <a:off x="457200" y="4419600"/>
-            <a:ext cx="1086032" cy="1169551"/>
-          </a:xfrm>
-          <a:prstGeom prst="rect">
-            <a:avLst/>
-          </a:prstGeom>
-          <a:noFill/>
-        </p:spPr>
-        <p:txBody>
-          <a:bodyPr wrap="square" rtlCol="0">
-            <a:spAutoFit/>
-          </a:bodyPr>
-          <a:lstStyle/>
-          <a:p>
-            <a:r>
-              <a:rPr lang="en-US" sz="1400" smtClean="0"/>
-              <a:t>We implement at least this </a:t>
-            </a:r>
-          </a:p>
-          <a:p>
-            <a:r>
-              <a:rPr lang="en-US" sz="1400" smtClean="0"/>
-              <a:t>e.g. as Java library</a:t>
-            </a:r>
-            <a:endParaRPr lang="en-US" sz="1400"/>
-          </a:p>
-        </p:txBody>
-      </p:sp>
-      <p:sp>
-        <p:nvSpPr>
-          <p:cNvPr id="158" name="TextBox 157"/>
-          <p:cNvSpPr txBox="1"/>
-          <p:nvPr/>
-        </p:nvSpPr>
-        <p:spPr>
-          <a:xfrm>
-            <a:off x="7515746" y="2640449"/>
-            <a:ext cx="1498407" cy="1169551"/>
-          </a:xfrm>
-          <a:prstGeom prst="rect">
-            <a:avLst/>
-          </a:prstGeom>
-          <a:noFill/>
-        </p:spPr>
-        <p:txBody>
-          <a:bodyPr wrap="square" rtlCol="0">
-            <a:spAutoFit/>
-          </a:bodyPr>
-          <a:lstStyle/>
-          <a:p>
-            <a:r>
-              <a:rPr lang="en-US" sz="1400" dirty="0" smtClean="0"/>
-              <a:t>Including the concepts explicitly defined in the “logical model”</a:t>
-            </a:r>
-            <a:endParaRPr lang="en-US" sz="1400" dirty="0"/>
-          </a:p>
-        </p:txBody>
-      </p:sp>
-      <p:cxnSp>
-        <p:nvCxnSpPr>
-          <p:cNvPr id="160" name="Straight Arrow Connector 159"/>
-          <p:cNvCxnSpPr>
-            <a:stCxn id="157" idx="3"/>
-            <a:endCxn id="9" idx="1"/>
-          </p:cNvCxnSpPr>
-          <p:nvPr/>
-        </p:nvCxnSpPr>
-        <p:spPr>
-          <a:xfrm flipV="1">
-            <a:off x="1543232" y="4867692"/>
-            <a:ext cx="484219" cy="136684"/>
-          </a:xfrm>
-          <a:prstGeom prst="straightConnector1">
-            <a:avLst/>
-          </a:prstGeom>
-          <a:ln>
-            <a:tailEnd type="arrow"/>
-          </a:ln>
-        </p:spPr>
-        <p:style>
-          <a:lnRef idx="1">
-            <a:schemeClr val="accent1"/>
-          </a:lnRef>
-          <a:fillRef idx="0">
-            <a:schemeClr val="accent1"/>
-          </a:fillRef>
-          <a:effectRef idx="0">
-            <a:schemeClr val="accent1"/>
-          </a:effectRef>
-          <a:fontRef idx="minor">
-            <a:schemeClr val="tx1"/>
-          </a:fontRef>
-        </p:style>
-      </p:cxnSp>
-      <p:sp>
-        <p:nvSpPr>
-          <p:cNvPr id="162" name="TextBox 161"/>
-          <p:cNvSpPr txBox="1"/>
-          <p:nvPr/>
-        </p:nvSpPr>
-        <p:spPr>
-          <a:xfrm>
-            <a:off x="5142292" y="4419600"/>
-            <a:ext cx="503664" cy="646331"/>
-          </a:xfrm>
-          <a:prstGeom prst="rect">
-            <a:avLst/>
-          </a:prstGeom>
-          <a:noFill/>
-        </p:spPr>
-        <p:txBody>
-          <a:bodyPr wrap="none" rtlCol="0">
-            <a:spAutoFit/>
-          </a:bodyPr>
-          <a:lstStyle/>
-          <a:p>
-            <a:r>
-              <a:rPr lang="en-US" sz="3600" smtClean="0"/>
-              <a:t>…</a:t>
-            </a:r>
-            <a:endParaRPr lang="en-US" sz="3600"/>
-          </a:p>
-        </p:txBody>
-      </p:sp>
-      <p:cxnSp>
-        <p:nvCxnSpPr>
-          <p:cNvPr id="168" name="Straight Arrow Connector 167"/>
-          <p:cNvCxnSpPr>
-            <a:stCxn id="20" idx="1"/>
-            <a:endCxn id="11" idx="3"/>
-          </p:cNvCxnSpPr>
-          <p:nvPr/>
-        </p:nvCxnSpPr>
-        <p:spPr>
-          <a:xfrm flipH="1">
-            <a:off x="6864361" y="4824172"/>
-            <a:ext cx="273329" cy="114463"/>
-          </a:xfrm>
-          <a:prstGeom prst="straightConnector1">
-            <a:avLst/>
-          </a:prstGeom>
-          <a:ln>
-            <a:tailEnd type="arrow"/>
-          </a:ln>
-        </p:spPr>
-        <p:style>
-          <a:lnRef idx="1">
-            <a:schemeClr val="accent1"/>
-          </a:lnRef>
-          <a:fillRef idx="0">
-            <a:schemeClr val="accent1"/>
-          </a:fillRef>
-          <a:effectRef idx="0">
-            <a:schemeClr val="accent1"/>
-          </a:effectRef>
-          <a:fontRef idx="minor">
-            <a:schemeClr val="tx1"/>
-          </a:fontRef>
-        </p:style>
-      </p:cxnSp>
-      <p:sp>
-        <p:nvSpPr>
-          <p:cNvPr id="179" name="TextBox 178"/>
-          <p:cNvSpPr txBox="1"/>
-          <p:nvPr/>
-        </p:nvSpPr>
-        <p:spPr>
-          <a:xfrm>
-            <a:off x="124936" y="475635"/>
-            <a:ext cx="1086032" cy="1200329"/>
-          </a:xfrm>
-          <a:prstGeom prst="rect">
-            <a:avLst/>
-          </a:prstGeom>
-          <a:noFill/>
-        </p:spPr>
-        <p:txBody>
-          <a:bodyPr wrap="square" rtlCol="0">
-            <a:spAutoFit/>
-          </a:bodyPr>
-          <a:lstStyle/>
-          <a:p>
-            <a:r>
-              <a:rPr lang="en-US" sz="1200" smtClean="0"/>
-              <a:t>There are ways device use could be inferred - if not, return “unknown”</a:t>
-            </a:r>
-            <a:endParaRPr lang="en-US" sz="1200"/>
-          </a:p>
-        </p:txBody>
-      </p:sp>
-      <p:cxnSp>
-        <p:nvCxnSpPr>
-          <p:cNvPr id="182" name="Straight Arrow Connector 181"/>
-          <p:cNvCxnSpPr>
-            <a:stCxn id="7" idx="0"/>
-            <a:endCxn id="73" idx="2"/>
-          </p:cNvCxnSpPr>
-          <p:nvPr/>
-        </p:nvCxnSpPr>
-        <p:spPr>
-          <a:xfrm flipH="1" flipV="1">
-            <a:off x="1852409" y="2335234"/>
-            <a:ext cx="1233691" cy="484901"/>
-          </a:xfrm>
-          <a:prstGeom prst="straightConnector1">
-            <a:avLst/>
-          </a:prstGeom>
-          <a:ln w="28575">
-            <a:solidFill>
-              <a:schemeClr val="accent1">
-                <a:lumMod val="75000"/>
-              </a:schemeClr>
-            </a:solidFill>
-            <a:prstDash val="dash"/>
-            <a:headEnd type="arrow"/>
-            <a:tailEnd type="arrow"/>
-          </a:ln>
-        </p:spPr>
-        <p:style>
-          <a:lnRef idx="1">
-            <a:schemeClr val="accent1"/>
-          </a:lnRef>
-          <a:fillRef idx="0">
-            <a:schemeClr val="accent1"/>
-          </a:fillRef>
-          <a:effectRef idx="0">
-            <a:schemeClr val="accent1"/>
-          </a:effectRef>
-          <a:fontRef idx="minor">
-            <a:schemeClr val="tx1"/>
-          </a:fontRef>
-        </p:style>
-      </p:cxnSp>
-      <p:sp>
-        <p:nvSpPr>
-          <p:cNvPr id="187" name="TextBox 186"/>
-          <p:cNvSpPr txBox="1"/>
-          <p:nvPr/>
-        </p:nvSpPr>
-        <p:spPr>
-          <a:xfrm>
-            <a:off x="1906043" y="3968940"/>
-            <a:ext cx="4919169" cy="338554"/>
-          </a:xfrm>
-          <a:prstGeom prst="rect">
-            <a:avLst/>
-          </a:prstGeom>
-          <a:solidFill>
-            <a:schemeClr val="bg1"/>
-          </a:solidFill>
-        </p:spPr>
-        <p:txBody>
-          <a:bodyPr wrap="square" rtlCol="0">
-            <a:spAutoFit/>
-          </a:bodyPr>
-          <a:lstStyle/>
-          <a:p>
-            <a:r>
-              <a:rPr lang="en-US" sz="1600" i="1" smtClean="0"/>
-              <a:t>e.g. Condition.evaluate (DataSource, Occurrence, Filter)</a:t>
-            </a:r>
-            <a:endParaRPr lang="en-US" sz="1600" i="1"/>
-          </a:p>
-        </p:txBody>
-      </p:sp>
-      <p:sp>
-        <p:nvSpPr>
-          <p:cNvPr id="188" name="TextBox 187"/>
-          <p:cNvSpPr txBox="1"/>
-          <p:nvPr/>
-        </p:nvSpPr>
-        <p:spPr>
-          <a:xfrm>
-            <a:off x="6367699" y="16329"/>
-            <a:ext cx="2601290" cy="369332"/>
-          </a:xfrm>
-          <a:prstGeom prst="rect">
-            <a:avLst/>
-          </a:prstGeom>
-          <a:noFill/>
-        </p:spPr>
-        <p:txBody>
-          <a:bodyPr wrap="none" rtlCol="0">
-            <a:spAutoFit/>
-          </a:bodyPr>
-          <a:lstStyle/>
-          <a:p>
-            <a:r>
-              <a:rPr lang="en-US" dirty="0" smtClean="0"/>
-              <a:t>BLUE = available concepts</a:t>
-            </a:r>
-            <a:endParaRPr lang="en-US" dirty="0"/>
-          </a:p>
-        </p:txBody>
-      </p:sp>
-      <p:sp>
-        <p:nvSpPr>
-          <p:cNvPr id="193" name="TextBox 192"/>
-          <p:cNvSpPr txBox="1"/>
-          <p:nvPr/>
-        </p:nvSpPr>
-        <p:spPr>
-          <a:xfrm>
-            <a:off x="6087970" y="556736"/>
-            <a:ext cx="2149660" cy="738664"/>
-          </a:xfrm>
-          <a:prstGeom prst="rect">
-            <a:avLst/>
-          </a:prstGeom>
-          <a:noFill/>
-        </p:spPr>
-        <p:txBody>
-          <a:bodyPr wrap="square" rtlCol="0">
-            <a:spAutoFit/>
-          </a:bodyPr>
-          <a:lstStyle/>
-          <a:p>
-            <a:r>
-              <a:rPr lang="en-US" sz="1400" dirty="0" smtClean="0"/>
-              <a:t>DSL can reference high-level concept of “</a:t>
-            </a:r>
-            <a:r>
-              <a:rPr lang="en-US" sz="1400" dirty="0" err="1" smtClean="0"/>
-              <a:t>ChlamydiaTest</a:t>
-            </a:r>
-            <a:r>
-              <a:rPr lang="en-US" sz="1400" dirty="0" smtClean="0"/>
-              <a:t>”</a:t>
-            </a:r>
-            <a:endParaRPr lang="en-US" sz="1400" dirty="0"/>
-          </a:p>
-        </p:txBody>
-      </p:sp>
-      <p:cxnSp>
-        <p:nvCxnSpPr>
-          <p:cNvPr id="200" name="Straight Arrow Connector 199"/>
-          <p:cNvCxnSpPr>
-            <a:stCxn id="179" idx="2"/>
-            <a:endCxn id="73" idx="1"/>
-          </p:cNvCxnSpPr>
-          <p:nvPr/>
-        </p:nvCxnSpPr>
-        <p:spPr>
-          <a:xfrm>
-            <a:off x="667952" y="1675964"/>
-            <a:ext cx="533778" cy="278270"/>
-          </a:xfrm>
-          <a:prstGeom prst="straightConnector1">
-            <a:avLst/>
-          </a:prstGeom>
-          <a:ln>
-            <a:tailEnd type="arrow"/>
-          </a:ln>
-        </p:spPr>
-        <p:style>
-          <a:lnRef idx="1">
-            <a:schemeClr val="accent1"/>
-          </a:lnRef>
-          <a:fillRef idx="0">
-            <a:schemeClr val="accent1"/>
-          </a:fillRef>
-          <a:effectRef idx="0">
-            <a:schemeClr val="accent1"/>
-          </a:effectRef>
-          <a:fontRef idx="minor">
-            <a:schemeClr val="tx1"/>
-          </a:fontRef>
-        </p:style>
-      </p:cxnSp>
-      <p:sp>
-        <p:nvSpPr>
-          <p:cNvPr id="202" name="TextBox 201"/>
-          <p:cNvSpPr txBox="1"/>
-          <p:nvPr/>
-        </p:nvSpPr>
-        <p:spPr>
-          <a:xfrm>
-            <a:off x="2711043" y="5245814"/>
-            <a:ext cx="1029913" cy="276999"/>
-          </a:xfrm>
-          <a:prstGeom prst="rect">
-            <a:avLst/>
-          </a:prstGeom>
-          <a:noFill/>
-        </p:spPr>
-        <p:txBody>
-          <a:bodyPr wrap="square" rtlCol="0">
-            <a:spAutoFit/>
-          </a:bodyPr>
-          <a:lstStyle/>
-          <a:p>
-            <a:r>
-              <a:rPr lang="en-US" sz="1200" smtClean="0"/>
-              <a:t>REST API</a:t>
-            </a:r>
-            <a:endParaRPr lang="en-US" sz="1200"/>
-          </a:p>
-        </p:txBody>
-      </p:sp>
-      <p:sp>
-        <p:nvSpPr>
-          <p:cNvPr id="203" name="TextBox 202"/>
-          <p:cNvSpPr txBox="1"/>
-          <p:nvPr/>
-        </p:nvSpPr>
-        <p:spPr>
-          <a:xfrm>
-            <a:off x="4594769" y="5285601"/>
-            <a:ext cx="743548" cy="276999"/>
-          </a:xfrm>
-          <a:prstGeom prst="rect">
-            <a:avLst/>
-          </a:prstGeom>
-          <a:noFill/>
-        </p:spPr>
-        <p:txBody>
-          <a:bodyPr wrap="square" rtlCol="0">
-            <a:spAutoFit/>
-          </a:bodyPr>
-          <a:lstStyle/>
-          <a:p>
-            <a:r>
-              <a:rPr lang="en-US" sz="1200" smtClean="0"/>
-              <a:t>e.g. SQL</a:t>
-            </a:r>
-            <a:endParaRPr lang="en-US" sz="1200"/>
-          </a:p>
-        </p:txBody>
-      </p:sp>
-      <p:sp>
-        <p:nvSpPr>
-          <p:cNvPr id="206" name="TextBox 205"/>
-          <p:cNvSpPr txBox="1"/>
-          <p:nvPr/>
-        </p:nvSpPr>
-        <p:spPr>
-          <a:xfrm>
-            <a:off x="-55766" y="16329"/>
-            <a:ext cx="5449890" cy="369332"/>
-          </a:xfrm>
-          <a:prstGeom prst="rect">
-            <a:avLst/>
-          </a:prstGeom>
-          <a:noFill/>
-        </p:spPr>
-        <p:txBody>
-          <a:bodyPr wrap="none" rtlCol="0">
-            <a:spAutoFit/>
-          </a:bodyPr>
-          <a:lstStyle/>
-          <a:p>
-            <a:r>
-              <a:rPr lang="en-US" smtClean="0"/>
-              <a:t>Underlying Language and Data Source are both variable </a:t>
-            </a:r>
-            <a:endParaRPr lang="en-US"/>
-          </a:p>
-        </p:txBody>
-      </p:sp>
-      <p:sp>
-        <p:nvSpPr>
-          <p:cNvPr id="210" name="TextBox 209"/>
-          <p:cNvSpPr txBox="1"/>
-          <p:nvPr/>
-        </p:nvSpPr>
-        <p:spPr>
-          <a:xfrm>
-            <a:off x="7189069" y="5819253"/>
-            <a:ext cx="1423619" cy="523220"/>
-          </a:xfrm>
-          <a:prstGeom prst="rect">
-            <a:avLst/>
-          </a:prstGeom>
-          <a:noFill/>
-        </p:spPr>
-        <p:txBody>
-          <a:bodyPr wrap="square" rtlCol="0">
-            <a:spAutoFit/>
-          </a:bodyPr>
-          <a:lstStyle/>
-          <a:p>
-            <a:r>
-              <a:rPr lang="en-US" sz="1400" smtClean="0"/>
-              <a:t>Back end data stores</a:t>
-            </a:r>
-            <a:endParaRPr lang="en-US" sz="1400"/>
-          </a:p>
-        </p:txBody>
-      </p:sp>
-      <p:cxnSp>
-        <p:nvCxnSpPr>
-          <p:cNvPr id="49" name="Straight Arrow Connector 48"/>
-          <p:cNvCxnSpPr>
-            <a:endCxn id="73" idx="2"/>
-          </p:cNvCxnSpPr>
-          <p:nvPr/>
-        </p:nvCxnSpPr>
-        <p:spPr>
-          <a:xfrm flipH="1" flipV="1">
-            <a:off x="1852409" y="2335234"/>
-            <a:ext cx="325339" cy="2164975"/>
-          </a:xfrm>
-          <a:prstGeom prst="straightConnector1">
-            <a:avLst/>
-          </a:prstGeom>
-          <a:ln w="28575">
-            <a:solidFill>
-              <a:schemeClr val="accent1">
-                <a:lumMod val="75000"/>
-              </a:schemeClr>
-            </a:solidFill>
-            <a:prstDash val="dash"/>
-            <a:headEnd type="arrow"/>
-            <a:tailEnd type="arrow"/>
-          </a:ln>
-        </p:spPr>
-        <p:style>
-          <a:lnRef idx="1">
-            <a:schemeClr val="accent1"/>
-          </a:lnRef>
-          <a:fillRef idx="0">
-            <a:schemeClr val="accent1"/>
-          </a:fillRef>
-          <a:effectRef idx="0">
-            <a:schemeClr val="accent1"/>
-          </a:effectRef>
-          <a:fontRef idx="minor">
-            <a:schemeClr val="tx1"/>
-          </a:fontRef>
-        </p:style>
-      </p:cxnSp>
     </p:spTree>
     <p:extLst>
       <p:ext uri="{BB962C8B-B14F-4D97-AF65-F5344CB8AC3E}">
-        <p14:creationId xmlns:p14="http://schemas.microsoft.com/office/powerpoint/2010/main" val="4055918205"/>
+        <p14:creationId xmlns:p14="http://schemas.microsoft.com/office/powerpoint/2010/main" val="1680127382"/>
       </p:ext>
     </p:extLst>
   </p:cSld>
@@ -5984,7 +5639,7 @@
           <a:p>
             <a:r>
               <a:rPr lang="en-US" dirty="0" smtClean="0"/>
-              <a:t>Using Libraries</a:t>
+              <a:t>Advanced Constructs</a:t>
             </a:r>
             <a:endParaRPr lang="en-US" dirty="0"/>
           </a:p>
@@ -6012,7 +5667,7 @@
     </p:spTree>
     <p:extLst>
       <p:ext uri="{BB962C8B-B14F-4D97-AF65-F5344CB8AC3E}">
-        <p14:creationId xmlns:p14="http://schemas.microsoft.com/office/powerpoint/2010/main" val="1666891093"/>
+        <p14:creationId xmlns:p14="http://schemas.microsoft.com/office/powerpoint/2010/main" val="269679045"/>
       </p:ext>
     </p:extLst>
   </p:cSld>
@@ -6056,40 +5711,35 @@
           <a:p>
             <a:r>
               <a:rPr lang="en-US" dirty="0" smtClean="0"/>
-              <a:t>Simple Example</a:t>
+              <a:t>Defining Operators</a:t>
             </a:r>
             <a:endParaRPr lang="en-US" dirty="0"/>
           </a:p>
         </p:txBody>
       </p:sp>
-      <p:pic>
-        <p:nvPicPr>
-          <p:cNvPr id="6" name="Picture 5"/>
-          <p:cNvPicPr>
-            <a:picLocks noChangeAspect="1"/>
-          </p:cNvPicPr>
-          <p:nvPr/>
-        </p:nvPicPr>
-        <p:blipFill>
-          <a:blip r:embed="rId2"/>
-          <a:stretch>
-            <a:fillRect/>
-          </a:stretch>
-        </p:blipFill>
-        <p:spPr>
-          <a:xfrm>
-            <a:off x="197377" y="1600200"/>
-            <a:ext cx="8749245" cy="3524471"/>
-          </a:xfrm>
-          <a:prstGeom prst="rect">
-            <a:avLst/>
-          </a:prstGeom>
-        </p:spPr>
-      </p:pic>
+      <p:sp>
+        <p:nvSpPr>
+          <p:cNvPr id="3" name="Content Placeholder 2"/>
+          <p:cNvSpPr>
+            <a:spLocks noGrp="1"/>
+          </p:cNvSpPr>
+          <p:nvPr>
+            <p:ph idx="1"/>
+          </p:nvPr>
+        </p:nvSpPr>
+        <p:spPr/>
+        <p:txBody>
+          <a:bodyPr/>
+          <a:lstStyle/>
+          <a:p>
+            <a:endParaRPr lang="en-US"/>
+          </a:p>
+        </p:txBody>
+      </p:sp>
     </p:spTree>
     <p:extLst>
       <p:ext uri="{BB962C8B-B14F-4D97-AF65-F5344CB8AC3E}">
-        <p14:creationId xmlns:p14="http://schemas.microsoft.com/office/powerpoint/2010/main" val="3752101199"/>
+        <p14:creationId xmlns:p14="http://schemas.microsoft.com/office/powerpoint/2010/main" val="1600844107"/>
       </p:ext>
     </p:extLst>
   </p:cSld>
@@ -6133,40 +5783,35 @@
           <a:p>
             <a:r>
               <a:rPr lang="en-US" dirty="0" smtClean="0"/>
-              <a:t>Population Criteria</a:t>
+              <a:t>Defining Retrieves</a:t>
             </a:r>
             <a:endParaRPr lang="en-US" dirty="0"/>
           </a:p>
         </p:txBody>
       </p:sp>
-      <p:pic>
-        <p:nvPicPr>
-          <p:cNvPr id="3" name="Picture 2"/>
-          <p:cNvPicPr>
-            <a:picLocks noChangeAspect="1"/>
-          </p:cNvPicPr>
-          <p:nvPr/>
-        </p:nvPicPr>
-        <p:blipFill>
-          <a:blip r:embed="rId2"/>
-          <a:stretch>
-            <a:fillRect/>
-          </a:stretch>
-        </p:blipFill>
-        <p:spPr>
-          <a:xfrm>
-            <a:off x="209223" y="2133600"/>
-            <a:ext cx="8725553" cy="2209800"/>
-          </a:xfrm>
-          <a:prstGeom prst="rect">
-            <a:avLst/>
-          </a:prstGeom>
-        </p:spPr>
-      </p:pic>
+      <p:sp>
+        <p:nvSpPr>
+          <p:cNvPr id="3" name="Content Placeholder 2"/>
+          <p:cNvSpPr>
+            <a:spLocks noGrp="1"/>
+          </p:cNvSpPr>
+          <p:nvPr>
+            <p:ph idx="1"/>
+          </p:nvPr>
+        </p:nvSpPr>
+        <p:spPr/>
+        <p:txBody>
+          <a:bodyPr/>
+          <a:lstStyle/>
+          <a:p>
+            <a:endParaRPr lang="en-US"/>
+          </a:p>
+        </p:txBody>
+      </p:sp>
     </p:spTree>
     <p:extLst>
       <p:ext uri="{BB962C8B-B14F-4D97-AF65-F5344CB8AC3E}">
-        <p14:creationId xmlns:p14="http://schemas.microsoft.com/office/powerpoint/2010/main" val="2197222777"/>
+        <p14:creationId xmlns:p14="http://schemas.microsoft.com/office/powerpoint/2010/main" val="107329143"/>
       </p:ext>
     </p:extLst>
   </p:cSld>
@@ -6210,40 +5855,35 @@
           <a:p>
             <a:r>
               <a:rPr lang="en-US" dirty="0" smtClean="0"/>
-              <a:t>Timing Phrases</a:t>
+              <a:t>Using Libraries</a:t>
             </a:r>
             <a:endParaRPr lang="en-US" dirty="0"/>
           </a:p>
         </p:txBody>
       </p:sp>
-      <p:pic>
-        <p:nvPicPr>
-          <p:cNvPr id="3" name="Picture 2"/>
-          <p:cNvPicPr>
-            <a:picLocks noChangeAspect="1"/>
-          </p:cNvPicPr>
-          <p:nvPr/>
-        </p:nvPicPr>
-        <p:blipFill>
-          <a:blip r:embed="rId2"/>
-          <a:stretch>
-            <a:fillRect/>
-          </a:stretch>
-        </p:blipFill>
-        <p:spPr>
-          <a:xfrm>
-            <a:off x="117324" y="2057400"/>
-            <a:ext cx="8909352" cy="2209800"/>
-          </a:xfrm>
-          <a:prstGeom prst="rect">
-            <a:avLst/>
-          </a:prstGeom>
-        </p:spPr>
-      </p:pic>
+      <p:sp>
+        <p:nvSpPr>
+          <p:cNvPr id="3" name="Content Placeholder 2"/>
+          <p:cNvSpPr>
+            <a:spLocks noGrp="1"/>
+          </p:cNvSpPr>
+          <p:nvPr>
+            <p:ph idx="1"/>
+          </p:nvPr>
+        </p:nvSpPr>
+        <p:spPr/>
+        <p:txBody>
+          <a:bodyPr/>
+          <a:lstStyle/>
+          <a:p>
+            <a:endParaRPr lang="en-US"/>
+          </a:p>
+        </p:txBody>
+      </p:sp>
     </p:spTree>
     <p:extLst>
       <p:ext uri="{BB962C8B-B14F-4D97-AF65-F5344CB8AC3E}">
-        <p14:creationId xmlns:p14="http://schemas.microsoft.com/office/powerpoint/2010/main" val="554124776"/>
+        <p14:creationId xmlns:p14="http://schemas.microsoft.com/office/powerpoint/2010/main" val="1666891093"/>
       </p:ext>
     </p:extLst>
   </p:cSld>
@@ -6254,391 +5894,6 @@
 </file>
 
 <file path=ppt/slides/slide24.xml><?xml version="1.0" encoding="utf-8"?>
-<p:sld xmlns:a="http://schemas.openxmlformats.org/drawingml/2006/main" xmlns:r="http://schemas.openxmlformats.org/officeDocument/2006/relationships" xmlns:p="http://schemas.openxmlformats.org/presentationml/2006/main">
-  <p:cSld>
-    <p:spTree>
-      <p:nvGrpSpPr>
-        <p:cNvPr id="1" name=""/>
-        <p:cNvGrpSpPr/>
-        <p:nvPr/>
-      </p:nvGrpSpPr>
-      <p:grpSpPr>
-        <a:xfrm>
-          <a:off x="0" y="0"/>
-          <a:ext cx="0" cy="0"/>
-          <a:chOff x="0" y="0"/>
-          <a:chExt cx="0" cy="0"/>
-        </a:xfrm>
-      </p:grpSpPr>
-      <p:sp>
-        <p:nvSpPr>
-          <p:cNvPr id="2" name="Title 1"/>
-          <p:cNvSpPr>
-            <a:spLocks noGrp="1"/>
-          </p:cNvSpPr>
-          <p:nvPr>
-            <p:ph type="title"/>
-          </p:nvPr>
-        </p:nvSpPr>
-        <p:spPr/>
-        <p:txBody>
-          <a:bodyPr/>
-          <a:lstStyle/>
-          <a:p>
-            <a:r>
-              <a:rPr lang="en-US" dirty="0" smtClean="0"/>
-              <a:t>Chlamydia Screening, CQM</a:t>
-            </a:r>
-            <a:endParaRPr lang="en-US" dirty="0"/>
-          </a:p>
-        </p:txBody>
-      </p:sp>
-      <p:pic>
-        <p:nvPicPr>
-          <p:cNvPr id="3" name="Picture 2"/>
-          <p:cNvPicPr>
-            <a:picLocks noChangeAspect="1"/>
-          </p:cNvPicPr>
-          <p:nvPr/>
-        </p:nvPicPr>
-        <p:blipFill>
-          <a:blip r:embed="rId2"/>
-          <a:stretch>
-            <a:fillRect/>
-          </a:stretch>
-        </p:blipFill>
-        <p:spPr>
-          <a:xfrm>
-            <a:off x="113727" y="1295400"/>
-            <a:ext cx="8916545" cy="5029200"/>
-          </a:xfrm>
-          <a:prstGeom prst="rect">
-            <a:avLst/>
-          </a:prstGeom>
-        </p:spPr>
-      </p:pic>
-    </p:spTree>
-    <p:extLst>
-      <p:ext uri="{BB962C8B-B14F-4D97-AF65-F5344CB8AC3E}">
-        <p14:creationId xmlns:p14="http://schemas.microsoft.com/office/powerpoint/2010/main" val="1988707635"/>
-      </p:ext>
-    </p:extLst>
-  </p:cSld>
-  <p:clrMapOvr>
-    <a:masterClrMapping/>
-  </p:clrMapOvr>
-</p:sld>
-</file>
-
-<file path=ppt/slides/slide25.xml><?xml version="1.0" encoding="utf-8"?>
-<p:sld xmlns:a="http://schemas.openxmlformats.org/drawingml/2006/main" xmlns:r="http://schemas.openxmlformats.org/officeDocument/2006/relationships" xmlns:p="http://schemas.openxmlformats.org/presentationml/2006/main">
-  <p:cSld>
-    <p:spTree>
-      <p:nvGrpSpPr>
-        <p:cNvPr id="1" name=""/>
-        <p:cNvGrpSpPr/>
-        <p:nvPr/>
-      </p:nvGrpSpPr>
-      <p:grpSpPr>
-        <a:xfrm>
-          <a:off x="0" y="0"/>
-          <a:ext cx="0" cy="0"/>
-          <a:chOff x="0" y="0"/>
-          <a:chExt cx="0" cy="0"/>
-        </a:xfrm>
-      </p:grpSpPr>
-      <p:sp>
-        <p:nvSpPr>
-          <p:cNvPr id="2" name="Title 1"/>
-          <p:cNvSpPr>
-            <a:spLocks noGrp="1"/>
-          </p:cNvSpPr>
-          <p:nvPr>
-            <p:ph type="title"/>
-          </p:nvPr>
-        </p:nvSpPr>
-        <p:spPr/>
-        <p:txBody>
-          <a:bodyPr/>
-          <a:lstStyle/>
-          <a:p>
-            <a:r>
-              <a:rPr lang="en-US" dirty="0" smtClean="0"/>
-              <a:t>Chlamydia Screening, CDS</a:t>
-            </a:r>
-            <a:endParaRPr lang="en-US" dirty="0"/>
-          </a:p>
-        </p:txBody>
-      </p:sp>
-      <p:pic>
-        <p:nvPicPr>
-          <p:cNvPr id="3" name="Picture 2"/>
-          <p:cNvPicPr>
-            <a:picLocks noChangeAspect="1"/>
-          </p:cNvPicPr>
-          <p:nvPr/>
-        </p:nvPicPr>
-        <p:blipFill>
-          <a:blip r:embed="rId2"/>
-          <a:stretch>
-            <a:fillRect/>
-          </a:stretch>
-        </p:blipFill>
-        <p:spPr>
-          <a:xfrm>
-            <a:off x="723900" y="1417638"/>
-            <a:ext cx="7696200" cy="5208754"/>
-          </a:xfrm>
-          <a:prstGeom prst="rect">
-            <a:avLst/>
-          </a:prstGeom>
-        </p:spPr>
-      </p:pic>
-    </p:spTree>
-    <p:extLst>
-      <p:ext uri="{BB962C8B-B14F-4D97-AF65-F5344CB8AC3E}">
-        <p14:creationId xmlns:p14="http://schemas.microsoft.com/office/powerpoint/2010/main" val="2898711464"/>
-      </p:ext>
-    </p:extLst>
-  </p:cSld>
-  <p:clrMapOvr>
-    <a:masterClrMapping/>
-  </p:clrMapOvr>
-</p:sld>
-</file>
-
-<file path=ppt/slides/slide26.xml><?xml version="1.0" encoding="utf-8"?>
-<p:sld xmlns:a="http://schemas.openxmlformats.org/drawingml/2006/main" xmlns:r="http://schemas.openxmlformats.org/officeDocument/2006/relationships" xmlns:p="http://schemas.openxmlformats.org/presentationml/2006/main">
-  <p:cSld>
-    <p:spTree>
-      <p:nvGrpSpPr>
-        <p:cNvPr id="1" name=""/>
-        <p:cNvGrpSpPr/>
-        <p:nvPr/>
-      </p:nvGrpSpPr>
-      <p:grpSpPr>
-        <a:xfrm>
-          <a:off x="0" y="0"/>
-          <a:ext cx="0" cy="0"/>
-          <a:chOff x="0" y="0"/>
-          <a:chExt cx="0" cy="0"/>
-        </a:xfrm>
-      </p:grpSpPr>
-      <p:sp>
-        <p:nvSpPr>
-          <p:cNvPr id="2" name="Title 1"/>
-          <p:cNvSpPr>
-            <a:spLocks noGrp="1"/>
-          </p:cNvSpPr>
-          <p:nvPr>
-            <p:ph type="title"/>
-          </p:nvPr>
-        </p:nvSpPr>
-        <p:spPr/>
-        <p:txBody>
-          <a:bodyPr/>
-          <a:lstStyle/>
-          <a:p>
-            <a:r>
-              <a:rPr lang="en-US" dirty="0" smtClean="0"/>
-              <a:t>Chlamydia Screening, Common</a:t>
-            </a:r>
-            <a:endParaRPr lang="en-US" dirty="0"/>
-          </a:p>
-        </p:txBody>
-      </p:sp>
-      <p:pic>
-        <p:nvPicPr>
-          <p:cNvPr id="4" name="Picture 3"/>
-          <p:cNvPicPr>
-            <a:picLocks noChangeAspect="1"/>
-          </p:cNvPicPr>
-          <p:nvPr/>
-        </p:nvPicPr>
-        <p:blipFill>
-          <a:blip r:embed="rId2"/>
-          <a:stretch>
-            <a:fillRect/>
-          </a:stretch>
-        </p:blipFill>
-        <p:spPr>
-          <a:xfrm>
-            <a:off x="1490605" y="1295400"/>
-            <a:ext cx="6162789" cy="5334000"/>
-          </a:xfrm>
-          <a:prstGeom prst="rect">
-            <a:avLst/>
-          </a:prstGeom>
-        </p:spPr>
-      </p:pic>
-    </p:spTree>
-    <p:extLst>
-      <p:ext uri="{BB962C8B-B14F-4D97-AF65-F5344CB8AC3E}">
-        <p14:creationId xmlns:p14="http://schemas.microsoft.com/office/powerpoint/2010/main" val="2016723784"/>
-      </p:ext>
-    </p:extLst>
-  </p:cSld>
-  <p:clrMapOvr>
-    <a:masterClrMapping/>
-  </p:clrMapOvr>
-</p:sld>
-</file>
-
-<file path=ppt/slides/slide27.xml><?xml version="1.0" encoding="utf-8"?>
-<p:sld xmlns:a="http://schemas.openxmlformats.org/drawingml/2006/main" xmlns:r="http://schemas.openxmlformats.org/officeDocument/2006/relationships" xmlns:p="http://schemas.openxmlformats.org/presentationml/2006/main">
-  <p:cSld>
-    <p:spTree>
-      <p:nvGrpSpPr>
-        <p:cNvPr id="1" name=""/>
-        <p:cNvGrpSpPr/>
-        <p:nvPr/>
-      </p:nvGrpSpPr>
-      <p:grpSpPr>
-        <a:xfrm>
-          <a:off x="0" y="0"/>
-          <a:ext cx="0" cy="0"/>
-          <a:chOff x="0" y="0"/>
-          <a:chExt cx="0" cy="0"/>
-        </a:xfrm>
-      </p:grpSpPr>
-      <p:sp>
-        <p:nvSpPr>
-          <p:cNvPr id="2" name="Title 1"/>
-          <p:cNvSpPr>
-            <a:spLocks noGrp="1"/>
-          </p:cNvSpPr>
-          <p:nvPr>
-            <p:ph type="title"/>
-          </p:nvPr>
-        </p:nvSpPr>
-        <p:spPr/>
-        <p:txBody>
-          <a:bodyPr/>
-          <a:lstStyle/>
-          <a:p>
-            <a:r>
-              <a:rPr lang="en-US" dirty="0" smtClean="0"/>
-              <a:t>Chlamydia Screening, CQM 2</a:t>
-            </a:r>
-            <a:endParaRPr lang="en-US" dirty="0"/>
-          </a:p>
-        </p:txBody>
-      </p:sp>
-      <p:pic>
-        <p:nvPicPr>
-          <p:cNvPr id="4" name="Picture 3"/>
-          <p:cNvPicPr>
-            <a:picLocks noChangeAspect="1"/>
-          </p:cNvPicPr>
-          <p:nvPr/>
-        </p:nvPicPr>
-        <p:blipFill>
-          <a:blip r:embed="rId2"/>
-          <a:stretch>
-            <a:fillRect/>
-          </a:stretch>
-        </p:blipFill>
-        <p:spPr>
-          <a:xfrm>
-            <a:off x="195837" y="1417638"/>
-            <a:ext cx="8752325" cy="4876800"/>
-          </a:xfrm>
-          <a:prstGeom prst="rect">
-            <a:avLst/>
-          </a:prstGeom>
-        </p:spPr>
-      </p:pic>
-    </p:spTree>
-    <p:extLst>
-      <p:ext uri="{BB962C8B-B14F-4D97-AF65-F5344CB8AC3E}">
-        <p14:creationId xmlns:p14="http://schemas.microsoft.com/office/powerpoint/2010/main" val="2761132467"/>
-      </p:ext>
-    </p:extLst>
-  </p:cSld>
-  <p:clrMapOvr>
-    <a:masterClrMapping/>
-  </p:clrMapOvr>
-</p:sld>
-</file>
-
-<file path=ppt/slides/slide28.xml><?xml version="1.0" encoding="utf-8"?>
-<p:sld xmlns:a="http://schemas.openxmlformats.org/drawingml/2006/main" xmlns:r="http://schemas.openxmlformats.org/officeDocument/2006/relationships" xmlns:p="http://schemas.openxmlformats.org/presentationml/2006/main">
-  <p:cSld>
-    <p:spTree>
-      <p:nvGrpSpPr>
-        <p:cNvPr id="1" name=""/>
-        <p:cNvGrpSpPr/>
-        <p:nvPr/>
-      </p:nvGrpSpPr>
-      <p:grpSpPr>
-        <a:xfrm>
-          <a:off x="0" y="0"/>
-          <a:ext cx="0" cy="0"/>
-          <a:chOff x="0" y="0"/>
-          <a:chExt cx="0" cy="0"/>
-        </a:xfrm>
-      </p:grpSpPr>
-      <p:sp>
-        <p:nvSpPr>
-          <p:cNvPr id="2" name="Title 1"/>
-          <p:cNvSpPr>
-            <a:spLocks noGrp="1"/>
-          </p:cNvSpPr>
-          <p:nvPr>
-            <p:ph type="title"/>
-          </p:nvPr>
-        </p:nvSpPr>
-        <p:spPr/>
-        <p:txBody>
-          <a:bodyPr/>
-          <a:lstStyle/>
-          <a:p>
-            <a:r>
-              <a:rPr lang="en-US" dirty="0" smtClean="0"/>
-              <a:t>Chlamydia Screening, CDS 2</a:t>
-            </a:r>
-            <a:endParaRPr lang="en-US" dirty="0"/>
-          </a:p>
-        </p:txBody>
-      </p:sp>
-      <p:pic>
-        <p:nvPicPr>
-          <p:cNvPr id="5" name="Picture 4"/>
-          <p:cNvPicPr>
-            <a:picLocks noChangeAspect="1"/>
-          </p:cNvPicPr>
-          <p:nvPr/>
-        </p:nvPicPr>
-        <p:blipFill>
-          <a:blip r:embed="rId2"/>
-          <a:stretch>
-            <a:fillRect/>
-          </a:stretch>
-        </p:blipFill>
-        <p:spPr>
-          <a:xfrm>
-            <a:off x="416718" y="1676400"/>
-            <a:ext cx="8310563" cy="3810000"/>
-          </a:xfrm>
-          <a:prstGeom prst="rect">
-            <a:avLst/>
-          </a:prstGeom>
-        </p:spPr>
-      </p:pic>
-    </p:spTree>
-    <p:extLst>
-      <p:ext uri="{BB962C8B-B14F-4D97-AF65-F5344CB8AC3E}">
-        <p14:creationId xmlns:p14="http://schemas.microsoft.com/office/powerpoint/2010/main" val="182430078"/>
-      </p:ext>
-    </p:extLst>
-  </p:cSld>
-  <p:clrMapOvr>
-    <a:masterClrMapping/>
-  </p:clrMapOvr>
-</p:sld>
-</file>
-
-<file path=ppt/slides/slide29.xml><?xml version="1.0" encoding="utf-8"?>
 <p:sld xmlns:a="http://schemas.openxmlformats.org/drawingml/2006/main" xmlns:r="http://schemas.openxmlformats.org/officeDocument/2006/relationships" xmlns:p="http://schemas.openxmlformats.org/presentationml/2006/main">
   <p:cSld>
     <p:spTree>
@@ -6818,22 +6073,1057 @@
       </p:grpSpPr>
       <p:sp>
         <p:nvSpPr>
-          <p:cNvPr id="2" name="Title 1"/>
-          <p:cNvSpPr>
-            <a:spLocks noGrp="1"/>
-          </p:cNvSpPr>
-          <p:nvPr>
-            <p:ph type="title"/>
-          </p:nvPr>
-        </p:nvSpPr>
-        <p:spPr/>
-        <p:txBody>
-          <a:bodyPr/>
-          <a:lstStyle/>
-          <a:p>
-            <a:r>
-              <a:rPr lang="en-US" dirty="0" smtClean="0"/>
-              <a:t>Anatomy of a Library</a:t>
+          <p:cNvPr id="4" name="Rectangle 3"/>
+          <p:cNvSpPr/>
+          <p:nvPr/>
+        </p:nvSpPr>
+        <p:spPr>
+          <a:xfrm>
+            <a:off x="5664327" y="2028814"/>
+            <a:ext cx="1422273" cy="688532"/>
+          </a:xfrm>
+          <a:prstGeom prst="rect">
+            <a:avLst/>
+          </a:prstGeom>
+        </p:spPr>
+        <p:style>
+          <a:lnRef idx="1">
+            <a:schemeClr val="accent2"/>
+          </a:lnRef>
+          <a:fillRef idx="2">
+            <a:schemeClr val="accent2"/>
+          </a:fillRef>
+          <a:effectRef idx="1">
+            <a:schemeClr val="accent2"/>
+          </a:effectRef>
+          <a:fontRef idx="minor">
+            <a:schemeClr val="dk1"/>
+          </a:fontRef>
+        </p:style>
+        <p:txBody>
+          <a:bodyPr rtlCol="0" anchor="ctr"/>
+          <a:lstStyle/>
+          <a:p>
+            <a:pPr algn="ctr"/>
+            <a:r>
+              <a:rPr lang="en-US" sz="1400" smtClean="0"/>
+              <a:t>Probably Sexually Active</a:t>
+            </a:r>
+            <a:endParaRPr lang="en-US" sz="1400"/>
+          </a:p>
+        </p:txBody>
+      </p:sp>
+      <p:sp>
+        <p:nvSpPr>
+          <p:cNvPr id="5" name="Rectangle 4"/>
+          <p:cNvSpPr/>
+          <p:nvPr/>
+        </p:nvSpPr>
+        <p:spPr>
+          <a:xfrm>
+            <a:off x="2845077" y="912621"/>
+            <a:ext cx="1600200" cy="750332"/>
+          </a:xfrm>
+          <a:prstGeom prst="rect">
+            <a:avLst/>
+          </a:prstGeom>
+        </p:spPr>
+        <p:style>
+          <a:lnRef idx="1">
+            <a:schemeClr val="accent2"/>
+          </a:lnRef>
+          <a:fillRef idx="2">
+            <a:schemeClr val="accent2"/>
+          </a:fillRef>
+          <a:effectRef idx="1">
+            <a:schemeClr val="accent2"/>
+          </a:effectRef>
+          <a:fontRef idx="minor">
+            <a:schemeClr val="dk1"/>
+          </a:fontRef>
+        </p:style>
+        <p:txBody>
+          <a:bodyPr rtlCol="0" anchor="ctr"/>
+          <a:lstStyle/>
+          <a:p>
+            <a:pPr algn="ctr"/>
+            <a:r>
+              <a:rPr lang="en-US" sz="1600" smtClean="0"/>
+              <a:t>Initial Population Definition</a:t>
+            </a:r>
+            <a:endParaRPr lang="en-US" sz="1600"/>
+          </a:p>
+        </p:txBody>
+      </p:sp>
+      <p:sp>
+        <p:nvSpPr>
+          <p:cNvPr id="7" name="Rectangle 6"/>
+          <p:cNvSpPr/>
+          <p:nvPr/>
+        </p:nvSpPr>
+        <p:spPr>
+          <a:xfrm>
+            <a:off x="2932210" y="3109577"/>
+            <a:ext cx="1334989" cy="762000"/>
+          </a:xfrm>
+          <a:prstGeom prst="rect">
+            <a:avLst/>
+          </a:prstGeom>
+        </p:spPr>
+        <p:style>
+          <a:lnRef idx="1">
+            <a:schemeClr val="accent1"/>
+          </a:lnRef>
+          <a:fillRef idx="2">
+            <a:schemeClr val="accent1"/>
+          </a:fillRef>
+          <a:effectRef idx="1">
+            <a:schemeClr val="accent1"/>
+          </a:effectRef>
+          <a:fontRef idx="minor">
+            <a:schemeClr val="dk1"/>
+          </a:fontRef>
+        </p:style>
+        <p:txBody>
+          <a:bodyPr rtlCol="0" anchor="ctr"/>
+          <a:lstStyle/>
+          <a:p>
+            <a:pPr algn="ctr"/>
+            <a:r>
+              <a:rPr lang="en-US" sz="1600" smtClean="0"/>
+              <a:t>Condition, Occurrence</a:t>
+            </a:r>
+            <a:endParaRPr lang="en-US" sz="1600"/>
+          </a:p>
+        </p:txBody>
+      </p:sp>
+      <p:sp>
+        <p:nvSpPr>
+          <p:cNvPr id="8" name="Rectangle 7"/>
+          <p:cNvSpPr/>
+          <p:nvPr/>
+        </p:nvSpPr>
+        <p:spPr>
+          <a:xfrm>
+            <a:off x="4524703" y="3109577"/>
+            <a:ext cx="1224545" cy="762000"/>
+          </a:xfrm>
+          <a:prstGeom prst="rect">
+            <a:avLst/>
+          </a:prstGeom>
+        </p:spPr>
+        <p:style>
+          <a:lnRef idx="1">
+            <a:schemeClr val="accent1"/>
+          </a:lnRef>
+          <a:fillRef idx="2">
+            <a:schemeClr val="accent1"/>
+          </a:fillRef>
+          <a:effectRef idx="1">
+            <a:schemeClr val="accent1"/>
+          </a:effectRef>
+          <a:fontRef idx="minor">
+            <a:schemeClr val="dk1"/>
+          </a:fontRef>
+        </p:style>
+        <p:txBody>
+          <a:bodyPr rtlCol="0" anchor="ctr"/>
+          <a:lstStyle/>
+          <a:p>
+            <a:pPr algn="ctr"/>
+            <a:r>
+              <a:rPr lang="en-US" sz="1600" smtClean="0"/>
+              <a:t>Patient</a:t>
+            </a:r>
+            <a:endParaRPr lang="en-US" sz="1600"/>
+          </a:p>
+        </p:txBody>
+      </p:sp>
+      <p:sp>
+        <p:nvSpPr>
+          <p:cNvPr id="9" name="Rectangle 8"/>
+          <p:cNvSpPr/>
+          <p:nvPr/>
+        </p:nvSpPr>
+        <p:spPr>
+          <a:xfrm>
+            <a:off x="2706890" y="4419600"/>
+            <a:ext cx="1226608" cy="762000"/>
+          </a:xfrm>
+          <a:prstGeom prst="rect">
+            <a:avLst/>
+          </a:prstGeom>
+        </p:spPr>
+        <p:style>
+          <a:lnRef idx="1">
+            <a:schemeClr val="accent6"/>
+          </a:lnRef>
+          <a:fillRef idx="2">
+            <a:schemeClr val="accent6"/>
+          </a:fillRef>
+          <a:effectRef idx="1">
+            <a:schemeClr val="accent6"/>
+          </a:effectRef>
+          <a:fontRef idx="minor">
+            <a:schemeClr val="dk1"/>
+          </a:fontRef>
+        </p:style>
+        <p:txBody>
+          <a:bodyPr rtlCol="0" anchor="ctr"/>
+          <a:lstStyle/>
+          <a:p>
+            <a:pPr algn="ctr"/>
+            <a:r>
+              <a:rPr lang="en-US" smtClean="0"/>
+              <a:t>FHIR Logic</a:t>
+            </a:r>
+            <a:endParaRPr lang="en-US"/>
+          </a:p>
+        </p:txBody>
+      </p:sp>
+      <p:sp>
+        <p:nvSpPr>
+          <p:cNvPr id="11" name="Rectangle 10"/>
+          <p:cNvSpPr/>
+          <p:nvPr/>
+        </p:nvSpPr>
+        <p:spPr>
+          <a:xfrm>
+            <a:off x="6317192" y="4419600"/>
+            <a:ext cx="1226608" cy="762000"/>
+          </a:xfrm>
+          <a:prstGeom prst="rect">
+            <a:avLst/>
+          </a:prstGeom>
+        </p:spPr>
+        <p:style>
+          <a:lnRef idx="1">
+            <a:schemeClr val="accent6"/>
+          </a:lnRef>
+          <a:fillRef idx="2">
+            <a:schemeClr val="accent6"/>
+          </a:fillRef>
+          <a:effectRef idx="1">
+            <a:schemeClr val="accent6"/>
+          </a:effectRef>
+          <a:fontRef idx="minor">
+            <a:schemeClr val="dk1"/>
+          </a:fontRef>
+        </p:style>
+        <p:txBody>
+          <a:bodyPr rtlCol="0" anchor="ctr"/>
+          <a:lstStyle/>
+          <a:p>
+            <a:pPr algn="ctr"/>
+            <a:r>
+              <a:rPr lang="en-US" smtClean="0"/>
+              <a:t>CCDA Logic</a:t>
+            </a:r>
+            <a:endParaRPr lang="en-US"/>
+          </a:p>
+        </p:txBody>
+      </p:sp>
+      <p:sp>
+        <p:nvSpPr>
+          <p:cNvPr id="12" name="Rectangle 11"/>
+          <p:cNvSpPr/>
+          <p:nvPr/>
+        </p:nvSpPr>
+        <p:spPr>
+          <a:xfrm>
+            <a:off x="2746676" y="5608704"/>
+            <a:ext cx="1173482" cy="526081"/>
+          </a:xfrm>
+          <a:prstGeom prst="rect">
+            <a:avLst/>
+          </a:prstGeom>
+        </p:spPr>
+        <p:style>
+          <a:lnRef idx="2">
+            <a:schemeClr val="accent3">
+              <a:shade val="50000"/>
+            </a:schemeClr>
+          </a:lnRef>
+          <a:fillRef idx="1">
+            <a:schemeClr val="accent3"/>
+          </a:fillRef>
+          <a:effectRef idx="0">
+            <a:schemeClr val="accent3"/>
+          </a:effectRef>
+          <a:fontRef idx="minor">
+            <a:schemeClr val="lt1"/>
+          </a:fontRef>
+        </p:style>
+        <p:txBody>
+          <a:bodyPr rtlCol="0" anchor="ctr"/>
+          <a:lstStyle/>
+          <a:p>
+            <a:pPr algn="ctr"/>
+            <a:r>
+              <a:rPr lang="en-US" sz="1600" smtClean="0"/>
+              <a:t>FHIR API</a:t>
+            </a:r>
+            <a:endParaRPr lang="en-US" sz="1600"/>
+          </a:p>
+        </p:txBody>
+      </p:sp>
+      <p:sp>
+        <p:nvSpPr>
+          <p:cNvPr id="14" name="Rectangle 13"/>
+          <p:cNvSpPr/>
+          <p:nvPr/>
+        </p:nvSpPr>
+        <p:spPr>
+          <a:xfrm>
+            <a:off x="6362423" y="5608704"/>
+            <a:ext cx="1173482" cy="526081"/>
+          </a:xfrm>
+          <a:prstGeom prst="rect">
+            <a:avLst/>
+          </a:prstGeom>
+        </p:spPr>
+        <p:style>
+          <a:lnRef idx="2">
+            <a:schemeClr val="accent3">
+              <a:shade val="50000"/>
+            </a:schemeClr>
+          </a:lnRef>
+          <a:fillRef idx="1">
+            <a:schemeClr val="accent3"/>
+          </a:fillRef>
+          <a:effectRef idx="0">
+            <a:schemeClr val="accent3"/>
+          </a:effectRef>
+          <a:fontRef idx="minor">
+            <a:schemeClr val="lt1"/>
+          </a:fontRef>
+        </p:style>
+        <p:txBody>
+          <a:bodyPr rtlCol="0" anchor="ctr"/>
+          <a:lstStyle/>
+          <a:p>
+            <a:pPr algn="ctr"/>
+            <a:r>
+              <a:rPr lang="en-US" sz="1600" smtClean="0"/>
+              <a:t>CCDA Generator</a:t>
+            </a:r>
+            <a:endParaRPr lang="en-US" sz="1600"/>
+          </a:p>
+        </p:txBody>
+      </p:sp>
+      <p:sp>
+        <p:nvSpPr>
+          <p:cNvPr id="15" name="Flowchart: Magnetic Disk 14"/>
+          <p:cNvSpPr/>
+          <p:nvPr/>
+        </p:nvSpPr>
+        <p:spPr>
+          <a:xfrm>
+            <a:off x="2934415" y="6239254"/>
+            <a:ext cx="819190" cy="418067"/>
+          </a:xfrm>
+          <a:prstGeom prst="flowChartMagneticDisk">
+            <a:avLst/>
+          </a:prstGeom>
+        </p:spPr>
+        <p:style>
+          <a:lnRef idx="2">
+            <a:schemeClr val="accent3">
+              <a:shade val="50000"/>
+            </a:schemeClr>
+          </a:lnRef>
+          <a:fillRef idx="1">
+            <a:schemeClr val="accent3"/>
+          </a:fillRef>
+          <a:effectRef idx="0">
+            <a:schemeClr val="accent3"/>
+          </a:effectRef>
+          <a:fontRef idx="minor">
+            <a:schemeClr val="lt1"/>
+          </a:fontRef>
+        </p:style>
+        <p:txBody>
+          <a:bodyPr rtlCol="0" anchor="ctr"/>
+          <a:lstStyle/>
+          <a:p>
+            <a:pPr algn="ctr"/>
+            <a:r>
+              <a:rPr lang="en-US" smtClean="0"/>
+              <a:t>EHR</a:t>
+            </a:r>
+            <a:endParaRPr lang="en-US"/>
+          </a:p>
+        </p:txBody>
+      </p:sp>
+      <p:sp>
+        <p:nvSpPr>
+          <p:cNvPr id="21" name="Rectangle 20"/>
+          <p:cNvSpPr/>
+          <p:nvPr/>
+        </p:nvSpPr>
+        <p:spPr>
+          <a:xfrm>
+            <a:off x="6048703" y="3109577"/>
+            <a:ext cx="1278010" cy="762000"/>
+          </a:xfrm>
+          <a:prstGeom prst="rect">
+            <a:avLst/>
+          </a:prstGeom>
+        </p:spPr>
+        <p:style>
+          <a:lnRef idx="1">
+            <a:schemeClr val="accent1"/>
+          </a:lnRef>
+          <a:fillRef idx="2">
+            <a:schemeClr val="accent1"/>
+          </a:fillRef>
+          <a:effectRef idx="1">
+            <a:schemeClr val="accent1"/>
+          </a:effectRef>
+          <a:fontRef idx="minor">
+            <a:schemeClr val="dk1"/>
+          </a:fontRef>
+        </p:style>
+        <p:txBody>
+          <a:bodyPr rtlCol="0" anchor="ctr"/>
+          <a:lstStyle/>
+          <a:p>
+            <a:pPr algn="ctr"/>
+            <a:r>
+              <a:rPr lang="en-US" sz="1600" smtClean="0"/>
+              <a:t>Medication Treatment, Ordered</a:t>
+            </a:r>
+            <a:endParaRPr lang="en-US" sz="1600"/>
+          </a:p>
+        </p:txBody>
+      </p:sp>
+      <p:cxnSp>
+        <p:nvCxnSpPr>
+          <p:cNvPr id="23" name="Straight Arrow Connector 22"/>
+          <p:cNvCxnSpPr>
+            <a:stCxn id="9" idx="2"/>
+            <a:endCxn id="12" idx="0"/>
+          </p:cNvCxnSpPr>
+          <p:nvPr/>
+        </p:nvCxnSpPr>
+        <p:spPr>
+          <a:xfrm>
+            <a:off x="3320194" y="5181600"/>
+            <a:ext cx="13223" cy="427104"/>
+          </a:xfrm>
+          <a:prstGeom prst="straightConnector1">
+            <a:avLst/>
+          </a:prstGeom>
+          <a:ln>
+            <a:headEnd type="arrow"/>
+            <a:tailEnd type="arrow"/>
+          </a:ln>
+        </p:spPr>
+        <p:style>
+          <a:lnRef idx="2">
+            <a:schemeClr val="accent3">
+              <a:shade val="50000"/>
+            </a:schemeClr>
+          </a:lnRef>
+          <a:fillRef idx="1">
+            <a:schemeClr val="accent3"/>
+          </a:fillRef>
+          <a:effectRef idx="0">
+            <a:schemeClr val="accent3"/>
+          </a:effectRef>
+          <a:fontRef idx="minor">
+            <a:schemeClr val="lt1"/>
+          </a:fontRef>
+        </p:style>
+      </p:cxnSp>
+      <p:cxnSp>
+        <p:nvCxnSpPr>
+          <p:cNvPr id="27" name="Straight Arrow Connector 26"/>
+          <p:cNvCxnSpPr>
+            <a:stCxn id="11" idx="2"/>
+            <a:endCxn id="14" idx="0"/>
+          </p:cNvCxnSpPr>
+          <p:nvPr/>
+        </p:nvCxnSpPr>
+        <p:spPr>
+          <a:xfrm>
+            <a:off x="6930496" y="5181600"/>
+            <a:ext cx="18668" cy="427104"/>
+          </a:xfrm>
+          <a:prstGeom prst="straightConnector1">
+            <a:avLst/>
+          </a:prstGeom>
+          <a:ln>
+            <a:headEnd type="arrow"/>
+            <a:tailEnd type="arrow"/>
+          </a:ln>
+        </p:spPr>
+        <p:style>
+          <a:lnRef idx="2">
+            <a:schemeClr val="accent3">
+              <a:shade val="50000"/>
+            </a:schemeClr>
+          </a:lnRef>
+          <a:fillRef idx="1">
+            <a:schemeClr val="accent3"/>
+          </a:fillRef>
+          <a:effectRef idx="0">
+            <a:schemeClr val="accent3"/>
+          </a:effectRef>
+          <a:fontRef idx="minor">
+            <a:schemeClr val="lt1"/>
+          </a:fontRef>
+        </p:style>
+      </p:cxnSp>
+      <p:cxnSp>
+        <p:nvCxnSpPr>
+          <p:cNvPr id="33" name="Straight Arrow Connector 32"/>
+          <p:cNvCxnSpPr>
+            <a:stCxn id="9" idx="0"/>
+            <a:endCxn id="7" idx="2"/>
+          </p:cNvCxnSpPr>
+          <p:nvPr/>
+        </p:nvCxnSpPr>
+        <p:spPr>
+          <a:xfrm flipV="1">
+            <a:off x="3320194" y="3871577"/>
+            <a:ext cx="279511" cy="548023"/>
+          </a:xfrm>
+          <a:prstGeom prst="straightConnector1">
+            <a:avLst/>
+          </a:prstGeom>
+          <a:ln>
+            <a:headEnd type="arrow"/>
+            <a:tailEnd type="arrow"/>
+          </a:ln>
+        </p:spPr>
+        <p:style>
+          <a:lnRef idx="1">
+            <a:schemeClr val="accent1"/>
+          </a:lnRef>
+          <a:fillRef idx="2">
+            <a:schemeClr val="accent1"/>
+          </a:fillRef>
+          <a:effectRef idx="1">
+            <a:schemeClr val="accent1"/>
+          </a:effectRef>
+          <a:fontRef idx="minor">
+            <a:schemeClr val="dk1"/>
+          </a:fontRef>
+        </p:style>
+      </p:cxnSp>
+      <p:cxnSp>
+        <p:nvCxnSpPr>
+          <p:cNvPr id="41" name="Straight Arrow Connector 40"/>
+          <p:cNvCxnSpPr>
+            <a:stCxn id="11" idx="0"/>
+            <a:endCxn id="7" idx="2"/>
+          </p:cNvCxnSpPr>
+          <p:nvPr/>
+        </p:nvCxnSpPr>
+        <p:spPr>
+          <a:xfrm flipH="1" flipV="1">
+            <a:off x="3599705" y="3871577"/>
+            <a:ext cx="3330791" cy="548023"/>
+          </a:xfrm>
+          <a:prstGeom prst="straightConnector1">
+            <a:avLst/>
+          </a:prstGeom>
+          <a:ln>
+            <a:headEnd type="arrow"/>
+            <a:tailEnd type="arrow"/>
+          </a:ln>
+        </p:spPr>
+        <p:style>
+          <a:lnRef idx="1">
+            <a:schemeClr val="accent1"/>
+          </a:lnRef>
+          <a:fillRef idx="2">
+            <a:schemeClr val="accent1"/>
+          </a:fillRef>
+          <a:effectRef idx="1">
+            <a:schemeClr val="accent1"/>
+          </a:effectRef>
+          <a:fontRef idx="minor">
+            <a:schemeClr val="dk1"/>
+          </a:fontRef>
+        </p:style>
+      </p:cxnSp>
+      <p:sp>
+        <p:nvSpPr>
+          <p:cNvPr id="57" name="Rectangle 56"/>
+          <p:cNvSpPr/>
+          <p:nvPr/>
+        </p:nvSpPr>
+        <p:spPr>
+          <a:xfrm>
+            <a:off x="4676167" y="914400"/>
+            <a:ext cx="1496033" cy="762000"/>
+          </a:xfrm>
+          <a:prstGeom prst="rect">
+            <a:avLst/>
+          </a:prstGeom>
+        </p:spPr>
+        <p:style>
+          <a:lnRef idx="1">
+            <a:schemeClr val="accent2"/>
+          </a:lnRef>
+          <a:fillRef idx="2">
+            <a:schemeClr val="accent2"/>
+          </a:fillRef>
+          <a:effectRef idx="1">
+            <a:schemeClr val="accent2"/>
+          </a:effectRef>
+          <a:fontRef idx="minor">
+            <a:schemeClr val="dk1"/>
+          </a:fontRef>
+        </p:style>
+        <p:txBody>
+          <a:bodyPr rtlCol="0" anchor="ctr"/>
+          <a:lstStyle/>
+          <a:p>
+            <a:pPr algn="ctr"/>
+            <a:r>
+              <a:rPr lang="en-US" sz="1600" smtClean="0"/>
+              <a:t>Chlamydia  Test Recommended</a:t>
+            </a:r>
+            <a:endParaRPr lang="en-US" sz="1600"/>
+          </a:p>
+        </p:txBody>
+      </p:sp>
+      <p:cxnSp>
+        <p:nvCxnSpPr>
+          <p:cNvPr id="74" name="Straight Arrow Connector 73"/>
+          <p:cNvCxnSpPr>
+            <a:stCxn id="7" idx="0"/>
+            <a:endCxn id="57" idx="2"/>
+          </p:cNvCxnSpPr>
+          <p:nvPr/>
+        </p:nvCxnSpPr>
+        <p:spPr>
+          <a:xfrm flipV="1">
+            <a:off x="3599705" y="1676400"/>
+            <a:ext cx="1824479" cy="1433177"/>
+          </a:xfrm>
+          <a:prstGeom prst="straightConnector1">
+            <a:avLst/>
+          </a:prstGeom>
+          <a:ln>
+            <a:headEnd type="arrow"/>
+            <a:tailEnd type="arrow"/>
+          </a:ln>
+        </p:spPr>
+        <p:style>
+          <a:lnRef idx="1">
+            <a:schemeClr val="accent2"/>
+          </a:lnRef>
+          <a:fillRef idx="2">
+            <a:schemeClr val="accent2"/>
+          </a:fillRef>
+          <a:effectRef idx="1">
+            <a:schemeClr val="accent2"/>
+          </a:effectRef>
+          <a:fontRef idx="minor">
+            <a:schemeClr val="dk1"/>
+          </a:fontRef>
+        </p:style>
+      </p:cxnSp>
+      <p:cxnSp>
+        <p:nvCxnSpPr>
+          <p:cNvPr id="77" name="Straight Arrow Connector 76"/>
+          <p:cNvCxnSpPr>
+            <a:stCxn id="4" idx="0"/>
+            <a:endCxn id="57" idx="2"/>
+          </p:cNvCxnSpPr>
+          <p:nvPr/>
+        </p:nvCxnSpPr>
+        <p:spPr>
+          <a:xfrm flipH="1" flipV="1">
+            <a:off x="5424184" y="1676400"/>
+            <a:ext cx="951280" cy="352414"/>
+          </a:xfrm>
+          <a:prstGeom prst="straightConnector1">
+            <a:avLst/>
+          </a:prstGeom>
+          <a:ln>
+            <a:headEnd type="arrow"/>
+            <a:tailEnd type="arrow"/>
+          </a:ln>
+        </p:spPr>
+        <p:style>
+          <a:lnRef idx="1">
+            <a:schemeClr val="accent2"/>
+          </a:lnRef>
+          <a:fillRef idx="2">
+            <a:schemeClr val="accent2"/>
+          </a:fillRef>
+          <a:effectRef idx="1">
+            <a:schemeClr val="accent2"/>
+          </a:effectRef>
+          <a:fontRef idx="minor">
+            <a:schemeClr val="dk1"/>
+          </a:fontRef>
+        </p:style>
+      </p:cxnSp>
+      <p:sp>
+        <p:nvSpPr>
+          <p:cNvPr id="87" name="TextBox 86"/>
+          <p:cNvSpPr txBox="1"/>
+          <p:nvPr/>
+        </p:nvSpPr>
+        <p:spPr>
+          <a:xfrm>
+            <a:off x="3916731" y="4477435"/>
+            <a:ext cx="503664" cy="646331"/>
+          </a:xfrm>
+          <a:prstGeom prst="rect">
+            <a:avLst/>
+          </a:prstGeom>
+          <a:noFill/>
+        </p:spPr>
+        <p:txBody>
+          <a:bodyPr wrap="none" rtlCol="0">
+            <a:spAutoFit/>
+          </a:bodyPr>
+          <a:lstStyle/>
+          <a:p>
+            <a:r>
+              <a:rPr lang="en-US" sz="3600" smtClean="0"/>
+              <a:t>…</a:t>
+            </a:r>
+            <a:endParaRPr lang="en-US" sz="3600"/>
+          </a:p>
+        </p:txBody>
+      </p:sp>
+      <p:sp>
+        <p:nvSpPr>
+          <p:cNvPr id="103" name="Flowchart: Magnetic Disk 102"/>
+          <p:cNvSpPr/>
+          <p:nvPr/>
+        </p:nvSpPr>
+        <p:spPr>
+          <a:xfrm>
+            <a:off x="4661060" y="5566076"/>
+            <a:ext cx="1051514" cy="611336"/>
+          </a:xfrm>
+          <a:prstGeom prst="flowChartMagneticDisk">
+            <a:avLst/>
+          </a:prstGeom>
+        </p:spPr>
+        <p:style>
+          <a:lnRef idx="2">
+            <a:schemeClr val="accent3">
+              <a:shade val="50000"/>
+            </a:schemeClr>
+          </a:lnRef>
+          <a:fillRef idx="1">
+            <a:schemeClr val="accent3"/>
+          </a:fillRef>
+          <a:effectRef idx="0">
+            <a:schemeClr val="accent3"/>
+          </a:effectRef>
+          <a:fontRef idx="minor">
+            <a:schemeClr val="lt1"/>
+          </a:fontRef>
+        </p:style>
+        <p:txBody>
+          <a:bodyPr rtlCol="0" anchor="ctr"/>
+          <a:lstStyle/>
+          <a:p>
+            <a:pPr algn="ctr"/>
+            <a:r>
+              <a:rPr lang="en-US" smtClean="0"/>
+              <a:t>EHR</a:t>
+            </a:r>
+            <a:endParaRPr lang="en-US"/>
+          </a:p>
+        </p:txBody>
+      </p:sp>
+      <p:sp>
+        <p:nvSpPr>
+          <p:cNvPr id="109" name="Rectangle 108"/>
+          <p:cNvSpPr/>
+          <p:nvPr/>
+        </p:nvSpPr>
+        <p:spPr>
+          <a:xfrm>
+            <a:off x="4557184" y="4419600"/>
+            <a:ext cx="1226608" cy="762000"/>
+          </a:xfrm>
+          <a:prstGeom prst="rect">
+            <a:avLst/>
+          </a:prstGeom>
+        </p:spPr>
+        <p:style>
+          <a:lnRef idx="1">
+            <a:schemeClr val="accent6"/>
+          </a:lnRef>
+          <a:fillRef idx="2">
+            <a:schemeClr val="accent6"/>
+          </a:fillRef>
+          <a:effectRef idx="1">
+            <a:schemeClr val="accent6"/>
+          </a:effectRef>
+          <a:fontRef idx="minor">
+            <a:schemeClr val="dk1"/>
+          </a:fontRef>
+        </p:style>
+        <p:txBody>
+          <a:bodyPr rtlCol="0" anchor="ctr"/>
+          <a:lstStyle/>
+          <a:p>
+            <a:pPr algn="ctr"/>
+            <a:r>
+              <a:rPr lang="en-US" sz="1600" smtClean="0"/>
+              <a:t>Custom EHR Logic</a:t>
+            </a:r>
+            <a:endParaRPr lang="en-US" sz="1600"/>
+          </a:p>
+        </p:txBody>
+      </p:sp>
+      <p:cxnSp>
+        <p:nvCxnSpPr>
+          <p:cNvPr id="110" name="Straight Arrow Connector 109"/>
+          <p:cNvCxnSpPr>
+            <a:stCxn id="109" idx="0"/>
+            <a:endCxn id="7" idx="2"/>
+          </p:cNvCxnSpPr>
+          <p:nvPr/>
+        </p:nvCxnSpPr>
+        <p:spPr>
+          <a:xfrm flipH="1" flipV="1">
+            <a:off x="3599705" y="3871577"/>
+            <a:ext cx="1570783" cy="548023"/>
+          </a:xfrm>
+          <a:prstGeom prst="straightConnector1">
+            <a:avLst/>
+          </a:prstGeom>
+          <a:ln>
+            <a:headEnd type="arrow"/>
+            <a:tailEnd type="arrow"/>
+          </a:ln>
+        </p:spPr>
+        <p:style>
+          <a:lnRef idx="1">
+            <a:schemeClr val="accent1"/>
+          </a:lnRef>
+          <a:fillRef idx="2">
+            <a:schemeClr val="accent1"/>
+          </a:fillRef>
+          <a:effectRef idx="1">
+            <a:schemeClr val="accent1"/>
+          </a:effectRef>
+          <a:fontRef idx="minor">
+            <a:schemeClr val="dk1"/>
+          </a:fontRef>
+        </p:style>
+      </p:cxnSp>
+      <p:cxnSp>
+        <p:nvCxnSpPr>
+          <p:cNvPr id="113" name="Straight Arrow Connector 112"/>
+          <p:cNvCxnSpPr>
+            <a:stCxn id="109" idx="2"/>
+            <a:endCxn id="103" idx="1"/>
+          </p:cNvCxnSpPr>
+          <p:nvPr/>
+        </p:nvCxnSpPr>
+        <p:spPr>
+          <a:xfrm>
+            <a:off x="5170488" y="5181600"/>
+            <a:ext cx="16329" cy="384476"/>
+          </a:xfrm>
+          <a:prstGeom prst="straightConnector1">
+            <a:avLst/>
+          </a:prstGeom>
+          <a:ln>
+            <a:headEnd type="arrow"/>
+            <a:tailEnd type="arrow"/>
+          </a:ln>
+        </p:spPr>
+        <p:style>
+          <a:lnRef idx="2">
+            <a:schemeClr val="accent3">
+              <a:shade val="50000"/>
+            </a:schemeClr>
+          </a:lnRef>
+          <a:fillRef idx="1">
+            <a:schemeClr val="accent3"/>
+          </a:fillRef>
+          <a:effectRef idx="0">
+            <a:schemeClr val="accent3"/>
+          </a:effectRef>
+          <a:fontRef idx="minor">
+            <a:schemeClr val="lt1"/>
+          </a:fontRef>
+        </p:style>
+      </p:cxnSp>
+      <p:cxnSp>
+        <p:nvCxnSpPr>
+          <p:cNvPr id="147" name="Straight Arrow Connector 146"/>
+          <p:cNvCxnSpPr>
+            <a:stCxn id="21" idx="0"/>
+            <a:endCxn id="4" idx="2"/>
+          </p:cNvCxnSpPr>
+          <p:nvPr/>
+        </p:nvCxnSpPr>
+        <p:spPr>
+          <a:xfrm flipH="1" flipV="1">
+            <a:off x="6375464" y="2717346"/>
+            <a:ext cx="312244" cy="392231"/>
+          </a:xfrm>
+          <a:prstGeom prst="straightConnector1">
+            <a:avLst/>
+          </a:prstGeom>
+          <a:ln>
+            <a:headEnd type="arrow"/>
+            <a:tailEnd type="arrow"/>
+          </a:ln>
+        </p:spPr>
+        <p:style>
+          <a:lnRef idx="1">
+            <a:schemeClr val="accent2"/>
+          </a:lnRef>
+          <a:fillRef idx="2">
+            <a:schemeClr val="accent2"/>
+          </a:fillRef>
+          <a:effectRef idx="1">
+            <a:schemeClr val="accent2"/>
+          </a:effectRef>
+          <a:fontRef idx="minor">
+            <a:schemeClr val="dk1"/>
+          </a:fontRef>
+        </p:style>
+      </p:cxnSp>
+      <p:cxnSp>
+        <p:nvCxnSpPr>
+          <p:cNvPr id="150" name="Straight Arrow Connector 149"/>
+          <p:cNvCxnSpPr>
+            <a:stCxn id="7" idx="0"/>
+            <a:endCxn id="4" idx="2"/>
+          </p:cNvCxnSpPr>
+          <p:nvPr/>
+        </p:nvCxnSpPr>
+        <p:spPr>
+          <a:xfrm flipV="1">
+            <a:off x="3599705" y="2717346"/>
+            <a:ext cx="2775759" cy="392231"/>
+          </a:xfrm>
+          <a:prstGeom prst="straightConnector1">
+            <a:avLst/>
+          </a:prstGeom>
+          <a:ln>
+            <a:headEnd type="arrow"/>
+            <a:tailEnd type="arrow"/>
+          </a:ln>
+        </p:spPr>
+        <p:style>
+          <a:lnRef idx="1">
+            <a:schemeClr val="accent2"/>
+          </a:lnRef>
+          <a:fillRef idx="2">
+            <a:schemeClr val="accent2"/>
+          </a:fillRef>
+          <a:effectRef idx="1">
+            <a:schemeClr val="accent2"/>
+          </a:effectRef>
+          <a:fontRef idx="minor">
+            <a:schemeClr val="dk1"/>
+          </a:fontRef>
+        </p:style>
+      </p:cxnSp>
+      <p:cxnSp>
+        <p:nvCxnSpPr>
+          <p:cNvPr id="153" name="Straight Arrow Connector 152"/>
+          <p:cNvCxnSpPr>
+            <a:stCxn id="7" idx="0"/>
+            <a:endCxn id="5" idx="2"/>
+          </p:cNvCxnSpPr>
+          <p:nvPr/>
+        </p:nvCxnSpPr>
+        <p:spPr>
+          <a:xfrm flipV="1">
+            <a:off x="3599705" y="1662953"/>
+            <a:ext cx="45472" cy="1446624"/>
+          </a:xfrm>
+          <a:prstGeom prst="straightConnector1">
+            <a:avLst/>
+          </a:prstGeom>
+          <a:ln>
+            <a:headEnd type="arrow"/>
+            <a:tailEnd type="arrow"/>
+          </a:ln>
+        </p:spPr>
+        <p:style>
+          <a:lnRef idx="1">
+            <a:schemeClr val="accent2"/>
+          </a:lnRef>
+          <a:fillRef idx="2">
+            <a:schemeClr val="accent2"/>
+          </a:fillRef>
+          <a:effectRef idx="1">
+            <a:schemeClr val="accent2"/>
+          </a:effectRef>
+          <a:fontRef idx="minor">
+            <a:schemeClr val="dk1"/>
+          </a:fontRef>
+        </p:style>
+      </p:cxnSp>
+      <p:sp>
+        <p:nvSpPr>
+          <p:cNvPr id="162" name="TextBox 161"/>
+          <p:cNvSpPr txBox="1"/>
+          <p:nvPr/>
+        </p:nvSpPr>
+        <p:spPr>
+          <a:xfrm>
+            <a:off x="5821731" y="4477435"/>
+            <a:ext cx="503664" cy="646331"/>
+          </a:xfrm>
+          <a:prstGeom prst="rect">
+            <a:avLst/>
+          </a:prstGeom>
+          <a:noFill/>
+        </p:spPr>
+        <p:txBody>
+          <a:bodyPr wrap="none" rtlCol="0">
+            <a:spAutoFit/>
+          </a:bodyPr>
+          <a:lstStyle/>
+          <a:p>
+            <a:r>
+              <a:rPr lang="en-US" sz="3600" smtClean="0"/>
+              <a:t>…</a:t>
+            </a:r>
+            <a:endParaRPr lang="en-US" sz="3600"/>
+          </a:p>
+        </p:txBody>
+      </p:sp>
+      <p:sp>
+        <p:nvSpPr>
+          <p:cNvPr id="193" name="TextBox 192"/>
+          <p:cNvSpPr txBox="1"/>
+          <p:nvPr/>
+        </p:nvSpPr>
+        <p:spPr>
+          <a:xfrm>
+            <a:off x="274442" y="1384218"/>
+            <a:ext cx="1955879" cy="923330"/>
+          </a:xfrm>
+          <a:prstGeom prst="rect">
+            <a:avLst/>
+          </a:prstGeom>
+          <a:noFill/>
+        </p:spPr>
+        <p:txBody>
+          <a:bodyPr wrap="square" rtlCol="0">
+            <a:spAutoFit/>
+          </a:bodyPr>
+          <a:lstStyle/>
+          <a:p>
+            <a:pPr algn="ctr"/>
+            <a:r>
+              <a:rPr lang="en-US" smtClean="0"/>
+              <a:t>Defined by Rule/Measure authors using CQL</a:t>
             </a:r>
             <a:endParaRPr lang="en-US" dirty="0"/>
           </a:p>
@@ -6841,126 +7131,734 @@
       </p:sp>
       <p:sp>
         <p:nvSpPr>
-          <p:cNvPr id="3" name="Content Placeholder 2"/>
-          <p:cNvSpPr>
-            <a:spLocks noGrp="1"/>
-          </p:cNvSpPr>
-          <p:nvPr>
-            <p:ph idx="1"/>
-          </p:nvPr>
-        </p:nvSpPr>
-        <p:spPr/>
-        <p:txBody>
-          <a:bodyPr>
-            <a:normAutofit fontScale="62500" lnSpcReduction="20000"/>
+          <p:cNvPr id="202" name="TextBox 201"/>
+          <p:cNvSpPr txBox="1"/>
+          <p:nvPr/>
+        </p:nvSpPr>
+        <p:spPr>
+          <a:xfrm>
+            <a:off x="3390482" y="5176797"/>
+            <a:ext cx="1029913" cy="276999"/>
+          </a:xfrm>
+          <a:prstGeom prst="rect">
+            <a:avLst/>
+          </a:prstGeom>
+          <a:noFill/>
+        </p:spPr>
+        <p:txBody>
+          <a:bodyPr wrap="square" rtlCol="0">
+            <a:spAutoFit/>
           </a:bodyPr>
           <a:lstStyle/>
           <a:p>
             <a:r>
-              <a:rPr lang="en-US" dirty="0" smtClean="0"/>
-              <a:t>using statements</a:t>
-            </a:r>
-          </a:p>
-          <a:p>
-            <a:pPr lvl="1"/>
-            <a:r>
-              <a:rPr lang="en-US" dirty="0" smtClean="0"/>
-              <a:t>Define the data model(s) in use by the library</a:t>
-            </a:r>
-          </a:p>
-          <a:p>
-            <a:r>
-              <a:rPr lang="en-US" dirty="0" smtClean="0"/>
-              <a:t>include statements</a:t>
-            </a:r>
-          </a:p>
-          <a:p>
-            <a:pPr lvl="1"/>
-            <a:r>
-              <a:rPr lang="en-US" dirty="0" smtClean="0"/>
-              <a:t>Define other libraries referenced by the library</a:t>
-            </a:r>
-          </a:p>
-          <a:p>
-            <a:r>
-              <a:rPr lang="en-US" dirty="0" smtClean="0"/>
-              <a:t>context definition</a:t>
-            </a:r>
-          </a:p>
-          <a:p>
-            <a:pPr lvl="1"/>
-            <a:r>
-              <a:rPr lang="en-US" dirty="0" smtClean="0"/>
-              <a:t>Define the overall context for the library (e.g. PATIENT or ENCOUNTER)</a:t>
-            </a:r>
-          </a:p>
-          <a:p>
-            <a:pPr lvl="1"/>
-            <a:r>
-              <a:rPr lang="en-US" dirty="0" smtClean="0"/>
-              <a:t>system-understood</a:t>
-            </a:r>
-          </a:p>
-          <a:p>
-            <a:pPr lvl="1"/>
-            <a:r>
-              <a:rPr lang="en-US" dirty="0" smtClean="0"/>
-              <a:t>in terms of the model</a:t>
-            </a:r>
-          </a:p>
-          <a:p>
-            <a:r>
-              <a:rPr lang="en-US" dirty="0" smtClean="0"/>
-              <a:t>parameter definitions</a:t>
-            </a:r>
-          </a:p>
-          <a:p>
-            <a:pPr lvl="1"/>
-            <a:r>
-              <a:rPr lang="en-US" dirty="0" smtClean="0"/>
-              <a:t>Define available “inputs”</a:t>
-            </a:r>
-          </a:p>
-          <a:p>
-            <a:r>
-              <a:rPr lang="en-US" dirty="0" smtClean="0"/>
-              <a:t>concept definitions</a:t>
-            </a:r>
-          </a:p>
-          <a:p>
-            <a:pPr lvl="1"/>
-            <a:r>
-              <a:rPr lang="en-US" dirty="0" smtClean="0"/>
-              <a:t>Define user-friendly labels for value sets within the library</a:t>
-            </a:r>
-          </a:p>
-          <a:p>
-            <a:r>
-              <a:rPr lang="en-US" dirty="0" smtClean="0"/>
-              <a:t>let statements</a:t>
-            </a:r>
-          </a:p>
-          <a:p>
-            <a:pPr lvl="1"/>
-            <a:r>
-              <a:rPr lang="en-US" dirty="0" smtClean="0"/>
-              <a:t>Define the expressions that are available within the library</a:t>
-            </a:r>
-          </a:p>
-          <a:p>
-            <a:pPr lvl="1"/>
-            <a:r>
-              <a:rPr lang="en-US" dirty="0" smtClean="0"/>
-              <a:t>Can be used by the containing artifact or other referencing libraries</a:t>
+              <a:rPr lang="en-US" sz="1200" smtClean="0"/>
+              <a:t>REST API</a:t>
+            </a:r>
+            <a:endParaRPr lang="en-US" sz="1200"/>
+          </a:p>
+        </p:txBody>
+      </p:sp>
+      <p:sp>
+        <p:nvSpPr>
+          <p:cNvPr id="203" name="TextBox 202"/>
+          <p:cNvSpPr txBox="1"/>
+          <p:nvPr/>
+        </p:nvSpPr>
+        <p:spPr>
+          <a:xfrm>
+            <a:off x="5274208" y="5159188"/>
+            <a:ext cx="743548" cy="276999"/>
+          </a:xfrm>
+          <a:prstGeom prst="rect">
+            <a:avLst/>
+          </a:prstGeom>
+          <a:noFill/>
+        </p:spPr>
+        <p:txBody>
+          <a:bodyPr wrap="square" rtlCol="0">
+            <a:spAutoFit/>
+          </a:bodyPr>
+          <a:lstStyle/>
+          <a:p>
+            <a:r>
+              <a:rPr lang="en-US" sz="1200" smtClean="0"/>
+              <a:t>e.g. SQL</a:t>
+            </a:r>
+            <a:endParaRPr lang="en-US" sz="1200"/>
+          </a:p>
+        </p:txBody>
+      </p:sp>
+      <p:sp>
+        <p:nvSpPr>
+          <p:cNvPr id="206" name="TextBox 205"/>
+          <p:cNvSpPr txBox="1"/>
+          <p:nvPr/>
+        </p:nvSpPr>
+        <p:spPr>
+          <a:xfrm>
+            <a:off x="1472701" y="162580"/>
+            <a:ext cx="6223499" cy="523220"/>
+          </a:xfrm>
+          <a:prstGeom prst="rect">
+            <a:avLst/>
+          </a:prstGeom>
+          <a:noFill/>
+        </p:spPr>
+        <p:txBody>
+          <a:bodyPr wrap="none" rtlCol="0">
+            <a:spAutoFit/>
+          </a:bodyPr>
+          <a:lstStyle/>
+          <a:p>
+            <a:r>
+              <a:rPr lang="en-US" sz="2800" smtClean="0"/>
+              <a:t>Overview of CQL Conceptual Architecture</a:t>
+            </a:r>
+            <a:endParaRPr lang="en-US" sz="2800"/>
+          </a:p>
+        </p:txBody>
+      </p:sp>
+      <p:sp>
+        <p:nvSpPr>
+          <p:cNvPr id="210" name="TextBox 209"/>
+          <p:cNvSpPr txBox="1"/>
+          <p:nvPr/>
+        </p:nvSpPr>
+        <p:spPr>
+          <a:xfrm>
+            <a:off x="557581" y="5505271"/>
+            <a:ext cx="1423619" cy="1200329"/>
+          </a:xfrm>
+          <a:prstGeom prst="rect">
+            <a:avLst/>
+          </a:prstGeom>
+          <a:noFill/>
+        </p:spPr>
+        <p:txBody>
+          <a:bodyPr wrap="square" rtlCol="0">
+            <a:spAutoFit/>
+          </a:bodyPr>
+          <a:lstStyle/>
+          <a:p>
+            <a:pPr algn="ctr"/>
+            <a:r>
+              <a:rPr lang="en-US" smtClean="0"/>
+              <a:t>Integration with back-end data stores</a:t>
+            </a:r>
+            <a:endParaRPr lang="en-US"/>
+          </a:p>
+        </p:txBody>
+      </p:sp>
+      <p:sp>
+        <p:nvSpPr>
+          <p:cNvPr id="59" name="TextBox 58"/>
+          <p:cNvSpPr txBox="1"/>
+          <p:nvPr/>
+        </p:nvSpPr>
+        <p:spPr>
+          <a:xfrm>
+            <a:off x="309454" y="3124200"/>
+            <a:ext cx="1885855" cy="923330"/>
+          </a:xfrm>
+          <a:prstGeom prst="rect">
+            <a:avLst/>
+          </a:prstGeom>
+          <a:noFill/>
+        </p:spPr>
+        <p:txBody>
+          <a:bodyPr wrap="square" rtlCol="0">
+            <a:spAutoFit/>
+          </a:bodyPr>
+          <a:lstStyle/>
+          <a:p>
+            <a:pPr algn="ctr"/>
+            <a:r>
+              <a:rPr lang="en-US" smtClean="0"/>
+              <a:t>Concepts defined in Quality Logical Model</a:t>
             </a:r>
             <a:endParaRPr lang="en-US" dirty="0"/>
           </a:p>
         </p:txBody>
       </p:sp>
+      <p:cxnSp>
+        <p:nvCxnSpPr>
+          <p:cNvPr id="69" name="Straight Arrow Connector 68"/>
+          <p:cNvCxnSpPr>
+            <a:stCxn id="8" idx="0"/>
+            <a:endCxn id="5" idx="2"/>
+          </p:cNvCxnSpPr>
+          <p:nvPr/>
+        </p:nvCxnSpPr>
+        <p:spPr>
+          <a:xfrm flipH="1" flipV="1">
+            <a:off x="3645177" y="1662953"/>
+            <a:ext cx="1491799" cy="1446624"/>
+          </a:xfrm>
+          <a:prstGeom prst="straightConnector1">
+            <a:avLst/>
+          </a:prstGeom>
+          <a:ln>
+            <a:headEnd type="arrow"/>
+            <a:tailEnd type="arrow"/>
+          </a:ln>
+        </p:spPr>
+        <p:style>
+          <a:lnRef idx="1">
+            <a:schemeClr val="accent2"/>
+          </a:lnRef>
+          <a:fillRef idx="2">
+            <a:schemeClr val="accent2"/>
+          </a:fillRef>
+          <a:effectRef idx="1">
+            <a:schemeClr val="accent2"/>
+          </a:effectRef>
+          <a:fontRef idx="minor">
+            <a:schemeClr val="dk1"/>
+          </a:fontRef>
+        </p:style>
+      </p:cxnSp>
+      <p:cxnSp>
+        <p:nvCxnSpPr>
+          <p:cNvPr id="72" name="Straight Arrow Connector 71"/>
+          <p:cNvCxnSpPr>
+            <a:stCxn id="8" idx="0"/>
+            <a:endCxn id="57" idx="2"/>
+          </p:cNvCxnSpPr>
+          <p:nvPr/>
+        </p:nvCxnSpPr>
+        <p:spPr>
+          <a:xfrm flipV="1">
+            <a:off x="5136976" y="1676400"/>
+            <a:ext cx="287208" cy="1433177"/>
+          </a:xfrm>
+          <a:prstGeom prst="straightConnector1">
+            <a:avLst/>
+          </a:prstGeom>
+          <a:ln>
+            <a:headEnd type="arrow"/>
+            <a:tailEnd type="arrow"/>
+          </a:ln>
+        </p:spPr>
+        <p:style>
+          <a:lnRef idx="1">
+            <a:schemeClr val="accent2"/>
+          </a:lnRef>
+          <a:fillRef idx="2">
+            <a:schemeClr val="accent2"/>
+          </a:fillRef>
+          <a:effectRef idx="1">
+            <a:schemeClr val="accent2"/>
+          </a:effectRef>
+          <a:fontRef idx="minor">
+            <a:schemeClr val="dk1"/>
+          </a:fontRef>
+        </p:style>
+      </p:cxnSp>
+      <p:cxnSp>
+        <p:nvCxnSpPr>
+          <p:cNvPr id="79" name="Straight Arrow Connector 78"/>
+          <p:cNvCxnSpPr>
+            <a:stCxn id="4" idx="0"/>
+            <a:endCxn id="5" idx="2"/>
+          </p:cNvCxnSpPr>
+          <p:nvPr/>
+        </p:nvCxnSpPr>
+        <p:spPr>
+          <a:xfrm flipH="1" flipV="1">
+            <a:off x="3645177" y="1662953"/>
+            <a:ext cx="2730287" cy="365861"/>
+          </a:xfrm>
+          <a:prstGeom prst="straightConnector1">
+            <a:avLst/>
+          </a:prstGeom>
+          <a:ln>
+            <a:headEnd type="arrow"/>
+            <a:tailEnd type="arrow"/>
+          </a:ln>
+        </p:spPr>
+        <p:style>
+          <a:lnRef idx="1">
+            <a:schemeClr val="accent2"/>
+          </a:lnRef>
+          <a:fillRef idx="2">
+            <a:schemeClr val="accent2"/>
+          </a:fillRef>
+          <a:effectRef idx="1">
+            <a:schemeClr val="accent2"/>
+          </a:effectRef>
+          <a:fontRef idx="minor">
+            <a:schemeClr val="dk1"/>
+          </a:fontRef>
+        </p:style>
+      </p:cxnSp>
+      <p:sp>
+        <p:nvSpPr>
+          <p:cNvPr id="63" name="TextBox 62"/>
+          <p:cNvSpPr txBox="1"/>
+          <p:nvPr/>
+        </p:nvSpPr>
+        <p:spPr>
+          <a:xfrm>
+            <a:off x="7548282" y="2111470"/>
+            <a:ext cx="1223791" cy="523220"/>
+          </a:xfrm>
+          <a:prstGeom prst="rect">
+            <a:avLst/>
+          </a:prstGeom>
+          <a:noFill/>
+        </p:spPr>
+        <p:txBody>
+          <a:bodyPr wrap="square" rtlCol="0">
+            <a:spAutoFit/>
+          </a:bodyPr>
+          <a:lstStyle/>
+          <a:p>
+            <a:pPr algn="ctr"/>
+            <a:r>
+              <a:rPr lang="en-US" sz="1400" smtClean="0"/>
+              <a:t>Intermediate inference</a:t>
+            </a:r>
+            <a:endParaRPr lang="en-US" sz="1400"/>
+          </a:p>
+        </p:txBody>
+      </p:sp>
+      <p:cxnSp>
+        <p:nvCxnSpPr>
+          <p:cNvPr id="65" name="Straight Arrow Connector 64"/>
+          <p:cNvCxnSpPr>
+            <a:stCxn id="63" idx="1"/>
+            <a:endCxn id="4" idx="3"/>
+          </p:cNvCxnSpPr>
+          <p:nvPr/>
+        </p:nvCxnSpPr>
+        <p:spPr>
+          <a:xfrm flipH="1">
+            <a:off x="7086600" y="2373080"/>
+            <a:ext cx="461682" cy="0"/>
+          </a:xfrm>
+          <a:prstGeom prst="straightConnector1">
+            <a:avLst/>
+          </a:prstGeom>
+          <a:ln>
+            <a:tailEnd type="arrow"/>
+          </a:ln>
+        </p:spPr>
+        <p:style>
+          <a:lnRef idx="1">
+            <a:schemeClr val="accent2"/>
+          </a:lnRef>
+          <a:fillRef idx="2">
+            <a:schemeClr val="accent2"/>
+          </a:fillRef>
+          <a:effectRef idx="1">
+            <a:schemeClr val="accent2"/>
+          </a:effectRef>
+          <a:fontRef idx="minor">
+            <a:schemeClr val="dk1"/>
+          </a:fontRef>
+        </p:style>
+      </p:cxnSp>
+      <p:sp>
+        <p:nvSpPr>
+          <p:cNvPr id="107" name="TextBox 106"/>
+          <p:cNvSpPr txBox="1"/>
+          <p:nvPr/>
+        </p:nvSpPr>
+        <p:spPr>
+          <a:xfrm>
+            <a:off x="294963" y="4267200"/>
+            <a:ext cx="2067237" cy="1077218"/>
+          </a:xfrm>
+          <a:prstGeom prst="rect">
+            <a:avLst/>
+          </a:prstGeom>
+          <a:noFill/>
+        </p:spPr>
+        <p:txBody>
+          <a:bodyPr wrap="square" rtlCol="0">
+            <a:spAutoFit/>
+          </a:bodyPr>
+          <a:lstStyle/>
+          <a:p>
+            <a:pPr algn="ctr"/>
+            <a:r>
+              <a:rPr lang="en-US" sz="1600" smtClean="0"/>
+              <a:t>Mappings from quality logical model to underlying data models</a:t>
+            </a:r>
+            <a:endParaRPr lang="en-US" sz="1600" dirty="0"/>
+          </a:p>
+        </p:txBody>
+      </p:sp>
+      <p:sp>
+        <p:nvSpPr>
+          <p:cNvPr id="111" name="Flowchart: Magnetic Disk 110"/>
+          <p:cNvSpPr/>
+          <p:nvPr/>
+        </p:nvSpPr>
+        <p:spPr>
+          <a:xfrm>
+            <a:off x="6551746" y="6225807"/>
+            <a:ext cx="819190" cy="418067"/>
+          </a:xfrm>
+          <a:prstGeom prst="flowChartMagneticDisk">
+            <a:avLst/>
+          </a:prstGeom>
+        </p:spPr>
+        <p:style>
+          <a:lnRef idx="2">
+            <a:schemeClr val="accent3">
+              <a:shade val="50000"/>
+            </a:schemeClr>
+          </a:lnRef>
+          <a:fillRef idx="1">
+            <a:schemeClr val="accent3"/>
+          </a:fillRef>
+          <a:effectRef idx="0">
+            <a:schemeClr val="accent3"/>
+          </a:effectRef>
+          <a:fontRef idx="minor">
+            <a:schemeClr val="lt1"/>
+          </a:fontRef>
+        </p:style>
+        <p:txBody>
+          <a:bodyPr rtlCol="0" anchor="ctr"/>
+          <a:lstStyle/>
+          <a:p>
+            <a:pPr algn="ctr"/>
+            <a:r>
+              <a:rPr lang="en-US" smtClean="0"/>
+              <a:t>EHR</a:t>
+            </a:r>
+            <a:endParaRPr lang="en-US"/>
+          </a:p>
+        </p:txBody>
+      </p:sp>
+      <p:cxnSp>
+        <p:nvCxnSpPr>
+          <p:cNvPr id="112" name="Straight Arrow Connector 111"/>
+          <p:cNvCxnSpPr>
+            <a:stCxn id="21" idx="2"/>
+            <a:endCxn id="9" idx="0"/>
+          </p:cNvCxnSpPr>
+          <p:nvPr/>
+        </p:nvCxnSpPr>
+        <p:spPr>
+          <a:xfrm flipH="1">
+            <a:off x="3320194" y="3871577"/>
+            <a:ext cx="3367514" cy="548023"/>
+          </a:xfrm>
+          <a:prstGeom prst="straightConnector1">
+            <a:avLst/>
+          </a:prstGeom>
+          <a:ln>
+            <a:headEnd type="arrow"/>
+            <a:tailEnd type="arrow"/>
+          </a:ln>
+        </p:spPr>
+        <p:style>
+          <a:lnRef idx="1">
+            <a:schemeClr val="accent1"/>
+          </a:lnRef>
+          <a:fillRef idx="2">
+            <a:schemeClr val="accent1"/>
+          </a:fillRef>
+          <a:effectRef idx="1">
+            <a:schemeClr val="accent1"/>
+          </a:effectRef>
+          <a:fontRef idx="minor">
+            <a:schemeClr val="dk1"/>
+          </a:fontRef>
+        </p:style>
+      </p:cxnSp>
+      <p:cxnSp>
+        <p:nvCxnSpPr>
+          <p:cNvPr id="115" name="Straight Arrow Connector 114"/>
+          <p:cNvCxnSpPr>
+            <a:stCxn id="8" idx="2"/>
+            <a:endCxn id="109" idx="0"/>
+          </p:cNvCxnSpPr>
+          <p:nvPr/>
+        </p:nvCxnSpPr>
+        <p:spPr>
+          <a:xfrm>
+            <a:off x="5136976" y="3871577"/>
+            <a:ext cx="33512" cy="548023"/>
+          </a:xfrm>
+          <a:prstGeom prst="straightConnector1">
+            <a:avLst/>
+          </a:prstGeom>
+          <a:ln>
+            <a:headEnd type="arrow"/>
+            <a:tailEnd type="arrow"/>
+          </a:ln>
+        </p:spPr>
+        <p:style>
+          <a:lnRef idx="1">
+            <a:schemeClr val="accent1"/>
+          </a:lnRef>
+          <a:fillRef idx="2">
+            <a:schemeClr val="accent1"/>
+          </a:fillRef>
+          <a:effectRef idx="1">
+            <a:schemeClr val="accent1"/>
+          </a:effectRef>
+          <a:fontRef idx="minor">
+            <a:schemeClr val="dk1"/>
+          </a:fontRef>
+        </p:style>
+      </p:cxnSp>
+      <p:cxnSp>
+        <p:nvCxnSpPr>
+          <p:cNvPr id="118" name="Straight Arrow Connector 117"/>
+          <p:cNvCxnSpPr>
+            <a:stCxn id="8" idx="2"/>
+            <a:endCxn id="11" idx="0"/>
+          </p:cNvCxnSpPr>
+          <p:nvPr/>
+        </p:nvCxnSpPr>
+        <p:spPr>
+          <a:xfrm>
+            <a:off x="5136976" y="3871577"/>
+            <a:ext cx="1793520" cy="548023"/>
+          </a:xfrm>
+          <a:prstGeom prst="straightConnector1">
+            <a:avLst/>
+          </a:prstGeom>
+          <a:ln>
+            <a:headEnd type="arrow"/>
+            <a:tailEnd type="arrow"/>
+          </a:ln>
+        </p:spPr>
+        <p:style>
+          <a:lnRef idx="1">
+            <a:schemeClr val="accent1"/>
+          </a:lnRef>
+          <a:fillRef idx="2">
+            <a:schemeClr val="accent1"/>
+          </a:fillRef>
+          <a:effectRef idx="1">
+            <a:schemeClr val="accent1"/>
+          </a:effectRef>
+          <a:fontRef idx="minor">
+            <a:schemeClr val="dk1"/>
+          </a:fontRef>
+        </p:style>
+      </p:cxnSp>
+      <p:cxnSp>
+        <p:nvCxnSpPr>
+          <p:cNvPr id="121" name="Straight Arrow Connector 120"/>
+          <p:cNvCxnSpPr>
+            <a:stCxn id="21" idx="2"/>
+            <a:endCxn id="11" idx="0"/>
+          </p:cNvCxnSpPr>
+          <p:nvPr/>
+        </p:nvCxnSpPr>
+        <p:spPr>
+          <a:xfrm>
+            <a:off x="6687708" y="3871577"/>
+            <a:ext cx="242788" cy="548023"/>
+          </a:xfrm>
+          <a:prstGeom prst="straightConnector1">
+            <a:avLst/>
+          </a:prstGeom>
+          <a:ln>
+            <a:headEnd type="arrow"/>
+            <a:tailEnd type="arrow"/>
+          </a:ln>
+        </p:spPr>
+        <p:style>
+          <a:lnRef idx="1">
+            <a:schemeClr val="accent1"/>
+          </a:lnRef>
+          <a:fillRef idx="2">
+            <a:schemeClr val="accent1"/>
+          </a:fillRef>
+          <a:effectRef idx="1">
+            <a:schemeClr val="accent1"/>
+          </a:effectRef>
+          <a:fontRef idx="minor">
+            <a:schemeClr val="dk1"/>
+          </a:fontRef>
+        </p:style>
+      </p:cxnSp>
+      <p:cxnSp>
+        <p:nvCxnSpPr>
+          <p:cNvPr id="124" name="Straight Arrow Connector 123"/>
+          <p:cNvCxnSpPr>
+            <a:stCxn id="8" idx="2"/>
+            <a:endCxn id="9" idx="0"/>
+          </p:cNvCxnSpPr>
+          <p:nvPr/>
+        </p:nvCxnSpPr>
+        <p:spPr>
+          <a:xfrm flipH="1">
+            <a:off x="3320194" y="3871577"/>
+            <a:ext cx="1816782" cy="548023"/>
+          </a:xfrm>
+          <a:prstGeom prst="straightConnector1">
+            <a:avLst/>
+          </a:prstGeom>
+          <a:ln>
+            <a:headEnd type="arrow"/>
+            <a:tailEnd type="arrow"/>
+          </a:ln>
+        </p:spPr>
+        <p:style>
+          <a:lnRef idx="1">
+            <a:schemeClr val="accent1"/>
+          </a:lnRef>
+          <a:fillRef idx="2">
+            <a:schemeClr val="accent1"/>
+          </a:fillRef>
+          <a:effectRef idx="1">
+            <a:schemeClr val="accent1"/>
+          </a:effectRef>
+          <a:fontRef idx="minor">
+            <a:schemeClr val="dk1"/>
+          </a:fontRef>
+        </p:style>
+      </p:cxnSp>
+      <p:cxnSp>
+        <p:nvCxnSpPr>
+          <p:cNvPr id="127" name="Straight Arrow Connector 126"/>
+          <p:cNvCxnSpPr>
+            <a:stCxn id="21" idx="2"/>
+            <a:endCxn id="109" idx="0"/>
+          </p:cNvCxnSpPr>
+          <p:nvPr/>
+        </p:nvCxnSpPr>
+        <p:spPr>
+          <a:xfrm flipH="1">
+            <a:off x="5170488" y="3871577"/>
+            <a:ext cx="1517220" cy="548023"/>
+          </a:xfrm>
+          <a:prstGeom prst="straightConnector1">
+            <a:avLst/>
+          </a:prstGeom>
+          <a:ln>
+            <a:headEnd type="arrow"/>
+            <a:tailEnd type="arrow"/>
+          </a:ln>
+        </p:spPr>
+        <p:style>
+          <a:lnRef idx="1">
+            <a:schemeClr val="accent1"/>
+          </a:lnRef>
+          <a:fillRef idx="2">
+            <a:schemeClr val="accent1"/>
+          </a:fillRef>
+          <a:effectRef idx="1">
+            <a:schemeClr val="accent1"/>
+          </a:effectRef>
+          <a:fontRef idx="minor">
+            <a:schemeClr val="dk1"/>
+          </a:fontRef>
+        </p:style>
+      </p:cxnSp>
+      <p:cxnSp>
+        <p:nvCxnSpPr>
+          <p:cNvPr id="116" name="Straight Connector 115"/>
+          <p:cNvCxnSpPr/>
+          <p:nvPr/>
+        </p:nvCxnSpPr>
+        <p:spPr>
+          <a:xfrm flipH="1">
+            <a:off x="540572" y="2913461"/>
+            <a:ext cx="7917628" cy="0"/>
+          </a:xfrm>
+          <a:prstGeom prst="line">
+            <a:avLst/>
+          </a:prstGeom>
+          <a:ln>
+            <a:prstDash val="lgDash"/>
+          </a:ln>
+        </p:spPr>
+        <p:style>
+          <a:lnRef idx="1">
+            <a:schemeClr val="accent1"/>
+          </a:lnRef>
+          <a:fillRef idx="0">
+            <a:schemeClr val="accent1"/>
+          </a:fillRef>
+          <a:effectRef idx="0">
+            <a:schemeClr val="accent1"/>
+          </a:effectRef>
+          <a:fontRef idx="minor">
+            <a:schemeClr val="tx1"/>
+          </a:fontRef>
+        </p:style>
+      </p:cxnSp>
+      <p:cxnSp>
+        <p:nvCxnSpPr>
+          <p:cNvPr id="139" name="Straight Connector 138"/>
+          <p:cNvCxnSpPr/>
+          <p:nvPr/>
+        </p:nvCxnSpPr>
+        <p:spPr>
+          <a:xfrm flipH="1">
+            <a:off x="533400" y="4191000"/>
+            <a:ext cx="7917628" cy="0"/>
+          </a:xfrm>
+          <a:prstGeom prst="line">
+            <a:avLst/>
+          </a:prstGeom>
+          <a:ln>
+            <a:prstDash val="lgDash"/>
+          </a:ln>
+        </p:spPr>
+        <p:style>
+          <a:lnRef idx="1">
+            <a:schemeClr val="accent1"/>
+          </a:lnRef>
+          <a:fillRef idx="0">
+            <a:schemeClr val="accent1"/>
+          </a:fillRef>
+          <a:effectRef idx="0">
+            <a:schemeClr val="accent1"/>
+          </a:effectRef>
+          <a:fontRef idx="minor">
+            <a:schemeClr val="tx1"/>
+          </a:fontRef>
+        </p:style>
+      </p:cxnSp>
+      <p:cxnSp>
+        <p:nvCxnSpPr>
+          <p:cNvPr id="141" name="Straight Connector 140"/>
+          <p:cNvCxnSpPr/>
+          <p:nvPr/>
+        </p:nvCxnSpPr>
+        <p:spPr>
+          <a:xfrm flipH="1">
+            <a:off x="533400" y="5410200"/>
+            <a:ext cx="7917628" cy="0"/>
+          </a:xfrm>
+          <a:prstGeom prst="line">
+            <a:avLst/>
+          </a:prstGeom>
+          <a:ln>
+            <a:prstDash val="lgDash"/>
+          </a:ln>
+        </p:spPr>
+        <p:style>
+          <a:lnRef idx="1">
+            <a:schemeClr val="accent1"/>
+          </a:lnRef>
+          <a:fillRef idx="0">
+            <a:schemeClr val="accent1"/>
+          </a:fillRef>
+          <a:effectRef idx="0">
+            <a:schemeClr val="accent1"/>
+          </a:effectRef>
+          <a:fontRef idx="minor">
+            <a:schemeClr val="tx1"/>
+          </a:fontRef>
+        </p:style>
+      </p:cxnSp>
     </p:spTree>
     <p:extLst>
       <p:ext uri="{BB962C8B-B14F-4D97-AF65-F5344CB8AC3E}">
-        <p14:creationId xmlns:p14="http://schemas.microsoft.com/office/powerpoint/2010/main" val="1227611336"/>
+        <p14:creationId xmlns:p14="http://schemas.microsoft.com/office/powerpoint/2010/main" val="4219914682"/>
       </p:ext>
     </p:extLst>
   </p:cSld>
@@ -7003,16 +7901,16 @@
           <a:lstStyle/>
           <a:p>
             <a:r>
-              <a:rPr lang="en-US" dirty="0" smtClean="0"/>
-              <a:t>Data Types</a:t>
-            </a:r>
-            <a:endParaRPr lang="en-US" dirty="0"/>
-          </a:p>
-        </p:txBody>
-      </p:sp>
-      <p:sp>
-        <p:nvSpPr>
-          <p:cNvPr id="3" name="Content Placeholder 2"/>
+              <a:rPr lang="en-US" smtClean="0"/>
+              <a:t>CQL File Structure</a:t>
+            </a:r>
+            <a:endParaRPr lang="en-US"/>
+          </a:p>
+        </p:txBody>
+      </p:sp>
+      <p:sp>
+        <p:nvSpPr>
+          <p:cNvPr id="9" name="Content Placeholder 8"/>
           <p:cNvSpPr>
             <a:spLocks noGrp="1"/>
           </p:cNvSpPr>
@@ -7020,316 +7918,466 @@
             <p:ph idx="1"/>
           </p:nvPr>
         </p:nvSpPr>
-        <p:spPr/>
+        <p:spPr>
+          <a:xfrm>
+            <a:off x="457200" y="1371600"/>
+            <a:ext cx="8229600" cy="4525963"/>
+          </a:xfrm>
+        </p:spPr>
         <p:txBody>
           <a:bodyPr>
-            <a:normAutofit fontScale="70000" lnSpcReduction="20000"/>
+            <a:normAutofit/>
           </a:bodyPr>
           <a:lstStyle/>
           <a:p>
             <a:r>
-              <a:rPr lang="en-US" dirty="0" smtClean="0"/>
-              <a:t>Simple Types</a:t>
-            </a:r>
-          </a:p>
-          <a:p>
-            <a:pPr lvl="1"/>
-            <a:r>
-              <a:rPr lang="en-US" dirty="0" smtClean="0"/>
-              <a:t>Boolean, String, Number, Date/Time</a:t>
-            </a:r>
-          </a:p>
-          <a:p>
-            <a:pPr lvl="1"/>
-            <a:r>
-              <a:rPr lang="en-US" dirty="0" smtClean="0">
-                <a:solidFill>
-                  <a:srgbClr val="000000"/>
-                </a:solidFill>
-                <a:highlight>
-                  <a:srgbClr val="FFFFFF"/>
-                </a:highlight>
-                <a:latin typeface="Consolas" panose="020B0609020204030204" pitchFamily="49" charset="0"/>
-              </a:rPr>
-              <a:t>true</a:t>
-            </a:r>
-            <a:r>
-              <a:rPr lang="en-US" dirty="0">
-                <a:solidFill>
-                  <a:srgbClr val="000000"/>
-                </a:solidFill>
-                <a:highlight>
-                  <a:srgbClr val="FFFFFF"/>
-                </a:highlight>
-                <a:latin typeface="Consolas" panose="020B0609020204030204" pitchFamily="49" charset="0"/>
-              </a:rPr>
-              <a:t>, 16, </a:t>
-            </a:r>
-            <a:r>
-              <a:rPr lang="en-US" dirty="0">
-                <a:solidFill>
-                  <a:srgbClr val="A31515"/>
-                </a:solidFill>
-                <a:highlight>
-                  <a:srgbClr val="FFFFFF"/>
-                </a:highlight>
-                <a:latin typeface="Consolas" panose="020B0609020204030204" pitchFamily="49" charset="0"/>
-              </a:rPr>
-              <a:t>"female"</a:t>
-            </a:r>
-            <a:endParaRPr lang="en-US" dirty="0" smtClean="0"/>
-          </a:p>
-          <a:p>
-            <a:r>
-              <a:rPr lang="en-US" dirty="0" smtClean="0"/>
-              <a:t>Clinical Types</a:t>
-            </a:r>
-          </a:p>
-          <a:p>
-            <a:pPr lvl="1"/>
-            <a:r>
-              <a:rPr lang="en-US" dirty="0" smtClean="0"/>
-              <a:t>Quantities, Concepts (Value Sets)</a:t>
-            </a:r>
-          </a:p>
-          <a:p>
-            <a:pPr lvl="1"/>
-            <a:r>
-              <a:rPr lang="en-US" dirty="0">
-                <a:solidFill>
-                  <a:srgbClr val="000000"/>
-                </a:solidFill>
-                <a:highlight>
-                  <a:srgbClr val="FFFFFF"/>
-                </a:highlight>
-                <a:latin typeface="Consolas" panose="020B0609020204030204" pitchFamily="49" charset="0"/>
-              </a:rPr>
-              <a:t>3 </a:t>
-            </a:r>
-            <a:r>
-              <a:rPr lang="en-US" dirty="0">
-                <a:solidFill>
-                  <a:srgbClr val="0000FF"/>
-                </a:solidFill>
-                <a:highlight>
-                  <a:srgbClr val="FFFFFF"/>
-                </a:highlight>
-                <a:latin typeface="Consolas" panose="020B0609020204030204" pitchFamily="49" charset="0"/>
-              </a:rPr>
-              <a:t>months</a:t>
-            </a:r>
-            <a:r>
-              <a:rPr lang="en-US" dirty="0">
-                <a:solidFill>
-                  <a:srgbClr val="000000"/>
-                </a:solidFill>
-                <a:highlight>
-                  <a:srgbClr val="FFFFFF"/>
-                </a:highlight>
-                <a:latin typeface="Consolas" panose="020B0609020204030204" pitchFamily="49" charset="0"/>
-              </a:rPr>
-              <a:t>, 6 </a:t>
-            </a:r>
-            <a:r>
-              <a:rPr lang="en-US" dirty="0" err="1">
-                <a:solidFill>
-                  <a:srgbClr val="000000"/>
-                </a:solidFill>
-                <a:highlight>
-                  <a:srgbClr val="FFFFFF"/>
-                </a:highlight>
-                <a:latin typeface="Consolas" panose="020B0609020204030204" pitchFamily="49" charset="0"/>
-              </a:rPr>
-              <a:t>u</a:t>
-            </a:r>
-            <a:r>
-              <a:rPr lang="en-US" dirty="0" err="1">
-                <a:solidFill>
-                  <a:srgbClr val="A31515"/>
-                </a:solidFill>
-                <a:highlight>
-                  <a:srgbClr val="FFFFFF"/>
-                </a:highlight>
-                <a:latin typeface="Consolas" panose="020B0609020204030204" pitchFamily="49" charset="0"/>
-              </a:rPr>
-              <a:t>"gm</a:t>
-            </a:r>
-            <a:r>
-              <a:rPr lang="en-US" dirty="0">
-                <a:solidFill>
-                  <a:srgbClr val="A31515"/>
-                </a:solidFill>
-                <a:highlight>
-                  <a:srgbClr val="FFFFFF"/>
-                </a:highlight>
-                <a:latin typeface="Consolas" panose="020B0609020204030204" pitchFamily="49" charset="0"/>
-              </a:rPr>
-              <a:t>/cm3"</a:t>
-            </a:r>
-            <a:endParaRPr lang="en-US" dirty="0" smtClean="0"/>
-          </a:p>
-          <a:p>
-            <a:r>
-              <a:rPr lang="en-US" dirty="0" smtClean="0"/>
-              <a:t>Structured Types</a:t>
-            </a:r>
-          </a:p>
-          <a:p>
-            <a:pPr lvl="1"/>
-            <a:r>
-              <a:rPr lang="en-US" dirty="0" smtClean="0"/>
-              <a:t>Model Classes, Tuples</a:t>
-            </a:r>
-          </a:p>
-          <a:p>
-            <a:pPr lvl="1"/>
-            <a:r>
-              <a:rPr lang="en-US" dirty="0"/>
-              <a:t>[Encounter, Performed</a:t>
-            </a:r>
-            <a:r>
-              <a:rPr lang="en-US" dirty="0" smtClean="0"/>
-              <a:t>]</a:t>
-            </a:r>
-          </a:p>
-          <a:p>
-            <a:pPr lvl="1"/>
-            <a:r>
-              <a:rPr lang="en-US" dirty="0">
-                <a:solidFill>
-                  <a:srgbClr val="0000FF"/>
-                </a:solidFill>
-                <a:highlight>
-                  <a:srgbClr val="FFFFFF"/>
-                </a:highlight>
-                <a:latin typeface="Consolas" panose="020B0609020204030204" pitchFamily="49" charset="0"/>
-              </a:rPr>
-              <a:t>tuple</a:t>
-            </a:r>
-            <a:r>
-              <a:rPr lang="en-US" dirty="0">
-                <a:solidFill>
-                  <a:srgbClr val="000000"/>
-                </a:solidFill>
-                <a:highlight>
-                  <a:srgbClr val="FFFFFF"/>
-                </a:highlight>
-                <a:latin typeface="Consolas" panose="020B0609020204030204" pitchFamily="49" charset="0"/>
-              </a:rPr>
-              <a:t> { Name: </a:t>
-            </a:r>
-            <a:r>
-              <a:rPr lang="en-US" dirty="0">
-                <a:solidFill>
-                  <a:srgbClr val="A31515"/>
-                </a:solidFill>
-                <a:highlight>
-                  <a:srgbClr val="FFFFFF"/>
-                </a:highlight>
-                <a:latin typeface="Consolas" panose="020B0609020204030204" pitchFamily="49" charset="0"/>
-              </a:rPr>
-              <a:t>"Patrick"</a:t>
-            </a:r>
-            <a:r>
-              <a:rPr lang="en-US" dirty="0">
-                <a:solidFill>
-                  <a:srgbClr val="000000"/>
-                </a:solidFill>
-                <a:highlight>
-                  <a:srgbClr val="FFFFFF"/>
-                </a:highlight>
-                <a:latin typeface="Consolas" panose="020B0609020204030204" pitchFamily="49" charset="0"/>
-              </a:rPr>
-              <a:t>, DOB: Date(2014, 1, 1) }</a:t>
-            </a:r>
-            <a:endParaRPr lang="en-US" dirty="0" smtClean="0"/>
-          </a:p>
-          <a:p>
-            <a:r>
-              <a:rPr lang="en-US" dirty="0" smtClean="0"/>
-              <a:t>List Types</a:t>
-            </a:r>
-          </a:p>
-          <a:p>
-            <a:pPr lvl="1"/>
-            <a:r>
-              <a:rPr lang="en-US" dirty="0">
-                <a:solidFill>
-                  <a:srgbClr val="000000"/>
-                </a:solidFill>
-                <a:highlight>
-                  <a:srgbClr val="FFFFFF"/>
-                </a:highlight>
-                <a:latin typeface="Consolas" panose="020B0609020204030204" pitchFamily="49" charset="0"/>
-              </a:rPr>
-              <a:t>{ 1, 2, 3, 4, 5 }</a:t>
-            </a:r>
-            <a:endParaRPr lang="en-US" dirty="0" smtClean="0"/>
-          </a:p>
-          <a:p>
-            <a:r>
-              <a:rPr lang="en-US" dirty="0" smtClean="0"/>
-              <a:t>Interval Types</a:t>
-            </a:r>
-          </a:p>
-          <a:p>
-            <a:pPr lvl="1"/>
-            <a:r>
-              <a:rPr lang="en-US" dirty="0">
-                <a:solidFill>
-                  <a:srgbClr val="0000FF"/>
-                </a:solidFill>
-                <a:highlight>
-                  <a:srgbClr val="FFFFFF"/>
-                </a:highlight>
-                <a:latin typeface="Consolas" panose="020B0609020204030204" pitchFamily="49" charset="0"/>
-              </a:rPr>
-              <a:t>interval</a:t>
-            </a:r>
-            <a:r>
-              <a:rPr lang="en-US" dirty="0">
-                <a:solidFill>
-                  <a:srgbClr val="000000"/>
-                </a:solidFill>
-                <a:highlight>
-                  <a:srgbClr val="FFFFFF"/>
-                </a:highlight>
-                <a:latin typeface="Consolas" panose="020B0609020204030204" pitchFamily="49" charset="0"/>
-              </a:rPr>
-              <a:t>[today - 1 </a:t>
-            </a:r>
-            <a:r>
-              <a:rPr lang="en-US" dirty="0">
-                <a:solidFill>
-                  <a:srgbClr val="0000FF"/>
-                </a:solidFill>
-                <a:highlight>
-                  <a:srgbClr val="FFFFFF"/>
-                </a:highlight>
-                <a:latin typeface="Consolas" panose="020B0609020204030204" pitchFamily="49" charset="0"/>
-              </a:rPr>
-              <a:t>years</a:t>
-            </a:r>
-            <a:r>
-              <a:rPr lang="en-US" dirty="0">
-                <a:solidFill>
-                  <a:srgbClr val="000000"/>
-                </a:solidFill>
-                <a:highlight>
-                  <a:srgbClr val="FFFFFF"/>
-                </a:highlight>
-                <a:latin typeface="Consolas" panose="020B0609020204030204" pitchFamily="49" charset="0"/>
-              </a:rPr>
-              <a:t>, now]</a:t>
-            </a:r>
-            <a:endParaRPr lang="en-US" dirty="0"/>
-          </a:p>
-        </p:txBody>
-      </p:sp>
+              <a:rPr lang="en-US" sz="2400" dirty="0" smtClean="0"/>
+              <a:t>Each rule or measure is readable, plain text file</a:t>
+            </a:r>
+          </a:p>
+          <a:p>
+            <a:r>
+              <a:rPr lang="en-US" sz="2400" dirty="0" smtClean="0"/>
+              <a:t>May include other files by reference</a:t>
+            </a:r>
+          </a:p>
+          <a:p>
+            <a:r>
+              <a:rPr lang="en-US" sz="2400" dirty="0" smtClean="0"/>
+              <a:t>Logic in each file is a potentially reusable</a:t>
+            </a:r>
+            <a:r>
+              <a:rPr lang="en-US" sz="2400" dirty="0"/>
+              <a:t> </a:t>
+            </a:r>
+            <a:r>
+              <a:rPr lang="en-US" sz="2400" dirty="0" smtClean="0"/>
+              <a:t>“</a:t>
+            </a:r>
+            <a:r>
+              <a:rPr lang="en-US" sz="2400" dirty="0"/>
+              <a:t>library</a:t>
+            </a:r>
+            <a:r>
+              <a:rPr lang="en-US" sz="2400" dirty="0" smtClean="0"/>
+              <a:t>” </a:t>
+            </a:r>
+          </a:p>
+        </p:txBody>
+      </p:sp>
+      <p:grpSp>
+        <p:nvGrpSpPr>
+          <p:cNvPr id="18" name="Group 17"/>
+          <p:cNvGrpSpPr/>
+          <p:nvPr/>
+        </p:nvGrpSpPr>
+        <p:grpSpPr>
+          <a:xfrm>
+            <a:off x="3200403" y="3632656"/>
+            <a:ext cx="2667000" cy="2057398"/>
+            <a:chOff x="2971800" y="3352801"/>
+            <a:chExt cx="2667000" cy="2734234"/>
+          </a:xfrm>
+        </p:grpSpPr>
+        <p:sp>
+          <p:nvSpPr>
+            <p:cNvPr id="4" name="Rectangle 3"/>
+            <p:cNvSpPr/>
+            <p:nvPr/>
+          </p:nvSpPr>
+          <p:spPr>
+            <a:xfrm>
+              <a:off x="2971800" y="3352801"/>
+              <a:ext cx="2667000" cy="914401"/>
+            </a:xfrm>
+            <a:prstGeom prst="rect">
+              <a:avLst/>
+            </a:prstGeom>
+          </p:spPr>
+          <p:style>
+            <a:lnRef idx="2">
+              <a:schemeClr val="accent1">
+                <a:shade val="50000"/>
+              </a:schemeClr>
+            </a:lnRef>
+            <a:fillRef idx="1">
+              <a:schemeClr val="accent1"/>
+            </a:fillRef>
+            <a:effectRef idx="0">
+              <a:schemeClr val="accent1"/>
+            </a:effectRef>
+            <a:fontRef idx="minor">
+              <a:schemeClr val="lt1"/>
+            </a:fontRef>
+          </p:style>
+          <p:txBody>
+            <a:bodyPr rtlCol="0" anchor="ctr"/>
+            <a:lstStyle/>
+            <a:p>
+              <a:pPr algn="ctr"/>
+              <a:r>
+                <a:rPr lang="en-US" sz="2400" smtClean="0"/>
+                <a:t>Declarations</a:t>
+              </a:r>
+              <a:endParaRPr lang="en-US" sz="2400"/>
+            </a:p>
+          </p:txBody>
+        </p:sp>
+        <p:sp>
+          <p:nvSpPr>
+            <p:cNvPr id="5" name="Rectangle 4"/>
+            <p:cNvSpPr/>
+            <p:nvPr/>
+          </p:nvSpPr>
+          <p:spPr>
+            <a:xfrm>
+              <a:off x="2971800" y="4258237"/>
+              <a:ext cx="2667000" cy="914401"/>
+            </a:xfrm>
+            <a:prstGeom prst="rect">
+              <a:avLst/>
+            </a:prstGeom>
+          </p:spPr>
+          <p:style>
+            <a:lnRef idx="2">
+              <a:schemeClr val="accent1">
+                <a:shade val="50000"/>
+              </a:schemeClr>
+            </a:lnRef>
+            <a:fillRef idx="1">
+              <a:schemeClr val="accent1"/>
+            </a:fillRef>
+            <a:effectRef idx="0">
+              <a:schemeClr val="accent1"/>
+            </a:effectRef>
+            <a:fontRef idx="minor">
+              <a:schemeClr val="lt1"/>
+            </a:fontRef>
+          </p:style>
+          <p:txBody>
+            <a:bodyPr rtlCol="0" anchor="ctr"/>
+            <a:lstStyle/>
+            <a:p>
+              <a:pPr algn="ctr"/>
+              <a:r>
+                <a:rPr lang="en-US" sz="2400" smtClean="0"/>
+                <a:t>Data Retrieval</a:t>
+              </a:r>
+              <a:endParaRPr lang="en-US" sz="2400"/>
+            </a:p>
+          </p:txBody>
+        </p:sp>
+        <p:sp>
+          <p:nvSpPr>
+            <p:cNvPr id="6" name="Rectangle 5"/>
+            <p:cNvSpPr/>
+            <p:nvPr/>
+          </p:nvSpPr>
+          <p:spPr>
+            <a:xfrm>
+              <a:off x="2971800" y="5172634"/>
+              <a:ext cx="2667000" cy="914401"/>
+            </a:xfrm>
+            <a:prstGeom prst="rect">
+              <a:avLst/>
+            </a:prstGeom>
+          </p:spPr>
+          <p:style>
+            <a:lnRef idx="2">
+              <a:schemeClr val="accent1">
+                <a:shade val="50000"/>
+              </a:schemeClr>
+            </a:lnRef>
+            <a:fillRef idx="1">
+              <a:schemeClr val="accent1"/>
+            </a:fillRef>
+            <a:effectRef idx="0">
+              <a:schemeClr val="accent1"/>
+            </a:effectRef>
+            <a:fontRef idx="minor">
+              <a:schemeClr val="lt1"/>
+            </a:fontRef>
+          </p:style>
+          <p:txBody>
+            <a:bodyPr rtlCol="0" anchor="ctr"/>
+            <a:lstStyle/>
+            <a:p>
+              <a:pPr algn="ctr"/>
+              <a:r>
+                <a:rPr lang="en-US" sz="2400" smtClean="0"/>
+                <a:t>Computation</a:t>
+              </a:r>
+              <a:endParaRPr lang="en-US" sz="2400"/>
+            </a:p>
+          </p:txBody>
+        </p:sp>
+      </p:grpSp>
+      <p:cxnSp>
+        <p:nvCxnSpPr>
+          <p:cNvPr id="11" name="Elbow Connector 10"/>
+          <p:cNvCxnSpPr>
+            <a:stCxn id="14" idx="3"/>
+            <a:endCxn id="4" idx="0"/>
+          </p:cNvCxnSpPr>
+          <p:nvPr/>
+        </p:nvCxnSpPr>
+        <p:spPr>
+          <a:xfrm>
+            <a:off x="2736894" y="3276642"/>
+            <a:ext cx="1797009" cy="356014"/>
+          </a:xfrm>
+          <a:prstGeom prst="bentConnector2">
+            <a:avLst/>
+          </a:prstGeom>
+          <a:ln w="28575">
+            <a:solidFill>
+              <a:schemeClr val="tx1">
+                <a:lumMod val="95000"/>
+                <a:lumOff val="5000"/>
+              </a:schemeClr>
+            </a:solidFill>
+            <a:tailEnd type="arrow"/>
+          </a:ln>
+        </p:spPr>
+        <p:style>
+          <a:lnRef idx="1">
+            <a:schemeClr val="accent1"/>
+          </a:lnRef>
+          <a:fillRef idx="0">
+            <a:schemeClr val="accent1"/>
+          </a:fillRef>
+          <a:effectRef idx="0">
+            <a:schemeClr val="accent1"/>
+          </a:effectRef>
+          <a:fontRef idx="minor">
+            <a:schemeClr val="tx1"/>
+          </a:fontRef>
+        </p:style>
+      </p:cxnSp>
+      <p:cxnSp>
+        <p:nvCxnSpPr>
+          <p:cNvPr id="13" name="Elbow Connector 12"/>
+          <p:cNvCxnSpPr>
+            <a:stCxn id="6" idx="2"/>
+            <a:endCxn id="15" idx="1"/>
+          </p:cNvCxnSpPr>
+          <p:nvPr/>
+        </p:nvCxnSpPr>
+        <p:spPr>
+          <a:xfrm rot="16200000" flipH="1">
+            <a:off x="5212009" y="5011950"/>
+            <a:ext cx="586889" cy="1943100"/>
+          </a:xfrm>
+          <a:prstGeom prst="bentConnector2">
+            <a:avLst/>
+          </a:prstGeom>
+          <a:ln w="28575">
+            <a:solidFill>
+              <a:schemeClr val="tx1">
+                <a:lumMod val="95000"/>
+                <a:lumOff val="5000"/>
+              </a:schemeClr>
+            </a:solidFill>
+            <a:tailEnd type="arrow"/>
+          </a:ln>
+        </p:spPr>
+        <p:style>
+          <a:lnRef idx="1">
+            <a:schemeClr val="accent1"/>
+          </a:lnRef>
+          <a:fillRef idx="0">
+            <a:schemeClr val="accent1"/>
+          </a:fillRef>
+          <a:effectRef idx="0">
+            <a:schemeClr val="accent1"/>
+          </a:effectRef>
+          <a:fontRef idx="minor">
+            <a:schemeClr val="tx1"/>
+          </a:fontRef>
+        </p:style>
+      </p:cxnSp>
+      <p:sp>
+        <p:nvSpPr>
+          <p:cNvPr id="14" name="TextBox 13"/>
+          <p:cNvSpPr txBox="1"/>
+          <p:nvPr/>
+        </p:nvSpPr>
+        <p:spPr>
+          <a:xfrm>
+            <a:off x="1198588" y="2922699"/>
+            <a:ext cx="1538306" cy="707886"/>
+          </a:xfrm>
+          <a:prstGeom prst="rect">
+            <a:avLst/>
+          </a:prstGeom>
+          <a:noFill/>
+        </p:spPr>
+        <p:txBody>
+          <a:bodyPr wrap="none" rtlCol="0">
+            <a:spAutoFit/>
+          </a:bodyPr>
+          <a:lstStyle/>
+          <a:p>
+            <a:pPr algn="ctr"/>
+            <a:r>
+              <a:rPr lang="en-US" sz="2000" smtClean="0"/>
+              <a:t>Inputs</a:t>
+            </a:r>
+          </a:p>
+          <a:p>
+            <a:pPr algn="ctr"/>
+            <a:r>
+              <a:rPr lang="en-US" sz="2000" smtClean="0"/>
+              <a:t>(parameters)</a:t>
+            </a:r>
+            <a:endParaRPr lang="en-US" sz="2000"/>
+          </a:p>
+        </p:txBody>
+      </p:sp>
+      <p:sp>
+        <p:nvSpPr>
+          <p:cNvPr id="15" name="TextBox 14"/>
+          <p:cNvSpPr txBox="1"/>
+          <p:nvPr/>
+        </p:nvSpPr>
+        <p:spPr>
+          <a:xfrm>
+            <a:off x="6477003" y="6076890"/>
+            <a:ext cx="1142997" cy="400110"/>
+          </a:xfrm>
+          <a:prstGeom prst="rect">
+            <a:avLst/>
+          </a:prstGeom>
+          <a:noFill/>
+        </p:spPr>
+        <p:txBody>
+          <a:bodyPr wrap="square" rtlCol="0">
+            <a:spAutoFit/>
+          </a:bodyPr>
+          <a:lstStyle/>
+          <a:p>
+            <a:pPr algn="ctr"/>
+            <a:r>
+              <a:rPr lang="en-US" sz="2000" smtClean="0"/>
+              <a:t>Outputs</a:t>
+            </a:r>
+          </a:p>
+        </p:txBody>
+      </p:sp>
+      <p:sp>
+        <p:nvSpPr>
+          <p:cNvPr id="24" name="TextBox 23"/>
+          <p:cNvSpPr txBox="1"/>
+          <p:nvPr/>
+        </p:nvSpPr>
+        <p:spPr>
+          <a:xfrm>
+            <a:off x="1268479" y="4564561"/>
+            <a:ext cx="1232663" cy="830997"/>
+          </a:xfrm>
+          <a:prstGeom prst="rect">
+            <a:avLst/>
+          </a:prstGeom>
+          <a:noFill/>
+        </p:spPr>
+        <p:txBody>
+          <a:bodyPr wrap="square" rtlCol="0">
+            <a:spAutoFit/>
+          </a:bodyPr>
+          <a:lstStyle/>
+          <a:p>
+            <a:pPr algn="ctr"/>
+            <a:r>
+              <a:rPr lang="en-US" sz="1600" smtClean="0"/>
+              <a:t>May be comingled? </a:t>
+            </a:r>
+          </a:p>
+          <a:p>
+            <a:pPr algn="ctr"/>
+            <a:r>
+              <a:rPr lang="en-US" sz="1600" smtClean="0"/>
+              <a:t>(TBD)</a:t>
+            </a:r>
+            <a:endParaRPr lang="en-US" sz="1600"/>
+          </a:p>
+        </p:txBody>
+      </p:sp>
+      <p:cxnSp>
+        <p:nvCxnSpPr>
+          <p:cNvPr id="26" name="Straight Arrow Connector 25"/>
+          <p:cNvCxnSpPr>
+            <a:stCxn id="24" idx="3"/>
+            <a:endCxn id="5" idx="1"/>
+          </p:cNvCxnSpPr>
+          <p:nvPr/>
+        </p:nvCxnSpPr>
+        <p:spPr>
+          <a:xfrm flipV="1">
+            <a:off x="2501142" y="4657984"/>
+            <a:ext cx="699261" cy="322076"/>
+          </a:xfrm>
+          <a:prstGeom prst="straightConnector1">
+            <a:avLst/>
+          </a:prstGeom>
+          <a:ln>
+            <a:tailEnd type="arrow"/>
+          </a:ln>
+        </p:spPr>
+        <p:style>
+          <a:lnRef idx="1">
+            <a:schemeClr val="accent1"/>
+          </a:lnRef>
+          <a:fillRef idx="0">
+            <a:schemeClr val="accent1"/>
+          </a:fillRef>
+          <a:effectRef idx="0">
+            <a:schemeClr val="accent1"/>
+          </a:effectRef>
+          <a:fontRef idx="minor">
+            <a:schemeClr val="tx1"/>
+          </a:fontRef>
+        </p:style>
+      </p:cxnSp>
+      <p:cxnSp>
+        <p:nvCxnSpPr>
+          <p:cNvPr id="29" name="Straight Arrow Connector 28"/>
+          <p:cNvCxnSpPr>
+            <a:stCxn id="24" idx="3"/>
+            <a:endCxn id="6" idx="1"/>
+          </p:cNvCxnSpPr>
+          <p:nvPr/>
+        </p:nvCxnSpPr>
+        <p:spPr>
+          <a:xfrm>
+            <a:off x="2501142" y="4980060"/>
+            <a:ext cx="699261" cy="365972"/>
+          </a:xfrm>
+          <a:prstGeom prst="straightConnector1">
+            <a:avLst/>
+          </a:prstGeom>
+          <a:ln>
+            <a:tailEnd type="arrow"/>
+          </a:ln>
+        </p:spPr>
+        <p:style>
+          <a:lnRef idx="1">
+            <a:schemeClr val="accent1"/>
+          </a:lnRef>
+          <a:fillRef idx="0">
+            <a:schemeClr val="accent1"/>
+          </a:fillRef>
+          <a:effectRef idx="0">
+            <a:schemeClr val="accent1"/>
+          </a:effectRef>
+          <a:fontRef idx="minor">
+            <a:schemeClr val="tx1"/>
+          </a:fontRef>
+        </p:style>
+      </p:cxnSp>
     </p:spTree>
     <p:extLst>
       <p:ext uri="{BB962C8B-B14F-4D97-AF65-F5344CB8AC3E}">
-        <p14:creationId xmlns:p14="http://schemas.microsoft.com/office/powerpoint/2010/main" val="259495496"/>
+        <p14:creationId xmlns:p14="http://schemas.microsoft.com/office/powerpoint/2010/main" val="615004461"/>
       </p:ext>
     </p:extLst>
   </p:cSld>
@@ -7372,281 +8420,136 @@
           <a:lstStyle/>
           <a:p>
             <a:r>
+              <a:rPr lang="en-US" smtClean="0"/>
+              <a:t>CQL Declarations</a:t>
+            </a:r>
+            <a:endParaRPr lang="en-US" dirty="0"/>
+          </a:p>
+        </p:txBody>
+      </p:sp>
+      <p:sp>
+        <p:nvSpPr>
+          <p:cNvPr id="3" name="Content Placeholder 2"/>
+          <p:cNvSpPr>
+            <a:spLocks noGrp="1"/>
+          </p:cNvSpPr>
+          <p:nvPr>
+            <p:ph idx="1"/>
+          </p:nvPr>
+        </p:nvSpPr>
+        <p:spPr/>
+        <p:txBody>
+          <a:bodyPr>
+            <a:normAutofit fontScale="77500" lnSpcReduction="20000"/>
+          </a:bodyPr>
+          <a:lstStyle/>
+          <a:p>
+            <a:r>
+              <a:rPr lang="en-US" b="1" dirty="0" smtClean="0"/>
+              <a:t>using</a:t>
+            </a:r>
+            <a:r>
               <a:rPr lang="en-US" dirty="0" smtClean="0"/>
-              <a:t>Simple Expressions</a:t>
-            </a:r>
-            <a:endParaRPr lang="en-US" dirty="0"/>
-          </a:p>
-        </p:txBody>
-      </p:sp>
-      <p:sp>
-        <p:nvSpPr>
-          <p:cNvPr id="3" name="Content Placeholder 2"/>
-          <p:cNvSpPr>
-            <a:spLocks noGrp="1"/>
-          </p:cNvSpPr>
-          <p:nvPr>
-            <p:ph idx="1"/>
-          </p:nvPr>
-        </p:nvSpPr>
-        <p:spPr/>
-        <p:txBody>
-          <a:bodyPr>
-            <a:normAutofit lnSpcReduction="10000"/>
-          </a:bodyPr>
-          <a:lstStyle/>
-          <a:p>
+              <a:t> declaration</a:t>
+            </a:r>
+          </a:p>
+          <a:p>
+            <a:pPr lvl="1"/>
             <a:r>
               <a:rPr lang="en-US" dirty="0" smtClean="0"/>
-              <a:t>Logic</a:t>
+              <a:t>Define the data model(s) in use in file</a:t>
+            </a:r>
+          </a:p>
+          <a:p>
+            <a:r>
+              <a:rPr lang="en-US" b="1" dirty="0" smtClean="0"/>
+              <a:t>include</a:t>
+            </a:r>
+            <a:r>
+              <a:rPr lang="en-US" dirty="0"/>
+              <a:t> declaration</a:t>
             </a:r>
           </a:p>
           <a:p>
             <a:pPr lvl="1"/>
             <a:r>
-              <a:rPr lang="en-US" dirty="0">
-                <a:solidFill>
-                  <a:srgbClr val="000000"/>
-                </a:solidFill>
-                <a:highlight>
-                  <a:srgbClr val="FFFFFF"/>
-                </a:highlight>
-                <a:latin typeface="Consolas" panose="020B0609020204030204" pitchFamily="49" charset="0"/>
-              </a:rPr>
-              <a:t>A </a:t>
-            </a:r>
-            <a:r>
-              <a:rPr lang="en-US" dirty="0">
-                <a:solidFill>
-                  <a:srgbClr val="0000FF"/>
-                </a:solidFill>
-                <a:highlight>
-                  <a:srgbClr val="FFFFFF"/>
-                </a:highlight>
-                <a:latin typeface="Consolas" panose="020B0609020204030204" pitchFamily="49" charset="0"/>
-              </a:rPr>
-              <a:t>and</a:t>
-            </a:r>
-            <a:r>
-              <a:rPr lang="en-US" dirty="0">
-                <a:solidFill>
-                  <a:srgbClr val="000000"/>
-                </a:solidFill>
-                <a:highlight>
-                  <a:srgbClr val="FFFFFF"/>
-                </a:highlight>
-                <a:latin typeface="Consolas" panose="020B0609020204030204" pitchFamily="49" charset="0"/>
-              </a:rPr>
-              <a:t> </a:t>
-            </a:r>
-            <a:r>
-              <a:rPr lang="en-US" dirty="0" smtClean="0">
-                <a:solidFill>
-                  <a:srgbClr val="000000"/>
-                </a:solidFill>
-                <a:highlight>
-                  <a:srgbClr val="FFFFFF"/>
-                </a:highlight>
-                <a:latin typeface="Consolas" panose="020B0609020204030204" pitchFamily="49" charset="0"/>
-              </a:rPr>
-              <a:t>B</a:t>
+              <a:rPr lang="en-US" dirty="0" smtClean="0"/>
+              <a:t>Define other libraries (CQL files) referenced</a:t>
+            </a:r>
+          </a:p>
+          <a:p>
+            <a:r>
+              <a:rPr lang="en-US" b="1" dirty="0" smtClean="0"/>
+              <a:t>context</a:t>
+            </a:r>
+            <a:r>
+              <a:rPr lang="en-US" dirty="0"/>
+              <a:t> declaration</a:t>
             </a:r>
           </a:p>
           <a:p>
             <a:pPr lvl="1"/>
             <a:r>
-              <a:rPr lang="en-US" dirty="0">
-                <a:solidFill>
-                  <a:srgbClr val="000000"/>
-                </a:solidFill>
-                <a:highlight>
-                  <a:srgbClr val="FFFFFF"/>
-                </a:highlight>
-                <a:latin typeface="Consolas" panose="020B0609020204030204" pitchFamily="49" charset="0"/>
-              </a:rPr>
-              <a:t>A </a:t>
-            </a:r>
-            <a:r>
-              <a:rPr lang="en-US" dirty="0">
-                <a:solidFill>
-                  <a:srgbClr val="0000FF"/>
-                </a:solidFill>
-                <a:highlight>
-                  <a:srgbClr val="FFFFFF"/>
-                </a:highlight>
-                <a:latin typeface="Consolas" panose="020B0609020204030204" pitchFamily="49" charset="0"/>
-              </a:rPr>
-              <a:t>and</a:t>
-            </a:r>
-            <a:r>
-              <a:rPr lang="en-US" dirty="0">
-                <a:solidFill>
-                  <a:srgbClr val="000000"/>
-                </a:solidFill>
-                <a:highlight>
-                  <a:srgbClr val="FFFFFF"/>
-                </a:highlight>
-                <a:latin typeface="Consolas" panose="020B0609020204030204" pitchFamily="49" charset="0"/>
-              </a:rPr>
-              <a:t> </a:t>
-            </a:r>
-            <a:r>
-              <a:rPr lang="en-US" dirty="0">
-                <a:solidFill>
-                  <a:srgbClr val="0000FF"/>
-                </a:solidFill>
-                <a:highlight>
-                  <a:srgbClr val="FFFFFF"/>
-                </a:highlight>
-                <a:latin typeface="Consolas" panose="020B0609020204030204" pitchFamily="49" charset="0"/>
-              </a:rPr>
-              <a:t>not</a:t>
-            </a:r>
-            <a:r>
-              <a:rPr lang="en-US" dirty="0">
-                <a:solidFill>
-                  <a:srgbClr val="000000"/>
-                </a:solidFill>
-                <a:highlight>
-                  <a:srgbClr val="FFFFFF"/>
-                </a:highlight>
-                <a:latin typeface="Consolas" panose="020B0609020204030204" pitchFamily="49" charset="0"/>
-              </a:rPr>
-              <a:t> (B </a:t>
-            </a:r>
-            <a:r>
-              <a:rPr lang="en-US" dirty="0">
-                <a:solidFill>
-                  <a:srgbClr val="0000FF"/>
-                </a:solidFill>
-                <a:highlight>
-                  <a:srgbClr val="FFFFFF"/>
-                </a:highlight>
-                <a:latin typeface="Consolas" panose="020B0609020204030204" pitchFamily="49" charset="0"/>
-              </a:rPr>
-              <a:t>or</a:t>
-            </a:r>
-            <a:r>
-              <a:rPr lang="en-US" dirty="0">
-                <a:solidFill>
-                  <a:srgbClr val="000000"/>
-                </a:solidFill>
-                <a:highlight>
-                  <a:srgbClr val="FFFFFF"/>
-                </a:highlight>
-                <a:latin typeface="Consolas" panose="020B0609020204030204" pitchFamily="49" charset="0"/>
-              </a:rPr>
-              <a:t> C)</a:t>
-            </a:r>
-            <a:endParaRPr lang="en-US" dirty="0" smtClean="0"/>
-          </a:p>
-          <a:p>
-            <a:r>
               <a:rPr lang="en-US" dirty="0" smtClean="0"/>
-              <a:t>Comparison</a:t>
+              <a:t>Define the overall context for the library (e.g. PATIENT or ENCOUNTER)</a:t>
             </a:r>
           </a:p>
           <a:p>
             <a:pPr lvl="1"/>
             <a:r>
-              <a:rPr lang="en-US" dirty="0">
-                <a:solidFill>
-                  <a:srgbClr val="000000"/>
-                </a:solidFill>
-                <a:highlight>
-                  <a:srgbClr val="FFFFFF"/>
-                </a:highlight>
-                <a:latin typeface="Consolas" panose="020B0609020204030204" pitchFamily="49" charset="0"/>
-              </a:rPr>
-              <a:t>A &gt;= </a:t>
-            </a:r>
-            <a:r>
-              <a:rPr lang="en-US" dirty="0" smtClean="0">
-                <a:solidFill>
-                  <a:srgbClr val="000000"/>
-                </a:solidFill>
-                <a:highlight>
-                  <a:srgbClr val="FFFFFF"/>
-                </a:highlight>
-                <a:latin typeface="Consolas" panose="020B0609020204030204" pitchFamily="49" charset="0"/>
-              </a:rPr>
-              <a:t>B</a:t>
+              <a:rPr lang="en-US" dirty="0" smtClean="0"/>
+              <a:t>Anchors references in the file</a:t>
+            </a:r>
+          </a:p>
+          <a:p>
+            <a:r>
+              <a:rPr lang="en-US" b="1" dirty="0" smtClean="0"/>
+              <a:t>parameter</a:t>
+            </a:r>
+            <a:r>
+              <a:rPr lang="en-US" dirty="0"/>
+              <a:t> declaration</a:t>
             </a:r>
           </a:p>
           <a:p>
             <a:pPr lvl="1"/>
             <a:r>
-              <a:rPr lang="en-US" dirty="0">
-                <a:solidFill>
-                  <a:srgbClr val="000000"/>
-                </a:solidFill>
-                <a:highlight>
-                  <a:srgbClr val="FFFFFF"/>
-                </a:highlight>
-                <a:latin typeface="Consolas" panose="020B0609020204030204" pitchFamily="49" charset="0"/>
-              </a:rPr>
-              <a:t>A &lt;&gt; B</a:t>
-            </a:r>
-            <a:endParaRPr lang="en-US" dirty="0" smtClean="0"/>
-          </a:p>
-          <a:p>
-            <a:r>
               <a:rPr lang="en-US" dirty="0" smtClean="0"/>
-              <a:t>Arithmetic</a:t>
+              <a:t>Define available “inputs</a:t>
+            </a:r>
+            <a:r>
+              <a:rPr lang="en-US" dirty="0" smtClean="0"/>
+              <a:t>” (and potentially “outputs”, TBD)</a:t>
+            </a:r>
+            <a:endParaRPr lang="en-US" b="1" dirty="0" smtClean="0"/>
+          </a:p>
+          <a:p>
+            <a:r>
+              <a:rPr lang="en-US" b="1" dirty="0" err="1" smtClean="0"/>
+              <a:t>valueset</a:t>
+            </a:r>
+            <a:r>
+              <a:rPr lang="en-US" dirty="0" smtClean="0"/>
+              <a:t> declaration</a:t>
             </a:r>
           </a:p>
           <a:p>
             <a:pPr lvl="1"/>
             <a:r>
-              <a:rPr lang="en-US" dirty="0">
-                <a:solidFill>
-                  <a:srgbClr val="000000"/>
-                </a:solidFill>
-                <a:highlight>
-                  <a:srgbClr val="FFFFFF"/>
-                </a:highlight>
-                <a:latin typeface="Consolas" panose="020B0609020204030204" pitchFamily="49" charset="0"/>
-              </a:rPr>
-              <a:t>A + </a:t>
-            </a:r>
-            <a:r>
-              <a:rPr lang="en-US" dirty="0" smtClean="0">
-                <a:solidFill>
-                  <a:srgbClr val="000000"/>
-                </a:solidFill>
-                <a:highlight>
-                  <a:srgbClr val="FFFFFF"/>
-                </a:highlight>
-                <a:latin typeface="Consolas" panose="020B0609020204030204" pitchFamily="49" charset="0"/>
-              </a:rPr>
-              <a:t>B</a:t>
-            </a:r>
-          </a:p>
-          <a:p>
-            <a:pPr lvl="1"/>
-            <a:r>
-              <a:rPr lang="en-US" dirty="0">
-                <a:solidFill>
-                  <a:srgbClr val="000000"/>
-                </a:solidFill>
-                <a:highlight>
-                  <a:srgbClr val="FFFFFF"/>
-                </a:highlight>
-                <a:latin typeface="Consolas" panose="020B0609020204030204" pitchFamily="49" charset="0"/>
-              </a:rPr>
-              <a:t>A + B * C</a:t>
-            </a:r>
-            <a:endParaRPr lang="en-US" dirty="0" smtClean="0"/>
-          </a:p>
-          <a:p>
-            <a:endParaRPr lang="en-US" dirty="0"/>
+              <a:rPr lang="en-US" dirty="0" smtClean="0"/>
+              <a:t>Define </a:t>
+            </a:r>
+            <a:r>
+              <a:rPr lang="en-US" dirty="0" smtClean="0"/>
+              <a:t>user-friendly labels for value sets within the library</a:t>
+            </a:r>
           </a:p>
         </p:txBody>
       </p:sp>
     </p:spTree>
     <p:extLst>
       <p:ext uri="{BB962C8B-B14F-4D97-AF65-F5344CB8AC3E}">
-        <p14:creationId xmlns:p14="http://schemas.microsoft.com/office/powerpoint/2010/main" val="3825470710"/>
+        <p14:creationId xmlns:p14="http://schemas.microsoft.com/office/powerpoint/2010/main" val="3601668756"/>
       </p:ext>
     </p:extLst>
   </p:cSld>
@@ -7690,682 +8593,40 @@
           <a:p>
             <a:r>
               <a:rPr lang="en-US" dirty="0" smtClean="0"/>
-              <a:t>Timing/Interval Operations</a:t>
+              <a:t>Declaration Examples</a:t>
             </a:r>
             <a:endParaRPr lang="en-US" dirty="0"/>
           </a:p>
         </p:txBody>
       </p:sp>
-      <p:sp>
-        <p:nvSpPr>
-          <p:cNvPr id="3" name="Content Placeholder 2"/>
-          <p:cNvSpPr>
-            <a:spLocks noGrp="1"/>
-          </p:cNvSpPr>
-          <p:nvPr>
-            <p:ph idx="1"/>
-          </p:nvPr>
-        </p:nvSpPr>
-        <p:spPr/>
-        <p:txBody>
-          <a:bodyPr>
-            <a:normAutofit fontScale="77500" lnSpcReduction="20000"/>
-          </a:bodyPr>
-          <a:lstStyle/>
-          <a:p>
-            <a:r>
-              <a:rPr lang="en-US" dirty="0" smtClean="0"/>
-              <a:t>Full set from QDM</a:t>
-            </a:r>
-          </a:p>
-          <a:p>
-            <a:pPr lvl="1"/>
-            <a:r>
-              <a:rPr lang="en-US" dirty="0">
-                <a:solidFill>
-                  <a:srgbClr val="0000FF"/>
-                </a:solidFill>
-                <a:highlight>
-                  <a:srgbClr val="FFFFFF"/>
-                </a:highlight>
-                <a:latin typeface="Consolas" panose="020B0609020204030204" pitchFamily="49" charset="0"/>
-              </a:rPr>
-              <a:t>starts</a:t>
-            </a:r>
-            <a:r>
-              <a:rPr lang="en-US" dirty="0">
-                <a:solidFill>
-                  <a:srgbClr val="000000"/>
-                </a:solidFill>
-                <a:highlight>
-                  <a:srgbClr val="FFFFFF"/>
-                </a:highlight>
-                <a:latin typeface="Consolas" panose="020B0609020204030204" pitchFamily="49" charset="0"/>
-              </a:rPr>
-              <a:t> </a:t>
-            </a:r>
-            <a:r>
-              <a:rPr lang="en-US" dirty="0">
-                <a:solidFill>
-                  <a:srgbClr val="0000FF"/>
-                </a:solidFill>
-                <a:highlight>
-                  <a:srgbClr val="FFFFFF"/>
-                </a:highlight>
-                <a:latin typeface="Consolas" panose="020B0609020204030204" pitchFamily="49" charset="0"/>
-              </a:rPr>
-              <a:t>before</a:t>
-            </a:r>
-            <a:r>
-              <a:rPr lang="en-US" dirty="0">
-                <a:solidFill>
-                  <a:srgbClr val="000000"/>
-                </a:solidFill>
-                <a:highlight>
-                  <a:srgbClr val="FFFFFF"/>
-                </a:highlight>
-                <a:latin typeface="Consolas" panose="020B0609020204030204" pitchFamily="49" charset="0"/>
-              </a:rPr>
-              <a:t> </a:t>
-            </a:r>
-            <a:r>
-              <a:rPr lang="en-US" dirty="0">
-                <a:solidFill>
-                  <a:srgbClr val="0000FF"/>
-                </a:solidFill>
-                <a:highlight>
-                  <a:srgbClr val="FFFFFF"/>
-                </a:highlight>
-                <a:latin typeface="Consolas" panose="020B0609020204030204" pitchFamily="49" charset="0"/>
-              </a:rPr>
-              <a:t>start</a:t>
-            </a:r>
-            <a:r>
-              <a:rPr lang="en-US" dirty="0">
-                <a:solidFill>
-                  <a:srgbClr val="000000"/>
-                </a:solidFill>
-                <a:highlight>
-                  <a:srgbClr val="FFFFFF"/>
-                </a:highlight>
-                <a:latin typeface="Consolas" panose="020B0609020204030204" pitchFamily="49" charset="0"/>
-              </a:rPr>
-              <a:t>, </a:t>
-            </a:r>
-            <a:r>
-              <a:rPr lang="en-US" dirty="0">
-                <a:solidFill>
-                  <a:srgbClr val="0000FF"/>
-                </a:solidFill>
-                <a:highlight>
-                  <a:srgbClr val="FFFFFF"/>
-                </a:highlight>
-                <a:latin typeface="Consolas" panose="020B0609020204030204" pitchFamily="49" charset="0"/>
-              </a:rPr>
-              <a:t>starts</a:t>
-            </a:r>
-            <a:r>
-              <a:rPr lang="en-US" dirty="0">
-                <a:solidFill>
-                  <a:srgbClr val="000000"/>
-                </a:solidFill>
-                <a:highlight>
-                  <a:srgbClr val="FFFFFF"/>
-                </a:highlight>
-                <a:latin typeface="Consolas" panose="020B0609020204030204" pitchFamily="49" charset="0"/>
-              </a:rPr>
-              <a:t> </a:t>
-            </a:r>
-            <a:r>
-              <a:rPr lang="en-US" dirty="0">
-                <a:solidFill>
-                  <a:srgbClr val="0000FF"/>
-                </a:solidFill>
-                <a:highlight>
-                  <a:srgbClr val="FFFFFF"/>
-                </a:highlight>
-                <a:latin typeface="Consolas" panose="020B0609020204030204" pitchFamily="49" charset="0"/>
-              </a:rPr>
-              <a:t>concurrent with</a:t>
-            </a:r>
-            <a:r>
-              <a:rPr lang="en-US" dirty="0">
-                <a:solidFill>
-                  <a:srgbClr val="000000"/>
-                </a:solidFill>
-                <a:highlight>
-                  <a:srgbClr val="FFFFFF"/>
-                </a:highlight>
-                <a:latin typeface="Consolas" panose="020B0609020204030204" pitchFamily="49" charset="0"/>
-              </a:rPr>
-              <a:t> </a:t>
-            </a:r>
-            <a:endParaRPr lang="en-US" dirty="0" smtClean="0">
-              <a:solidFill>
-                <a:srgbClr val="000000"/>
-              </a:solidFill>
-              <a:highlight>
-                <a:srgbClr val="FFFFFF"/>
-              </a:highlight>
-              <a:latin typeface="Consolas" panose="020B0609020204030204" pitchFamily="49" charset="0"/>
-            </a:endParaRPr>
-          </a:p>
-          <a:p>
-            <a:r>
-              <a:rPr lang="en-US" dirty="0" smtClean="0">
-                <a:solidFill>
-                  <a:srgbClr val="000000"/>
-                </a:solidFill>
-                <a:highlight>
-                  <a:srgbClr val="FFFFFF"/>
-                </a:highlight>
-                <a:latin typeface="Consolas" panose="020B0609020204030204" pitchFamily="49" charset="0"/>
-              </a:rPr>
-              <a:t>Timing Phrases</a:t>
-            </a:r>
-          </a:p>
-          <a:p>
-            <a:pPr lvl="1"/>
-            <a:r>
-              <a:rPr lang="en-US" dirty="0">
-                <a:solidFill>
-                  <a:srgbClr val="0000FF"/>
-                </a:solidFill>
-                <a:highlight>
-                  <a:srgbClr val="FFFFFF"/>
-                </a:highlight>
-                <a:latin typeface="Consolas" panose="020B0609020204030204" pitchFamily="49" charset="0"/>
-              </a:rPr>
-              <a:t>starts</a:t>
-            </a:r>
-            <a:r>
-              <a:rPr lang="en-US" dirty="0">
-                <a:solidFill>
-                  <a:srgbClr val="000000"/>
-                </a:solidFill>
-                <a:highlight>
-                  <a:srgbClr val="FFFFFF"/>
-                </a:highlight>
-                <a:latin typeface="Consolas" panose="020B0609020204030204" pitchFamily="49" charset="0"/>
-              </a:rPr>
-              <a:t> 3 </a:t>
-            </a:r>
-            <a:r>
-              <a:rPr lang="en-US" dirty="0">
-                <a:solidFill>
-                  <a:srgbClr val="0000FF"/>
-                </a:solidFill>
-                <a:highlight>
-                  <a:srgbClr val="FFFFFF"/>
-                </a:highlight>
-                <a:latin typeface="Consolas" panose="020B0609020204030204" pitchFamily="49" charset="0"/>
-              </a:rPr>
-              <a:t>days</a:t>
-            </a:r>
-            <a:r>
-              <a:rPr lang="en-US" dirty="0">
-                <a:solidFill>
-                  <a:srgbClr val="000000"/>
-                </a:solidFill>
-                <a:highlight>
-                  <a:srgbClr val="FFFFFF"/>
-                </a:highlight>
-                <a:latin typeface="Consolas" panose="020B0609020204030204" pitchFamily="49" charset="0"/>
-              </a:rPr>
-              <a:t> </a:t>
-            </a:r>
-            <a:r>
-              <a:rPr lang="en-US" dirty="0">
-                <a:solidFill>
-                  <a:srgbClr val="0000FF"/>
-                </a:solidFill>
-                <a:highlight>
-                  <a:srgbClr val="FFFFFF"/>
-                </a:highlight>
-                <a:latin typeface="Consolas" panose="020B0609020204030204" pitchFamily="49" charset="0"/>
-              </a:rPr>
-              <a:t>before</a:t>
-            </a:r>
-            <a:r>
-              <a:rPr lang="en-US" dirty="0">
-                <a:solidFill>
-                  <a:srgbClr val="000000"/>
-                </a:solidFill>
-                <a:highlight>
-                  <a:srgbClr val="FFFFFF"/>
-                </a:highlight>
-                <a:latin typeface="Consolas" panose="020B0609020204030204" pitchFamily="49" charset="0"/>
-              </a:rPr>
-              <a:t> </a:t>
-            </a:r>
-            <a:r>
-              <a:rPr lang="en-US" dirty="0" smtClean="0">
-                <a:solidFill>
-                  <a:srgbClr val="0000FF"/>
-                </a:solidFill>
-                <a:highlight>
-                  <a:srgbClr val="FFFFFF"/>
-                </a:highlight>
-                <a:latin typeface="Consolas" panose="020B0609020204030204" pitchFamily="49" charset="0"/>
-              </a:rPr>
-              <a:t>start</a:t>
-            </a:r>
-          </a:p>
-          <a:p>
-            <a:pPr lvl="1"/>
-            <a:r>
-              <a:rPr lang="en-US" dirty="0">
-                <a:solidFill>
-                  <a:srgbClr val="0000FF"/>
-                </a:solidFill>
-                <a:highlight>
-                  <a:srgbClr val="FFFFFF"/>
-                </a:highlight>
-                <a:latin typeface="Consolas" panose="020B0609020204030204" pitchFamily="49" charset="0"/>
-              </a:rPr>
-              <a:t>starts</a:t>
-            </a:r>
-            <a:r>
-              <a:rPr lang="en-US" dirty="0">
-                <a:solidFill>
-                  <a:srgbClr val="000000"/>
-                </a:solidFill>
-                <a:highlight>
-                  <a:srgbClr val="FFFFFF"/>
-                </a:highlight>
-                <a:latin typeface="Consolas" panose="020B0609020204030204" pitchFamily="49" charset="0"/>
-              </a:rPr>
-              <a:t> </a:t>
-            </a:r>
-            <a:r>
-              <a:rPr lang="en-US" dirty="0">
-                <a:solidFill>
-                  <a:srgbClr val="0000FF"/>
-                </a:solidFill>
-                <a:highlight>
-                  <a:srgbClr val="FFFFFF"/>
-                </a:highlight>
-                <a:latin typeface="Consolas" panose="020B0609020204030204" pitchFamily="49" charset="0"/>
-              </a:rPr>
-              <a:t>within</a:t>
-            </a:r>
-            <a:r>
-              <a:rPr lang="en-US" dirty="0">
-                <a:solidFill>
-                  <a:srgbClr val="000000"/>
-                </a:solidFill>
-                <a:highlight>
-                  <a:srgbClr val="FFFFFF"/>
-                </a:highlight>
-                <a:latin typeface="Consolas" panose="020B0609020204030204" pitchFamily="49" charset="0"/>
-              </a:rPr>
-              <a:t> 3 </a:t>
-            </a:r>
-            <a:r>
-              <a:rPr lang="en-US" dirty="0">
-                <a:solidFill>
-                  <a:srgbClr val="0000FF"/>
-                </a:solidFill>
-                <a:highlight>
-                  <a:srgbClr val="FFFFFF"/>
-                </a:highlight>
-                <a:latin typeface="Consolas" panose="020B0609020204030204" pitchFamily="49" charset="0"/>
-              </a:rPr>
-              <a:t>days</a:t>
-            </a:r>
-            <a:r>
-              <a:rPr lang="en-US" dirty="0">
-                <a:solidFill>
-                  <a:srgbClr val="000000"/>
-                </a:solidFill>
-                <a:highlight>
-                  <a:srgbClr val="FFFFFF"/>
-                </a:highlight>
-                <a:latin typeface="Consolas" panose="020B0609020204030204" pitchFamily="49" charset="0"/>
-              </a:rPr>
-              <a:t> </a:t>
-            </a:r>
-            <a:r>
-              <a:rPr lang="en-US" dirty="0">
-                <a:solidFill>
-                  <a:srgbClr val="0000FF"/>
-                </a:solidFill>
-                <a:highlight>
-                  <a:srgbClr val="FFFFFF"/>
-                </a:highlight>
-                <a:latin typeface="Consolas" panose="020B0609020204030204" pitchFamily="49" charset="0"/>
-              </a:rPr>
-              <a:t>before</a:t>
-            </a:r>
-            <a:r>
-              <a:rPr lang="en-US" dirty="0">
-                <a:solidFill>
-                  <a:srgbClr val="000000"/>
-                </a:solidFill>
-                <a:highlight>
-                  <a:srgbClr val="FFFFFF"/>
-                </a:highlight>
-                <a:latin typeface="Consolas" panose="020B0609020204030204" pitchFamily="49" charset="0"/>
-              </a:rPr>
-              <a:t> </a:t>
-            </a:r>
-            <a:r>
-              <a:rPr lang="en-US" dirty="0" smtClean="0">
-                <a:solidFill>
-                  <a:srgbClr val="0000FF"/>
-                </a:solidFill>
-                <a:highlight>
-                  <a:srgbClr val="FFFFFF"/>
-                </a:highlight>
-                <a:latin typeface="Consolas" panose="020B0609020204030204" pitchFamily="49" charset="0"/>
-              </a:rPr>
-              <a:t>start</a:t>
-            </a:r>
-          </a:p>
-          <a:p>
-            <a:pPr lvl="1"/>
-            <a:r>
-              <a:rPr lang="en-US" dirty="0">
-                <a:solidFill>
-                  <a:srgbClr val="0000FF"/>
-                </a:solidFill>
-                <a:highlight>
-                  <a:srgbClr val="FFFFFF"/>
-                </a:highlight>
-                <a:latin typeface="Consolas" panose="020B0609020204030204" pitchFamily="49" charset="0"/>
-              </a:rPr>
-              <a:t>starts</a:t>
-            </a:r>
-            <a:r>
-              <a:rPr lang="en-US" dirty="0">
-                <a:solidFill>
-                  <a:srgbClr val="000000"/>
-                </a:solidFill>
-                <a:highlight>
-                  <a:srgbClr val="FFFFFF"/>
-                </a:highlight>
-                <a:latin typeface="Consolas" panose="020B0609020204030204" pitchFamily="49" charset="0"/>
-              </a:rPr>
-              <a:t> </a:t>
-            </a:r>
-            <a:r>
-              <a:rPr lang="en-US" dirty="0">
-                <a:solidFill>
-                  <a:srgbClr val="0000FF"/>
-                </a:solidFill>
-                <a:highlight>
-                  <a:srgbClr val="FFFFFF"/>
-                </a:highlight>
-                <a:latin typeface="Consolas" panose="020B0609020204030204" pitchFamily="49" charset="0"/>
-              </a:rPr>
-              <a:t>within</a:t>
-            </a:r>
-            <a:r>
-              <a:rPr lang="en-US" dirty="0">
-                <a:solidFill>
-                  <a:srgbClr val="000000"/>
-                </a:solidFill>
-                <a:highlight>
-                  <a:srgbClr val="FFFFFF"/>
-                </a:highlight>
-                <a:latin typeface="Consolas" panose="020B0609020204030204" pitchFamily="49" charset="0"/>
-              </a:rPr>
-              <a:t> 3 </a:t>
-            </a:r>
-            <a:r>
-              <a:rPr lang="en-US" dirty="0">
-                <a:solidFill>
-                  <a:srgbClr val="0000FF"/>
-                </a:solidFill>
-                <a:highlight>
-                  <a:srgbClr val="FFFFFF"/>
-                </a:highlight>
-                <a:latin typeface="Consolas" panose="020B0609020204030204" pitchFamily="49" charset="0"/>
-              </a:rPr>
-              <a:t>days</a:t>
-            </a:r>
-            <a:r>
-              <a:rPr lang="en-US" dirty="0">
-                <a:solidFill>
-                  <a:srgbClr val="000000"/>
-                </a:solidFill>
-                <a:highlight>
-                  <a:srgbClr val="FFFFFF"/>
-                </a:highlight>
-                <a:latin typeface="Consolas" panose="020B0609020204030204" pitchFamily="49" charset="0"/>
-              </a:rPr>
-              <a:t> </a:t>
-            </a:r>
-            <a:r>
-              <a:rPr lang="en-US" dirty="0">
-                <a:solidFill>
-                  <a:srgbClr val="0000FF"/>
-                </a:solidFill>
-                <a:highlight>
-                  <a:srgbClr val="FFFFFF"/>
-                </a:highlight>
-                <a:latin typeface="Consolas" panose="020B0609020204030204" pitchFamily="49" charset="0"/>
-              </a:rPr>
-              <a:t>of</a:t>
-            </a:r>
-            <a:r>
-              <a:rPr lang="en-US" dirty="0">
-                <a:solidFill>
-                  <a:srgbClr val="000000"/>
-                </a:solidFill>
-                <a:highlight>
-                  <a:srgbClr val="FFFFFF"/>
-                </a:highlight>
-                <a:latin typeface="Consolas" panose="020B0609020204030204" pitchFamily="49" charset="0"/>
-              </a:rPr>
-              <a:t> </a:t>
-            </a:r>
-            <a:r>
-              <a:rPr lang="en-US" dirty="0">
-                <a:solidFill>
-                  <a:srgbClr val="0000FF"/>
-                </a:solidFill>
-                <a:highlight>
-                  <a:srgbClr val="FFFFFF"/>
-                </a:highlight>
-                <a:latin typeface="Consolas" panose="020B0609020204030204" pitchFamily="49" charset="0"/>
-              </a:rPr>
-              <a:t>start</a:t>
-            </a:r>
-            <a:endParaRPr lang="en-US" dirty="0" smtClean="0"/>
-          </a:p>
-          <a:p>
-            <a:r>
-              <a:rPr lang="en-US" dirty="0" smtClean="0"/>
-              <a:t>Interval operators</a:t>
-            </a:r>
-          </a:p>
-          <a:p>
-            <a:pPr lvl="1"/>
-            <a:r>
-              <a:rPr lang="en-US" dirty="0">
-                <a:solidFill>
-                  <a:srgbClr val="0000FF"/>
-                </a:solidFill>
-                <a:highlight>
-                  <a:srgbClr val="FFFFFF"/>
-                </a:highlight>
-                <a:latin typeface="Consolas" panose="020B0609020204030204" pitchFamily="49" charset="0"/>
-              </a:rPr>
-              <a:t>meets</a:t>
-            </a:r>
-            <a:r>
-              <a:rPr lang="en-US" dirty="0">
-                <a:solidFill>
-                  <a:srgbClr val="000000"/>
-                </a:solidFill>
-                <a:highlight>
-                  <a:srgbClr val="FFFFFF"/>
-                </a:highlight>
-                <a:latin typeface="Consolas" panose="020B0609020204030204" pitchFamily="49" charset="0"/>
-              </a:rPr>
-              <a:t>, </a:t>
-            </a:r>
-            <a:r>
-              <a:rPr lang="en-US" dirty="0">
-                <a:solidFill>
-                  <a:srgbClr val="0000FF"/>
-                </a:solidFill>
-                <a:highlight>
-                  <a:srgbClr val="FFFFFF"/>
-                </a:highlight>
-                <a:latin typeface="Consolas" panose="020B0609020204030204" pitchFamily="49" charset="0"/>
-              </a:rPr>
-              <a:t>overlaps</a:t>
-            </a:r>
-            <a:r>
-              <a:rPr lang="en-US" dirty="0">
-                <a:solidFill>
-                  <a:srgbClr val="000000"/>
-                </a:solidFill>
-                <a:highlight>
-                  <a:srgbClr val="FFFFFF"/>
-                </a:highlight>
-                <a:latin typeface="Consolas" panose="020B0609020204030204" pitchFamily="49" charset="0"/>
-              </a:rPr>
-              <a:t>, </a:t>
-            </a:r>
-            <a:r>
-              <a:rPr lang="en-US" dirty="0">
-                <a:solidFill>
-                  <a:srgbClr val="0000FF"/>
-                </a:solidFill>
-                <a:highlight>
-                  <a:srgbClr val="FFFFFF"/>
-                </a:highlight>
-                <a:latin typeface="Consolas" panose="020B0609020204030204" pitchFamily="49" charset="0"/>
-              </a:rPr>
-              <a:t>during</a:t>
-            </a:r>
-            <a:endParaRPr lang="en-US" dirty="0" smtClean="0"/>
-          </a:p>
-          <a:p>
-            <a:r>
-              <a:rPr lang="en-US" dirty="0" smtClean="0"/>
-              <a:t>Point access</a:t>
-            </a:r>
-          </a:p>
-          <a:p>
-            <a:pPr lvl="1"/>
-            <a:r>
-              <a:rPr lang="en-US" dirty="0">
-                <a:solidFill>
-                  <a:srgbClr val="0000FF"/>
-                </a:solidFill>
-                <a:highlight>
-                  <a:srgbClr val="FFFFFF"/>
-                </a:highlight>
-                <a:latin typeface="Consolas" panose="020B0609020204030204" pitchFamily="49" charset="0"/>
-              </a:rPr>
-              <a:t>start</a:t>
-            </a:r>
-            <a:r>
-              <a:rPr lang="en-US" dirty="0">
-                <a:solidFill>
-                  <a:srgbClr val="000000"/>
-                </a:solidFill>
-                <a:highlight>
-                  <a:srgbClr val="FFFFFF"/>
-                </a:highlight>
-                <a:latin typeface="Consolas" panose="020B0609020204030204" pitchFamily="49" charset="0"/>
-              </a:rPr>
-              <a:t> </a:t>
-            </a:r>
-            <a:r>
-              <a:rPr lang="en-US" dirty="0">
-                <a:solidFill>
-                  <a:srgbClr val="0000FF"/>
-                </a:solidFill>
-                <a:highlight>
-                  <a:srgbClr val="FFFFFF"/>
-                </a:highlight>
-                <a:latin typeface="Consolas" panose="020B0609020204030204" pitchFamily="49" charset="0"/>
-              </a:rPr>
-              <a:t>of</a:t>
-            </a:r>
-            <a:r>
-              <a:rPr lang="en-US" dirty="0">
-                <a:solidFill>
-                  <a:srgbClr val="000000"/>
-                </a:solidFill>
-                <a:highlight>
-                  <a:srgbClr val="FFFFFF"/>
-                </a:highlight>
-                <a:latin typeface="Consolas" panose="020B0609020204030204" pitchFamily="49" charset="0"/>
-              </a:rPr>
-              <a:t> </a:t>
-            </a:r>
-            <a:r>
-              <a:rPr lang="en-US" dirty="0" err="1">
-                <a:solidFill>
-                  <a:srgbClr val="000000"/>
-                </a:solidFill>
-                <a:highlight>
-                  <a:srgbClr val="FFFFFF"/>
-                </a:highlight>
-                <a:latin typeface="Consolas" panose="020B0609020204030204" pitchFamily="49" charset="0"/>
-              </a:rPr>
-              <a:t>MeasurementPeriod</a:t>
-            </a:r>
-            <a:endParaRPr lang="en-US" dirty="0" smtClean="0"/>
-          </a:p>
-          <a:p>
-            <a:r>
-              <a:rPr lang="en-US" dirty="0" smtClean="0"/>
-              <a:t>Membership</a:t>
-            </a:r>
-          </a:p>
-          <a:p>
-            <a:pPr lvl="1"/>
-            <a:r>
-              <a:rPr lang="en-US" dirty="0">
-                <a:solidFill>
-                  <a:srgbClr val="000000"/>
-                </a:solidFill>
-                <a:highlight>
-                  <a:srgbClr val="FFFFFF"/>
-                </a:highlight>
-                <a:latin typeface="Consolas" panose="020B0609020204030204" pitchFamily="49" charset="0"/>
-              </a:rPr>
-              <a:t>X </a:t>
-            </a:r>
-            <a:r>
-              <a:rPr lang="en-US" dirty="0">
-                <a:solidFill>
-                  <a:srgbClr val="0000FF"/>
-                </a:solidFill>
-                <a:highlight>
-                  <a:srgbClr val="FFFFFF"/>
-                </a:highlight>
-                <a:latin typeface="Consolas" panose="020B0609020204030204" pitchFamily="49" charset="0"/>
-              </a:rPr>
-              <a:t>in</a:t>
-            </a:r>
-            <a:r>
-              <a:rPr lang="en-US" dirty="0">
-                <a:solidFill>
-                  <a:srgbClr val="000000"/>
-                </a:solidFill>
-                <a:highlight>
-                  <a:srgbClr val="FFFFFF"/>
-                </a:highlight>
-                <a:latin typeface="Consolas" panose="020B0609020204030204" pitchFamily="49" charset="0"/>
-              </a:rPr>
-              <a:t> { 1, 2, 3, 4, 5 }</a:t>
-            </a:r>
-            <a:endParaRPr lang="en-US" dirty="0"/>
-          </a:p>
-        </p:txBody>
-      </p:sp>
+      <p:pic>
+        <p:nvPicPr>
+          <p:cNvPr id="5" name="Picture 4"/>
+          <p:cNvPicPr>
+            <a:picLocks noChangeAspect="1"/>
+          </p:cNvPicPr>
+          <p:nvPr/>
+        </p:nvPicPr>
+        <p:blipFill>
+          <a:blip r:embed="rId2"/>
+          <a:stretch>
+            <a:fillRect/>
+          </a:stretch>
+        </p:blipFill>
+        <p:spPr>
+          <a:xfrm>
+            <a:off x="990600" y="2133600"/>
+            <a:ext cx="7481637" cy="2667000"/>
+          </a:xfrm>
+          <a:prstGeom prst="rect">
+            <a:avLst/>
+          </a:prstGeom>
+        </p:spPr>
+      </p:pic>
     </p:spTree>
     <p:extLst>
       <p:ext uri="{BB962C8B-B14F-4D97-AF65-F5344CB8AC3E}">
-        <p14:creationId xmlns:p14="http://schemas.microsoft.com/office/powerpoint/2010/main" val="3833174328"/>
+        <p14:creationId xmlns:p14="http://schemas.microsoft.com/office/powerpoint/2010/main" val="4104104553"/>
       </p:ext>
     </p:extLst>
   </p:cSld>
@@ -8409,7 +8670,7 @@
           <a:p>
             <a:r>
               <a:rPr lang="en-US" dirty="0" smtClean="0"/>
-              <a:t>Date/Time Manipulation</a:t>
+              <a:t>QILM Statement Structure</a:t>
             </a:r>
             <a:endParaRPr lang="en-US" dirty="0"/>
           </a:p>
@@ -8427,39 +8688,133 @@
         </p:nvSpPr>
         <p:spPr/>
         <p:txBody>
-          <a:bodyPr/>
+          <a:bodyPr>
+            <a:normAutofit fontScale="92500" lnSpcReduction="20000"/>
+          </a:bodyPr>
           <a:lstStyle/>
           <a:p>
             <a:r>
               <a:rPr lang="en-US" dirty="0" smtClean="0"/>
-              <a:t>Date Construction</a:t>
-            </a:r>
-          </a:p>
-          <a:p>
+              <a:t>Every clinical statement has</a:t>
+            </a:r>
+          </a:p>
+          <a:p>
+            <a:pPr lvl="1"/>
             <a:r>
               <a:rPr lang="en-US" dirty="0" smtClean="0"/>
-              <a:t>Date Arithmetic</a:t>
-            </a:r>
-          </a:p>
-          <a:p>
+              <a:t>Occurrence (Occurrence, </a:t>
+            </a:r>
+            <a:r>
+              <a:rPr lang="en-US" dirty="0" err="1" smtClean="0"/>
+              <a:t>NonOccurrence</a:t>
+            </a:r>
             <a:r>
               <a:rPr lang="en-US" dirty="0" smtClean="0"/>
-              <a:t>Date/Time extraction</a:t>
-            </a:r>
-          </a:p>
-          <a:p>
+              <a:t>, </a:t>
+            </a:r>
+            <a:r>
+              <a:rPr lang="en-US" dirty="0" err="1" smtClean="0"/>
+              <a:t>UnknownOccurrence</a:t>
+            </a:r>
             <a:r>
               <a:rPr lang="en-US" dirty="0" smtClean="0"/>
-              <a:t>Component extraction</a:t>
+              <a:t>)</a:t>
+            </a:r>
+          </a:p>
+          <a:p>
+            <a:pPr lvl="1"/>
+            <a:r>
+              <a:rPr lang="en-US" dirty="0" smtClean="0"/>
+              <a:t>a Topic, either an Observable, or an Action</a:t>
+            </a:r>
+          </a:p>
+          <a:p>
+            <a:r>
+              <a:rPr lang="en-US" dirty="0" smtClean="0"/>
+              <a:t>Observables:</a:t>
+            </a:r>
+          </a:p>
+          <a:p>
+            <a:pPr lvl="1"/>
+            <a:r>
+              <a:rPr lang="en-US" dirty="0" smtClean="0"/>
+              <a:t>Condition, Prognosis, </a:t>
+            </a:r>
+            <a:r>
+              <a:rPr lang="en-US" dirty="0" err="1" smtClean="0"/>
+              <a:t>ObservationResult</a:t>
+            </a:r>
+            <a:r>
+              <a:rPr lang="en-US" dirty="0" smtClean="0"/>
+              <a:t>, etc.</a:t>
+            </a:r>
+          </a:p>
+          <a:p>
+            <a:r>
+              <a:rPr lang="en-US" dirty="0" smtClean="0"/>
+              <a:t>Acts:</a:t>
+            </a:r>
+          </a:p>
+          <a:p>
+            <a:pPr lvl="1"/>
+            <a:r>
+              <a:rPr lang="en-US" dirty="0"/>
+              <a:t>Procedure, Medication Administration, etc</a:t>
+            </a:r>
+            <a:r>
+              <a:rPr lang="en-US" dirty="0" smtClean="0"/>
+              <a:t>.</a:t>
             </a:r>
             <a:endParaRPr lang="en-US" dirty="0"/>
+          </a:p>
+          <a:p>
+            <a:r>
+              <a:rPr lang="en-US" dirty="0" smtClean="0"/>
+              <a:t>In </a:t>
+            </a:r>
+            <a:r>
+              <a:rPr lang="en-US" dirty="0" smtClean="0"/>
+              <a:t>addition</a:t>
+            </a:r>
+            <a:r>
+              <a:rPr lang="en-US" smtClean="0"/>
+              <a:t>, </a:t>
+            </a:r>
+            <a:r>
+              <a:rPr lang="en-US" smtClean="0"/>
+              <a:t>Acts have </a:t>
+            </a:r>
+            <a:r>
+              <a:rPr lang="en-US" dirty="0" smtClean="0"/>
+              <a:t>Modality</a:t>
+            </a:r>
+            <a:r>
+              <a:rPr lang="en-US" dirty="0" smtClean="0"/>
+              <a:t>:</a:t>
+            </a:r>
+          </a:p>
+          <a:p>
+            <a:pPr lvl="1"/>
+            <a:r>
+              <a:rPr lang="en-US" dirty="0" smtClean="0"/>
+              <a:t>Proposal, Order, Performance, </a:t>
+            </a:r>
+            <a:r>
+              <a:rPr lang="en-US" dirty="0"/>
+              <a:t>etc.</a:t>
+            </a:r>
+            <a:endParaRPr lang="en-US" dirty="0" smtClean="0"/>
+          </a:p>
+          <a:p>
+            <a:pPr lvl="1"/>
+            <a:endParaRPr lang="en-US" dirty="0" smtClean="0"/>
           </a:p>
         </p:txBody>
       </p:sp>
     </p:spTree>
     <p:extLst>
       <p:ext uri="{BB962C8B-B14F-4D97-AF65-F5344CB8AC3E}">
-        <p14:creationId xmlns:p14="http://schemas.microsoft.com/office/powerpoint/2010/main" val="3835497586"/>
+        <p14:creationId xmlns:p14="http://schemas.microsoft.com/office/powerpoint/2010/main" val="4009849041"/>
       </p:ext>
     </p:extLst>
   </p:cSld>
@@ -8503,7 +8858,7 @@
           <a:p>
             <a:r>
               <a:rPr lang="en-US" dirty="0" smtClean="0"/>
-              <a:t>QILM Statement Structure</a:t>
+              <a:t>Retrieve</a:t>
             </a:r>
             <a:endParaRPr lang="en-US" dirty="0"/>
           </a:p>
@@ -8522,98 +8877,456 @@
         <p:spPr/>
         <p:txBody>
           <a:bodyPr>
-            <a:normAutofit fontScale="92500" lnSpcReduction="20000"/>
+            <a:normAutofit fontScale="92500" lnSpcReduction="10000"/>
           </a:bodyPr>
           <a:lstStyle/>
           <a:p>
             <a:r>
               <a:rPr lang="en-US" dirty="0" smtClean="0"/>
-              <a:t>Every clinical statement has</a:t>
+              <a:t>Retrieves information from the data layer</a:t>
             </a:r>
           </a:p>
           <a:p>
             <a:pPr lvl="1"/>
             <a:r>
               <a:rPr lang="en-US" dirty="0" smtClean="0"/>
-              <a:t>Occurrence (Occurrence, </a:t>
-            </a:r>
-            <a:r>
-              <a:rPr lang="en-US" dirty="0" err="1" smtClean="0"/>
-              <a:t>NonOccurrence</a:t>
-            </a:r>
+              <a:t>Respects current context (PATIENT, ENCOUNTER)</a:t>
+            </a:r>
+          </a:p>
+          <a:p>
             <a:r>
               <a:rPr lang="en-US" dirty="0" smtClean="0"/>
-              <a:t>, </a:t>
-            </a:r>
-            <a:r>
-              <a:rPr lang="en-US" dirty="0" err="1" smtClean="0"/>
-              <a:t>UnknownOccurrence</a:t>
+              <a:t>Specified in terms of Data </a:t>
             </a:r>
             <a:r>
               <a:rPr lang="en-US" dirty="0" smtClean="0"/>
-              <a:t>)</a:t>
+              <a:t>Model</a:t>
             </a:r>
           </a:p>
           <a:p>
             <a:pPr lvl="1"/>
             <a:r>
+              <a:rPr lang="en-US" sz="1700" dirty="0">
+                <a:solidFill>
+                  <a:srgbClr val="000000"/>
+                </a:solidFill>
+                <a:highlight>
+                  <a:srgbClr val="FFFFFF"/>
+                </a:highlight>
+                <a:latin typeface="Consolas" panose="020B0609020204030204" pitchFamily="49" charset="0"/>
+              </a:rPr>
+              <a:t>(</a:t>
+            </a:r>
+            <a:r>
+              <a:rPr lang="en-US" sz="1700" dirty="0">
+                <a:solidFill>
+                  <a:srgbClr val="A31515"/>
+                </a:solidFill>
+                <a:highlight>
+                  <a:srgbClr val="FFFFFF"/>
+                </a:highlight>
+                <a:latin typeface="Consolas" panose="020B0609020204030204" pitchFamily="49" charset="0"/>
+              </a:rPr>
+              <a:t>'no'</a:t>
+            </a:r>
+            <a:r>
+              <a:rPr lang="en-US" sz="1700" dirty="0">
+                <a:solidFill>
+                  <a:srgbClr val="000000"/>
+                </a:solidFill>
+                <a:highlight>
+                  <a:srgbClr val="FFFFFF"/>
+                </a:highlight>
+                <a:latin typeface="Consolas" panose="020B0609020204030204" pitchFamily="49" charset="0"/>
+              </a:rPr>
+              <a:t> | </a:t>
+            </a:r>
+            <a:r>
+              <a:rPr lang="en-US" sz="1700" dirty="0">
+                <a:solidFill>
+                  <a:srgbClr val="A31515"/>
+                </a:solidFill>
+                <a:highlight>
+                  <a:srgbClr val="FFFFFF"/>
+                </a:highlight>
+                <a:latin typeface="Consolas" panose="020B0609020204030204" pitchFamily="49" charset="0"/>
+              </a:rPr>
+              <a:t>'unknown'</a:t>
+            </a:r>
+            <a:r>
+              <a:rPr lang="en-US" sz="1700" dirty="0">
+                <a:solidFill>
+                  <a:srgbClr val="000000"/>
+                </a:solidFill>
+                <a:highlight>
+                  <a:srgbClr val="FFFFFF"/>
+                </a:highlight>
+                <a:latin typeface="Consolas" panose="020B0609020204030204" pitchFamily="49" charset="0"/>
+              </a:rPr>
+              <a:t>)? </a:t>
+            </a:r>
+            <a:r>
+              <a:rPr lang="en-US" sz="1700" dirty="0">
+                <a:solidFill>
+                  <a:srgbClr val="A31515"/>
+                </a:solidFill>
+                <a:highlight>
+                  <a:srgbClr val="FFFFFF"/>
+                </a:highlight>
+                <a:latin typeface="Consolas" panose="020B0609020204030204" pitchFamily="49" charset="0"/>
+              </a:rPr>
+              <a:t>'['</a:t>
+            </a:r>
+            <a:r>
+              <a:rPr lang="en-US" sz="1700" dirty="0">
+                <a:solidFill>
+                  <a:srgbClr val="000000"/>
+                </a:solidFill>
+                <a:highlight>
+                  <a:srgbClr val="FFFFFF"/>
+                </a:highlight>
+                <a:latin typeface="Consolas" panose="020B0609020204030204" pitchFamily="49" charset="0"/>
+              </a:rPr>
+              <a:t> </a:t>
+            </a:r>
+            <a:r>
+              <a:rPr lang="en-US" sz="1700" dirty="0" err="1">
+                <a:solidFill>
+                  <a:srgbClr val="6A5ACD"/>
+                </a:solidFill>
+                <a:highlight>
+                  <a:srgbClr val="FFFFFF"/>
+                </a:highlight>
+                <a:latin typeface="Consolas" panose="020B0609020204030204" pitchFamily="49" charset="0"/>
+              </a:rPr>
+              <a:t>topicType</a:t>
+            </a:r>
+            <a:r>
+              <a:rPr lang="en-US" sz="1700" dirty="0">
+                <a:solidFill>
+                  <a:srgbClr val="000000"/>
+                </a:solidFill>
+                <a:highlight>
+                  <a:srgbClr val="FFFFFF"/>
+                </a:highlight>
+                <a:latin typeface="Consolas" panose="020B0609020204030204" pitchFamily="49" charset="0"/>
+              </a:rPr>
+              <a:t> (</a:t>
+            </a:r>
+            <a:r>
+              <a:rPr lang="en-US" sz="1700" dirty="0">
+                <a:solidFill>
+                  <a:srgbClr val="A31515"/>
+                </a:solidFill>
+                <a:highlight>
+                  <a:srgbClr val="FFFFFF"/>
+                </a:highlight>
+                <a:latin typeface="Consolas" panose="020B0609020204030204" pitchFamily="49" charset="0"/>
+              </a:rPr>
+              <a:t>','</a:t>
+            </a:r>
+            <a:r>
+              <a:rPr lang="en-US" sz="1700" dirty="0">
+                <a:solidFill>
+                  <a:srgbClr val="000000"/>
+                </a:solidFill>
+                <a:highlight>
+                  <a:srgbClr val="FFFFFF"/>
+                </a:highlight>
+                <a:latin typeface="Consolas" panose="020B0609020204030204" pitchFamily="49" charset="0"/>
+              </a:rPr>
+              <a:t> </a:t>
+            </a:r>
+            <a:r>
+              <a:rPr lang="en-US" sz="1700" dirty="0" err="1">
+                <a:solidFill>
+                  <a:srgbClr val="6A5ACD"/>
+                </a:solidFill>
+                <a:highlight>
+                  <a:srgbClr val="FFFFFF"/>
+                </a:highlight>
+                <a:latin typeface="Consolas" panose="020B0609020204030204" pitchFamily="49" charset="0"/>
+              </a:rPr>
+              <a:t>activityType</a:t>
+            </a:r>
+            <a:r>
+              <a:rPr lang="en-US" sz="1700" dirty="0">
+                <a:solidFill>
+                  <a:srgbClr val="000000"/>
+                </a:solidFill>
+                <a:highlight>
+                  <a:srgbClr val="FFFFFF"/>
+                </a:highlight>
+                <a:latin typeface="Consolas" panose="020B0609020204030204" pitchFamily="49" charset="0"/>
+              </a:rPr>
+              <a:t>)? </a:t>
+            </a:r>
+            <a:r>
+              <a:rPr lang="en-US" sz="1700" dirty="0">
+                <a:solidFill>
+                  <a:srgbClr val="A31515"/>
+                </a:solidFill>
+                <a:highlight>
+                  <a:srgbClr val="FFFFFF"/>
+                </a:highlight>
+                <a:latin typeface="Consolas" panose="020B0609020204030204" pitchFamily="49" charset="0"/>
+              </a:rPr>
+              <a:t>']'</a:t>
+            </a:r>
+            <a:r>
+              <a:rPr lang="en-US" sz="1700" dirty="0">
+                <a:solidFill>
+                  <a:srgbClr val="000000"/>
+                </a:solidFill>
+                <a:highlight>
+                  <a:srgbClr val="FFFFFF"/>
+                </a:highlight>
+                <a:latin typeface="Consolas" panose="020B0609020204030204" pitchFamily="49" charset="0"/>
+              </a:rPr>
+              <a:t>;</a:t>
+            </a:r>
+            <a:endParaRPr lang="en-US" sz="1700" dirty="0" smtClean="0"/>
+          </a:p>
+          <a:p>
+            <a:pPr lvl="1"/>
+            <a:r>
+              <a:rPr lang="en-US" sz="2200" dirty="0">
+                <a:solidFill>
+                  <a:srgbClr val="000000"/>
+                </a:solidFill>
+                <a:highlight>
+                  <a:srgbClr val="FFFFFF"/>
+                </a:highlight>
+                <a:latin typeface="Consolas" panose="020B0609020204030204" pitchFamily="49" charset="0"/>
+              </a:rPr>
+              <a:t>[Encounter, Performed</a:t>
+            </a:r>
+            <a:r>
+              <a:rPr lang="en-US" sz="2200" dirty="0" smtClean="0">
+                <a:solidFill>
+                  <a:srgbClr val="000000"/>
+                </a:solidFill>
+                <a:highlight>
+                  <a:srgbClr val="FFFFFF"/>
+                </a:highlight>
+                <a:latin typeface="Consolas" panose="020B0609020204030204" pitchFamily="49" charset="0"/>
+              </a:rPr>
+              <a:t>]</a:t>
+            </a:r>
+          </a:p>
+          <a:p>
+            <a:pPr lvl="1"/>
+            <a:r>
+              <a:rPr lang="en-US" sz="2200" dirty="0">
+                <a:solidFill>
+                  <a:srgbClr val="0000FF"/>
+                </a:solidFill>
+                <a:highlight>
+                  <a:srgbClr val="FFFFFF"/>
+                </a:highlight>
+                <a:latin typeface="Consolas" panose="020B0609020204030204" pitchFamily="49" charset="0"/>
+              </a:rPr>
+              <a:t>no</a:t>
+            </a:r>
+            <a:r>
+              <a:rPr lang="en-US" sz="2200" dirty="0">
+                <a:solidFill>
+                  <a:srgbClr val="000000"/>
+                </a:solidFill>
+                <a:highlight>
+                  <a:srgbClr val="FFFFFF"/>
+                </a:highlight>
+                <a:latin typeface="Consolas" panose="020B0609020204030204" pitchFamily="49" charset="0"/>
+              </a:rPr>
+              <a:t> [Procedure, Proposal</a:t>
+            </a:r>
+            <a:r>
+              <a:rPr lang="en-US" sz="2200" dirty="0" smtClean="0">
+                <a:solidFill>
+                  <a:srgbClr val="000000"/>
+                </a:solidFill>
+                <a:highlight>
+                  <a:srgbClr val="FFFFFF"/>
+                </a:highlight>
+                <a:latin typeface="Consolas" panose="020B0609020204030204" pitchFamily="49" charset="0"/>
+              </a:rPr>
+              <a:t>]</a:t>
+            </a:r>
+          </a:p>
+          <a:p>
+            <a:pPr lvl="1"/>
+            <a:r>
+              <a:rPr lang="en-US" sz="2200" dirty="0">
+                <a:solidFill>
+                  <a:srgbClr val="0000FF"/>
+                </a:solidFill>
+                <a:highlight>
+                  <a:srgbClr val="FFFFFF"/>
+                </a:highlight>
+                <a:latin typeface="Consolas" panose="020B0609020204030204" pitchFamily="49" charset="0"/>
+              </a:rPr>
+              <a:t>unknown</a:t>
+            </a:r>
+            <a:r>
+              <a:rPr lang="en-US" sz="2200" dirty="0">
+                <a:solidFill>
+                  <a:srgbClr val="000000"/>
+                </a:solidFill>
+                <a:highlight>
+                  <a:srgbClr val="FFFFFF"/>
+                </a:highlight>
+                <a:latin typeface="Consolas" panose="020B0609020204030204" pitchFamily="49" charset="0"/>
+              </a:rPr>
+              <a:t> [</a:t>
+            </a:r>
+            <a:r>
+              <a:rPr lang="en-US" sz="2200" dirty="0" err="1">
+                <a:solidFill>
+                  <a:srgbClr val="000000"/>
+                </a:solidFill>
+                <a:highlight>
+                  <a:srgbClr val="FFFFFF"/>
+                </a:highlight>
+                <a:latin typeface="Consolas" panose="020B0609020204030204" pitchFamily="49" charset="0"/>
+              </a:rPr>
+              <a:t>DeviceUse</a:t>
+            </a:r>
+            <a:r>
+              <a:rPr lang="en-US" sz="2200" dirty="0">
+                <a:solidFill>
+                  <a:srgbClr val="000000"/>
+                </a:solidFill>
+                <a:highlight>
+                  <a:srgbClr val="FFFFFF"/>
+                </a:highlight>
+                <a:latin typeface="Consolas" panose="020B0609020204030204" pitchFamily="49" charset="0"/>
+              </a:rPr>
+              <a:t>]</a:t>
+            </a:r>
+            <a:endParaRPr lang="en-US" sz="2200" dirty="0" smtClean="0"/>
+          </a:p>
+          <a:p>
+            <a:r>
               <a:rPr lang="en-US" dirty="0" smtClean="0"/>
-              <a:t>a Topic, either an Observable, or an Action</a:t>
-            </a:r>
+              <a:t>Optionally filter by Code</a:t>
+            </a:r>
+          </a:p>
+          <a:p>
+            <a:pPr lvl="1"/>
+            <a:r>
+              <a:rPr lang="en-US" sz="2200" dirty="0">
+                <a:solidFill>
+                  <a:srgbClr val="000000"/>
+                </a:solidFill>
+                <a:highlight>
+                  <a:srgbClr val="FFFFFF"/>
+                </a:highlight>
+                <a:latin typeface="Consolas" panose="020B0609020204030204" pitchFamily="49" charset="0"/>
+              </a:rPr>
+              <a:t>[Encounter, Performed: </a:t>
+            </a:r>
+            <a:r>
+              <a:rPr lang="en-US" sz="2200" dirty="0">
+                <a:solidFill>
+                  <a:srgbClr val="A31515"/>
+                </a:solidFill>
+                <a:highlight>
+                  <a:srgbClr val="FFFFFF"/>
+                </a:highlight>
+                <a:latin typeface="Consolas" panose="020B0609020204030204" pitchFamily="49" charset="0"/>
+              </a:rPr>
+              <a:t>"Inpatient"</a:t>
+            </a:r>
+            <a:r>
+              <a:rPr lang="en-US" sz="2200" dirty="0">
+                <a:solidFill>
+                  <a:srgbClr val="000000"/>
+                </a:solidFill>
+                <a:highlight>
+                  <a:srgbClr val="FFFFFF"/>
+                </a:highlight>
+                <a:latin typeface="Consolas" panose="020B0609020204030204" pitchFamily="49" charset="0"/>
+              </a:rPr>
+              <a:t>]</a:t>
+            </a:r>
+            <a:endParaRPr lang="en-US" sz="2200" dirty="0" smtClean="0"/>
           </a:p>
           <a:p>
             <a:r>
               <a:rPr lang="en-US" dirty="0" smtClean="0"/>
-              <a:t>Observables:</a:t>
+              <a:t>Optionally filter by Date Range</a:t>
             </a:r>
           </a:p>
           <a:p>
             <a:pPr lvl="1"/>
             <a:r>
-              <a:rPr lang="en-US" dirty="0" smtClean="0"/>
-              <a:t>Condition, Prognosis, </a:t>
-            </a:r>
-            <a:r>
-              <a:rPr lang="en-US" dirty="0" err="1" smtClean="0"/>
-              <a:t>ObservationResult</a:t>
-            </a:r>
-            <a:r>
-              <a:rPr lang="en-US" dirty="0" smtClean="0"/>
-              <a:t>, etc.</a:t>
-            </a:r>
-          </a:p>
-          <a:p>
-            <a:r>
-              <a:rPr lang="en-US" dirty="0" smtClean="0"/>
-              <a:t>Actions:</a:t>
-            </a:r>
-          </a:p>
-          <a:p>
-            <a:pPr lvl="1"/>
-            <a:r>
-              <a:rPr lang="en-US" dirty="0" smtClean="0"/>
-              <a:t>Procedure, Medication Administration, etc.</a:t>
-            </a:r>
-          </a:p>
-          <a:p>
-            <a:r>
-              <a:rPr lang="en-US" dirty="0" smtClean="0"/>
-              <a:t>In addition, Actions have Modality:</a:t>
-            </a:r>
-          </a:p>
-          <a:p>
-            <a:pPr lvl="1"/>
-            <a:r>
-              <a:rPr lang="en-US" dirty="0" smtClean="0"/>
-              <a:t>Proposed, Ordered, Performed, etc.</a:t>
-            </a:r>
+              <a:rPr lang="en-US" sz="2200" dirty="0">
+                <a:solidFill>
+                  <a:srgbClr val="000000"/>
+                </a:solidFill>
+                <a:highlight>
+                  <a:srgbClr val="FFFFFF"/>
+                </a:highlight>
+                <a:latin typeface="Consolas" panose="020B0609020204030204" pitchFamily="49" charset="0"/>
+              </a:rPr>
+              <a:t>[Encounter, Performed: </a:t>
+            </a:r>
+            <a:r>
+              <a:rPr lang="en-US" sz="2200" dirty="0">
+                <a:solidFill>
+                  <a:srgbClr val="0000FF"/>
+                </a:solidFill>
+                <a:highlight>
+                  <a:srgbClr val="FFFFFF"/>
+                </a:highlight>
+                <a:latin typeface="Consolas" panose="020B0609020204030204" pitchFamily="49" charset="0"/>
+              </a:rPr>
+              <a:t>during</a:t>
+            </a:r>
+            <a:r>
+              <a:rPr lang="en-US" sz="2200" dirty="0">
+                <a:solidFill>
+                  <a:srgbClr val="000000"/>
+                </a:solidFill>
+                <a:highlight>
+                  <a:srgbClr val="FFFFFF"/>
+                </a:highlight>
+                <a:latin typeface="Consolas" panose="020B0609020204030204" pitchFamily="49" charset="0"/>
+              </a:rPr>
+              <a:t> </a:t>
+            </a:r>
+            <a:r>
+              <a:rPr lang="en-US" sz="2200" dirty="0" err="1">
+                <a:solidFill>
+                  <a:srgbClr val="000000"/>
+                </a:solidFill>
+                <a:highlight>
+                  <a:srgbClr val="FFFFFF"/>
+                </a:highlight>
+                <a:latin typeface="Consolas" panose="020B0609020204030204" pitchFamily="49" charset="0"/>
+              </a:rPr>
+              <a:t>MeasurementPeriod</a:t>
+            </a:r>
+            <a:r>
+              <a:rPr lang="en-US" sz="2200" dirty="0">
+                <a:solidFill>
+                  <a:srgbClr val="000000"/>
+                </a:solidFill>
+                <a:highlight>
+                  <a:srgbClr val="FFFFFF"/>
+                </a:highlight>
+                <a:latin typeface="Consolas" panose="020B0609020204030204" pitchFamily="49" charset="0"/>
+              </a:rPr>
+              <a:t>]</a:t>
+            </a:r>
+            <a:endParaRPr lang="en-US" sz="2200" dirty="0" smtClean="0"/>
           </a:p>
         </p:txBody>
       </p:sp>
     </p:spTree>
     <p:extLst>
       <p:ext uri="{BB962C8B-B14F-4D97-AF65-F5344CB8AC3E}">
-        <p14:creationId xmlns:p14="http://schemas.microsoft.com/office/powerpoint/2010/main" val="4009849041"/>
+        <p14:creationId xmlns:p14="http://schemas.microsoft.com/office/powerpoint/2010/main" val="559777000"/>
       </p:ext>
     </p:extLst>
   </p:cSld>
@@ -8657,7 +9370,7 @@
           <a:p>
             <a:r>
               <a:rPr lang="en-US" dirty="0" smtClean="0"/>
-              <a:t>Retrieve</a:t>
+              <a:t>Data Types</a:t>
             </a:r>
             <a:endParaRPr lang="en-US" dirty="0"/>
           </a:p>
@@ -8676,32 +9389,79 @@
         <p:spPr/>
         <p:txBody>
           <a:bodyPr>
-            <a:normAutofit fontScale="92500"/>
+            <a:normAutofit fontScale="70000" lnSpcReduction="20000"/>
           </a:bodyPr>
           <a:lstStyle/>
           <a:p>
             <a:r>
               <a:rPr lang="en-US" dirty="0" smtClean="0"/>
-              <a:t>Retrieves information from the data layer</a:t>
+              <a:t>Simple Types</a:t>
             </a:r>
           </a:p>
           <a:p>
             <a:pPr lvl="1"/>
             <a:r>
               <a:rPr lang="en-US" dirty="0" smtClean="0"/>
-              <a:t>Respects current context (PATIENT, ENCOUNTER)</a:t>
-            </a:r>
+              <a:t>Boolean, String, Number, Date/Time</a:t>
+            </a:r>
+          </a:p>
+          <a:p>
+            <a:pPr lvl="1"/>
+            <a:r>
+              <a:rPr lang="en-US" dirty="0" smtClean="0">
+                <a:solidFill>
+                  <a:srgbClr val="000000"/>
+                </a:solidFill>
+                <a:highlight>
+                  <a:srgbClr val="FFFFFF"/>
+                </a:highlight>
+                <a:latin typeface="Consolas" panose="020B0609020204030204" pitchFamily="49" charset="0"/>
+              </a:rPr>
+              <a:t>true</a:t>
+            </a:r>
+            <a:r>
+              <a:rPr lang="en-US" dirty="0">
+                <a:solidFill>
+                  <a:srgbClr val="000000"/>
+                </a:solidFill>
+                <a:highlight>
+                  <a:srgbClr val="FFFFFF"/>
+                </a:highlight>
+                <a:latin typeface="Consolas" panose="020B0609020204030204" pitchFamily="49" charset="0"/>
+              </a:rPr>
+              <a:t>, 16, </a:t>
+            </a:r>
+            <a:r>
+              <a:rPr lang="en-US" dirty="0">
+                <a:solidFill>
+                  <a:srgbClr val="A31515"/>
+                </a:solidFill>
+                <a:highlight>
+                  <a:srgbClr val="FFFFFF"/>
+                </a:highlight>
+                <a:latin typeface="Consolas" panose="020B0609020204030204" pitchFamily="49" charset="0"/>
+              </a:rPr>
+              <a:t>"female"</a:t>
+            </a:r>
+            <a:endParaRPr lang="en-US" dirty="0" smtClean="0"/>
           </a:p>
           <a:p>
             <a:r>
               <a:rPr lang="en-US" dirty="0" smtClean="0"/>
-              <a:t>Specified in terms of Data Model</a:t>
+              <a:t>Clinical Types</a:t>
             </a:r>
           </a:p>
           <a:p>
             <a:pPr lvl="1"/>
             <a:r>
-              <a:rPr lang="en-US" sz="2200" dirty="0">
+              <a:rPr lang="en-US" dirty="0" smtClean="0"/>
+              <a:t>Quantities, Value Sets</a:t>
+            </a:r>
+          </a:p>
+          <a:p>
+            <a:pPr lvl="1"/>
+            <a:r>
+              <a:rPr lang="en-US" dirty="0">
                 <a:solidFill>
                   <a:srgbClr val="000000"/>
                 </a:solidFill>
@@ -8710,10 +9470,110 @@
                 </a:highlight>
                 <a:latin typeface="Consolas" panose="020B0609020204030204" pitchFamily="49" charset="0"/>
               </a:rPr>
+              <a:t>3 </a:t>
+            </a:r>
+            <a:r>
+              <a:rPr lang="en-US" dirty="0">
+                <a:solidFill>
+                  <a:srgbClr val="0000FF"/>
+                </a:solidFill>
+                <a:highlight>
+                  <a:srgbClr val="FFFFFF"/>
+                </a:highlight>
+                <a:latin typeface="Consolas" panose="020B0609020204030204" pitchFamily="49" charset="0"/>
+              </a:rPr>
+              <a:t>months</a:t>
+            </a:r>
+            <a:r>
+              <a:rPr lang="en-US" dirty="0">
+                <a:solidFill>
+                  <a:srgbClr val="000000"/>
+                </a:solidFill>
+                <a:highlight>
+                  <a:srgbClr val="FFFFFF"/>
+                </a:highlight>
+                <a:latin typeface="Consolas" panose="020B0609020204030204" pitchFamily="49" charset="0"/>
+              </a:rPr>
+              <a:t>, 6 </a:t>
+            </a:r>
+            <a:r>
+              <a:rPr lang="en-US" dirty="0" err="1">
+                <a:solidFill>
+                  <a:srgbClr val="000000"/>
+                </a:solidFill>
+                <a:highlight>
+                  <a:srgbClr val="FFFFFF"/>
+                </a:highlight>
+                <a:latin typeface="Consolas" panose="020B0609020204030204" pitchFamily="49" charset="0"/>
+              </a:rPr>
+              <a:t>u</a:t>
+            </a:r>
+            <a:r>
+              <a:rPr lang="en-US" dirty="0" err="1">
+                <a:solidFill>
+                  <a:srgbClr val="A31515"/>
+                </a:solidFill>
+                <a:highlight>
+                  <a:srgbClr val="FFFFFF"/>
+                </a:highlight>
+                <a:latin typeface="Consolas" panose="020B0609020204030204" pitchFamily="49" charset="0"/>
+              </a:rPr>
+              <a:t>"gm</a:t>
+            </a:r>
+            <a:r>
+              <a:rPr lang="en-US" dirty="0">
+                <a:solidFill>
+                  <a:srgbClr val="A31515"/>
+                </a:solidFill>
+                <a:highlight>
+                  <a:srgbClr val="FFFFFF"/>
+                </a:highlight>
+                <a:latin typeface="Consolas" panose="020B0609020204030204" pitchFamily="49" charset="0"/>
+              </a:rPr>
+              <a:t>/cm3"</a:t>
+            </a:r>
+            <a:endParaRPr lang="en-US" dirty="0" smtClean="0"/>
+          </a:p>
+          <a:p>
+            <a:r>
+              <a:rPr lang="en-US" dirty="0" smtClean="0"/>
+              <a:t>Structured Types</a:t>
+            </a:r>
+          </a:p>
+          <a:p>
+            <a:pPr lvl="1"/>
+            <a:r>
+              <a:rPr lang="en-US" dirty="0" smtClean="0"/>
+              <a:t>Model Classes, Tuples</a:t>
+            </a:r>
+          </a:p>
+          <a:p>
+            <a:pPr lvl="1"/>
+            <a:r>
+              <a:rPr lang="en-US" dirty="0"/>
               <a:t>[Encounter, Performed</a:t>
             </a:r>
             <a:r>
-              <a:rPr lang="en-US" sz="2200" dirty="0" smtClean="0">
+              <a:rPr lang="en-US" dirty="0" smtClean="0"/>
+              <a:t>]</a:t>
+            </a:r>
+          </a:p>
+          <a:p>
+            <a:pPr lvl="1"/>
+            <a:r>
+              <a:rPr lang="en-US" dirty="0">
+                <a:solidFill>
+                  <a:srgbClr val="0000FF"/>
+                </a:solidFill>
+                <a:highlight>
+                  <a:srgbClr val="FFFFFF"/>
+                </a:highlight>
+                <a:latin typeface="Consolas" panose="020B0609020204030204" pitchFamily="49" charset="0"/>
+              </a:rPr>
+              <a:t>tuple</a:t>
+            </a:r>
+            <a:r>
+              <a:rPr lang="en-US" dirty="0">
                 <a:solidFill>
                   <a:srgbClr val="000000"/>
                 </a:solidFill>
@@ -8722,13 +9582,66 @@
                 </a:highlight>
                 <a:latin typeface="Consolas" panose="020B0609020204030204" pitchFamily="49" charset="0"/>
               </a:rPr>
-              <a:t>]</a:t>
+              <a:t> { Name: </a:t>
+            </a:r>
+            <a:r>
+              <a:rPr lang="en-US" dirty="0">
+                <a:solidFill>
+                  <a:srgbClr val="A31515"/>
+                </a:solidFill>
+                <a:highlight>
+                  <a:srgbClr val="FFFFFF"/>
+                </a:highlight>
+                <a:latin typeface="Consolas" panose="020B0609020204030204" pitchFamily="49" charset="0"/>
+              </a:rPr>
+              <a:t>"Patrick"</a:t>
+            </a:r>
+            <a:r>
+              <a:rPr lang="en-US" dirty="0">
+                <a:solidFill>
+                  <a:srgbClr val="000000"/>
+                </a:solidFill>
+                <a:highlight>
+                  <a:srgbClr val="FFFFFF"/>
+                </a:highlight>
+                <a:latin typeface="Consolas" panose="020B0609020204030204" pitchFamily="49" charset="0"/>
+              </a:rPr>
+              <a:t>, DOB: Date(2014, 1, 1) }</a:t>
+            </a:r>
+            <a:endParaRPr lang="en-US" dirty="0" smtClean="0"/>
+          </a:p>
+          <a:p>
+            <a:r>
+              <a:rPr lang="en-US" dirty="0" smtClean="0"/>
+              <a:t>List Types</a:t>
             </a:r>
           </a:p>
           <a:p>
             <a:pPr lvl="1"/>
             <a:r>
-              <a:rPr lang="en-US" sz="2200" dirty="0">
+              <a:rPr lang="en-US" dirty="0">
+                <a:solidFill>
+                  <a:srgbClr val="000000"/>
+                </a:solidFill>
+                <a:highlight>
+                  <a:srgbClr val="FFFFFF"/>
+                </a:highlight>
+                <a:latin typeface="Consolas" panose="020B0609020204030204" pitchFamily="49" charset="0"/>
+              </a:rPr>
+              <a:t>{ 1, 2, 3, 4, 5 }</a:t>
+            </a:r>
+            <a:endParaRPr lang="en-US" dirty="0" smtClean="0"/>
+          </a:p>
+          <a:p>
+            <a:r>
+              <a:rPr lang="en-US" dirty="0" smtClean="0"/>
+              <a:t>Interval Types</a:t>
+            </a:r>
+          </a:p>
+          <a:p>
+            <a:pPr lvl="1"/>
+            <a:r>
+              <a:rPr lang="en-US" dirty="0">
                 <a:solidFill>
                   <a:srgbClr val="0000FF"/>
                 </a:solidFill>
@@ -8737,10 +9650,10 @@
                 </a:highlight>
                 <a:latin typeface="Consolas" panose="020B0609020204030204" pitchFamily="49" charset="0"/>
               </a:rPr>
-              <a:t>no</a:t>
-            </a:r>
-            <a:r>
-              <a:rPr lang="en-US" sz="2200" dirty="0">
+              <a:t>interval</a:t>
+            </a:r>
+            <a:r>
+              <a:rPr lang="en-US" dirty="0">
                 <a:solidFill>
                   <a:srgbClr val="000000"/>
                 </a:solidFill>
@@ -8749,10 +9662,22 @@
                 </a:highlight>
                 <a:latin typeface="Consolas" panose="020B0609020204030204" pitchFamily="49" charset="0"/>
               </a:rPr>
-              <a:t> [Procedure, Proposal</a:t>
-            </a:r>
-            <a:r>
-              <a:rPr lang="en-US" sz="2200" dirty="0" smtClean="0">
+              <a:t>[today - 1 </a:t>
+            </a:r>
+            <a:r>
+              <a:rPr lang="en-US" dirty="0">
+                <a:solidFill>
+                  <a:srgbClr val="0000FF"/>
+                </a:solidFill>
+                <a:highlight>
+                  <a:srgbClr val="FFFFFF"/>
+                </a:highlight>
+                <a:latin typeface="Consolas" panose="020B0609020204030204" pitchFamily="49" charset="0"/>
+              </a:rPr>
+              <a:t>years</a:t>
+            </a:r>
+            <a:r>
+              <a:rPr lang="en-US" dirty="0">
                 <a:solidFill>
                   <a:srgbClr val="000000"/>
                 </a:solidFill>
@@ -8761,25 +9686,10 @@
                 </a:highlight>
                 <a:latin typeface="Consolas" panose="020B0609020204030204" pitchFamily="49" charset="0"/>
               </a:rPr>
-              <a:t>]</a:t>
-            </a:r>
-          </a:p>
-          <a:p>
-            <a:pPr lvl="1"/>
-            <a:r>
-              <a:rPr lang="en-US" sz="2200" dirty="0">
-                <a:solidFill>
-                  <a:srgbClr val="0000FF"/>
-                </a:solidFill>
-                <a:highlight>
-                  <a:srgbClr val="FFFFFF"/>
-                </a:highlight>
-                <a:latin typeface="Consolas" panose="020B0609020204030204" pitchFamily="49" charset="0"/>
-              </a:rPr>
-              <a:t>unknown</a:t>
-            </a:r>
-            <a:r>
-              <a:rPr lang="en-US" sz="2200" dirty="0">
+              <a:t>, </a:t>
+            </a:r>
+            <a:r>
+              <a:rPr lang="en-US" dirty="0" smtClean="0">
                 <a:solidFill>
                   <a:srgbClr val="000000"/>
                 </a:solidFill>
@@ -8788,156 +9698,16 @@
                 </a:highlight>
                 <a:latin typeface="Consolas" panose="020B0609020204030204" pitchFamily="49" charset="0"/>
               </a:rPr>
-              <a:t> [</a:t>
-            </a:r>
-            <a:r>
-              <a:rPr lang="en-US" sz="2200" dirty="0" err="1">
-                <a:solidFill>
-                  <a:srgbClr val="000000"/>
-                </a:solidFill>
-                <a:highlight>
-                  <a:srgbClr val="FFFFFF"/>
-                </a:highlight>
-                <a:latin typeface="Consolas" panose="020B0609020204030204" pitchFamily="49" charset="0"/>
-              </a:rPr>
-              <a:t>DeviceUse</a:t>
-            </a:r>
-            <a:r>
-              <a:rPr lang="en-US" sz="2200" dirty="0">
-                <a:solidFill>
-                  <a:srgbClr val="000000"/>
-                </a:solidFill>
-                <a:highlight>
-                  <a:srgbClr val="FFFFFF"/>
-                </a:highlight>
-                <a:latin typeface="Consolas" panose="020B0609020204030204" pitchFamily="49" charset="0"/>
-              </a:rPr>
-              <a:t>]</a:t>
-            </a:r>
-            <a:endParaRPr lang="en-US" sz="2200" dirty="0" smtClean="0"/>
-          </a:p>
-          <a:p>
-            <a:r>
-              <a:rPr lang="en-US" dirty="0" smtClean="0"/>
-              <a:t>Optionally filter by Code</a:t>
-            </a:r>
-          </a:p>
-          <a:p>
-            <a:pPr lvl="1"/>
-            <a:r>
-              <a:rPr lang="en-US" sz="2200" dirty="0">
-                <a:solidFill>
-                  <a:srgbClr val="000000"/>
-                </a:solidFill>
-                <a:highlight>
-                  <a:srgbClr val="FFFFFF"/>
-                </a:highlight>
-                <a:latin typeface="Consolas" panose="020B0609020204030204" pitchFamily="49" charset="0"/>
-              </a:rPr>
-              <a:t>[Encounter, Performed: </a:t>
-            </a:r>
-            <a:r>
-              <a:rPr lang="en-US" sz="2200" dirty="0">
-                <a:solidFill>
-                  <a:srgbClr val="A31515"/>
-                </a:solidFill>
-                <a:highlight>
-                  <a:srgbClr val="FFFFFF"/>
-                </a:highlight>
-                <a:latin typeface="Consolas" panose="020B0609020204030204" pitchFamily="49" charset="0"/>
-              </a:rPr>
-              <a:t>"Inpatient"</a:t>
-            </a:r>
-            <a:r>
-              <a:rPr lang="en-US" sz="2200" dirty="0">
-                <a:solidFill>
-                  <a:srgbClr val="000000"/>
-                </a:solidFill>
-                <a:highlight>
-                  <a:srgbClr val="FFFFFF"/>
-                </a:highlight>
-                <a:latin typeface="Consolas" panose="020B0609020204030204" pitchFamily="49" charset="0"/>
-              </a:rPr>
-              <a:t>]</a:t>
-            </a:r>
-            <a:endParaRPr lang="en-US" sz="2200" dirty="0" smtClean="0"/>
-          </a:p>
-          <a:p>
-            <a:r>
-              <a:rPr lang="en-US" dirty="0" smtClean="0"/>
-              <a:t>Optionally filter by Date Range</a:t>
-            </a:r>
-          </a:p>
-          <a:p>
-            <a:pPr lvl="1"/>
-            <a:r>
-              <a:rPr lang="en-US" sz="2200" dirty="0">
-                <a:solidFill>
-                  <a:srgbClr val="000000"/>
-                </a:solidFill>
-                <a:highlight>
-                  <a:srgbClr val="FFFFFF"/>
-                </a:highlight>
-                <a:latin typeface="Consolas" panose="020B0609020204030204" pitchFamily="49" charset="0"/>
-              </a:rPr>
-              <a:t>[Encounter, Performed: </a:t>
-            </a:r>
-            <a:r>
-              <a:rPr lang="en-US" sz="2200" dirty="0">
-                <a:solidFill>
-                  <a:srgbClr val="0000FF"/>
-                </a:solidFill>
-                <a:highlight>
-                  <a:srgbClr val="FFFFFF"/>
-                </a:highlight>
-                <a:latin typeface="Consolas" panose="020B0609020204030204" pitchFamily="49" charset="0"/>
-              </a:rPr>
-              <a:t>during</a:t>
-            </a:r>
-            <a:r>
-              <a:rPr lang="en-US" sz="2200" dirty="0">
-                <a:solidFill>
-                  <a:srgbClr val="000000"/>
-                </a:solidFill>
-                <a:highlight>
-                  <a:srgbClr val="FFFFFF"/>
-                </a:highlight>
-                <a:latin typeface="Consolas" panose="020B0609020204030204" pitchFamily="49" charset="0"/>
-              </a:rPr>
-              <a:t> </a:t>
-            </a:r>
-            <a:r>
-              <a:rPr lang="en-US" sz="2200" dirty="0" err="1">
-                <a:solidFill>
-                  <a:srgbClr val="000000"/>
-                </a:solidFill>
-                <a:highlight>
-                  <a:srgbClr val="FFFFFF"/>
-                </a:highlight>
-                <a:latin typeface="Consolas" panose="020B0609020204030204" pitchFamily="49" charset="0"/>
-              </a:rPr>
-              <a:t>MeasurementPeriod</a:t>
-            </a:r>
-            <a:r>
-              <a:rPr lang="en-US" sz="2200" dirty="0">
-                <a:solidFill>
-                  <a:srgbClr val="000000"/>
-                </a:solidFill>
-                <a:highlight>
-                  <a:srgbClr val="FFFFFF"/>
-                </a:highlight>
-                <a:latin typeface="Consolas" panose="020B0609020204030204" pitchFamily="49" charset="0"/>
-              </a:rPr>
-              <a:t>]</a:t>
-            </a:r>
-            <a:endParaRPr lang="en-US" sz="2200" dirty="0" smtClean="0"/>
+              <a:t>today]</a:t>
+            </a:r>
+            <a:endParaRPr lang="en-US" dirty="0"/>
           </a:p>
         </p:txBody>
       </p:sp>
     </p:spTree>
     <p:extLst>
       <p:ext uri="{BB962C8B-B14F-4D97-AF65-F5344CB8AC3E}">
-        <p14:creationId xmlns:p14="http://schemas.microsoft.com/office/powerpoint/2010/main" val="559777000"/>
+        <p14:creationId xmlns:p14="http://schemas.microsoft.com/office/powerpoint/2010/main" val="259495496"/>
       </p:ext>
     </p:extLst>
   </p:cSld>

--- a/CQL/Documents/CQL_Technical_Introduction_20140604.pptx
+++ b/CQL/Documents/CQL_Technical_Introduction_20140604.pptx
@@ -327,7 +327,7 @@
           <a:p>
             <a:fld id="{AE358F06-F08A-4581-9382-C6FEB46FADBD}" type="datetimeFigureOut">
               <a:rPr lang="en-US" smtClean="0"/>
-              <a:t>6/10/2014</a:t>
+              <a:t>6/13/2014</a:t>
             </a:fld>
             <a:endParaRPr lang="en-US"/>
           </a:p>
@@ -497,7 +497,7 @@
           <a:p>
             <a:fld id="{AE358F06-F08A-4581-9382-C6FEB46FADBD}" type="datetimeFigureOut">
               <a:rPr lang="en-US" smtClean="0"/>
-              <a:t>6/10/2014</a:t>
+              <a:t>6/13/2014</a:t>
             </a:fld>
             <a:endParaRPr lang="en-US"/>
           </a:p>
@@ -677,7 +677,7 @@
           <a:p>
             <a:fld id="{AE358F06-F08A-4581-9382-C6FEB46FADBD}" type="datetimeFigureOut">
               <a:rPr lang="en-US" smtClean="0"/>
-              <a:t>6/10/2014</a:t>
+              <a:t>6/13/2014</a:t>
             </a:fld>
             <a:endParaRPr lang="en-US"/>
           </a:p>
@@ -847,7 +847,7 @@
           <a:p>
             <a:fld id="{AE358F06-F08A-4581-9382-C6FEB46FADBD}" type="datetimeFigureOut">
               <a:rPr lang="en-US" smtClean="0"/>
-              <a:t>6/10/2014</a:t>
+              <a:t>6/13/2014</a:t>
             </a:fld>
             <a:endParaRPr lang="en-US"/>
           </a:p>
@@ -1093,7 +1093,7 @@
           <a:p>
             <a:fld id="{AE358F06-F08A-4581-9382-C6FEB46FADBD}" type="datetimeFigureOut">
               <a:rPr lang="en-US" smtClean="0"/>
-              <a:t>6/10/2014</a:t>
+              <a:t>6/13/2014</a:t>
             </a:fld>
             <a:endParaRPr lang="en-US"/>
           </a:p>
@@ -1381,7 +1381,7 @@
           <a:p>
             <a:fld id="{AE358F06-F08A-4581-9382-C6FEB46FADBD}" type="datetimeFigureOut">
               <a:rPr lang="en-US" smtClean="0"/>
-              <a:t>6/10/2014</a:t>
+              <a:t>6/13/2014</a:t>
             </a:fld>
             <a:endParaRPr lang="en-US"/>
           </a:p>
@@ -1803,7 +1803,7 @@
           <a:p>
             <a:fld id="{AE358F06-F08A-4581-9382-C6FEB46FADBD}" type="datetimeFigureOut">
               <a:rPr lang="en-US" smtClean="0"/>
-              <a:t>6/10/2014</a:t>
+              <a:t>6/13/2014</a:t>
             </a:fld>
             <a:endParaRPr lang="en-US"/>
           </a:p>
@@ -1921,7 +1921,7 @@
           <a:p>
             <a:fld id="{AE358F06-F08A-4581-9382-C6FEB46FADBD}" type="datetimeFigureOut">
               <a:rPr lang="en-US" smtClean="0"/>
-              <a:t>6/10/2014</a:t>
+              <a:t>6/13/2014</a:t>
             </a:fld>
             <a:endParaRPr lang="en-US"/>
           </a:p>
@@ -2016,7 +2016,7 @@
           <a:p>
             <a:fld id="{AE358F06-F08A-4581-9382-C6FEB46FADBD}" type="datetimeFigureOut">
               <a:rPr lang="en-US" smtClean="0"/>
-              <a:t>6/10/2014</a:t>
+              <a:t>6/13/2014</a:t>
             </a:fld>
             <a:endParaRPr lang="en-US"/>
           </a:p>
@@ -2293,7 +2293,7 @@
           <a:p>
             <a:fld id="{AE358F06-F08A-4581-9382-C6FEB46FADBD}" type="datetimeFigureOut">
               <a:rPr lang="en-US" smtClean="0"/>
-              <a:t>6/10/2014</a:t>
+              <a:t>6/13/2014</a:t>
             </a:fld>
             <a:endParaRPr lang="en-US"/>
           </a:p>
@@ -2546,7 +2546,7 @@
           <a:p>
             <a:fld id="{AE358F06-F08A-4581-9382-C6FEB46FADBD}" type="datetimeFigureOut">
               <a:rPr lang="en-US" smtClean="0"/>
-              <a:t>6/10/2014</a:t>
+              <a:t>6/13/2014</a:t>
             </a:fld>
             <a:endParaRPr lang="en-US"/>
           </a:p>
@@ -2759,7 +2759,7 @@
           <a:p>
             <a:fld id="{AE358F06-F08A-4581-9382-C6FEB46FADBD}" type="datetimeFigureOut">
               <a:rPr lang="en-US" smtClean="0"/>
-              <a:t>6/10/2014</a:t>
+              <a:t>6/13/2014</a:t>
             </a:fld>
             <a:endParaRPr lang="en-US"/>
           </a:p>
@@ -4300,11 +4300,116 @@
           <a:p>
             <a:r>
               <a:rPr lang="en-US" dirty="0" smtClean="0"/>
-              <a:t>Date </a:t>
-            </a:r>
+              <a:t>Date Construction</a:t>
+            </a:r>
+          </a:p>
+          <a:p>
+            <a:pPr lvl="1"/>
+            <a:r>
+              <a:rPr lang="en-US" sz="2000" dirty="0">
+                <a:solidFill>
+                  <a:srgbClr val="000000"/>
+                </a:solidFill>
+                <a:highlight>
+                  <a:srgbClr val="FFFFFF"/>
+                </a:highlight>
+                <a:latin typeface="Consolas" panose="020B0609020204030204" pitchFamily="49" charset="0"/>
+              </a:rPr>
+              <a:t>Date(2014, 1, 1, 12, 0, 0, -6</a:t>
+            </a:r>
+            <a:r>
+              <a:rPr lang="en-US" sz="2000" dirty="0" smtClean="0">
+                <a:solidFill>
+                  <a:srgbClr val="000000"/>
+                </a:solidFill>
+                <a:highlight>
+                  <a:srgbClr val="FFFFFF"/>
+                </a:highlight>
+                <a:latin typeface="Consolas" panose="020B0609020204030204" pitchFamily="49" charset="0"/>
+              </a:rPr>
+              <a:t>)</a:t>
+            </a:r>
+          </a:p>
+          <a:p>
+            <a:pPr lvl="1"/>
+            <a:r>
+              <a:rPr lang="en-US" sz="2000" dirty="0">
+                <a:solidFill>
+                  <a:srgbClr val="0000FF"/>
+                </a:solidFill>
+                <a:highlight>
+                  <a:srgbClr val="FFFFFF"/>
+                </a:highlight>
+                <a:latin typeface="Consolas" panose="020B0609020204030204" pitchFamily="49" charset="0"/>
+              </a:rPr>
+              <a:t>convert</a:t>
+            </a:r>
+            <a:r>
+              <a:rPr lang="en-US" sz="2000" dirty="0">
+                <a:solidFill>
+                  <a:srgbClr val="000000"/>
+                </a:solidFill>
+                <a:highlight>
+                  <a:srgbClr val="FFFFFF"/>
+                </a:highlight>
+                <a:latin typeface="Consolas" panose="020B0609020204030204" pitchFamily="49" charset="0"/>
+              </a:rPr>
+              <a:t> </a:t>
+            </a:r>
+            <a:r>
+              <a:rPr lang="en-US" sz="2000" dirty="0">
+                <a:solidFill>
+                  <a:srgbClr val="A31515"/>
+                </a:solidFill>
+                <a:highlight>
+                  <a:srgbClr val="FFFFFF"/>
+                </a:highlight>
+                <a:latin typeface="Consolas" panose="020B0609020204030204" pitchFamily="49" charset="0"/>
+              </a:rPr>
+              <a:t>"20140101120000-0600"</a:t>
+            </a:r>
+            <a:r>
+              <a:rPr lang="en-US" sz="2000" dirty="0">
+                <a:solidFill>
+                  <a:srgbClr val="000000"/>
+                </a:solidFill>
+                <a:highlight>
+                  <a:srgbClr val="FFFFFF"/>
+                </a:highlight>
+                <a:latin typeface="Consolas" panose="020B0609020204030204" pitchFamily="49" charset="0"/>
+              </a:rPr>
+              <a:t> </a:t>
+            </a:r>
+            <a:r>
+              <a:rPr lang="en-US" sz="2000" dirty="0">
+                <a:solidFill>
+                  <a:srgbClr val="0000FF"/>
+                </a:solidFill>
+                <a:highlight>
+                  <a:srgbClr val="FFFFFF"/>
+                </a:highlight>
+                <a:latin typeface="Consolas" panose="020B0609020204030204" pitchFamily="49" charset="0"/>
+              </a:rPr>
+              <a:t>to</a:t>
+            </a:r>
+            <a:r>
+              <a:rPr lang="en-US" sz="2000" dirty="0">
+                <a:solidFill>
+                  <a:srgbClr val="000000"/>
+                </a:solidFill>
+                <a:highlight>
+                  <a:srgbClr val="FFFFFF"/>
+                </a:highlight>
+                <a:latin typeface="Consolas" panose="020B0609020204030204" pitchFamily="49" charset="0"/>
+              </a:rPr>
+              <a:t> Timestamp</a:t>
+            </a:r>
+            <a:endParaRPr lang="en-US" sz="2000" dirty="0" smtClean="0"/>
+          </a:p>
+          <a:p>
             <a:r>
               <a:rPr lang="en-US" dirty="0" smtClean="0"/>
-              <a:t>Construction</a:t>
+              <a:t>Date Arithmetic</a:t>
             </a:r>
           </a:p>
           <a:p>
@@ -4319,11 +4424,62 @@
                 </a:highlight>
                 <a:latin typeface="Consolas" panose="020B0609020204030204" pitchFamily="49" charset="0"/>
               </a:rPr>
-              <a:t>Date(2014, 1, 1, 12, 0, 0, -6</a:t>
+              <a:t>today + 3 </a:t>
+            </a:r>
+            <a:r>
+              <a:rPr lang="en-US" sz="2000" dirty="0">
+                <a:solidFill>
+                  <a:srgbClr val="0000FF"/>
+                </a:solidFill>
+                <a:highlight>
+                  <a:srgbClr val="FFFFFF"/>
+                </a:highlight>
+                <a:latin typeface="Consolas" panose="020B0609020204030204" pitchFamily="49" charset="0"/>
+              </a:rPr>
+              <a:t>months</a:t>
+            </a:r>
+            <a:r>
+              <a:rPr lang="en-US" sz="2000" dirty="0">
+                <a:solidFill>
+                  <a:srgbClr val="000000"/>
+                </a:solidFill>
+                <a:highlight>
+                  <a:srgbClr val="FFFFFF"/>
+                </a:highlight>
+                <a:latin typeface="Consolas" panose="020B0609020204030204" pitchFamily="49" charset="0"/>
+              </a:rPr>
+              <a:t> - 2 </a:t>
             </a:r>
             <a:r>
               <a:rPr lang="en-US" sz="2000" dirty="0" smtClean="0">
                 <a:solidFill>
+                  <a:srgbClr val="0000FF"/>
+                </a:solidFill>
+                <a:highlight>
+                  <a:srgbClr val="FFFFFF"/>
+                </a:highlight>
+                <a:latin typeface="Consolas" panose="020B0609020204030204" pitchFamily="49" charset="0"/>
+              </a:rPr>
+              <a:t>days</a:t>
+            </a:r>
+          </a:p>
+          <a:p>
+            <a:pPr lvl="1"/>
+            <a:r>
+              <a:rPr lang="en-US" sz="2000" dirty="0">
+                <a:solidFill>
+                  <a:srgbClr val="0000FF"/>
+                </a:solidFill>
+                <a:highlight>
+                  <a:srgbClr val="FFFFFF"/>
+                </a:highlight>
+                <a:latin typeface="Consolas" panose="020B0609020204030204" pitchFamily="49" charset="0"/>
+              </a:rPr>
+              <a:t>months</a:t>
+            </a:r>
+            <a:r>
+              <a:rPr lang="en-US" sz="2000" dirty="0">
+                <a:solidFill>
                   <a:srgbClr val="000000"/>
                 </a:solidFill>
                 <a:highlight>
@@ -4331,7 +4487,134 @@
                 </a:highlight>
                 <a:latin typeface="Consolas" panose="020B0609020204030204" pitchFamily="49" charset="0"/>
               </a:rPr>
-              <a:t>)</a:t>
+              <a:t> between </a:t>
+            </a:r>
+            <a:r>
+              <a:rPr lang="en-US" sz="2000" dirty="0">
+                <a:solidFill>
+                  <a:srgbClr val="0000FF"/>
+                </a:solidFill>
+                <a:highlight>
+                  <a:srgbClr val="FFFFFF"/>
+                </a:highlight>
+                <a:latin typeface="Consolas" panose="020B0609020204030204" pitchFamily="49" charset="0"/>
+              </a:rPr>
+              <a:t>start</a:t>
+            </a:r>
+            <a:r>
+              <a:rPr lang="en-US" sz="2000" dirty="0">
+                <a:solidFill>
+                  <a:srgbClr val="000000"/>
+                </a:solidFill>
+                <a:highlight>
+                  <a:srgbClr val="FFFFFF"/>
+                </a:highlight>
+                <a:latin typeface="Consolas" panose="020B0609020204030204" pitchFamily="49" charset="0"/>
+              </a:rPr>
+              <a:t> </a:t>
+            </a:r>
+            <a:r>
+              <a:rPr lang="en-US" sz="2000" dirty="0">
+                <a:solidFill>
+                  <a:srgbClr val="0000FF"/>
+                </a:solidFill>
+                <a:highlight>
+                  <a:srgbClr val="FFFFFF"/>
+                </a:highlight>
+                <a:latin typeface="Consolas" panose="020B0609020204030204" pitchFamily="49" charset="0"/>
+              </a:rPr>
+              <a:t>of</a:t>
+            </a:r>
+            <a:r>
+              <a:rPr lang="en-US" sz="2000" dirty="0">
+                <a:solidFill>
+                  <a:srgbClr val="000000"/>
+                </a:solidFill>
+                <a:highlight>
+                  <a:srgbClr val="FFFFFF"/>
+                </a:highlight>
+                <a:latin typeface="Consolas" panose="020B0609020204030204" pitchFamily="49" charset="0"/>
+              </a:rPr>
+              <a:t> X </a:t>
+            </a:r>
+            <a:r>
+              <a:rPr lang="en-US" sz="2000" dirty="0">
+                <a:solidFill>
+                  <a:srgbClr val="0000FF"/>
+                </a:solidFill>
+                <a:highlight>
+                  <a:srgbClr val="FFFFFF"/>
+                </a:highlight>
+                <a:latin typeface="Consolas" panose="020B0609020204030204" pitchFamily="49" charset="0"/>
+              </a:rPr>
+              <a:t>and</a:t>
+            </a:r>
+            <a:r>
+              <a:rPr lang="en-US" sz="2000" dirty="0">
+                <a:solidFill>
+                  <a:srgbClr val="000000"/>
+                </a:solidFill>
+                <a:highlight>
+                  <a:srgbClr val="FFFFFF"/>
+                </a:highlight>
+                <a:latin typeface="Consolas" panose="020B0609020204030204" pitchFamily="49" charset="0"/>
+              </a:rPr>
+              <a:t> </a:t>
+            </a:r>
+            <a:r>
+              <a:rPr lang="en-US" sz="2000" dirty="0">
+                <a:solidFill>
+                  <a:srgbClr val="0000FF"/>
+                </a:solidFill>
+                <a:highlight>
+                  <a:srgbClr val="FFFFFF"/>
+                </a:highlight>
+                <a:latin typeface="Consolas" panose="020B0609020204030204" pitchFamily="49" charset="0"/>
+              </a:rPr>
+              <a:t>end</a:t>
+            </a:r>
+            <a:r>
+              <a:rPr lang="en-US" sz="2000" dirty="0">
+                <a:solidFill>
+                  <a:srgbClr val="000000"/>
+                </a:solidFill>
+                <a:highlight>
+                  <a:srgbClr val="FFFFFF"/>
+                </a:highlight>
+                <a:latin typeface="Consolas" panose="020B0609020204030204" pitchFamily="49" charset="0"/>
+              </a:rPr>
+              <a:t> </a:t>
+            </a:r>
+            <a:r>
+              <a:rPr lang="en-US" sz="2000" dirty="0">
+                <a:solidFill>
+                  <a:srgbClr val="0000FF"/>
+                </a:solidFill>
+                <a:highlight>
+                  <a:srgbClr val="FFFFFF"/>
+                </a:highlight>
+                <a:latin typeface="Consolas" panose="020B0609020204030204" pitchFamily="49" charset="0"/>
+              </a:rPr>
+              <a:t>of</a:t>
+            </a:r>
+            <a:r>
+              <a:rPr lang="en-US" sz="2000" dirty="0">
+                <a:solidFill>
+                  <a:srgbClr val="000000"/>
+                </a:solidFill>
+                <a:highlight>
+                  <a:srgbClr val="FFFFFF"/>
+                </a:highlight>
+                <a:latin typeface="Consolas" panose="020B0609020204030204" pitchFamily="49" charset="0"/>
+              </a:rPr>
+              <a:t> X</a:t>
+            </a:r>
+            <a:endParaRPr lang="en-US" sz="2000" dirty="0" smtClean="0"/>
+          </a:p>
+          <a:p>
+            <a:r>
+              <a:rPr lang="en-US" dirty="0" smtClean="0"/>
+              <a:t>Date/Time extraction</a:t>
             </a:r>
           </a:p>
           <a:p>
@@ -4346,7 +4629,7 @@
                 </a:highlight>
                 <a:latin typeface="Consolas" panose="020B0609020204030204" pitchFamily="49" charset="0"/>
               </a:rPr>
-              <a:t>convert</a:t>
+              <a:t>date</a:t>
             </a:r>
             <a:r>
               <a:rPr lang="en-US" sz="2000" dirty="0">
@@ -4363,14 +4646,14 @@
             <a:r>
               <a:rPr lang="en-US" sz="2000" dirty="0">
                 <a:solidFill>
-                  <a:srgbClr val="A31515"/>
-                </a:solidFill>
-                <a:highlight>
-                  <a:srgbClr val="FFFFFF"/>
-                </a:highlight>
-                <a:latin typeface="Consolas" panose="020B0609020204030204" pitchFamily="49" charset="0"/>
-              </a:rPr>
-              <a:t>"20140101120000-0600"</a:t>
+                  <a:srgbClr val="0000FF"/>
+                </a:solidFill>
+                <a:highlight>
+                  <a:srgbClr val="FFFFFF"/>
+                </a:highlight>
+                <a:latin typeface="Consolas" panose="020B0609020204030204" pitchFamily="49" charset="0"/>
+              </a:rPr>
+              <a:t>of</a:t>
             </a:r>
             <a:r>
               <a:rPr lang="en-US" sz="2000" dirty="0">
@@ -4394,7 +4677,7 @@
                 </a:highlight>
                 <a:latin typeface="Consolas" panose="020B0609020204030204" pitchFamily="49" charset="0"/>
               </a:rPr>
-              <a:t>to</a:t>
+              <a:t>start</a:t>
             </a:r>
             <a:r>
               <a:rPr lang="en-US" sz="2000" dirty="0">
@@ -4406,337 +4689,38 @@
                 </a:highlight>
                 <a:latin typeface="Consolas" panose="020B0609020204030204" pitchFamily="49" charset="0"/>
               </a:rPr>
-              <a:t> Timestamp</a:t>
+              <a:t> </a:t>
+            </a:r>
+            <a:r>
+              <a:rPr lang="en-US" sz="2000" dirty="0">
+                <a:solidFill>
+                  <a:srgbClr val="0000FF"/>
+                </a:solidFill>
+                <a:highlight>
+                  <a:srgbClr val="FFFFFF"/>
+                </a:highlight>
+                <a:latin typeface="Consolas" panose="020B0609020204030204" pitchFamily="49" charset="0"/>
+              </a:rPr>
+              <a:t>of</a:t>
+            </a:r>
+            <a:r>
+              <a:rPr lang="en-US" sz="2000" dirty="0">
+                <a:solidFill>
+                  <a:srgbClr val="000000"/>
+                </a:solidFill>
+                <a:highlight>
+                  <a:srgbClr val="FFFFFF"/>
+                </a:highlight>
+                <a:latin typeface="Consolas" panose="020B0609020204030204" pitchFamily="49" charset="0"/>
+              </a:rPr>
+              <a:t> X</a:t>
             </a:r>
             <a:endParaRPr lang="en-US" sz="2000" dirty="0" smtClean="0"/>
           </a:p>
           <a:p>
             <a:r>
               <a:rPr lang="en-US" dirty="0" smtClean="0"/>
-              <a:t>Date </a:t>
-            </a:r>
-            <a:r>
-              <a:rPr lang="en-US" dirty="0" smtClean="0"/>
-              <a:t>Arithmetic</a:t>
-            </a:r>
-          </a:p>
-          <a:p>
-            <a:pPr lvl="1"/>
-            <a:r>
-              <a:rPr lang="en-US" sz="2000" dirty="0">
-                <a:solidFill>
-                  <a:srgbClr val="000000"/>
-                </a:solidFill>
-                <a:highlight>
-                  <a:srgbClr val="FFFFFF"/>
-                </a:highlight>
-                <a:latin typeface="Consolas" panose="020B0609020204030204" pitchFamily="49" charset="0"/>
-              </a:rPr>
-              <a:t>today + 3 </a:t>
-            </a:r>
-            <a:r>
-              <a:rPr lang="en-US" sz="2000" dirty="0">
-                <a:solidFill>
-                  <a:srgbClr val="0000FF"/>
-                </a:solidFill>
-                <a:highlight>
-                  <a:srgbClr val="FFFFFF"/>
-                </a:highlight>
-                <a:latin typeface="Consolas" panose="020B0609020204030204" pitchFamily="49" charset="0"/>
-              </a:rPr>
-              <a:t>months</a:t>
-            </a:r>
-            <a:r>
-              <a:rPr lang="en-US" sz="2000" dirty="0">
-                <a:solidFill>
-                  <a:srgbClr val="000000"/>
-                </a:solidFill>
-                <a:highlight>
-                  <a:srgbClr val="FFFFFF"/>
-                </a:highlight>
-                <a:latin typeface="Consolas" panose="020B0609020204030204" pitchFamily="49" charset="0"/>
-              </a:rPr>
-              <a:t> - 2 </a:t>
-            </a:r>
-            <a:r>
-              <a:rPr lang="en-US" sz="2000" dirty="0" smtClean="0">
-                <a:solidFill>
-                  <a:srgbClr val="0000FF"/>
-                </a:solidFill>
-                <a:highlight>
-                  <a:srgbClr val="FFFFFF"/>
-                </a:highlight>
-                <a:latin typeface="Consolas" panose="020B0609020204030204" pitchFamily="49" charset="0"/>
-              </a:rPr>
-              <a:t>days</a:t>
-            </a:r>
-          </a:p>
-          <a:p>
-            <a:pPr lvl="1"/>
-            <a:r>
-              <a:rPr lang="en-US" sz="2000" dirty="0">
-                <a:solidFill>
-                  <a:srgbClr val="0000FF"/>
-                </a:solidFill>
-                <a:highlight>
-                  <a:srgbClr val="FFFFFF"/>
-                </a:highlight>
-                <a:latin typeface="Consolas" panose="020B0609020204030204" pitchFamily="49" charset="0"/>
-              </a:rPr>
-              <a:t>months</a:t>
-            </a:r>
-            <a:r>
-              <a:rPr lang="en-US" sz="2000" dirty="0">
-                <a:solidFill>
-                  <a:srgbClr val="000000"/>
-                </a:solidFill>
-                <a:highlight>
-                  <a:srgbClr val="FFFFFF"/>
-                </a:highlight>
-                <a:latin typeface="Consolas" panose="020B0609020204030204" pitchFamily="49" charset="0"/>
-              </a:rPr>
-              <a:t> between </a:t>
-            </a:r>
-            <a:r>
-              <a:rPr lang="en-US" sz="2000" dirty="0">
-                <a:solidFill>
-                  <a:srgbClr val="0000FF"/>
-                </a:solidFill>
-                <a:highlight>
-                  <a:srgbClr val="FFFFFF"/>
-                </a:highlight>
-                <a:latin typeface="Consolas" panose="020B0609020204030204" pitchFamily="49" charset="0"/>
-              </a:rPr>
-              <a:t>start</a:t>
-            </a:r>
-            <a:r>
-              <a:rPr lang="en-US" sz="2000" dirty="0">
-                <a:solidFill>
-                  <a:srgbClr val="000000"/>
-                </a:solidFill>
-                <a:highlight>
-                  <a:srgbClr val="FFFFFF"/>
-                </a:highlight>
-                <a:latin typeface="Consolas" panose="020B0609020204030204" pitchFamily="49" charset="0"/>
-              </a:rPr>
-              <a:t> </a:t>
-            </a:r>
-            <a:r>
-              <a:rPr lang="en-US" sz="2000" dirty="0">
-                <a:solidFill>
-                  <a:srgbClr val="0000FF"/>
-                </a:solidFill>
-                <a:highlight>
-                  <a:srgbClr val="FFFFFF"/>
-                </a:highlight>
-                <a:latin typeface="Consolas" panose="020B0609020204030204" pitchFamily="49" charset="0"/>
-              </a:rPr>
-              <a:t>of</a:t>
-            </a:r>
-            <a:r>
-              <a:rPr lang="en-US" sz="2000" dirty="0">
-                <a:solidFill>
-                  <a:srgbClr val="000000"/>
-                </a:solidFill>
-                <a:highlight>
-                  <a:srgbClr val="FFFFFF"/>
-                </a:highlight>
-                <a:latin typeface="Consolas" panose="020B0609020204030204" pitchFamily="49" charset="0"/>
-              </a:rPr>
-              <a:t> X </a:t>
-            </a:r>
-            <a:r>
-              <a:rPr lang="en-US" sz="2000" dirty="0">
-                <a:solidFill>
-                  <a:srgbClr val="0000FF"/>
-                </a:solidFill>
-                <a:highlight>
-                  <a:srgbClr val="FFFFFF"/>
-                </a:highlight>
-                <a:latin typeface="Consolas" panose="020B0609020204030204" pitchFamily="49" charset="0"/>
-              </a:rPr>
-              <a:t>and</a:t>
-            </a:r>
-            <a:r>
-              <a:rPr lang="en-US" sz="2000" dirty="0">
-                <a:solidFill>
-                  <a:srgbClr val="000000"/>
-                </a:solidFill>
-                <a:highlight>
-                  <a:srgbClr val="FFFFFF"/>
-                </a:highlight>
-                <a:latin typeface="Consolas" panose="020B0609020204030204" pitchFamily="49" charset="0"/>
-              </a:rPr>
-              <a:t> </a:t>
-            </a:r>
-            <a:r>
-              <a:rPr lang="en-US" sz="2000" dirty="0">
-                <a:solidFill>
-                  <a:srgbClr val="0000FF"/>
-                </a:solidFill>
-                <a:highlight>
-                  <a:srgbClr val="FFFFFF"/>
-                </a:highlight>
-                <a:latin typeface="Consolas" panose="020B0609020204030204" pitchFamily="49" charset="0"/>
-              </a:rPr>
-              <a:t>end</a:t>
-            </a:r>
-            <a:r>
-              <a:rPr lang="en-US" sz="2000" dirty="0">
-                <a:solidFill>
-                  <a:srgbClr val="000000"/>
-                </a:solidFill>
-                <a:highlight>
-                  <a:srgbClr val="FFFFFF"/>
-                </a:highlight>
-                <a:latin typeface="Consolas" panose="020B0609020204030204" pitchFamily="49" charset="0"/>
-              </a:rPr>
-              <a:t> </a:t>
-            </a:r>
-            <a:r>
-              <a:rPr lang="en-US" sz="2000" dirty="0">
-                <a:solidFill>
-                  <a:srgbClr val="0000FF"/>
-                </a:solidFill>
-                <a:highlight>
-                  <a:srgbClr val="FFFFFF"/>
-                </a:highlight>
-                <a:latin typeface="Consolas" panose="020B0609020204030204" pitchFamily="49" charset="0"/>
-              </a:rPr>
-              <a:t>of</a:t>
-            </a:r>
-            <a:r>
-              <a:rPr lang="en-US" sz="2000" dirty="0">
-                <a:solidFill>
-                  <a:srgbClr val="000000"/>
-                </a:solidFill>
-                <a:highlight>
-                  <a:srgbClr val="FFFFFF"/>
-                </a:highlight>
-                <a:latin typeface="Consolas" panose="020B0609020204030204" pitchFamily="49" charset="0"/>
-              </a:rPr>
-              <a:t> X</a:t>
-            </a:r>
-            <a:endParaRPr lang="en-US" sz="2000" dirty="0" smtClean="0"/>
-          </a:p>
-          <a:p>
-            <a:r>
-              <a:rPr lang="en-US" dirty="0" smtClean="0"/>
-              <a:t>Date/Time </a:t>
-            </a:r>
-            <a:r>
-              <a:rPr lang="en-US" dirty="0" smtClean="0"/>
-              <a:t>extraction</a:t>
-            </a:r>
-          </a:p>
-          <a:p>
-            <a:pPr lvl="1"/>
-            <a:r>
-              <a:rPr lang="en-US" sz="2000" dirty="0">
-                <a:solidFill>
-                  <a:srgbClr val="0000FF"/>
-                </a:solidFill>
-                <a:highlight>
-                  <a:srgbClr val="FFFFFF"/>
-                </a:highlight>
-                <a:latin typeface="Consolas" panose="020B0609020204030204" pitchFamily="49" charset="0"/>
-              </a:rPr>
-              <a:t>date</a:t>
-            </a:r>
-            <a:r>
-              <a:rPr lang="en-US" sz="2000" dirty="0">
-                <a:solidFill>
-                  <a:srgbClr val="000000"/>
-                </a:solidFill>
-                <a:highlight>
-                  <a:srgbClr val="FFFFFF"/>
-                </a:highlight>
-                <a:latin typeface="Consolas" panose="020B0609020204030204" pitchFamily="49" charset="0"/>
-              </a:rPr>
-              <a:t> </a:t>
-            </a:r>
-            <a:r>
-              <a:rPr lang="en-US" sz="2000" dirty="0">
-                <a:solidFill>
-                  <a:srgbClr val="0000FF"/>
-                </a:solidFill>
-                <a:highlight>
-                  <a:srgbClr val="FFFFFF"/>
-                </a:highlight>
-                <a:latin typeface="Consolas" panose="020B0609020204030204" pitchFamily="49" charset="0"/>
-              </a:rPr>
-              <a:t>of</a:t>
-            </a:r>
-            <a:r>
-              <a:rPr lang="en-US" sz="2000" dirty="0">
-                <a:solidFill>
-                  <a:srgbClr val="000000"/>
-                </a:solidFill>
-                <a:highlight>
-                  <a:srgbClr val="FFFFFF"/>
-                </a:highlight>
-                <a:latin typeface="Consolas" panose="020B0609020204030204" pitchFamily="49" charset="0"/>
-              </a:rPr>
-              <a:t> </a:t>
-            </a:r>
-            <a:r>
-              <a:rPr lang="en-US" sz="2000" dirty="0">
-                <a:solidFill>
-                  <a:srgbClr val="0000FF"/>
-                </a:solidFill>
-                <a:highlight>
-                  <a:srgbClr val="FFFFFF"/>
-                </a:highlight>
-                <a:latin typeface="Consolas" panose="020B0609020204030204" pitchFamily="49" charset="0"/>
-              </a:rPr>
-              <a:t>start</a:t>
-            </a:r>
-            <a:r>
-              <a:rPr lang="en-US" sz="2000" dirty="0">
-                <a:solidFill>
-                  <a:srgbClr val="000000"/>
-                </a:solidFill>
-                <a:highlight>
-                  <a:srgbClr val="FFFFFF"/>
-                </a:highlight>
-                <a:latin typeface="Consolas" panose="020B0609020204030204" pitchFamily="49" charset="0"/>
-              </a:rPr>
-              <a:t> </a:t>
-            </a:r>
-            <a:r>
-              <a:rPr lang="en-US" sz="2000" dirty="0">
-                <a:solidFill>
-                  <a:srgbClr val="0000FF"/>
-                </a:solidFill>
-                <a:highlight>
-                  <a:srgbClr val="FFFFFF"/>
-                </a:highlight>
-                <a:latin typeface="Consolas" panose="020B0609020204030204" pitchFamily="49" charset="0"/>
-              </a:rPr>
-              <a:t>of</a:t>
-            </a:r>
-            <a:r>
-              <a:rPr lang="en-US" sz="2000" dirty="0">
-                <a:solidFill>
-                  <a:srgbClr val="000000"/>
-                </a:solidFill>
-                <a:highlight>
-                  <a:srgbClr val="FFFFFF"/>
-                </a:highlight>
-                <a:latin typeface="Consolas" panose="020B0609020204030204" pitchFamily="49" charset="0"/>
-              </a:rPr>
-              <a:t> X</a:t>
-            </a:r>
-            <a:endParaRPr lang="en-US" sz="2000" dirty="0" smtClean="0"/>
-          </a:p>
-          <a:p>
-            <a:r>
-              <a:rPr lang="en-US" dirty="0" smtClean="0"/>
-              <a:t>Component </a:t>
-            </a:r>
-            <a:r>
-              <a:rPr lang="en-US" dirty="0" smtClean="0"/>
-              <a:t>extraction</a:t>
+              <a:t>Component extraction</a:t>
             </a:r>
           </a:p>
           <a:p>
@@ -5946,7 +5930,7 @@
         <p:spPr/>
         <p:txBody>
           <a:bodyPr>
-            <a:normAutofit fontScale="85000" lnSpcReduction="10000"/>
+            <a:normAutofit fontScale="85000" lnSpcReduction="20000"/>
           </a:bodyPr>
           <a:lstStyle/>
           <a:p>
@@ -6030,8 +6014,33 @@
               <a:t>cqframework</a:t>
             </a:r>
             <a:r>
-              <a:rPr lang="en-US" smtClean="0"/>
-              <a:t> repository</a:t>
+              <a:rPr lang="en-US" dirty="0" smtClean="0"/>
+              <a:t> </a:t>
+            </a:r>
+            <a:r>
+              <a:rPr lang="en-US" dirty="0" smtClean="0"/>
+              <a:t>repository</a:t>
+            </a:r>
+          </a:p>
+          <a:p>
+            <a:pPr lvl="1"/>
+            <a:r>
+              <a:rPr lang="en-US">
+                <a:hlinkClick r:id="rId3"/>
+              </a:rPr>
+              <a:t>https</a:t>
+            </a:r>
+            <a:r>
+              <a:rPr lang="en-US">
+                <a:hlinkClick r:id="rId3"/>
+              </a:rPr>
+              <a:t>://</a:t>
+            </a:r>
+            <a:r>
+              <a:rPr lang="en-US" smtClean="0">
+                <a:hlinkClick r:id="rId3"/>
+              </a:rPr>
+              <a:t>github.com/cqframework/OneModel</a:t>
             </a:r>
             <a:endParaRPr lang="en-US" dirty="0" smtClean="0"/>
           </a:p>
@@ -7274,8 +7283,12 @@
           <a:p>
             <a:pPr algn="ctr"/>
             <a:r>
-              <a:rPr lang="en-US" smtClean="0"/>
-              <a:t>Concepts defined in Quality Logical Model</a:t>
+              <a:rPr lang="en-US" dirty="0" smtClean="0"/>
+              <a:t>Concepts defined in Quality Logical </a:t>
+            </a:r>
+            <a:r>
+              <a:rPr lang="en-US" dirty="0" smtClean="0"/>
+              <a:t>Model (QUICK)</a:t>
             </a:r>
             <a:endParaRPr lang="en-US" dirty="0"/>
           </a:p>
@@ -8515,11 +8528,7 @@
             <a:pPr lvl="1"/>
             <a:r>
               <a:rPr lang="en-US" dirty="0" smtClean="0"/>
-              <a:t>Define available “inputs</a:t>
-            </a:r>
-            <a:r>
-              <a:rPr lang="en-US" dirty="0" smtClean="0"/>
-              <a:t>” (and potentially “outputs”, TBD)</a:t>
+              <a:t>Define available “inputs” (and potentially “outputs”, TBD)</a:t>
             </a:r>
             <a:endParaRPr lang="en-US" b="1" dirty="0" smtClean="0"/>
           </a:p>
@@ -8537,11 +8546,7 @@
             <a:pPr lvl="1"/>
             <a:r>
               <a:rPr lang="en-US" dirty="0" smtClean="0"/>
-              <a:t>Define </a:t>
-            </a:r>
-            <a:r>
-              <a:rPr lang="en-US" dirty="0" smtClean="0"/>
-              <a:t>user-friendly labels for value sets within the library</a:t>
+              <a:t>Define user-friendly labels for value sets within the library</a:t>
             </a:r>
           </a:p>
         </p:txBody>
@@ -8670,7 +8675,11 @@
           <a:p>
             <a:r>
               <a:rPr lang="en-US" dirty="0" smtClean="0"/>
-              <a:t>QILM Statement Structure</a:t>
+              <a:t>QUICK Statement </a:t>
+            </a:r>
+            <a:r>
+              <a:rPr lang="en-US" dirty="0" smtClean="0"/>
+              <a:t>Structure</a:t>
             </a:r>
             <a:endParaRPr lang="en-US" dirty="0"/>
           </a:p>
@@ -8770,27 +8779,15 @@
           <a:p>
             <a:r>
               <a:rPr lang="en-US" dirty="0" smtClean="0"/>
-              <a:t>In </a:t>
+              <a:t>In addition</a:t>
+            </a:r>
+            <a:r>
+              <a:rPr lang="en-US" smtClean="0"/>
+              <a:t>, Acts have </a:t>
             </a:r>
             <a:r>
               <a:rPr lang="en-US" dirty="0" smtClean="0"/>
-              <a:t>addition</a:t>
-            </a:r>
-            <a:r>
-              <a:rPr lang="en-US" smtClean="0"/>
-              <a:t>, </a:t>
-            </a:r>
-            <a:r>
-              <a:rPr lang="en-US" smtClean="0"/>
-              <a:t>Acts have </a:t>
-            </a:r>
-            <a:r>
-              <a:rPr lang="en-US" dirty="0" smtClean="0"/>
-              <a:t>Modality</a:t>
-            </a:r>
-            <a:r>
-              <a:rPr lang="en-US" dirty="0" smtClean="0"/>
-              <a:t>:</a:t>
+              <a:t>Modality:</a:t>
             </a:r>
           </a:p>
           <a:p>
@@ -8896,11 +8893,7 @@
           <a:p>
             <a:r>
               <a:rPr lang="en-US" dirty="0" smtClean="0"/>
-              <a:t>Specified in terms of Data </a:t>
-            </a:r>
-            <a:r>
-              <a:rPr lang="en-US" dirty="0" smtClean="0"/>
-              <a:t>Model</a:t>
+              <a:t>Specified in terms of Data Model</a:t>
             </a:r>
           </a:p>
           <a:p>

--- a/CQL/Documents/CQL_Technical_Introduction_20140604.pptx
+++ b/CQL/Documents/CQL_Technical_Introduction_20140604.pptx
@@ -6025,19 +6025,13 @@
           <a:p>
             <a:pPr lvl="1"/>
             <a:r>
-              <a:rPr lang="en-US">
+              <a:rPr lang="en-US" dirty="0">
                 <a:hlinkClick r:id="rId3"/>
               </a:rPr>
-              <a:t>https</a:t>
-            </a:r>
-            <a:r>
-              <a:rPr lang="en-US">
-                <a:hlinkClick r:id="rId3"/>
-              </a:rPr>
-              <a:t>://</a:t>
-            </a:r>
-            <a:r>
-              <a:rPr lang="en-US" smtClean="0">
+              <a:t>https://</a:t>
+            </a:r>
+            <a:r>
+              <a:rPr lang="en-US" dirty="0" smtClean="0">
                 <a:hlinkClick r:id="rId3"/>
               </a:rPr>
               <a:t>github.com/cqframework/OneModel</a:t>

--- a/CQL/Documents/CQL_Technical_Introduction_20140604.pptx
+++ b/CQL/Documents/CQL_Technical_Introduction_20140604.pptx
@@ -16,19 +16,23 @@
     <p:sldId id="268" r:id="rId10"/>
     <p:sldId id="269" r:id="rId11"/>
     <p:sldId id="270" r:id="rId12"/>
-    <p:sldId id="283" r:id="rId13"/>
-    <p:sldId id="273" r:id="rId14"/>
-    <p:sldId id="274" r:id="rId15"/>
-    <p:sldId id="275" r:id="rId16"/>
-    <p:sldId id="276" r:id="rId17"/>
-    <p:sldId id="277" r:id="rId18"/>
-    <p:sldId id="282" r:id="rId19"/>
-    <p:sldId id="284" r:id="rId20"/>
-    <p:sldId id="278" r:id="rId21"/>
-    <p:sldId id="279" r:id="rId22"/>
-    <p:sldId id="280" r:id="rId23"/>
-    <p:sldId id="281" r:id="rId24"/>
-    <p:sldId id="260" r:id="rId25"/>
+    <p:sldId id="295" r:id="rId13"/>
+    <p:sldId id="283" r:id="rId14"/>
+    <p:sldId id="294" r:id="rId15"/>
+    <p:sldId id="292" r:id="rId16"/>
+    <p:sldId id="273" r:id="rId17"/>
+    <p:sldId id="293" r:id="rId18"/>
+    <p:sldId id="291" r:id="rId19"/>
+    <p:sldId id="274" r:id="rId20"/>
+    <p:sldId id="276" r:id="rId21"/>
+    <p:sldId id="275" r:id="rId22"/>
+    <p:sldId id="282" r:id="rId23"/>
+    <p:sldId id="284" r:id="rId24"/>
+    <p:sldId id="277" r:id="rId25"/>
+    <p:sldId id="279" r:id="rId26"/>
+    <p:sldId id="280" r:id="rId27"/>
+    <p:sldId id="281" r:id="rId28"/>
+    <p:sldId id="260" r:id="rId29"/>
   </p:sldIdLst>
   <p:sldSz cx="9144000" cy="6858000" type="screen4x3"/>
   <p:notesSz cx="6858000" cy="9144000"/>
@@ -327,7 +331,7 @@
           <a:p>
             <a:fld id="{AE358F06-F08A-4581-9382-C6FEB46FADBD}" type="datetimeFigureOut">
               <a:rPr lang="en-US" smtClean="0"/>
-              <a:t>6/13/2014</a:t>
+              <a:t>6/25/2014</a:t>
             </a:fld>
             <a:endParaRPr lang="en-US"/>
           </a:p>
@@ -497,7 +501,7 @@
           <a:p>
             <a:fld id="{AE358F06-F08A-4581-9382-C6FEB46FADBD}" type="datetimeFigureOut">
               <a:rPr lang="en-US" smtClean="0"/>
-              <a:t>6/13/2014</a:t>
+              <a:t>6/25/2014</a:t>
             </a:fld>
             <a:endParaRPr lang="en-US"/>
           </a:p>
@@ -677,7 +681,7 @@
           <a:p>
             <a:fld id="{AE358F06-F08A-4581-9382-C6FEB46FADBD}" type="datetimeFigureOut">
               <a:rPr lang="en-US" smtClean="0"/>
-              <a:t>6/13/2014</a:t>
+              <a:t>6/25/2014</a:t>
             </a:fld>
             <a:endParaRPr lang="en-US"/>
           </a:p>
@@ -847,7 +851,7 @@
           <a:p>
             <a:fld id="{AE358F06-F08A-4581-9382-C6FEB46FADBD}" type="datetimeFigureOut">
               <a:rPr lang="en-US" smtClean="0"/>
-              <a:t>6/13/2014</a:t>
+              <a:t>6/25/2014</a:t>
             </a:fld>
             <a:endParaRPr lang="en-US"/>
           </a:p>
@@ -1093,7 +1097,7 @@
           <a:p>
             <a:fld id="{AE358F06-F08A-4581-9382-C6FEB46FADBD}" type="datetimeFigureOut">
               <a:rPr lang="en-US" smtClean="0"/>
-              <a:t>6/13/2014</a:t>
+              <a:t>6/25/2014</a:t>
             </a:fld>
             <a:endParaRPr lang="en-US"/>
           </a:p>
@@ -1381,7 +1385,7 @@
           <a:p>
             <a:fld id="{AE358F06-F08A-4581-9382-C6FEB46FADBD}" type="datetimeFigureOut">
               <a:rPr lang="en-US" smtClean="0"/>
-              <a:t>6/13/2014</a:t>
+              <a:t>6/25/2014</a:t>
             </a:fld>
             <a:endParaRPr lang="en-US"/>
           </a:p>
@@ -1803,7 +1807,7 @@
           <a:p>
             <a:fld id="{AE358F06-F08A-4581-9382-C6FEB46FADBD}" type="datetimeFigureOut">
               <a:rPr lang="en-US" smtClean="0"/>
-              <a:t>6/13/2014</a:t>
+              <a:t>6/25/2014</a:t>
             </a:fld>
             <a:endParaRPr lang="en-US"/>
           </a:p>
@@ -1921,7 +1925,7 @@
           <a:p>
             <a:fld id="{AE358F06-F08A-4581-9382-C6FEB46FADBD}" type="datetimeFigureOut">
               <a:rPr lang="en-US" smtClean="0"/>
-              <a:t>6/13/2014</a:t>
+              <a:t>6/25/2014</a:t>
             </a:fld>
             <a:endParaRPr lang="en-US"/>
           </a:p>
@@ -2016,7 +2020,7 @@
           <a:p>
             <a:fld id="{AE358F06-F08A-4581-9382-C6FEB46FADBD}" type="datetimeFigureOut">
               <a:rPr lang="en-US" smtClean="0"/>
-              <a:t>6/13/2014</a:t>
+              <a:t>6/25/2014</a:t>
             </a:fld>
             <a:endParaRPr lang="en-US"/>
           </a:p>
@@ -2293,7 +2297,7 @@
           <a:p>
             <a:fld id="{AE358F06-F08A-4581-9382-C6FEB46FADBD}" type="datetimeFigureOut">
               <a:rPr lang="en-US" smtClean="0"/>
-              <a:t>6/13/2014</a:t>
+              <a:t>6/25/2014</a:t>
             </a:fld>
             <a:endParaRPr lang="en-US"/>
           </a:p>
@@ -2546,7 +2550,7 @@
           <a:p>
             <a:fld id="{AE358F06-F08A-4581-9382-C6FEB46FADBD}" type="datetimeFigureOut">
               <a:rPr lang="en-US" smtClean="0"/>
-              <a:t>6/13/2014</a:t>
+              <a:t>6/25/2014</a:t>
             </a:fld>
             <a:endParaRPr lang="en-US"/>
           </a:p>
@@ -2759,7 +2763,7 @@
           <a:p>
             <a:fld id="{AE358F06-F08A-4581-9382-C6FEB46FADBD}" type="datetimeFigureOut">
               <a:rPr lang="en-US" smtClean="0"/>
-              <a:t>6/13/2014</a:t>
+              <a:t>6/25/2014</a:t>
             </a:fld>
             <a:endParaRPr lang="en-US"/>
           </a:p>
@@ -3202,6 +3206,13 @@
   <p:clrMapOvr>
     <a:masterClrMapping/>
   </p:clrMapOvr>
+  <p:timing>
+    <p:tnLst>
+      <p:par>
+        <p:cTn id="1" dur="indefinite" restart="never" nodeType="tmRoot"/>
+      </p:par>
+    </p:tnLst>
+  </p:timing>
 </p:sld>
 </file>
 
@@ -3519,6 +3530,13 @@
   <p:clrMapOvr>
     <a:masterClrMapping/>
   </p:clrMapOvr>
+  <p:timing>
+    <p:tnLst>
+      <p:par>
+        <p:cTn id="1" dur="indefinite" restart="never" nodeType="tmRoot"/>
+      </p:par>
+    </p:tnLst>
+  </p:timing>
 </p:sld>
 </file>
 
@@ -4113,7 +4131,7 @@
           <a:p>
             <a:r>
               <a:rPr lang="en-US" dirty="0" smtClean="0"/>
-              <a:t>Point access</a:t>
+              <a:t>Boundary access</a:t>
             </a:r>
           </a:p>
           <a:p>
@@ -4189,8 +4207,32 @@
           <a:p>
             <a:pPr lvl="1"/>
             <a:r>
+              <a:rPr lang="en-US" dirty="0" smtClean="0">
+                <a:solidFill>
+                  <a:srgbClr val="000000"/>
+                </a:solidFill>
+                <a:highlight>
+                  <a:srgbClr val="FFFFFF"/>
+                </a:highlight>
+                <a:latin typeface="Consolas" panose="020B0609020204030204" pitchFamily="49" charset="0"/>
+              </a:rPr>
+              <a:t>X </a:t>
+            </a:r>
+            <a:r>
               <a:rPr lang="en-US" dirty="0">
                 <a:solidFill>
+                  <a:srgbClr val="0000FF"/>
+                </a:solidFill>
+                <a:highlight>
+                  <a:srgbClr val="FFFFFF"/>
+                </a:highlight>
+                <a:latin typeface="Consolas" panose="020B0609020204030204" pitchFamily="49" charset="0"/>
+              </a:rPr>
+              <a:t>in</a:t>
+            </a:r>
+            <a:r>
+              <a:rPr lang="en-US" dirty="0">
+                <a:solidFill>
                   <a:srgbClr val="000000"/>
                 </a:solidFill>
                 <a:highlight>
@@ -4198,7 +4240,7 @@
                 </a:highlight>
                 <a:latin typeface="Consolas" panose="020B0609020204030204" pitchFamily="49" charset="0"/>
               </a:rPr>
-              <a:t>X </a:t>
+              <a:t> </a:t>
             </a:r>
             <a:r>
               <a:rPr lang="en-US" dirty="0">
@@ -4210,7 +4252,7 @@
                 </a:highlight>
                 <a:latin typeface="Consolas" panose="020B0609020204030204" pitchFamily="49" charset="0"/>
               </a:rPr>
-              <a:t>in</a:t>
+              <a:t>interval</a:t>
             </a:r>
             <a:r>
               <a:rPr lang="en-US" dirty="0">
@@ -4222,7 +4264,7 @@
                 </a:highlight>
                 <a:latin typeface="Consolas" panose="020B0609020204030204" pitchFamily="49" charset="0"/>
               </a:rPr>
-              <a:t> { 1, 2, 3, 4, 5 }</a:t>
+              <a:t>[4, 6]</a:t>
             </a:r>
             <a:endParaRPr lang="en-US" dirty="0"/>
           </a:p>
@@ -4238,6 +4280,13 @@
   <p:clrMapOvr>
     <a:masterClrMapping/>
   </p:clrMapOvr>
+  <p:timing>
+    <p:tnLst>
+      <p:par>
+        <p:cTn id="1" dur="indefinite" restart="never" nodeType="tmRoot"/>
+      </p:par>
+    </p:tnLst>
+  </p:timing>
 </p:sld>
 </file>
 
@@ -4275,560 +4324,1547 @@
           <a:p>
             <a:r>
               <a:rPr lang="en-US" dirty="0" smtClean="0"/>
-              <a:t>Date/Time Manipulation</a:t>
+              <a:t>Interval Operators</a:t>
             </a:r>
             <a:endParaRPr lang="en-US" dirty="0"/>
           </a:p>
         </p:txBody>
       </p:sp>
-      <p:sp>
-        <p:nvSpPr>
-          <p:cNvPr id="3" name="Content Placeholder 2"/>
-          <p:cNvSpPr>
-            <a:spLocks noGrp="1"/>
-          </p:cNvSpPr>
+      <p:graphicFrame>
+        <p:nvGraphicFramePr>
+          <p:cNvPr id="4" name="Content Placeholder 3"/>
+          <p:cNvGraphicFramePr>
+            <a:graphicFrameLocks noGrp="1"/>
+          </p:cNvGraphicFramePr>
           <p:nvPr>
             <p:ph idx="1"/>
+            <p:extLst>
+              <p:ext uri="{D42A27DB-BD31-4B8C-83A1-F6EECF244321}">
+                <p14:modId xmlns:p14="http://schemas.microsoft.com/office/powerpoint/2010/main" val="3751426252"/>
+              </p:ext>
+            </p:extLst>
           </p:nvPr>
-        </p:nvSpPr>
-        <p:spPr/>
-        <p:txBody>
-          <a:bodyPr>
-            <a:normAutofit lnSpcReduction="10000"/>
-          </a:bodyPr>
-          <a:lstStyle/>
-          <a:p>
-            <a:r>
-              <a:rPr lang="en-US" dirty="0" smtClean="0"/>
-              <a:t>Date Construction</a:t>
-            </a:r>
-          </a:p>
-          <a:p>
-            <a:pPr lvl="1"/>
-            <a:r>
-              <a:rPr lang="en-US" sz="2000" dirty="0">
-                <a:solidFill>
-                  <a:srgbClr val="000000"/>
-                </a:solidFill>
-                <a:highlight>
-                  <a:srgbClr val="FFFFFF"/>
-                </a:highlight>
-                <a:latin typeface="Consolas" panose="020B0609020204030204" pitchFamily="49" charset="0"/>
-              </a:rPr>
-              <a:t>Date(2014, 1, 1, 12, 0, 0, -6</a:t>
-            </a:r>
-            <a:r>
-              <a:rPr lang="en-US" sz="2000" dirty="0" smtClean="0">
-                <a:solidFill>
-                  <a:srgbClr val="000000"/>
-                </a:solidFill>
-                <a:highlight>
-                  <a:srgbClr val="FFFFFF"/>
-                </a:highlight>
-                <a:latin typeface="Consolas" panose="020B0609020204030204" pitchFamily="49" charset="0"/>
-              </a:rPr>
-              <a:t>)</a:t>
-            </a:r>
-          </a:p>
-          <a:p>
-            <a:pPr lvl="1"/>
-            <a:r>
-              <a:rPr lang="en-US" sz="2000" dirty="0">
-                <a:solidFill>
-                  <a:srgbClr val="0000FF"/>
-                </a:solidFill>
-                <a:highlight>
-                  <a:srgbClr val="FFFFFF"/>
-                </a:highlight>
-                <a:latin typeface="Consolas" panose="020B0609020204030204" pitchFamily="49" charset="0"/>
-              </a:rPr>
-              <a:t>convert</a:t>
-            </a:r>
-            <a:r>
-              <a:rPr lang="en-US" sz="2000" dirty="0">
-                <a:solidFill>
-                  <a:srgbClr val="000000"/>
-                </a:solidFill>
-                <a:highlight>
-                  <a:srgbClr val="FFFFFF"/>
-                </a:highlight>
-                <a:latin typeface="Consolas" panose="020B0609020204030204" pitchFamily="49" charset="0"/>
-              </a:rPr>
-              <a:t> </a:t>
-            </a:r>
-            <a:r>
-              <a:rPr lang="en-US" sz="2000" dirty="0">
-                <a:solidFill>
-                  <a:srgbClr val="A31515"/>
-                </a:solidFill>
-                <a:highlight>
-                  <a:srgbClr val="FFFFFF"/>
-                </a:highlight>
-                <a:latin typeface="Consolas" panose="020B0609020204030204" pitchFamily="49" charset="0"/>
-              </a:rPr>
-              <a:t>"20140101120000-0600"</a:t>
-            </a:r>
-            <a:r>
-              <a:rPr lang="en-US" sz="2000" dirty="0">
-                <a:solidFill>
-                  <a:srgbClr val="000000"/>
-                </a:solidFill>
-                <a:highlight>
-                  <a:srgbClr val="FFFFFF"/>
-                </a:highlight>
-                <a:latin typeface="Consolas" panose="020B0609020204030204" pitchFamily="49" charset="0"/>
-              </a:rPr>
-              <a:t> </a:t>
-            </a:r>
-            <a:r>
-              <a:rPr lang="en-US" sz="2000" dirty="0">
-                <a:solidFill>
-                  <a:srgbClr val="0000FF"/>
-                </a:solidFill>
-                <a:highlight>
-                  <a:srgbClr val="FFFFFF"/>
-                </a:highlight>
-                <a:latin typeface="Consolas" panose="020B0609020204030204" pitchFamily="49" charset="0"/>
-              </a:rPr>
-              <a:t>to</a:t>
-            </a:r>
-            <a:r>
-              <a:rPr lang="en-US" sz="2000" dirty="0">
-                <a:solidFill>
-                  <a:srgbClr val="000000"/>
-                </a:solidFill>
-                <a:highlight>
-                  <a:srgbClr val="FFFFFF"/>
-                </a:highlight>
-                <a:latin typeface="Consolas" panose="020B0609020204030204" pitchFamily="49" charset="0"/>
-              </a:rPr>
-              <a:t> Timestamp</a:t>
-            </a:r>
-            <a:endParaRPr lang="en-US" sz="2000" dirty="0" smtClean="0"/>
-          </a:p>
-          <a:p>
-            <a:r>
-              <a:rPr lang="en-US" dirty="0" smtClean="0"/>
-              <a:t>Date Arithmetic</a:t>
-            </a:r>
-          </a:p>
-          <a:p>
-            <a:pPr lvl="1"/>
-            <a:r>
-              <a:rPr lang="en-US" sz="2000" dirty="0">
-                <a:solidFill>
-                  <a:srgbClr val="000000"/>
-                </a:solidFill>
-                <a:highlight>
-                  <a:srgbClr val="FFFFFF"/>
-                </a:highlight>
-                <a:latin typeface="Consolas" panose="020B0609020204030204" pitchFamily="49" charset="0"/>
-              </a:rPr>
-              <a:t>today + 3 </a:t>
-            </a:r>
-            <a:r>
-              <a:rPr lang="en-US" sz="2000" dirty="0">
-                <a:solidFill>
-                  <a:srgbClr val="0000FF"/>
-                </a:solidFill>
-                <a:highlight>
-                  <a:srgbClr val="FFFFFF"/>
-                </a:highlight>
-                <a:latin typeface="Consolas" panose="020B0609020204030204" pitchFamily="49" charset="0"/>
-              </a:rPr>
-              <a:t>months</a:t>
-            </a:r>
-            <a:r>
-              <a:rPr lang="en-US" sz="2000" dirty="0">
-                <a:solidFill>
-                  <a:srgbClr val="000000"/>
-                </a:solidFill>
-                <a:highlight>
-                  <a:srgbClr val="FFFFFF"/>
-                </a:highlight>
-                <a:latin typeface="Consolas" panose="020B0609020204030204" pitchFamily="49" charset="0"/>
-              </a:rPr>
-              <a:t> - 2 </a:t>
-            </a:r>
-            <a:r>
-              <a:rPr lang="en-US" sz="2000" dirty="0" smtClean="0">
-                <a:solidFill>
-                  <a:srgbClr val="0000FF"/>
-                </a:solidFill>
-                <a:highlight>
-                  <a:srgbClr val="FFFFFF"/>
-                </a:highlight>
-                <a:latin typeface="Consolas" panose="020B0609020204030204" pitchFamily="49" charset="0"/>
-              </a:rPr>
-              <a:t>days</a:t>
-            </a:r>
-          </a:p>
-          <a:p>
-            <a:pPr lvl="1"/>
-            <a:r>
-              <a:rPr lang="en-US" sz="2000" dirty="0">
-                <a:solidFill>
-                  <a:srgbClr val="0000FF"/>
-                </a:solidFill>
-                <a:highlight>
-                  <a:srgbClr val="FFFFFF"/>
-                </a:highlight>
-                <a:latin typeface="Consolas" panose="020B0609020204030204" pitchFamily="49" charset="0"/>
-              </a:rPr>
-              <a:t>months</a:t>
-            </a:r>
-            <a:r>
-              <a:rPr lang="en-US" sz="2000" dirty="0">
-                <a:solidFill>
-                  <a:srgbClr val="000000"/>
-                </a:solidFill>
-                <a:highlight>
-                  <a:srgbClr val="FFFFFF"/>
-                </a:highlight>
-                <a:latin typeface="Consolas" panose="020B0609020204030204" pitchFamily="49" charset="0"/>
-              </a:rPr>
-              <a:t> between </a:t>
-            </a:r>
-            <a:r>
-              <a:rPr lang="en-US" sz="2000" dirty="0">
-                <a:solidFill>
-                  <a:srgbClr val="0000FF"/>
-                </a:solidFill>
-                <a:highlight>
-                  <a:srgbClr val="FFFFFF"/>
-                </a:highlight>
-                <a:latin typeface="Consolas" panose="020B0609020204030204" pitchFamily="49" charset="0"/>
-              </a:rPr>
-              <a:t>start</a:t>
-            </a:r>
-            <a:r>
-              <a:rPr lang="en-US" sz="2000" dirty="0">
-                <a:solidFill>
-                  <a:srgbClr val="000000"/>
-                </a:solidFill>
-                <a:highlight>
-                  <a:srgbClr val="FFFFFF"/>
-                </a:highlight>
-                <a:latin typeface="Consolas" panose="020B0609020204030204" pitchFamily="49" charset="0"/>
-              </a:rPr>
-              <a:t> </a:t>
-            </a:r>
-            <a:r>
-              <a:rPr lang="en-US" sz="2000" dirty="0">
-                <a:solidFill>
-                  <a:srgbClr val="0000FF"/>
-                </a:solidFill>
-                <a:highlight>
-                  <a:srgbClr val="FFFFFF"/>
-                </a:highlight>
-                <a:latin typeface="Consolas" panose="020B0609020204030204" pitchFamily="49" charset="0"/>
-              </a:rPr>
-              <a:t>of</a:t>
-            </a:r>
-            <a:r>
-              <a:rPr lang="en-US" sz="2000" dirty="0">
-                <a:solidFill>
-                  <a:srgbClr val="000000"/>
-                </a:solidFill>
-                <a:highlight>
-                  <a:srgbClr val="FFFFFF"/>
-                </a:highlight>
-                <a:latin typeface="Consolas" panose="020B0609020204030204" pitchFamily="49" charset="0"/>
-              </a:rPr>
-              <a:t> X </a:t>
-            </a:r>
-            <a:r>
-              <a:rPr lang="en-US" sz="2000" dirty="0">
-                <a:solidFill>
-                  <a:srgbClr val="0000FF"/>
-                </a:solidFill>
-                <a:highlight>
-                  <a:srgbClr val="FFFFFF"/>
-                </a:highlight>
-                <a:latin typeface="Consolas" panose="020B0609020204030204" pitchFamily="49" charset="0"/>
-              </a:rPr>
-              <a:t>and</a:t>
-            </a:r>
-            <a:r>
-              <a:rPr lang="en-US" sz="2000" dirty="0">
-                <a:solidFill>
-                  <a:srgbClr val="000000"/>
-                </a:solidFill>
-                <a:highlight>
-                  <a:srgbClr val="FFFFFF"/>
-                </a:highlight>
-                <a:latin typeface="Consolas" panose="020B0609020204030204" pitchFamily="49" charset="0"/>
-              </a:rPr>
-              <a:t> </a:t>
-            </a:r>
-            <a:r>
-              <a:rPr lang="en-US" sz="2000" dirty="0">
-                <a:solidFill>
-                  <a:srgbClr val="0000FF"/>
-                </a:solidFill>
-                <a:highlight>
-                  <a:srgbClr val="FFFFFF"/>
-                </a:highlight>
-                <a:latin typeface="Consolas" panose="020B0609020204030204" pitchFamily="49" charset="0"/>
-              </a:rPr>
-              <a:t>end</a:t>
-            </a:r>
-            <a:r>
-              <a:rPr lang="en-US" sz="2000" dirty="0">
-                <a:solidFill>
-                  <a:srgbClr val="000000"/>
-                </a:solidFill>
-                <a:highlight>
-                  <a:srgbClr val="FFFFFF"/>
-                </a:highlight>
-                <a:latin typeface="Consolas" panose="020B0609020204030204" pitchFamily="49" charset="0"/>
-              </a:rPr>
-              <a:t> </a:t>
-            </a:r>
-            <a:r>
-              <a:rPr lang="en-US" sz="2000" dirty="0">
-                <a:solidFill>
-                  <a:srgbClr val="0000FF"/>
-                </a:solidFill>
-                <a:highlight>
-                  <a:srgbClr val="FFFFFF"/>
-                </a:highlight>
-                <a:latin typeface="Consolas" panose="020B0609020204030204" pitchFamily="49" charset="0"/>
-              </a:rPr>
-              <a:t>of</a:t>
-            </a:r>
-            <a:r>
-              <a:rPr lang="en-US" sz="2000" dirty="0">
-                <a:solidFill>
-                  <a:srgbClr val="000000"/>
-                </a:solidFill>
-                <a:highlight>
-                  <a:srgbClr val="FFFFFF"/>
-                </a:highlight>
-                <a:latin typeface="Consolas" panose="020B0609020204030204" pitchFamily="49" charset="0"/>
-              </a:rPr>
-              <a:t> X</a:t>
-            </a:r>
-            <a:endParaRPr lang="en-US" sz="2000" dirty="0" smtClean="0"/>
-          </a:p>
-          <a:p>
-            <a:r>
-              <a:rPr lang="en-US" dirty="0" smtClean="0"/>
-              <a:t>Date/Time extraction</a:t>
-            </a:r>
-          </a:p>
-          <a:p>
-            <a:pPr lvl="1"/>
-            <a:r>
-              <a:rPr lang="en-US" sz="2000" dirty="0">
-                <a:solidFill>
-                  <a:srgbClr val="0000FF"/>
-                </a:solidFill>
-                <a:highlight>
-                  <a:srgbClr val="FFFFFF"/>
-                </a:highlight>
-                <a:latin typeface="Consolas" panose="020B0609020204030204" pitchFamily="49" charset="0"/>
-              </a:rPr>
-              <a:t>date</a:t>
-            </a:r>
-            <a:r>
-              <a:rPr lang="en-US" sz="2000" dirty="0">
-                <a:solidFill>
-                  <a:srgbClr val="000000"/>
-                </a:solidFill>
-                <a:highlight>
-                  <a:srgbClr val="FFFFFF"/>
-                </a:highlight>
-                <a:latin typeface="Consolas" panose="020B0609020204030204" pitchFamily="49" charset="0"/>
-              </a:rPr>
-              <a:t> </a:t>
-            </a:r>
-            <a:r>
-              <a:rPr lang="en-US" sz="2000" dirty="0">
-                <a:solidFill>
-                  <a:srgbClr val="0000FF"/>
-                </a:solidFill>
-                <a:highlight>
-                  <a:srgbClr val="FFFFFF"/>
-                </a:highlight>
-                <a:latin typeface="Consolas" panose="020B0609020204030204" pitchFamily="49" charset="0"/>
-              </a:rPr>
-              <a:t>of</a:t>
-            </a:r>
-            <a:r>
-              <a:rPr lang="en-US" sz="2000" dirty="0">
-                <a:solidFill>
-                  <a:srgbClr val="000000"/>
-                </a:solidFill>
-                <a:highlight>
-                  <a:srgbClr val="FFFFFF"/>
-                </a:highlight>
-                <a:latin typeface="Consolas" panose="020B0609020204030204" pitchFamily="49" charset="0"/>
-              </a:rPr>
-              <a:t> </a:t>
-            </a:r>
-            <a:r>
-              <a:rPr lang="en-US" sz="2000" dirty="0">
-                <a:solidFill>
-                  <a:srgbClr val="0000FF"/>
-                </a:solidFill>
-                <a:highlight>
-                  <a:srgbClr val="FFFFFF"/>
-                </a:highlight>
-                <a:latin typeface="Consolas" panose="020B0609020204030204" pitchFamily="49" charset="0"/>
-              </a:rPr>
-              <a:t>start</a:t>
-            </a:r>
-            <a:r>
-              <a:rPr lang="en-US" sz="2000" dirty="0">
-                <a:solidFill>
-                  <a:srgbClr val="000000"/>
-                </a:solidFill>
-                <a:highlight>
-                  <a:srgbClr val="FFFFFF"/>
-                </a:highlight>
-                <a:latin typeface="Consolas" panose="020B0609020204030204" pitchFamily="49" charset="0"/>
-              </a:rPr>
-              <a:t> </a:t>
-            </a:r>
-            <a:r>
-              <a:rPr lang="en-US" sz="2000" dirty="0">
-                <a:solidFill>
-                  <a:srgbClr val="0000FF"/>
-                </a:solidFill>
-                <a:highlight>
-                  <a:srgbClr val="FFFFFF"/>
-                </a:highlight>
-                <a:latin typeface="Consolas" panose="020B0609020204030204" pitchFamily="49" charset="0"/>
-              </a:rPr>
-              <a:t>of</a:t>
-            </a:r>
-            <a:r>
-              <a:rPr lang="en-US" sz="2000" dirty="0">
-                <a:solidFill>
-                  <a:srgbClr val="000000"/>
-                </a:solidFill>
-                <a:highlight>
-                  <a:srgbClr val="FFFFFF"/>
-                </a:highlight>
-                <a:latin typeface="Consolas" panose="020B0609020204030204" pitchFamily="49" charset="0"/>
-              </a:rPr>
-              <a:t> X</a:t>
-            </a:r>
-            <a:endParaRPr lang="en-US" sz="2000" dirty="0" smtClean="0"/>
-          </a:p>
-          <a:p>
-            <a:r>
-              <a:rPr lang="en-US" dirty="0" smtClean="0"/>
-              <a:t>Component extraction</a:t>
-            </a:r>
-          </a:p>
-          <a:p>
-            <a:pPr lvl="1"/>
-            <a:r>
-              <a:rPr lang="en-US" sz="2000" dirty="0">
-                <a:solidFill>
-                  <a:srgbClr val="0000FF"/>
-                </a:solidFill>
-                <a:highlight>
-                  <a:srgbClr val="FFFFFF"/>
-                </a:highlight>
-                <a:latin typeface="Consolas" panose="020B0609020204030204" pitchFamily="49" charset="0"/>
-              </a:rPr>
-              <a:t>month</a:t>
-            </a:r>
-            <a:r>
-              <a:rPr lang="en-US" sz="2000" dirty="0">
-                <a:solidFill>
-                  <a:srgbClr val="000000"/>
-                </a:solidFill>
-                <a:highlight>
-                  <a:srgbClr val="FFFFFF"/>
-                </a:highlight>
-                <a:latin typeface="Consolas" panose="020B0609020204030204" pitchFamily="49" charset="0"/>
-              </a:rPr>
-              <a:t> </a:t>
-            </a:r>
-            <a:r>
-              <a:rPr lang="en-US" sz="2000" dirty="0">
-                <a:solidFill>
-                  <a:srgbClr val="0000FF"/>
-                </a:solidFill>
-                <a:highlight>
-                  <a:srgbClr val="FFFFFF"/>
-                </a:highlight>
-                <a:latin typeface="Consolas" panose="020B0609020204030204" pitchFamily="49" charset="0"/>
-              </a:rPr>
-              <a:t>of</a:t>
-            </a:r>
-            <a:r>
-              <a:rPr lang="en-US" sz="2000" dirty="0">
-                <a:solidFill>
-                  <a:srgbClr val="000000"/>
-                </a:solidFill>
-                <a:highlight>
-                  <a:srgbClr val="FFFFFF"/>
-                </a:highlight>
-                <a:latin typeface="Consolas" panose="020B0609020204030204" pitchFamily="49" charset="0"/>
-              </a:rPr>
-              <a:t> </a:t>
-            </a:r>
-            <a:r>
-              <a:rPr lang="en-US" sz="2000" dirty="0">
-                <a:solidFill>
-                  <a:srgbClr val="0000FF"/>
-                </a:solidFill>
-                <a:highlight>
-                  <a:srgbClr val="FFFFFF"/>
-                </a:highlight>
-                <a:latin typeface="Consolas" panose="020B0609020204030204" pitchFamily="49" charset="0"/>
-              </a:rPr>
-              <a:t>start</a:t>
-            </a:r>
-            <a:r>
-              <a:rPr lang="en-US" sz="2000" dirty="0">
-                <a:solidFill>
-                  <a:srgbClr val="000000"/>
-                </a:solidFill>
-                <a:highlight>
-                  <a:srgbClr val="FFFFFF"/>
-                </a:highlight>
-                <a:latin typeface="Consolas" panose="020B0609020204030204" pitchFamily="49" charset="0"/>
-              </a:rPr>
-              <a:t> </a:t>
-            </a:r>
-            <a:r>
-              <a:rPr lang="en-US" sz="2000" dirty="0">
-                <a:solidFill>
-                  <a:srgbClr val="0000FF"/>
-                </a:solidFill>
-                <a:highlight>
-                  <a:srgbClr val="FFFFFF"/>
-                </a:highlight>
-                <a:latin typeface="Consolas" panose="020B0609020204030204" pitchFamily="49" charset="0"/>
-              </a:rPr>
-              <a:t>of</a:t>
-            </a:r>
-            <a:r>
-              <a:rPr lang="en-US" sz="2000" dirty="0">
-                <a:solidFill>
-                  <a:srgbClr val="000000"/>
-                </a:solidFill>
-                <a:highlight>
-                  <a:srgbClr val="FFFFFF"/>
-                </a:highlight>
-                <a:latin typeface="Consolas" panose="020B0609020204030204" pitchFamily="49" charset="0"/>
-              </a:rPr>
-              <a:t> X</a:t>
-            </a:r>
-            <a:endParaRPr lang="en-US" sz="2000" dirty="0"/>
-          </a:p>
-        </p:txBody>
-      </p:sp>
+        </p:nvGraphicFramePr>
+        <p:xfrm>
+          <a:off x="228600" y="1295400"/>
+          <a:ext cx="8610600" cy="5400040"/>
+        </p:xfrm>
+        <a:graphic>
+          <a:graphicData uri="http://schemas.openxmlformats.org/drawingml/2006/table">
+            <a:tbl>
+              <a:tblPr firstRow="1" bandRow="1">
+                <a:tableStyleId>{5C22544A-7EE6-4342-B048-85BDC9FD1C3A}</a:tableStyleId>
+              </a:tblPr>
+              <a:tblGrid>
+                <a:gridCol w="2362200"/>
+                <a:gridCol w="3276600"/>
+                <a:gridCol w="2971800"/>
+              </a:tblGrid>
+              <a:tr h="370840">
+                <a:tc>
+                  <a:txBody>
+                    <a:bodyPr/>
+                    <a:lstStyle/>
+                    <a:p>
+                      <a:r>
+                        <a:rPr lang="en-US" dirty="0" smtClean="0"/>
+                        <a:t>Operator/Inverse</a:t>
+                      </a:r>
+                      <a:endParaRPr lang="en-US" dirty="0"/>
+                    </a:p>
+                  </a:txBody>
+                  <a:tcPr/>
+                </a:tc>
+                <a:tc>
+                  <a:txBody>
+                    <a:bodyPr/>
+                    <a:lstStyle/>
+                    <a:p>
+                      <a:r>
+                        <a:rPr lang="en-US" dirty="0" smtClean="0"/>
+                        <a:t>Diagram</a:t>
+                      </a:r>
+                      <a:endParaRPr lang="en-US" dirty="0"/>
+                    </a:p>
+                  </a:txBody>
+                  <a:tcPr/>
+                </a:tc>
+                <a:tc>
+                  <a:txBody>
+                    <a:bodyPr/>
+                    <a:lstStyle/>
+                    <a:p>
+                      <a:r>
+                        <a:rPr lang="en-US" dirty="0" smtClean="0"/>
+                        <a:t>Interpretation</a:t>
+                      </a:r>
+                      <a:endParaRPr lang="en-US" dirty="0"/>
+                    </a:p>
+                  </a:txBody>
+                  <a:tcPr/>
+                </a:tc>
+              </a:tr>
+              <a:tr h="370840">
+                <a:tc>
+                  <a:txBody>
+                    <a:bodyPr/>
+                    <a:lstStyle/>
+                    <a:p>
+                      <a:r>
+                        <a:rPr lang="en-US" dirty="0" smtClean="0"/>
+                        <a:t>X concurrent with Y</a:t>
+                      </a:r>
+                    </a:p>
+                    <a:p>
+                      <a:r>
+                        <a:rPr lang="en-US" dirty="0" smtClean="0"/>
+                        <a:t>Y concurrent with X</a:t>
+                      </a:r>
+                      <a:endParaRPr lang="en-US" dirty="0"/>
+                    </a:p>
+                  </a:txBody>
+                  <a:tcPr/>
+                </a:tc>
+                <a:tc>
+                  <a:txBody>
+                    <a:bodyPr/>
+                    <a:lstStyle/>
+                    <a:p>
+                      <a:endParaRPr lang="en-US" dirty="0" smtClean="0"/>
+                    </a:p>
+                    <a:p>
+                      <a:endParaRPr lang="en-US" dirty="0"/>
+                    </a:p>
+                  </a:txBody>
+                  <a:tcPr/>
+                </a:tc>
+                <a:tc>
+                  <a:txBody>
+                    <a:bodyPr/>
+                    <a:lstStyle/>
+                    <a:p>
+                      <a:r>
+                        <a:rPr lang="en-US" dirty="0" smtClean="0"/>
+                        <a:t>start of X = start of Y </a:t>
+                      </a:r>
+                    </a:p>
+                    <a:p>
+                      <a:r>
+                        <a:rPr lang="en-US" dirty="0" smtClean="0"/>
+                        <a:t>and end</a:t>
+                      </a:r>
+                      <a:r>
+                        <a:rPr lang="en-US" baseline="0" dirty="0" smtClean="0"/>
+                        <a:t> of X = end of Y</a:t>
+                      </a:r>
+                      <a:endParaRPr lang="en-US" dirty="0"/>
+                    </a:p>
+                  </a:txBody>
+                  <a:tcPr/>
+                </a:tc>
+              </a:tr>
+              <a:tr h="370840">
+                <a:tc>
+                  <a:txBody>
+                    <a:bodyPr/>
+                    <a:lstStyle/>
+                    <a:p>
+                      <a:r>
+                        <a:rPr lang="en-US" dirty="0" smtClean="0"/>
+                        <a:t>X before Y</a:t>
+                      </a:r>
+                    </a:p>
+                    <a:p>
+                      <a:r>
+                        <a:rPr lang="en-US" dirty="0" smtClean="0"/>
+                        <a:t>Y after X</a:t>
+                      </a:r>
+                      <a:endParaRPr lang="en-US" dirty="0"/>
+                    </a:p>
+                  </a:txBody>
+                  <a:tcPr/>
+                </a:tc>
+                <a:tc>
+                  <a:txBody>
+                    <a:bodyPr/>
+                    <a:lstStyle/>
+                    <a:p>
+                      <a:endParaRPr lang="en-US" dirty="0"/>
+                    </a:p>
+                  </a:txBody>
+                  <a:tcPr/>
+                </a:tc>
+                <a:tc>
+                  <a:txBody>
+                    <a:bodyPr/>
+                    <a:lstStyle/>
+                    <a:p>
+                      <a:r>
+                        <a:rPr lang="en-US" dirty="0" smtClean="0"/>
+                        <a:t>end of X &lt; start of Y</a:t>
+                      </a:r>
+                      <a:endParaRPr lang="en-US" dirty="0"/>
+                    </a:p>
+                  </a:txBody>
+                  <a:tcPr/>
+                </a:tc>
+              </a:tr>
+              <a:tr h="370840">
+                <a:tc>
+                  <a:txBody>
+                    <a:bodyPr/>
+                    <a:lstStyle/>
+                    <a:p>
+                      <a:r>
+                        <a:rPr lang="en-US" dirty="0" smtClean="0"/>
+                        <a:t>X meets before</a:t>
+                      </a:r>
+                      <a:r>
+                        <a:rPr lang="en-US" baseline="0" dirty="0" smtClean="0"/>
+                        <a:t> Y</a:t>
+                      </a:r>
+                    </a:p>
+                    <a:p>
+                      <a:r>
+                        <a:rPr lang="en-US" baseline="0" dirty="0" smtClean="0"/>
+                        <a:t>Y meets after X</a:t>
+                      </a:r>
+                    </a:p>
+                    <a:p>
+                      <a:r>
+                        <a:rPr lang="en-US" baseline="0" dirty="0" smtClean="0"/>
+                        <a:t>X meets Y</a:t>
+                      </a:r>
+                      <a:endParaRPr lang="en-US" dirty="0" smtClean="0"/>
+                    </a:p>
+                  </a:txBody>
+                  <a:tcPr/>
+                </a:tc>
+                <a:tc>
+                  <a:txBody>
+                    <a:bodyPr/>
+                    <a:lstStyle/>
+                    <a:p>
+                      <a:endParaRPr lang="en-US" dirty="0"/>
+                    </a:p>
+                  </a:txBody>
+                  <a:tcPr/>
+                </a:tc>
+                <a:tc>
+                  <a:txBody>
+                    <a:bodyPr/>
+                    <a:lstStyle/>
+                    <a:p>
+                      <a:r>
+                        <a:rPr lang="en-US" dirty="0" smtClean="0"/>
+                        <a:t>successor</a:t>
+                      </a:r>
+                      <a:r>
+                        <a:rPr lang="en-US" baseline="0" dirty="0" smtClean="0"/>
+                        <a:t> of end of X = start of Y</a:t>
+                      </a:r>
+                      <a:endParaRPr lang="en-US" dirty="0"/>
+                    </a:p>
+                  </a:txBody>
+                  <a:tcPr/>
+                </a:tc>
+              </a:tr>
+              <a:tr h="370840">
+                <a:tc>
+                  <a:txBody>
+                    <a:bodyPr/>
+                    <a:lstStyle/>
+                    <a:p>
+                      <a:r>
+                        <a:rPr lang="en-US" dirty="0" smtClean="0"/>
+                        <a:t>X overlaps before</a:t>
+                      </a:r>
+                      <a:r>
+                        <a:rPr lang="en-US" baseline="0" dirty="0" smtClean="0"/>
+                        <a:t> Y</a:t>
+                      </a:r>
+                    </a:p>
+                    <a:p>
+                      <a:r>
+                        <a:rPr lang="en-US" baseline="0" dirty="0" smtClean="0"/>
+                        <a:t>Y overlaps after X</a:t>
+                      </a:r>
+                    </a:p>
+                    <a:p>
+                      <a:r>
+                        <a:rPr lang="en-US" baseline="0" dirty="0" smtClean="0"/>
+                        <a:t>X overlaps Y</a:t>
+                      </a:r>
+                      <a:endParaRPr lang="en-US" dirty="0"/>
+                    </a:p>
+                  </a:txBody>
+                  <a:tcPr/>
+                </a:tc>
+                <a:tc>
+                  <a:txBody>
+                    <a:bodyPr/>
+                    <a:lstStyle/>
+                    <a:p>
+                      <a:endParaRPr lang="en-US" dirty="0"/>
+                    </a:p>
+                  </a:txBody>
+                  <a:tcPr/>
+                </a:tc>
+                <a:tc>
+                  <a:txBody>
+                    <a:bodyPr/>
+                    <a:lstStyle/>
+                    <a:p>
+                      <a:r>
+                        <a:rPr lang="en-US" dirty="0" smtClean="0"/>
+                        <a:t>start</a:t>
+                      </a:r>
+                      <a:r>
+                        <a:rPr lang="en-US" baseline="0" dirty="0" smtClean="0"/>
+                        <a:t> of X &lt;= start of Y</a:t>
+                      </a:r>
+                    </a:p>
+                    <a:p>
+                      <a:r>
+                        <a:rPr lang="en-US" baseline="0" dirty="0" smtClean="0"/>
+                        <a:t>and start of Y &lt;= end of X</a:t>
+                      </a:r>
+                      <a:endParaRPr lang="en-US" dirty="0"/>
+                    </a:p>
+                  </a:txBody>
+                  <a:tcPr/>
+                </a:tc>
+              </a:tr>
+              <a:tr h="370840">
+                <a:tc>
+                  <a:txBody>
+                    <a:bodyPr/>
+                    <a:lstStyle/>
+                    <a:p>
+                      <a:r>
+                        <a:rPr lang="en-US" dirty="0" smtClean="0"/>
+                        <a:t>X begins Y</a:t>
+                      </a:r>
+                    </a:p>
+                    <a:p>
+                      <a:r>
+                        <a:rPr lang="en-US" dirty="0" smtClean="0"/>
+                        <a:t>Y</a:t>
+                      </a:r>
+                      <a:r>
+                        <a:rPr lang="en-US" baseline="0" dirty="0" smtClean="0"/>
+                        <a:t> begun by X</a:t>
+                      </a:r>
+                      <a:endParaRPr lang="en-US" dirty="0"/>
+                    </a:p>
+                  </a:txBody>
+                  <a:tcPr/>
+                </a:tc>
+                <a:tc>
+                  <a:txBody>
+                    <a:bodyPr/>
+                    <a:lstStyle/>
+                    <a:p>
+                      <a:endParaRPr lang="en-US" dirty="0"/>
+                    </a:p>
+                  </a:txBody>
+                  <a:tcPr/>
+                </a:tc>
+                <a:tc>
+                  <a:txBody>
+                    <a:bodyPr/>
+                    <a:lstStyle/>
+                    <a:p>
+                      <a:r>
+                        <a:rPr lang="en-US" dirty="0" smtClean="0"/>
+                        <a:t>start of X = start of Y</a:t>
+                      </a:r>
+                    </a:p>
+                    <a:p>
+                      <a:r>
+                        <a:rPr lang="en-US" dirty="0" smtClean="0"/>
+                        <a:t>and</a:t>
+                      </a:r>
+                      <a:r>
+                        <a:rPr lang="en-US" baseline="0" dirty="0" smtClean="0"/>
+                        <a:t> end of X &lt;= end of Y</a:t>
+                      </a:r>
+                      <a:endParaRPr lang="en-US" dirty="0"/>
+                    </a:p>
+                  </a:txBody>
+                  <a:tcPr/>
+                </a:tc>
+              </a:tr>
+              <a:tr h="370840">
+                <a:tc>
+                  <a:txBody>
+                    <a:bodyPr/>
+                    <a:lstStyle/>
+                    <a:p>
+                      <a:r>
+                        <a:rPr lang="en-US" dirty="0" smtClean="0"/>
+                        <a:t>X</a:t>
+                      </a:r>
+                      <a:r>
+                        <a:rPr lang="en-US" baseline="0" dirty="0" smtClean="0"/>
+                        <a:t> included in (during) Y</a:t>
+                      </a:r>
+                    </a:p>
+                    <a:p>
+                      <a:r>
+                        <a:rPr lang="en-US" baseline="0" dirty="0" smtClean="0"/>
+                        <a:t>Y includes X</a:t>
+                      </a:r>
+                      <a:endParaRPr lang="en-US" dirty="0"/>
+                    </a:p>
+                  </a:txBody>
+                  <a:tcPr/>
+                </a:tc>
+                <a:tc>
+                  <a:txBody>
+                    <a:bodyPr/>
+                    <a:lstStyle/>
+                    <a:p>
+                      <a:endParaRPr lang="en-US" dirty="0"/>
+                    </a:p>
+                  </a:txBody>
+                  <a:tcPr/>
+                </a:tc>
+                <a:tc>
+                  <a:txBody>
+                    <a:bodyPr/>
+                    <a:lstStyle/>
+                    <a:p>
+                      <a:r>
+                        <a:rPr lang="en-US" dirty="0" smtClean="0"/>
+                        <a:t>start</a:t>
+                      </a:r>
+                      <a:r>
+                        <a:rPr lang="en-US" baseline="0" dirty="0" smtClean="0"/>
+                        <a:t> of X &gt;= start of Y</a:t>
+                      </a:r>
+                    </a:p>
+                    <a:p>
+                      <a:r>
+                        <a:rPr lang="en-US" baseline="0" dirty="0" smtClean="0"/>
+                        <a:t>and end of X &lt;= end of Y</a:t>
+                      </a:r>
+                      <a:endParaRPr lang="en-US" dirty="0"/>
+                    </a:p>
+                  </a:txBody>
+                  <a:tcPr/>
+                </a:tc>
+              </a:tr>
+              <a:tr h="370840">
+                <a:tc>
+                  <a:txBody>
+                    <a:bodyPr/>
+                    <a:lstStyle/>
+                    <a:p>
+                      <a:r>
+                        <a:rPr lang="en-US" dirty="0" smtClean="0"/>
+                        <a:t>X ends Y</a:t>
+                      </a:r>
+                    </a:p>
+                    <a:p>
+                      <a:r>
+                        <a:rPr lang="en-US" dirty="0" smtClean="0"/>
+                        <a:t>Y ended by X</a:t>
+                      </a:r>
+                      <a:endParaRPr lang="en-US" dirty="0"/>
+                    </a:p>
+                  </a:txBody>
+                  <a:tcPr/>
+                </a:tc>
+                <a:tc>
+                  <a:txBody>
+                    <a:bodyPr/>
+                    <a:lstStyle/>
+                    <a:p>
+                      <a:endParaRPr lang="en-US" dirty="0"/>
+                    </a:p>
+                  </a:txBody>
+                  <a:tcPr/>
+                </a:tc>
+                <a:tc>
+                  <a:txBody>
+                    <a:bodyPr/>
+                    <a:lstStyle/>
+                    <a:p>
+                      <a:r>
+                        <a:rPr lang="en-US" dirty="0" smtClean="0"/>
+                        <a:t>start of X &gt;= start of Y</a:t>
+                      </a:r>
+                    </a:p>
+                    <a:p>
+                      <a:r>
+                        <a:rPr lang="en-US" dirty="0" smtClean="0"/>
+                        <a:t>and end of X = end of Y</a:t>
+                      </a:r>
+                      <a:endParaRPr lang="en-US" dirty="0"/>
+                    </a:p>
+                  </a:txBody>
+                  <a:tcPr/>
+                </a:tc>
+              </a:tr>
+            </a:tbl>
+          </a:graphicData>
+        </a:graphic>
+      </p:graphicFrame>
+      <p:grpSp>
+        <p:nvGrpSpPr>
+          <p:cNvPr id="9" name="Group 8"/>
+          <p:cNvGrpSpPr/>
+          <p:nvPr/>
+        </p:nvGrpSpPr>
+        <p:grpSpPr>
+          <a:xfrm>
+            <a:off x="2672644" y="1595284"/>
+            <a:ext cx="1270000" cy="369332"/>
+            <a:chOff x="2819400" y="1905000"/>
+            <a:chExt cx="1270000" cy="369332"/>
+          </a:xfrm>
+        </p:grpSpPr>
+        <p:cxnSp>
+          <p:nvCxnSpPr>
+            <p:cNvPr id="6" name="Straight Connector 5"/>
+            <p:cNvCxnSpPr/>
+            <p:nvPr/>
+          </p:nvCxnSpPr>
+          <p:spPr>
+            <a:xfrm>
+              <a:off x="2819400" y="2209800"/>
+              <a:ext cx="1270000" cy="0"/>
+            </a:xfrm>
+            <a:prstGeom prst="line">
+              <a:avLst/>
+            </a:prstGeom>
+          </p:spPr>
+          <p:style>
+            <a:lnRef idx="1">
+              <a:schemeClr val="accent1"/>
+            </a:lnRef>
+            <a:fillRef idx="0">
+              <a:schemeClr val="accent1"/>
+            </a:fillRef>
+            <a:effectRef idx="0">
+              <a:schemeClr val="accent1"/>
+            </a:effectRef>
+            <a:fontRef idx="minor">
+              <a:schemeClr val="tx1"/>
+            </a:fontRef>
+          </p:style>
+        </p:cxnSp>
+        <p:sp>
+          <p:nvSpPr>
+            <p:cNvPr id="7" name="TextBox 6"/>
+            <p:cNvSpPr txBox="1"/>
+            <p:nvPr/>
+          </p:nvSpPr>
+          <p:spPr>
+            <a:xfrm>
+              <a:off x="3359150" y="1905000"/>
+              <a:ext cx="298450" cy="369332"/>
+            </a:xfrm>
+            <a:prstGeom prst="rect">
+              <a:avLst/>
+            </a:prstGeom>
+            <a:noFill/>
+          </p:spPr>
+          <p:txBody>
+            <a:bodyPr wrap="square" rtlCol="0">
+              <a:spAutoFit/>
+            </a:bodyPr>
+            <a:lstStyle/>
+            <a:p>
+              <a:r>
+                <a:rPr lang="en-US" dirty="0" smtClean="0"/>
+                <a:t>X</a:t>
+              </a:r>
+              <a:endParaRPr lang="en-US" dirty="0"/>
+            </a:p>
+          </p:txBody>
+        </p:sp>
+      </p:grpSp>
+      <p:grpSp>
+        <p:nvGrpSpPr>
+          <p:cNvPr id="10" name="Group 9"/>
+          <p:cNvGrpSpPr/>
+          <p:nvPr/>
+        </p:nvGrpSpPr>
+        <p:grpSpPr>
+          <a:xfrm>
+            <a:off x="2672644" y="1897995"/>
+            <a:ext cx="1270000" cy="369332"/>
+            <a:chOff x="2819400" y="1905000"/>
+            <a:chExt cx="1270000" cy="369332"/>
+          </a:xfrm>
+        </p:grpSpPr>
+        <p:cxnSp>
+          <p:nvCxnSpPr>
+            <p:cNvPr id="11" name="Straight Connector 10"/>
+            <p:cNvCxnSpPr/>
+            <p:nvPr/>
+          </p:nvCxnSpPr>
+          <p:spPr>
+            <a:xfrm>
+              <a:off x="2819400" y="2209800"/>
+              <a:ext cx="1270000" cy="0"/>
+            </a:xfrm>
+            <a:prstGeom prst="line">
+              <a:avLst/>
+            </a:prstGeom>
+          </p:spPr>
+          <p:style>
+            <a:lnRef idx="1">
+              <a:schemeClr val="accent1"/>
+            </a:lnRef>
+            <a:fillRef idx="0">
+              <a:schemeClr val="accent1"/>
+            </a:fillRef>
+            <a:effectRef idx="0">
+              <a:schemeClr val="accent1"/>
+            </a:effectRef>
+            <a:fontRef idx="minor">
+              <a:schemeClr val="tx1"/>
+            </a:fontRef>
+          </p:style>
+        </p:cxnSp>
+        <p:sp>
+          <p:nvSpPr>
+            <p:cNvPr id="12" name="TextBox 11"/>
+            <p:cNvSpPr txBox="1"/>
+            <p:nvPr/>
+          </p:nvSpPr>
+          <p:spPr>
+            <a:xfrm>
+              <a:off x="3359150" y="1905000"/>
+              <a:ext cx="298450" cy="369332"/>
+            </a:xfrm>
+            <a:prstGeom prst="rect">
+              <a:avLst/>
+            </a:prstGeom>
+            <a:noFill/>
+          </p:spPr>
+          <p:txBody>
+            <a:bodyPr wrap="square" rtlCol="0">
+              <a:spAutoFit/>
+            </a:bodyPr>
+            <a:lstStyle/>
+            <a:p>
+              <a:r>
+                <a:rPr lang="en-US" dirty="0"/>
+                <a:t>Y</a:t>
+              </a:r>
+              <a:endParaRPr lang="en-US" dirty="0"/>
+            </a:p>
+          </p:txBody>
+        </p:sp>
+      </p:grpSp>
+      <p:grpSp>
+        <p:nvGrpSpPr>
+          <p:cNvPr id="13" name="Group 12"/>
+          <p:cNvGrpSpPr/>
+          <p:nvPr/>
+        </p:nvGrpSpPr>
+        <p:grpSpPr>
+          <a:xfrm>
+            <a:off x="2672644" y="2260700"/>
+            <a:ext cx="1270000" cy="369332"/>
+            <a:chOff x="2819400" y="1905000"/>
+            <a:chExt cx="1270000" cy="369332"/>
+          </a:xfrm>
+        </p:grpSpPr>
+        <p:cxnSp>
+          <p:nvCxnSpPr>
+            <p:cNvPr id="14" name="Straight Connector 13"/>
+            <p:cNvCxnSpPr/>
+            <p:nvPr/>
+          </p:nvCxnSpPr>
+          <p:spPr>
+            <a:xfrm>
+              <a:off x="2819400" y="2209800"/>
+              <a:ext cx="1270000" cy="0"/>
+            </a:xfrm>
+            <a:prstGeom prst="line">
+              <a:avLst/>
+            </a:prstGeom>
+          </p:spPr>
+          <p:style>
+            <a:lnRef idx="1">
+              <a:schemeClr val="accent1"/>
+            </a:lnRef>
+            <a:fillRef idx="0">
+              <a:schemeClr val="accent1"/>
+            </a:fillRef>
+            <a:effectRef idx="0">
+              <a:schemeClr val="accent1"/>
+            </a:effectRef>
+            <a:fontRef idx="minor">
+              <a:schemeClr val="tx1"/>
+            </a:fontRef>
+          </p:style>
+        </p:cxnSp>
+        <p:sp>
+          <p:nvSpPr>
+            <p:cNvPr id="15" name="TextBox 14"/>
+            <p:cNvSpPr txBox="1"/>
+            <p:nvPr/>
+          </p:nvSpPr>
+          <p:spPr>
+            <a:xfrm>
+              <a:off x="3359150" y="1905000"/>
+              <a:ext cx="298450" cy="369332"/>
+            </a:xfrm>
+            <a:prstGeom prst="rect">
+              <a:avLst/>
+            </a:prstGeom>
+            <a:noFill/>
+          </p:spPr>
+          <p:txBody>
+            <a:bodyPr wrap="square" rtlCol="0">
+              <a:spAutoFit/>
+            </a:bodyPr>
+            <a:lstStyle/>
+            <a:p>
+              <a:r>
+                <a:rPr lang="en-US" dirty="0" smtClean="0"/>
+                <a:t>X</a:t>
+              </a:r>
+              <a:endParaRPr lang="en-US" dirty="0"/>
+            </a:p>
+          </p:txBody>
+        </p:sp>
+      </p:grpSp>
+      <p:grpSp>
+        <p:nvGrpSpPr>
+          <p:cNvPr id="16" name="Group 15"/>
+          <p:cNvGrpSpPr/>
+          <p:nvPr/>
+        </p:nvGrpSpPr>
+        <p:grpSpPr>
+          <a:xfrm>
+            <a:off x="4478162" y="2481204"/>
+            <a:ext cx="1270000" cy="369332"/>
+            <a:chOff x="2819400" y="1905000"/>
+            <a:chExt cx="1270000" cy="369332"/>
+          </a:xfrm>
+        </p:grpSpPr>
+        <p:cxnSp>
+          <p:nvCxnSpPr>
+            <p:cNvPr id="17" name="Straight Connector 16"/>
+            <p:cNvCxnSpPr/>
+            <p:nvPr/>
+          </p:nvCxnSpPr>
+          <p:spPr>
+            <a:xfrm>
+              <a:off x="2819400" y="2209800"/>
+              <a:ext cx="1270000" cy="0"/>
+            </a:xfrm>
+            <a:prstGeom prst="line">
+              <a:avLst/>
+            </a:prstGeom>
+          </p:spPr>
+          <p:style>
+            <a:lnRef idx="1">
+              <a:schemeClr val="accent1"/>
+            </a:lnRef>
+            <a:fillRef idx="0">
+              <a:schemeClr val="accent1"/>
+            </a:fillRef>
+            <a:effectRef idx="0">
+              <a:schemeClr val="accent1"/>
+            </a:effectRef>
+            <a:fontRef idx="minor">
+              <a:schemeClr val="tx1"/>
+            </a:fontRef>
+          </p:style>
+        </p:cxnSp>
+        <p:sp>
+          <p:nvSpPr>
+            <p:cNvPr id="18" name="TextBox 17"/>
+            <p:cNvSpPr txBox="1"/>
+            <p:nvPr/>
+          </p:nvSpPr>
+          <p:spPr>
+            <a:xfrm>
+              <a:off x="3359150" y="1905000"/>
+              <a:ext cx="298450" cy="369332"/>
+            </a:xfrm>
+            <a:prstGeom prst="rect">
+              <a:avLst/>
+            </a:prstGeom>
+            <a:noFill/>
+          </p:spPr>
+          <p:txBody>
+            <a:bodyPr wrap="square" rtlCol="0">
+              <a:spAutoFit/>
+            </a:bodyPr>
+            <a:lstStyle/>
+            <a:p>
+              <a:r>
+                <a:rPr lang="en-US" dirty="0"/>
+                <a:t>Y</a:t>
+              </a:r>
+              <a:endParaRPr lang="en-US" dirty="0"/>
+            </a:p>
+          </p:txBody>
+        </p:sp>
+      </p:grpSp>
+      <p:grpSp>
+        <p:nvGrpSpPr>
+          <p:cNvPr id="19" name="Group 18"/>
+          <p:cNvGrpSpPr/>
+          <p:nvPr/>
+        </p:nvGrpSpPr>
+        <p:grpSpPr>
+          <a:xfrm>
+            <a:off x="2672644" y="2939442"/>
+            <a:ext cx="1270000" cy="369332"/>
+            <a:chOff x="2819400" y="1905000"/>
+            <a:chExt cx="1270000" cy="369332"/>
+          </a:xfrm>
+        </p:grpSpPr>
+        <p:cxnSp>
+          <p:nvCxnSpPr>
+            <p:cNvPr id="20" name="Straight Connector 19"/>
+            <p:cNvCxnSpPr/>
+            <p:nvPr/>
+          </p:nvCxnSpPr>
+          <p:spPr>
+            <a:xfrm>
+              <a:off x="2819400" y="2209800"/>
+              <a:ext cx="1270000" cy="0"/>
+            </a:xfrm>
+            <a:prstGeom prst="line">
+              <a:avLst/>
+            </a:prstGeom>
+          </p:spPr>
+          <p:style>
+            <a:lnRef idx="1">
+              <a:schemeClr val="accent1"/>
+            </a:lnRef>
+            <a:fillRef idx="0">
+              <a:schemeClr val="accent1"/>
+            </a:fillRef>
+            <a:effectRef idx="0">
+              <a:schemeClr val="accent1"/>
+            </a:effectRef>
+            <a:fontRef idx="minor">
+              <a:schemeClr val="tx1"/>
+            </a:fontRef>
+          </p:style>
+        </p:cxnSp>
+        <p:sp>
+          <p:nvSpPr>
+            <p:cNvPr id="21" name="TextBox 20"/>
+            <p:cNvSpPr txBox="1"/>
+            <p:nvPr/>
+          </p:nvSpPr>
+          <p:spPr>
+            <a:xfrm>
+              <a:off x="3359150" y="1905000"/>
+              <a:ext cx="298450" cy="369332"/>
+            </a:xfrm>
+            <a:prstGeom prst="rect">
+              <a:avLst/>
+            </a:prstGeom>
+            <a:noFill/>
+          </p:spPr>
+          <p:txBody>
+            <a:bodyPr wrap="square" rtlCol="0">
+              <a:spAutoFit/>
+            </a:bodyPr>
+            <a:lstStyle/>
+            <a:p>
+              <a:r>
+                <a:rPr lang="en-US" dirty="0" smtClean="0"/>
+                <a:t>X</a:t>
+              </a:r>
+              <a:endParaRPr lang="en-US" dirty="0"/>
+            </a:p>
+          </p:txBody>
+        </p:sp>
+      </p:grpSp>
+      <p:grpSp>
+        <p:nvGrpSpPr>
+          <p:cNvPr id="22" name="Group 21"/>
+          <p:cNvGrpSpPr/>
+          <p:nvPr/>
+        </p:nvGrpSpPr>
+        <p:grpSpPr>
+          <a:xfrm>
+            <a:off x="3937000" y="3252063"/>
+            <a:ext cx="1270000" cy="369332"/>
+            <a:chOff x="2819400" y="1905000"/>
+            <a:chExt cx="1270000" cy="369332"/>
+          </a:xfrm>
+        </p:grpSpPr>
+        <p:cxnSp>
+          <p:nvCxnSpPr>
+            <p:cNvPr id="23" name="Straight Connector 22"/>
+            <p:cNvCxnSpPr/>
+            <p:nvPr/>
+          </p:nvCxnSpPr>
+          <p:spPr>
+            <a:xfrm>
+              <a:off x="2819400" y="2209800"/>
+              <a:ext cx="1270000" cy="0"/>
+            </a:xfrm>
+            <a:prstGeom prst="line">
+              <a:avLst/>
+            </a:prstGeom>
+          </p:spPr>
+          <p:style>
+            <a:lnRef idx="1">
+              <a:schemeClr val="accent1"/>
+            </a:lnRef>
+            <a:fillRef idx="0">
+              <a:schemeClr val="accent1"/>
+            </a:fillRef>
+            <a:effectRef idx="0">
+              <a:schemeClr val="accent1"/>
+            </a:effectRef>
+            <a:fontRef idx="minor">
+              <a:schemeClr val="tx1"/>
+            </a:fontRef>
+          </p:style>
+        </p:cxnSp>
+        <p:sp>
+          <p:nvSpPr>
+            <p:cNvPr id="24" name="TextBox 23"/>
+            <p:cNvSpPr txBox="1"/>
+            <p:nvPr/>
+          </p:nvSpPr>
+          <p:spPr>
+            <a:xfrm>
+              <a:off x="3359150" y="1905000"/>
+              <a:ext cx="298450" cy="369332"/>
+            </a:xfrm>
+            <a:prstGeom prst="rect">
+              <a:avLst/>
+            </a:prstGeom>
+            <a:noFill/>
+          </p:spPr>
+          <p:txBody>
+            <a:bodyPr wrap="square" rtlCol="0">
+              <a:spAutoFit/>
+            </a:bodyPr>
+            <a:lstStyle/>
+            <a:p>
+              <a:r>
+                <a:rPr lang="en-US" dirty="0"/>
+                <a:t>Y</a:t>
+              </a:r>
+              <a:endParaRPr lang="en-US" dirty="0"/>
+            </a:p>
+          </p:txBody>
+        </p:sp>
+      </p:grpSp>
+      <p:grpSp>
+        <p:nvGrpSpPr>
+          <p:cNvPr id="25" name="Group 24"/>
+          <p:cNvGrpSpPr/>
+          <p:nvPr/>
+        </p:nvGrpSpPr>
+        <p:grpSpPr>
+          <a:xfrm>
+            <a:off x="2672644" y="3876382"/>
+            <a:ext cx="1270000" cy="369332"/>
+            <a:chOff x="2819400" y="1905000"/>
+            <a:chExt cx="1270000" cy="369332"/>
+          </a:xfrm>
+        </p:grpSpPr>
+        <p:cxnSp>
+          <p:nvCxnSpPr>
+            <p:cNvPr id="26" name="Straight Connector 25"/>
+            <p:cNvCxnSpPr/>
+            <p:nvPr/>
+          </p:nvCxnSpPr>
+          <p:spPr>
+            <a:xfrm>
+              <a:off x="2819400" y="2209800"/>
+              <a:ext cx="1270000" cy="0"/>
+            </a:xfrm>
+            <a:prstGeom prst="line">
+              <a:avLst/>
+            </a:prstGeom>
+          </p:spPr>
+          <p:style>
+            <a:lnRef idx="1">
+              <a:schemeClr val="accent1"/>
+            </a:lnRef>
+            <a:fillRef idx="0">
+              <a:schemeClr val="accent1"/>
+            </a:fillRef>
+            <a:effectRef idx="0">
+              <a:schemeClr val="accent1"/>
+            </a:effectRef>
+            <a:fontRef idx="minor">
+              <a:schemeClr val="tx1"/>
+            </a:fontRef>
+          </p:style>
+        </p:cxnSp>
+        <p:sp>
+          <p:nvSpPr>
+            <p:cNvPr id="27" name="TextBox 26"/>
+            <p:cNvSpPr txBox="1"/>
+            <p:nvPr/>
+          </p:nvSpPr>
+          <p:spPr>
+            <a:xfrm>
+              <a:off x="3359150" y="1905000"/>
+              <a:ext cx="298450" cy="369332"/>
+            </a:xfrm>
+            <a:prstGeom prst="rect">
+              <a:avLst/>
+            </a:prstGeom>
+            <a:noFill/>
+          </p:spPr>
+          <p:txBody>
+            <a:bodyPr wrap="square" rtlCol="0">
+              <a:spAutoFit/>
+            </a:bodyPr>
+            <a:lstStyle/>
+            <a:p>
+              <a:r>
+                <a:rPr lang="en-US" dirty="0" smtClean="0"/>
+                <a:t>X</a:t>
+              </a:r>
+              <a:endParaRPr lang="en-US" dirty="0"/>
+            </a:p>
+          </p:txBody>
+        </p:sp>
+      </p:grpSp>
+      <p:grpSp>
+        <p:nvGrpSpPr>
+          <p:cNvPr id="28" name="Group 27"/>
+          <p:cNvGrpSpPr/>
+          <p:nvPr/>
+        </p:nvGrpSpPr>
+        <p:grpSpPr>
+          <a:xfrm>
+            <a:off x="3505200" y="4223661"/>
+            <a:ext cx="1270000" cy="369332"/>
+            <a:chOff x="2819400" y="1905000"/>
+            <a:chExt cx="1270000" cy="369332"/>
+          </a:xfrm>
+        </p:grpSpPr>
+        <p:cxnSp>
+          <p:nvCxnSpPr>
+            <p:cNvPr id="29" name="Straight Connector 28"/>
+            <p:cNvCxnSpPr/>
+            <p:nvPr/>
+          </p:nvCxnSpPr>
+          <p:spPr>
+            <a:xfrm>
+              <a:off x="2819400" y="2209800"/>
+              <a:ext cx="1270000" cy="0"/>
+            </a:xfrm>
+            <a:prstGeom prst="line">
+              <a:avLst/>
+            </a:prstGeom>
+          </p:spPr>
+          <p:style>
+            <a:lnRef idx="1">
+              <a:schemeClr val="accent1"/>
+            </a:lnRef>
+            <a:fillRef idx="0">
+              <a:schemeClr val="accent1"/>
+            </a:fillRef>
+            <a:effectRef idx="0">
+              <a:schemeClr val="accent1"/>
+            </a:effectRef>
+            <a:fontRef idx="minor">
+              <a:schemeClr val="tx1"/>
+            </a:fontRef>
+          </p:style>
+        </p:cxnSp>
+        <p:sp>
+          <p:nvSpPr>
+            <p:cNvPr id="30" name="TextBox 29"/>
+            <p:cNvSpPr txBox="1"/>
+            <p:nvPr/>
+          </p:nvSpPr>
+          <p:spPr>
+            <a:xfrm>
+              <a:off x="3359150" y="1905000"/>
+              <a:ext cx="298450" cy="369332"/>
+            </a:xfrm>
+            <a:prstGeom prst="rect">
+              <a:avLst/>
+            </a:prstGeom>
+            <a:noFill/>
+          </p:spPr>
+          <p:txBody>
+            <a:bodyPr wrap="square" rtlCol="0">
+              <a:spAutoFit/>
+            </a:bodyPr>
+            <a:lstStyle/>
+            <a:p>
+              <a:r>
+                <a:rPr lang="en-US" dirty="0"/>
+                <a:t>Y</a:t>
+              </a:r>
+              <a:endParaRPr lang="en-US" dirty="0"/>
+            </a:p>
+          </p:txBody>
+        </p:sp>
+      </p:grpSp>
+      <p:grpSp>
+        <p:nvGrpSpPr>
+          <p:cNvPr id="31" name="Group 30"/>
+          <p:cNvGrpSpPr/>
+          <p:nvPr/>
+        </p:nvGrpSpPr>
+        <p:grpSpPr>
+          <a:xfrm>
+            <a:off x="2667000" y="4711835"/>
+            <a:ext cx="1270000" cy="369332"/>
+            <a:chOff x="2819400" y="1905000"/>
+            <a:chExt cx="1270000" cy="369332"/>
+          </a:xfrm>
+        </p:grpSpPr>
+        <p:cxnSp>
+          <p:nvCxnSpPr>
+            <p:cNvPr id="32" name="Straight Connector 31"/>
+            <p:cNvCxnSpPr/>
+            <p:nvPr/>
+          </p:nvCxnSpPr>
+          <p:spPr>
+            <a:xfrm>
+              <a:off x="2819400" y="2209800"/>
+              <a:ext cx="1270000" cy="0"/>
+            </a:xfrm>
+            <a:prstGeom prst="line">
+              <a:avLst/>
+            </a:prstGeom>
+          </p:spPr>
+          <p:style>
+            <a:lnRef idx="1">
+              <a:schemeClr val="accent1"/>
+            </a:lnRef>
+            <a:fillRef idx="0">
+              <a:schemeClr val="accent1"/>
+            </a:fillRef>
+            <a:effectRef idx="0">
+              <a:schemeClr val="accent1"/>
+            </a:effectRef>
+            <a:fontRef idx="minor">
+              <a:schemeClr val="tx1"/>
+            </a:fontRef>
+          </p:style>
+        </p:cxnSp>
+        <p:sp>
+          <p:nvSpPr>
+            <p:cNvPr id="33" name="TextBox 32"/>
+            <p:cNvSpPr txBox="1"/>
+            <p:nvPr/>
+          </p:nvSpPr>
+          <p:spPr>
+            <a:xfrm>
+              <a:off x="3359150" y="1905000"/>
+              <a:ext cx="298450" cy="369332"/>
+            </a:xfrm>
+            <a:prstGeom prst="rect">
+              <a:avLst/>
+            </a:prstGeom>
+            <a:noFill/>
+          </p:spPr>
+          <p:txBody>
+            <a:bodyPr wrap="square" rtlCol="0">
+              <a:spAutoFit/>
+            </a:bodyPr>
+            <a:lstStyle/>
+            <a:p>
+              <a:r>
+                <a:rPr lang="en-US" dirty="0" smtClean="0"/>
+                <a:t>X</a:t>
+              </a:r>
+              <a:endParaRPr lang="en-US" dirty="0"/>
+            </a:p>
+          </p:txBody>
+        </p:sp>
+      </p:grpSp>
+      <p:grpSp>
+        <p:nvGrpSpPr>
+          <p:cNvPr id="34" name="Group 33"/>
+          <p:cNvGrpSpPr/>
+          <p:nvPr/>
+        </p:nvGrpSpPr>
+        <p:grpSpPr>
+          <a:xfrm>
+            <a:off x="2663473" y="5005120"/>
+            <a:ext cx="2108200" cy="369332"/>
+            <a:chOff x="1981200" y="1908007"/>
+            <a:chExt cx="2108200" cy="369332"/>
+          </a:xfrm>
+        </p:grpSpPr>
+        <p:cxnSp>
+          <p:nvCxnSpPr>
+            <p:cNvPr id="35" name="Straight Connector 34"/>
+            <p:cNvCxnSpPr/>
+            <p:nvPr/>
+          </p:nvCxnSpPr>
+          <p:spPr>
+            <a:xfrm flipV="1">
+              <a:off x="1981200" y="2209800"/>
+              <a:ext cx="2108200" cy="4927"/>
+            </a:xfrm>
+            <a:prstGeom prst="line">
+              <a:avLst/>
+            </a:prstGeom>
+          </p:spPr>
+          <p:style>
+            <a:lnRef idx="1">
+              <a:schemeClr val="accent1"/>
+            </a:lnRef>
+            <a:fillRef idx="0">
+              <a:schemeClr val="accent1"/>
+            </a:fillRef>
+            <a:effectRef idx="0">
+              <a:schemeClr val="accent1"/>
+            </a:effectRef>
+            <a:fontRef idx="minor">
+              <a:schemeClr val="tx1"/>
+            </a:fontRef>
+          </p:style>
+        </p:cxnSp>
+        <p:sp>
+          <p:nvSpPr>
+            <p:cNvPr id="36" name="TextBox 35"/>
+            <p:cNvSpPr txBox="1"/>
+            <p:nvPr/>
+          </p:nvSpPr>
+          <p:spPr>
+            <a:xfrm>
+              <a:off x="2952750" y="1908007"/>
+              <a:ext cx="298450" cy="369332"/>
+            </a:xfrm>
+            <a:prstGeom prst="rect">
+              <a:avLst/>
+            </a:prstGeom>
+            <a:noFill/>
+          </p:spPr>
+          <p:txBody>
+            <a:bodyPr wrap="square" rtlCol="0">
+              <a:spAutoFit/>
+            </a:bodyPr>
+            <a:lstStyle/>
+            <a:p>
+              <a:r>
+                <a:rPr lang="en-US" dirty="0"/>
+                <a:t>Y</a:t>
+              </a:r>
+              <a:endParaRPr lang="en-US" dirty="0"/>
+            </a:p>
+          </p:txBody>
+        </p:sp>
+      </p:grpSp>
+      <p:grpSp>
+        <p:nvGrpSpPr>
+          <p:cNvPr id="38" name="Group 37"/>
+          <p:cNvGrpSpPr/>
+          <p:nvPr/>
+        </p:nvGrpSpPr>
+        <p:grpSpPr>
+          <a:xfrm>
+            <a:off x="3082573" y="5327881"/>
+            <a:ext cx="1270000" cy="369332"/>
+            <a:chOff x="2819400" y="1905000"/>
+            <a:chExt cx="1270000" cy="369332"/>
+          </a:xfrm>
+        </p:grpSpPr>
+        <p:cxnSp>
+          <p:nvCxnSpPr>
+            <p:cNvPr id="39" name="Straight Connector 38"/>
+            <p:cNvCxnSpPr/>
+            <p:nvPr/>
+          </p:nvCxnSpPr>
+          <p:spPr>
+            <a:xfrm>
+              <a:off x="2819400" y="2209800"/>
+              <a:ext cx="1270000" cy="0"/>
+            </a:xfrm>
+            <a:prstGeom prst="line">
+              <a:avLst/>
+            </a:prstGeom>
+          </p:spPr>
+          <p:style>
+            <a:lnRef idx="1">
+              <a:schemeClr val="accent1"/>
+            </a:lnRef>
+            <a:fillRef idx="0">
+              <a:schemeClr val="accent1"/>
+            </a:fillRef>
+            <a:effectRef idx="0">
+              <a:schemeClr val="accent1"/>
+            </a:effectRef>
+            <a:fontRef idx="minor">
+              <a:schemeClr val="tx1"/>
+            </a:fontRef>
+          </p:style>
+        </p:cxnSp>
+        <p:sp>
+          <p:nvSpPr>
+            <p:cNvPr id="40" name="TextBox 39"/>
+            <p:cNvSpPr txBox="1"/>
+            <p:nvPr/>
+          </p:nvSpPr>
+          <p:spPr>
+            <a:xfrm>
+              <a:off x="3359150" y="1905000"/>
+              <a:ext cx="298450" cy="369332"/>
+            </a:xfrm>
+            <a:prstGeom prst="rect">
+              <a:avLst/>
+            </a:prstGeom>
+            <a:noFill/>
+          </p:spPr>
+          <p:txBody>
+            <a:bodyPr wrap="square" rtlCol="0">
+              <a:spAutoFit/>
+            </a:bodyPr>
+            <a:lstStyle/>
+            <a:p>
+              <a:r>
+                <a:rPr lang="en-US" dirty="0" smtClean="0"/>
+                <a:t>X</a:t>
+              </a:r>
+              <a:endParaRPr lang="en-US" dirty="0"/>
+            </a:p>
+          </p:txBody>
+        </p:sp>
+      </p:grpSp>
+      <p:grpSp>
+        <p:nvGrpSpPr>
+          <p:cNvPr id="41" name="Group 40"/>
+          <p:cNvGrpSpPr/>
+          <p:nvPr/>
+        </p:nvGrpSpPr>
+        <p:grpSpPr>
+          <a:xfrm>
+            <a:off x="2663473" y="5623308"/>
+            <a:ext cx="2108200" cy="369332"/>
+            <a:chOff x="1981200" y="1908007"/>
+            <a:chExt cx="2108200" cy="369332"/>
+          </a:xfrm>
+        </p:grpSpPr>
+        <p:cxnSp>
+          <p:nvCxnSpPr>
+            <p:cNvPr id="42" name="Straight Connector 41"/>
+            <p:cNvCxnSpPr/>
+            <p:nvPr/>
+          </p:nvCxnSpPr>
+          <p:spPr>
+            <a:xfrm flipV="1">
+              <a:off x="1981200" y="2209800"/>
+              <a:ext cx="2108200" cy="4927"/>
+            </a:xfrm>
+            <a:prstGeom prst="line">
+              <a:avLst/>
+            </a:prstGeom>
+          </p:spPr>
+          <p:style>
+            <a:lnRef idx="1">
+              <a:schemeClr val="accent1"/>
+            </a:lnRef>
+            <a:fillRef idx="0">
+              <a:schemeClr val="accent1"/>
+            </a:fillRef>
+            <a:effectRef idx="0">
+              <a:schemeClr val="accent1"/>
+            </a:effectRef>
+            <a:fontRef idx="minor">
+              <a:schemeClr val="tx1"/>
+            </a:fontRef>
+          </p:style>
+        </p:cxnSp>
+        <p:sp>
+          <p:nvSpPr>
+            <p:cNvPr id="43" name="TextBox 42"/>
+            <p:cNvSpPr txBox="1"/>
+            <p:nvPr/>
+          </p:nvSpPr>
+          <p:spPr>
+            <a:xfrm>
+              <a:off x="2952750" y="1908007"/>
+              <a:ext cx="298450" cy="369332"/>
+            </a:xfrm>
+            <a:prstGeom prst="rect">
+              <a:avLst/>
+            </a:prstGeom>
+            <a:noFill/>
+          </p:spPr>
+          <p:txBody>
+            <a:bodyPr wrap="square" rtlCol="0">
+              <a:spAutoFit/>
+            </a:bodyPr>
+            <a:lstStyle/>
+            <a:p>
+              <a:r>
+                <a:rPr lang="en-US" dirty="0"/>
+                <a:t>Y</a:t>
+              </a:r>
+              <a:endParaRPr lang="en-US" dirty="0"/>
+            </a:p>
+          </p:txBody>
+        </p:sp>
+      </p:grpSp>
+      <p:grpSp>
+        <p:nvGrpSpPr>
+          <p:cNvPr id="44" name="Group 43"/>
+          <p:cNvGrpSpPr/>
+          <p:nvPr/>
+        </p:nvGrpSpPr>
+        <p:grpSpPr>
+          <a:xfrm>
+            <a:off x="3505200" y="6017549"/>
+            <a:ext cx="1270000" cy="369332"/>
+            <a:chOff x="2819400" y="1905000"/>
+            <a:chExt cx="1270000" cy="369332"/>
+          </a:xfrm>
+        </p:grpSpPr>
+        <p:cxnSp>
+          <p:nvCxnSpPr>
+            <p:cNvPr id="45" name="Straight Connector 44"/>
+            <p:cNvCxnSpPr/>
+            <p:nvPr/>
+          </p:nvCxnSpPr>
+          <p:spPr>
+            <a:xfrm>
+              <a:off x="2819400" y="2209800"/>
+              <a:ext cx="1270000" cy="0"/>
+            </a:xfrm>
+            <a:prstGeom prst="line">
+              <a:avLst/>
+            </a:prstGeom>
+          </p:spPr>
+          <p:style>
+            <a:lnRef idx="1">
+              <a:schemeClr val="accent1"/>
+            </a:lnRef>
+            <a:fillRef idx="0">
+              <a:schemeClr val="accent1"/>
+            </a:fillRef>
+            <a:effectRef idx="0">
+              <a:schemeClr val="accent1"/>
+            </a:effectRef>
+            <a:fontRef idx="minor">
+              <a:schemeClr val="tx1"/>
+            </a:fontRef>
+          </p:style>
+        </p:cxnSp>
+        <p:sp>
+          <p:nvSpPr>
+            <p:cNvPr id="46" name="TextBox 45"/>
+            <p:cNvSpPr txBox="1"/>
+            <p:nvPr/>
+          </p:nvSpPr>
+          <p:spPr>
+            <a:xfrm>
+              <a:off x="3359150" y="1905000"/>
+              <a:ext cx="298450" cy="369332"/>
+            </a:xfrm>
+            <a:prstGeom prst="rect">
+              <a:avLst/>
+            </a:prstGeom>
+            <a:noFill/>
+          </p:spPr>
+          <p:txBody>
+            <a:bodyPr wrap="square" rtlCol="0">
+              <a:spAutoFit/>
+            </a:bodyPr>
+            <a:lstStyle/>
+            <a:p>
+              <a:r>
+                <a:rPr lang="en-US" dirty="0" smtClean="0"/>
+                <a:t>X</a:t>
+              </a:r>
+              <a:endParaRPr lang="en-US" dirty="0"/>
+            </a:p>
+          </p:txBody>
+        </p:sp>
+      </p:grpSp>
+      <p:grpSp>
+        <p:nvGrpSpPr>
+          <p:cNvPr id="47" name="Group 46"/>
+          <p:cNvGrpSpPr/>
+          <p:nvPr/>
+        </p:nvGrpSpPr>
+        <p:grpSpPr>
+          <a:xfrm>
+            <a:off x="2663473" y="6322349"/>
+            <a:ext cx="2108200" cy="369332"/>
+            <a:chOff x="1981200" y="1908007"/>
+            <a:chExt cx="2108200" cy="369332"/>
+          </a:xfrm>
+        </p:grpSpPr>
+        <p:cxnSp>
+          <p:nvCxnSpPr>
+            <p:cNvPr id="48" name="Straight Connector 47"/>
+            <p:cNvCxnSpPr/>
+            <p:nvPr/>
+          </p:nvCxnSpPr>
+          <p:spPr>
+            <a:xfrm flipV="1">
+              <a:off x="1981200" y="2209800"/>
+              <a:ext cx="2108200" cy="4927"/>
+            </a:xfrm>
+            <a:prstGeom prst="line">
+              <a:avLst/>
+            </a:prstGeom>
+          </p:spPr>
+          <p:style>
+            <a:lnRef idx="1">
+              <a:schemeClr val="accent1"/>
+            </a:lnRef>
+            <a:fillRef idx="0">
+              <a:schemeClr val="accent1"/>
+            </a:fillRef>
+            <a:effectRef idx="0">
+              <a:schemeClr val="accent1"/>
+            </a:effectRef>
+            <a:fontRef idx="minor">
+              <a:schemeClr val="tx1"/>
+            </a:fontRef>
+          </p:style>
+        </p:cxnSp>
+        <p:sp>
+          <p:nvSpPr>
+            <p:cNvPr id="49" name="TextBox 48"/>
+            <p:cNvSpPr txBox="1"/>
+            <p:nvPr/>
+          </p:nvSpPr>
+          <p:spPr>
+            <a:xfrm>
+              <a:off x="2952750" y="1908007"/>
+              <a:ext cx="298450" cy="369332"/>
+            </a:xfrm>
+            <a:prstGeom prst="rect">
+              <a:avLst/>
+            </a:prstGeom>
+            <a:noFill/>
+          </p:spPr>
+          <p:txBody>
+            <a:bodyPr wrap="square" rtlCol="0">
+              <a:spAutoFit/>
+            </a:bodyPr>
+            <a:lstStyle/>
+            <a:p>
+              <a:r>
+                <a:rPr lang="en-US" dirty="0"/>
+                <a:t>Y</a:t>
+              </a:r>
+              <a:endParaRPr lang="en-US" dirty="0"/>
+            </a:p>
+          </p:txBody>
+        </p:sp>
+      </p:grpSp>
     </p:spTree>
     <p:extLst>
       <p:ext uri="{BB962C8B-B14F-4D97-AF65-F5344CB8AC3E}">
-        <p14:creationId xmlns:p14="http://schemas.microsoft.com/office/powerpoint/2010/main" val="3835497586"/>
+        <p14:creationId xmlns:p14="http://schemas.microsoft.com/office/powerpoint/2010/main" val="2959215114"/>
       </p:ext>
     </p:extLst>
   </p:cSld>
@@ -4872,7 +5908,7 @@
           <a:p>
             <a:r>
               <a:rPr lang="en-US" dirty="0" smtClean="0"/>
-              <a:t>Filtering</a:t>
+              <a:t>Date/Time Manipulation</a:t>
             </a:r>
             <a:endParaRPr lang="en-US" dirty="0"/>
           </a:p>
@@ -4890,12 +5926,14 @@
         </p:nvSpPr>
         <p:spPr/>
         <p:txBody>
-          <a:bodyPr/>
+          <a:bodyPr>
+            <a:normAutofit fontScale="92500" lnSpcReduction="20000"/>
+          </a:bodyPr>
           <a:lstStyle/>
           <a:p>
             <a:r>
               <a:rPr lang="en-US" dirty="0" smtClean="0"/>
-              <a:t>A “where” clause returns only those elements that satisfy the condition:</a:t>
+              <a:t>Date Construction</a:t>
             </a:r>
           </a:p>
           <a:p>
@@ -4910,11 +5948,50 @@
                 </a:highlight>
                 <a:latin typeface="Consolas" panose="020B0609020204030204" pitchFamily="49" charset="0"/>
               </a:rPr>
-              <a:t>[Encounter, Performed: </a:t>
-            </a:r>
+              <a:t>Date(2014, 1, 1, 12, 0, 0, -6</a:t>
+            </a:r>
+            <a:r>
+              <a:rPr lang="en-US" sz="2000" dirty="0" smtClean="0">
+                <a:solidFill>
+                  <a:srgbClr val="000000"/>
+                </a:solidFill>
+                <a:highlight>
+                  <a:srgbClr val="FFFFFF"/>
+                </a:highlight>
+                <a:latin typeface="Consolas" panose="020B0609020204030204" pitchFamily="49" charset="0"/>
+              </a:rPr>
+              <a:t>)</a:t>
+            </a:r>
+          </a:p>
+          <a:p>
+            <a:pPr lvl="1"/>
             <a:r>
               <a:rPr lang="en-US" sz="2000" dirty="0">
                 <a:solidFill>
+                  <a:srgbClr val="0000FF"/>
+                </a:solidFill>
+                <a:highlight>
+                  <a:srgbClr val="FFFFFF"/>
+                </a:highlight>
+                <a:latin typeface="Consolas" panose="020B0609020204030204" pitchFamily="49" charset="0"/>
+              </a:rPr>
+              <a:t>convert</a:t>
+            </a:r>
+            <a:r>
+              <a:rPr lang="en-US" sz="2000" dirty="0">
+                <a:solidFill>
+                  <a:srgbClr val="000000"/>
+                </a:solidFill>
+                <a:highlight>
+                  <a:srgbClr val="FFFFFF"/>
+                </a:highlight>
+                <a:latin typeface="Consolas" panose="020B0609020204030204" pitchFamily="49" charset="0"/>
+              </a:rPr>
+              <a:t> </a:t>
+            </a:r>
+            <a:r>
+              <a:rPr lang="en-US" sz="2000" dirty="0">
+                <a:solidFill>
                   <a:srgbClr val="A31515"/>
                 </a:solidFill>
                 <a:highlight>
@@ -4922,11 +5999,35 @@
                 </a:highlight>
                 <a:latin typeface="Consolas" panose="020B0609020204030204" pitchFamily="49" charset="0"/>
               </a:rPr>
-              <a:t>"Inpatient"</a:t>
+              <a:t>'20140101120000-0600'</a:t>
+            </a:r>
+            <a:r>
+              <a:rPr lang="en-US" sz="2000" dirty="0" smtClean="0">
+                <a:solidFill>
+                  <a:srgbClr val="000000"/>
+                </a:solidFill>
+                <a:highlight>
+                  <a:srgbClr val="FFFFFF"/>
+                </a:highlight>
+                <a:latin typeface="Consolas" panose="020B0609020204030204" pitchFamily="49" charset="0"/>
+              </a:rPr>
+              <a:t> </a:t>
             </a:r>
             <a:r>
               <a:rPr lang="en-US" sz="2000" dirty="0">
                 <a:solidFill>
+                  <a:srgbClr val="0000FF"/>
+                </a:solidFill>
+                <a:highlight>
+                  <a:srgbClr val="FFFFFF"/>
+                </a:highlight>
+                <a:latin typeface="Consolas" panose="020B0609020204030204" pitchFamily="49" charset="0"/>
+              </a:rPr>
+              <a:t>to</a:t>
+            </a:r>
+            <a:r>
+              <a:rPr lang="en-US" sz="2000" dirty="0">
+                <a:solidFill>
                   <a:srgbClr val="000000"/>
                 </a:solidFill>
                 <a:highlight>
@@ -4934,9 +6035,19 @@
                 </a:highlight>
                 <a:latin typeface="Consolas" panose="020B0609020204030204" pitchFamily="49" charset="0"/>
               </a:rPr>
-              <a:t>] E </a:t>
-            </a:r>
-            <a:br>
+              <a:t> Timestamp</a:t>
+            </a:r>
+            <a:endParaRPr lang="en-US" sz="2000" dirty="0" smtClean="0"/>
+          </a:p>
+          <a:p>
+            <a:r>
+              <a:rPr lang="en-US" dirty="0" smtClean="0"/>
+              <a:t>Date Arithmetic</a:t>
+            </a:r>
+          </a:p>
+          <a:p>
+            <a:pPr lvl="1"/>
+            <a:r>
               <a:rPr lang="en-US" sz="2000" dirty="0">
                 <a:solidFill>
                   <a:srgbClr val="000000"/>
@@ -4946,10 +6057,23 @@
                 </a:highlight>
                 <a:latin typeface="Consolas" panose="020B0609020204030204" pitchFamily="49" charset="0"/>
               </a:rPr>
-            </a:br>
+              <a:t>today + 3 </a:t>
+            </a:r>
             <a:r>
               <a:rPr lang="en-US" sz="2000" dirty="0">
                 <a:solidFill>
+                  <a:srgbClr val="0000FF"/>
+                </a:solidFill>
+                <a:highlight>
+                  <a:srgbClr val="FFFFFF"/>
+                </a:highlight>
+                <a:latin typeface="Consolas" panose="020B0609020204030204" pitchFamily="49" charset="0"/>
+              </a:rPr>
+              <a:t>months</a:t>
+            </a:r>
+            <a:r>
+              <a:rPr lang="en-US" sz="2000" dirty="0">
+                <a:solidFill>
                   <a:srgbClr val="000000"/>
                 </a:solidFill>
                 <a:highlight>
@@ -4957,8 +6081,23 @@
                 </a:highlight>
                 <a:latin typeface="Consolas" panose="020B0609020204030204" pitchFamily="49" charset="0"/>
               </a:rPr>
-              <a:t>	</a:t>
-            </a:r>
+              <a:t> - 2 </a:t>
+            </a:r>
+            <a:r>
+              <a:rPr lang="en-US" sz="2000" dirty="0" smtClean="0">
+                <a:solidFill>
+                  <a:srgbClr val="0000FF"/>
+                </a:solidFill>
+                <a:highlight>
+                  <a:srgbClr val="FFFFFF"/>
+                </a:highlight>
+                <a:latin typeface="Consolas" panose="020B0609020204030204" pitchFamily="49" charset="0"/>
+              </a:rPr>
+              <a:t>days</a:t>
+            </a:r>
+          </a:p>
+          <a:p>
+            <a:pPr lvl="1"/>
             <a:r>
               <a:rPr lang="en-US" sz="2000" dirty="0">
                 <a:solidFill>
@@ -4969,7 +6108,7 @@
                 </a:highlight>
                 <a:latin typeface="Consolas" panose="020B0609020204030204" pitchFamily="49" charset="0"/>
               </a:rPr>
-              <a:t>where</a:t>
+              <a:t>months</a:t>
             </a:r>
             <a:r>
               <a:rPr lang="en-US" sz="2000" dirty="0">
@@ -4984,7 +6123,19 @@
               <a:t> </a:t>
             </a:r>
             <a:r>
-              <a:rPr lang="en-US" sz="2000" dirty="0" err="1">
+              <a:rPr lang="en-US" sz="2000" dirty="0">
+                <a:solidFill>
+                  <a:srgbClr val="0000FF"/>
+                </a:solidFill>
+                <a:highlight>
+                  <a:srgbClr val="FFFFFF"/>
+                </a:highlight>
+                <a:latin typeface="Consolas" panose="020B0609020204030204" pitchFamily="49" charset="0"/>
+              </a:rPr>
+              <a:t>between</a:t>
+            </a:r>
+            <a:r>
+              <a:rPr lang="en-US" sz="2000" dirty="0">
                 <a:solidFill>
                   <a:srgbClr val="000000"/>
                 </a:solidFill>
@@ -4993,11 +6144,23 @@
                 </a:highlight>
                 <a:latin typeface="Consolas" panose="020B0609020204030204" pitchFamily="49" charset="0"/>
               </a:rPr>
-              <a:t>E.lengthOfStay</a:t>
+              <a:t> </a:t>
             </a:r>
             <a:r>
               <a:rPr lang="en-US" sz="2000" dirty="0">
                 <a:solidFill>
+                  <a:srgbClr val="0000FF"/>
+                </a:solidFill>
+                <a:highlight>
+                  <a:srgbClr val="FFFFFF"/>
+                </a:highlight>
+                <a:latin typeface="Consolas" panose="020B0609020204030204" pitchFamily="49" charset="0"/>
+              </a:rPr>
+              <a:t>start</a:t>
+            </a:r>
+            <a:r>
+              <a:rPr lang="en-US" sz="2000" dirty="0">
+                <a:solidFill>
                   <a:srgbClr val="000000"/>
                 </a:solidFill>
                 <a:highlight>
@@ -5005,11 +6168,122 @@
                 </a:highlight>
                 <a:latin typeface="Consolas" panose="020B0609020204030204" pitchFamily="49" charset="0"/>
               </a:rPr>
-              <a:t> &gt; 120 </a:t>
+              <a:t> </a:t>
+            </a:r>
+            <a:r>
+              <a:rPr lang="en-US" sz="2000" dirty="0">
+                <a:solidFill>
+                  <a:srgbClr val="0000FF"/>
+                </a:solidFill>
+                <a:highlight>
+                  <a:srgbClr val="FFFFFF"/>
+                </a:highlight>
+                <a:latin typeface="Consolas" panose="020B0609020204030204" pitchFamily="49" charset="0"/>
+              </a:rPr>
+              <a:t>of</a:t>
+            </a:r>
+            <a:r>
+              <a:rPr lang="en-US" sz="2000" dirty="0">
+                <a:solidFill>
+                  <a:srgbClr val="000000"/>
+                </a:solidFill>
+                <a:highlight>
+                  <a:srgbClr val="FFFFFF"/>
+                </a:highlight>
+                <a:latin typeface="Consolas" panose="020B0609020204030204" pitchFamily="49" charset="0"/>
+              </a:rPr>
+              <a:t> X </a:t>
+            </a:r>
+            <a:r>
+              <a:rPr lang="en-US" sz="2000" dirty="0">
+                <a:solidFill>
+                  <a:srgbClr val="0000FF"/>
+                </a:solidFill>
+                <a:highlight>
+                  <a:srgbClr val="FFFFFF"/>
+                </a:highlight>
+                <a:latin typeface="Consolas" panose="020B0609020204030204" pitchFamily="49" charset="0"/>
+              </a:rPr>
+              <a:t>and</a:t>
+            </a:r>
+            <a:r>
+              <a:rPr lang="en-US" sz="2000" dirty="0">
+                <a:solidFill>
+                  <a:srgbClr val="000000"/>
+                </a:solidFill>
+                <a:highlight>
+                  <a:srgbClr val="FFFFFF"/>
+                </a:highlight>
+                <a:latin typeface="Consolas" panose="020B0609020204030204" pitchFamily="49" charset="0"/>
+              </a:rPr>
+              <a:t> </a:t>
+            </a:r>
+            <a:r>
+              <a:rPr lang="en-US" sz="2000" dirty="0">
+                <a:solidFill>
+                  <a:srgbClr val="0000FF"/>
+                </a:solidFill>
+                <a:highlight>
+                  <a:srgbClr val="FFFFFF"/>
+                </a:highlight>
+                <a:latin typeface="Consolas" panose="020B0609020204030204" pitchFamily="49" charset="0"/>
+              </a:rPr>
+              <a:t>end</a:t>
+            </a:r>
+            <a:r>
+              <a:rPr lang="en-US" sz="2000" dirty="0">
+                <a:solidFill>
+                  <a:srgbClr val="000000"/>
+                </a:solidFill>
+                <a:highlight>
+                  <a:srgbClr val="FFFFFF"/>
+                </a:highlight>
+                <a:latin typeface="Consolas" panose="020B0609020204030204" pitchFamily="49" charset="0"/>
+              </a:rPr>
+              <a:t> </a:t>
+            </a:r>
+            <a:r>
+              <a:rPr lang="en-US" sz="2000" dirty="0">
+                <a:solidFill>
+                  <a:srgbClr val="0000FF"/>
+                </a:solidFill>
+                <a:highlight>
+                  <a:srgbClr val="FFFFFF"/>
+                </a:highlight>
+                <a:latin typeface="Consolas" panose="020B0609020204030204" pitchFamily="49" charset="0"/>
+              </a:rPr>
+              <a:t>of</a:t>
+            </a:r>
+            <a:r>
+              <a:rPr lang="en-US" sz="2000" dirty="0">
+                <a:solidFill>
+                  <a:srgbClr val="000000"/>
+                </a:solidFill>
+                <a:highlight>
+                  <a:srgbClr val="FFFFFF"/>
+                </a:highlight>
+                <a:latin typeface="Consolas" panose="020B0609020204030204" pitchFamily="49" charset="0"/>
+              </a:rPr>
+              <a:t> </a:t>
             </a:r>
             <a:r>
               <a:rPr lang="en-US" sz="2000" dirty="0" smtClean="0">
                 <a:solidFill>
+                  <a:srgbClr val="000000"/>
+                </a:solidFill>
+                <a:highlight>
+                  <a:srgbClr val="FFFFFF"/>
+                </a:highlight>
+                <a:latin typeface="Consolas" panose="020B0609020204030204" pitchFamily="49" charset="0"/>
+              </a:rPr>
+              <a:t>X</a:t>
+            </a:r>
+          </a:p>
+          <a:p>
+            <a:pPr lvl="1"/>
+            <a:r>
+              <a:rPr lang="en-US" sz="2000" dirty="0">
+                <a:solidFill>
                   <a:srgbClr val="0000FF"/>
                 </a:solidFill>
                 <a:highlight>
@@ -5017,28 +6291,316 @@
                 </a:highlight>
                 <a:latin typeface="Consolas" panose="020B0609020204030204" pitchFamily="49" charset="0"/>
               </a:rPr>
-              <a:t>days</a:t>
+              <a:t>duration</a:t>
+            </a:r>
+            <a:r>
+              <a:rPr lang="en-US" sz="2000" dirty="0">
+                <a:solidFill>
+                  <a:srgbClr val="000000"/>
+                </a:solidFill>
+                <a:highlight>
+                  <a:srgbClr val="FFFFFF"/>
+                </a:highlight>
+                <a:latin typeface="Consolas" panose="020B0609020204030204" pitchFamily="49" charset="0"/>
+              </a:rPr>
+              <a:t> </a:t>
+            </a:r>
+            <a:r>
+              <a:rPr lang="en-US" sz="2000" dirty="0">
+                <a:solidFill>
+                  <a:srgbClr val="0000FF"/>
+                </a:solidFill>
+                <a:highlight>
+                  <a:srgbClr val="FFFFFF"/>
+                </a:highlight>
+                <a:latin typeface="Consolas" panose="020B0609020204030204" pitchFamily="49" charset="0"/>
+              </a:rPr>
+              <a:t>in</a:t>
+            </a:r>
+            <a:r>
+              <a:rPr lang="en-US" sz="2000" dirty="0">
+                <a:solidFill>
+                  <a:srgbClr val="000000"/>
+                </a:solidFill>
+                <a:highlight>
+                  <a:srgbClr val="FFFFFF"/>
+                </a:highlight>
+                <a:latin typeface="Consolas" panose="020B0609020204030204" pitchFamily="49" charset="0"/>
+              </a:rPr>
+              <a:t> </a:t>
+            </a:r>
+            <a:r>
+              <a:rPr lang="en-US" sz="2000" dirty="0">
+                <a:solidFill>
+                  <a:srgbClr val="0000FF"/>
+                </a:solidFill>
+                <a:highlight>
+                  <a:srgbClr val="FFFFFF"/>
+                </a:highlight>
+                <a:latin typeface="Consolas" panose="020B0609020204030204" pitchFamily="49" charset="0"/>
+              </a:rPr>
+              <a:t>months</a:t>
+            </a:r>
+            <a:r>
+              <a:rPr lang="en-US" sz="2000" dirty="0">
+                <a:solidFill>
+                  <a:srgbClr val="000000"/>
+                </a:solidFill>
+                <a:highlight>
+                  <a:srgbClr val="FFFFFF"/>
+                </a:highlight>
+                <a:latin typeface="Consolas" panose="020B0609020204030204" pitchFamily="49" charset="0"/>
+              </a:rPr>
+              <a:t> </a:t>
+            </a:r>
+            <a:r>
+              <a:rPr lang="en-US" sz="2000" dirty="0">
+                <a:solidFill>
+                  <a:srgbClr val="0000FF"/>
+                </a:solidFill>
+                <a:highlight>
+                  <a:srgbClr val="FFFFFF"/>
+                </a:highlight>
+                <a:latin typeface="Consolas" panose="020B0609020204030204" pitchFamily="49" charset="0"/>
+              </a:rPr>
+              <a:t>of</a:t>
+            </a:r>
+            <a:r>
+              <a:rPr lang="en-US" sz="2000" dirty="0">
+                <a:solidFill>
+                  <a:srgbClr val="000000"/>
+                </a:solidFill>
+                <a:highlight>
+                  <a:srgbClr val="FFFFFF"/>
+                </a:highlight>
+                <a:latin typeface="Consolas" panose="020B0609020204030204" pitchFamily="49" charset="0"/>
+              </a:rPr>
+              <a:t> X</a:t>
             </a:r>
             <a:endParaRPr lang="en-US" sz="2000" dirty="0" smtClean="0"/>
           </a:p>
           <a:p>
             <a:r>
               <a:rPr lang="en-US" dirty="0" smtClean="0"/>
-              <a:t>“E” in the above example is an alias for the results in the retrieve and can be used anywhere within the query.</a:t>
-            </a:r>
+              <a:t>Date/Time extraction</a:t>
+            </a:r>
+          </a:p>
+          <a:p>
+            <a:pPr lvl="1"/>
+            <a:r>
+              <a:rPr lang="en-US" sz="2000" dirty="0" smtClean="0">
+                <a:solidFill>
+                  <a:srgbClr val="0000FF"/>
+                </a:solidFill>
+                <a:highlight>
+                  <a:srgbClr val="FFFFFF"/>
+                </a:highlight>
+                <a:latin typeface="Consolas" panose="020B0609020204030204" pitchFamily="49" charset="0"/>
+              </a:rPr>
+              <a:t>date</a:t>
+            </a:r>
+            <a:r>
+              <a:rPr lang="en-US" sz="2000" dirty="0" smtClean="0">
+                <a:solidFill>
+                  <a:srgbClr val="000000"/>
+                </a:solidFill>
+                <a:highlight>
+                  <a:srgbClr val="FFFFFF"/>
+                </a:highlight>
+                <a:latin typeface="Consolas" panose="020B0609020204030204" pitchFamily="49" charset="0"/>
+              </a:rPr>
+              <a:t> </a:t>
+            </a:r>
+            <a:r>
+              <a:rPr lang="en-US" sz="2000" dirty="0">
+                <a:solidFill>
+                  <a:srgbClr val="0000FF"/>
+                </a:solidFill>
+                <a:highlight>
+                  <a:srgbClr val="FFFFFF"/>
+                </a:highlight>
+                <a:latin typeface="Consolas" panose="020B0609020204030204" pitchFamily="49" charset="0"/>
+              </a:rPr>
+              <a:t>of</a:t>
+            </a:r>
+            <a:r>
+              <a:rPr lang="en-US" sz="2000" dirty="0">
+                <a:solidFill>
+                  <a:srgbClr val="000000"/>
+                </a:solidFill>
+                <a:highlight>
+                  <a:srgbClr val="FFFFFF"/>
+                </a:highlight>
+                <a:latin typeface="Consolas" panose="020B0609020204030204" pitchFamily="49" charset="0"/>
+              </a:rPr>
+              <a:t> </a:t>
+            </a:r>
+            <a:r>
+              <a:rPr lang="en-US" sz="2000" dirty="0" smtClean="0">
+                <a:solidFill>
+                  <a:srgbClr val="000000"/>
+                </a:solidFill>
+                <a:highlight>
+                  <a:srgbClr val="FFFFFF"/>
+                </a:highlight>
+                <a:latin typeface="Consolas" panose="020B0609020204030204" pitchFamily="49" charset="0"/>
+              </a:rPr>
+              <a:t>D // returns the date without the time</a:t>
+            </a:r>
+          </a:p>
+          <a:p>
+            <a:pPr lvl="1"/>
+            <a:r>
+              <a:rPr lang="en-US" sz="2000" dirty="0">
+                <a:solidFill>
+                  <a:srgbClr val="0000FF"/>
+                </a:solidFill>
+                <a:highlight>
+                  <a:srgbClr val="FFFFFF"/>
+                </a:highlight>
+                <a:latin typeface="Consolas" panose="020B0609020204030204" pitchFamily="49" charset="0"/>
+              </a:rPr>
+              <a:t>time</a:t>
+            </a:r>
+            <a:r>
+              <a:rPr lang="en-US" sz="2000" dirty="0">
+                <a:solidFill>
+                  <a:srgbClr val="000000"/>
+                </a:solidFill>
+                <a:highlight>
+                  <a:srgbClr val="FFFFFF"/>
+                </a:highlight>
+                <a:latin typeface="Consolas" panose="020B0609020204030204" pitchFamily="49" charset="0"/>
+              </a:rPr>
+              <a:t> </a:t>
+            </a:r>
+            <a:r>
+              <a:rPr lang="en-US" sz="2000" dirty="0">
+                <a:solidFill>
+                  <a:srgbClr val="0000FF"/>
+                </a:solidFill>
+                <a:highlight>
+                  <a:srgbClr val="FFFFFF"/>
+                </a:highlight>
+                <a:latin typeface="Consolas" panose="020B0609020204030204" pitchFamily="49" charset="0"/>
+              </a:rPr>
+              <a:t>of</a:t>
+            </a:r>
+            <a:r>
+              <a:rPr lang="en-US" sz="2000" dirty="0">
+                <a:solidFill>
+                  <a:srgbClr val="000000"/>
+                </a:solidFill>
+                <a:highlight>
+                  <a:srgbClr val="FFFFFF"/>
+                </a:highlight>
+                <a:latin typeface="Consolas" panose="020B0609020204030204" pitchFamily="49" charset="0"/>
+              </a:rPr>
+              <a:t> </a:t>
+            </a:r>
+            <a:r>
+              <a:rPr lang="en-US" sz="2000" dirty="0" smtClean="0">
+                <a:solidFill>
+                  <a:srgbClr val="000000"/>
+                </a:solidFill>
+                <a:highlight>
+                  <a:srgbClr val="FFFFFF"/>
+                </a:highlight>
+                <a:latin typeface="Consolas" panose="020B0609020204030204" pitchFamily="49" charset="0"/>
+              </a:rPr>
+              <a:t>D // returns the time without the date</a:t>
+            </a:r>
+            <a:endParaRPr lang="en-US" sz="2000" dirty="0" smtClean="0"/>
+          </a:p>
+          <a:p>
+            <a:r>
+              <a:rPr lang="en-US" dirty="0" smtClean="0"/>
+              <a:t>Component extraction</a:t>
+            </a:r>
+          </a:p>
+          <a:p>
+            <a:pPr lvl="1"/>
+            <a:r>
+              <a:rPr lang="en-US" sz="2000" dirty="0">
+                <a:solidFill>
+                  <a:srgbClr val="0000FF"/>
+                </a:solidFill>
+                <a:highlight>
+                  <a:srgbClr val="FFFFFF"/>
+                </a:highlight>
+                <a:latin typeface="Consolas" panose="020B0609020204030204" pitchFamily="49" charset="0"/>
+              </a:rPr>
+              <a:t>month</a:t>
+            </a:r>
+            <a:r>
+              <a:rPr lang="en-US" sz="2000" dirty="0">
+                <a:solidFill>
+                  <a:srgbClr val="000000"/>
+                </a:solidFill>
+                <a:highlight>
+                  <a:srgbClr val="FFFFFF"/>
+                </a:highlight>
+                <a:latin typeface="Consolas" panose="020B0609020204030204" pitchFamily="49" charset="0"/>
+              </a:rPr>
+              <a:t> </a:t>
+            </a:r>
+            <a:r>
+              <a:rPr lang="en-US" sz="2000" dirty="0">
+                <a:solidFill>
+                  <a:srgbClr val="0000FF"/>
+                </a:solidFill>
+                <a:highlight>
+                  <a:srgbClr val="FFFFFF"/>
+                </a:highlight>
+                <a:latin typeface="Consolas" panose="020B0609020204030204" pitchFamily="49" charset="0"/>
+              </a:rPr>
+              <a:t>of</a:t>
+            </a:r>
+            <a:r>
+              <a:rPr lang="en-US" sz="2000" dirty="0">
+                <a:solidFill>
+                  <a:srgbClr val="000000"/>
+                </a:solidFill>
+                <a:highlight>
+                  <a:srgbClr val="FFFFFF"/>
+                </a:highlight>
+                <a:latin typeface="Consolas" panose="020B0609020204030204" pitchFamily="49" charset="0"/>
+              </a:rPr>
+              <a:t> </a:t>
+            </a:r>
+            <a:r>
+              <a:rPr lang="en-US" sz="2000" dirty="0" smtClean="0">
+                <a:solidFill>
+                  <a:srgbClr val="000000"/>
+                </a:solidFill>
+                <a:highlight>
+                  <a:srgbClr val="FFFFFF"/>
+                </a:highlight>
+                <a:latin typeface="Consolas" panose="020B0609020204030204" pitchFamily="49" charset="0"/>
+              </a:rPr>
+              <a:t>D // returns the number of whole units</a:t>
+            </a:r>
+            <a:endParaRPr lang="en-US" sz="2000" dirty="0"/>
           </a:p>
         </p:txBody>
       </p:sp>
     </p:spTree>
     <p:extLst>
       <p:ext uri="{BB962C8B-B14F-4D97-AF65-F5344CB8AC3E}">
-        <p14:creationId xmlns:p14="http://schemas.microsoft.com/office/powerpoint/2010/main" val="1271474877"/>
+        <p14:creationId xmlns:p14="http://schemas.microsoft.com/office/powerpoint/2010/main" val="3835497586"/>
       </p:ext>
     </p:extLst>
   </p:cSld>
   <p:clrMapOvr>
     <a:masterClrMapping/>
   </p:clrMapOvr>
+  <p:timing>
+    <p:tnLst>
+      <p:par>
+        <p:cTn id="1" dur="indefinite" restart="never" nodeType="tmRoot"/>
+      </p:par>
+    </p:tnLst>
+  </p:timing>
 </p:sld>
 </file>
 
@@ -5076,7 +6638,7 @@
           <a:p>
             <a:r>
               <a:rPr lang="en-US" dirty="0" smtClean="0"/>
-              <a:t>Filtering by Relationships</a:t>
+              <a:t>List Operations</a:t>
             </a:r>
             <a:endParaRPr lang="en-US" dirty="0"/>
           </a:p>
@@ -5094,15 +6656,365 @@
         </p:nvSpPr>
         <p:spPr/>
         <p:txBody>
-          <a:bodyPr/>
+          <a:bodyPr>
+            <a:normAutofit fontScale="62500" lnSpcReduction="20000"/>
+          </a:bodyPr>
           <a:lstStyle/>
           <a:p>
             <a:r>
               <a:rPr lang="en-US" dirty="0" smtClean="0"/>
-              <a:t>Use the “with” keyword to introduce a filtering relationship:</a:t>
-            </a:r>
-          </a:p>
-          <a:p>
+              <a:t>Selector – builds a list</a:t>
+            </a:r>
+          </a:p>
+          <a:p>
+            <a:pPr lvl="1"/>
+            <a:r>
+              <a:rPr lang="en-US" dirty="0">
+                <a:solidFill>
+                  <a:srgbClr val="000000"/>
+                </a:solidFill>
+                <a:highlight>
+                  <a:srgbClr val="FFFFFF"/>
+                </a:highlight>
+                <a:latin typeface="Consolas" panose="020B0609020204030204" pitchFamily="49" charset="0"/>
+              </a:rPr>
+              <a:t>{ 1, 2, 3, 4, 5 }</a:t>
+            </a:r>
+            <a:endParaRPr lang="en-US" dirty="0" smtClean="0"/>
+          </a:p>
+          <a:p>
+            <a:r>
+              <a:rPr lang="en-US" dirty="0" smtClean="0"/>
+              <a:t>Membership – determine if an element is in a list</a:t>
+            </a:r>
+          </a:p>
+          <a:p>
+            <a:pPr lvl="1"/>
+            <a:r>
+              <a:rPr lang="en-US" dirty="0">
+                <a:solidFill>
+                  <a:srgbClr val="000000"/>
+                </a:solidFill>
+                <a:highlight>
+                  <a:srgbClr val="FFFFFF"/>
+                </a:highlight>
+                <a:latin typeface="Consolas" panose="020B0609020204030204" pitchFamily="49" charset="0"/>
+              </a:rPr>
+              <a:t>X </a:t>
+            </a:r>
+            <a:r>
+              <a:rPr lang="en-US" dirty="0">
+                <a:solidFill>
+                  <a:srgbClr val="0000FF"/>
+                </a:solidFill>
+                <a:highlight>
+                  <a:srgbClr val="FFFFFF"/>
+                </a:highlight>
+                <a:latin typeface="Consolas" panose="020B0609020204030204" pitchFamily="49" charset="0"/>
+              </a:rPr>
+              <a:t>in</a:t>
+            </a:r>
+            <a:r>
+              <a:rPr lang="en-US" dirty="0">
+                <a:solidFill>
+                  <a:srgbClr val="000000"/>
+                </a:solidFill>
+                <a:highlight>
+                  <a:srgbClr val="FFFFFF"/>
+                </a:highlight>
+                <a:latin typeface="Consolas" panose="020B0609020204030204" pitchFamily="49" charset="0"/>
+              </a:rPr>
+              <a:t> { 1, 2, 3, 4, 5 </a:t>
+            </a:r>
+            <a:r>
+              <a:rPr lang="en-US" dirty="0" smtClean="0">
+                <a:solidFill>
+                  <a:srgbClr val="000000"/>
+                </a:solidFill>
+                <a:highlight>
+                  <a:srgbClr val="FFFFFF"/>
+                </a:highlight>
+                <a:latin typeface="Consolas" panose="020B0609020204030204" pitchFamily="49" charset="0"/>
+              </a:rPr>
+              <a:t>}</a:t>
+            </a:r>
+          </a:p>
+          <a:p>
+            <a:pPr lvl="1"/>
+            <a:r>
+              <a:rPr lang="fr-FR" dirty="0">
+                <a:solidFill>
+                  <a:srgbClr val="000000"/>
+                </a:solidFill>
+                <a:highlight>
+                  <a:srgbClr val="FFFFFF"/>
+                </a:highlight>
+                <a:latin typeface="Consolas" panose="020B0609020204030204" pitchFamily="49" charset="0"/>
+              </a:rPr>
+              <a:t>{ 1, 2, 3, 4, 5 } </a:t>
+            </a:r>
+            <a:r>
+              <a:rPr lang="fr-FR" dirty="0" err="1">
+                <a:solidFill>
+                  <a:srgbClr val="0000FF"/>
+                </a:solidFill>
+                <a:highlight>
+                  <a:srgbClr val="FFFFFF"/>
+                </a:highlight>
+                <a:latin typeface="Consolas" panose="020B0609020204030204" pitchFamily="49" charset="0"/>
+              </a:rPr>
+              <a:t>contains</a:t>
+            </a:r>
+            <a:r>
+              <a:rPr lang="fr-FR" dirty="0">
+                <a:solidFill>
+                  <a:srgbClr val="000000"/>
+                </a:solidFill>
+                <a:highlight>
+                  <a:srgbClr val="FFFFFF"/>
+                </a:highlight>
+                <a:latin typeface="Consolas" panose="020B0609020204030204" pitchFamily="49" charset="0"/>
+              </a:rPr>
+              <a:t> X</a:t>
+            </a:r>
+            <a:endParaRPr lang="en-US" dirty="0" smtClean="0"/>
+          </a:p>
+          <a:p>
+            <a:r>
+              <a:rPr lang="en-US" dirty="0" smtClean="0"/>
+              <a:t>Comparison</a:t>
+            </a:r>
+          </a:p>
+          <a:p>
+            <a:pPr lvl="1"/>
+            <a:r>
+              <a:rPr lang="en-US" dirty="0">
+                <a:solidFill>
+                  <a:srgbClr val="000000"/>
+                </a:solidFill>
+                <a:highlight>
+                  <a:srgbClr val="FFFFFF"/>
+                </a:highlight>
+                <a:latin typeface="Consolas" panose="020B0609020204030204" pitchFamily="49" charset="0"/>
+              </a:rPr>
+              <a:t>L = { 4, 5, 6 } // true if L has the same </a:t>
+            </a:r>
+            <a:r>
+              <a:rPr lang="en-US" dirty="0" smtClean="0">
+                <a:solidFill>
+                  <a:srgbClr val="000000"/>
+                </a:solidFill>
+                <a:highlight>
+                  <a:srgbClr val="FFFFFF"/>
+                </a:highlight>
+                <a:latin typeface="Consolas" panose="020B0609020204030204" pitchFamily="49" charset="0"/>
+              </a:rPr>
+              <a:t>elements</a:t>
+            </a:r>
+          </a:p>
+          <a:p>
+            <a:pPr lvl="1"/>
+            <a:r>
+              <a:rPr lang="en-US" dirty="0">
+                <a:solidFill>
+                  <a:srgbClr val="000000"/>
+                </a:solidFill>
+                <a:highlight>
+                  <a:srgbClr val="FFFFFF"/>
+                </a:highlight>
+                <a:latin typeface="Consolas" panose="020B0609020204030204" pitchFamily="49" charset="0"/>
+              </a:rPr>
+              <a:t>L </a:t>
+            </a:r>
+            <a:r>
+              <a:rPr lang="en-US" dirty="0">
+                <a:solidFill>
+                  <a:srgbClr val="0000FF"/>
+                </a:solidFill>
+                <a:highlight>
+                  <a:srgbClr val="FFFFFF"/>
+                </a:highlight>
+                <a:latin typeface="Consolas" panose="020B0609020204030204" pitchFamily="49" charset="0"/>
+              </a:rPr>
+              <a:t>includes</a:t>
+            </a:r>
+            <a:r>
+              <a:rPr lang="en-US" dirty="0">
+                <a:solidFill>
+                  <a:srgbClr val="000000"/>
+                </a:solidFill>
+                <a:highlight>
+                  <a:srgbClr val="FFFFFF"/>
+                </a:highlight>
+                <a:latin typeface="Consolas" panose="020B0609020204030204" pitchFamily="49" charset="0"/>
+              </a:rPr>
+              <a:t> { 4, 5, 6 } // true if L includes each </a:t>
+            </a:r>
+            <a:r>
+              <a:rPr lang="en-US" dirty="0" smtClean="0">
+                <a:solidFill>
+                  <a:srgbClr val="000000"/>
+                </a:solidFill>
+                <a:highlight>
+                  <a:srgbClr val="FFFFFF"/>
+                </a:highlight>
+                <a:latin typeface="Consolas" panose="020B0609020204030204" pitchFamily="49" charset="0"/>
+              </a:rPr>
+              <a:t>element</a:t>
+            </a:r>
+          </a:p>
+          <a:p>
+            <a:pPr lvl="1"/>
+            <a:r>
+              <a:rPr lang="en-US" dirty="0">
+                <a:solidFill>
+                  <a:srgbClr val="000000"/>
+                </a:solidFill>
+                <a:highlight>
+                  <a:srgbClr val="FFFFFF"/>
+                </a:highlight>
+                <a:latin typeface="Consolas" panose="020B0609020204030204" pitchFamily="49" charset="0"/>
+              </a:rPr>
+              <a:t>{ 4, 5, 6 } </a:t>
+            </a:r>
+            <a:r>
+              <a:rPr lang="en-US" dirty="0" smtClean="0">
+                <a:solidFill>
+                  <a:srgbClr val="0000FF"/>
+                </a:solidFill>
+                <a:highlight>
+                  <a:srgbClr val="FFFFFF"/>
+                </a:highlight>
+                <a:latin typeface="Consolas" panose="020B0609020204030204" pitchFamily="49" charset="0"/>
+              </a:rPr>
+              <a:t>included</a:t>
+            </a:r>
+            <a:r>
+              <a:rPr lang="en-US" dirty="0" smtClean="0">
+                <a:solidFill>
+                  <a:srgbClr val="000000"/>
+                </a:solidFill>
+                <a:highlight>
+                  <a:srgbClr val="FFFFFF"/>
+                </a:highlight>
+                <a:latin typeface="Consolas" panose="020B0609020204030204" pitchFamily="49" charset="0"/>
+              </a:rPr>
+              <a:t> </a:t>
+            </a:r>
+            <a:r>
+              <a:rPr lang="en-US" dirty="0" smtClean="0">
+                <a:solidFill>
+                  <a:srgbClr val="0000FF"/>
+                </a:solidFill>
+                <a:highlight>
+                  <a:srgbClr val="FFFFFF"/>
+                </a:highlight>
+                <a:latin typeface="Consolas" panose="020B0609020204030204" pitchFamily="49" charset="0"/>
+              </a:rPr>
+              <a:t>in</a:t>
+            </a:r>
+            <a:r>
+              <a:rPr lang="en-US" dirty="0" smtClean="0">
+                <a:solidFill>
+                  <a:srgbClr val="000000"/>
+                </a:solidFill>
+                <a:highlight>
+                  <a:srgbClr val="FFFFFF"/>
+                </a:highlight>
+                <a:latin typeface="Consolas" panose="020B0609020204030204" pitchFamily="49" charset="0"/>
+              </a:rPr>
+              <a:t> </a:t>
+            </a:r>
+            <a:r>
+              <a:rPr lang="en-US" dirty="0">
+                <a:solidFill>
+                  <a:srgbClr val="000000"/>
+                </a:solidFill>
+                <a:highlight>
+                  <a:srgbClr val="FFFFFF"/>
+                </a:highlight>
+                <a:latin typeface="Consolas" panose="020B0609020204030204" pitchFamily="49" charset="0"/>
+              </a:rPr>
+              <a:t>L // </a:t>
+            </a:r>
+            <a:r>
+              <a:rPr lang="en-US" dirty="0" smtClean="0">
+                <a:solidFill>
+                  <a:srgbClr val="000000"/>
+                </a:solidFill>
+                <a:highlight>
+                  <a:srgbClr val="FFFFFF"/>
+                </a:highlight>
+                <a:latin typeface="Consolas" panose="020B0609020204030204" pitchFamily="49" charset="0"/>
+              </a:rPr>
+              <a:t>inverse of includes</a:t>
+            </a:r>
+            <a:endParaRPr lang="en-US" dirty="0" smtClean="0"/>
+          </a:p>
+          <a:p>
+            <a:r>
+              <a:rPr lang="en-US" dirty="0" smtClean="0"/>
+              <a:t>Indexer/Position</a:t>
+            </a:r>
+          </a:p>
+          <a:p>
+            <a:pPr lvl="1"/>
+            <a:r>
+              <a:rPr lang="en-US" dirty="0">
+                <a:solidFill>
+                  <a:srgbClr val="000000"/>
+                </a:solidFill>
+                <a:highlight>
+                  <a:srgbClr val="FFFFFF"/>
+                </a:highlight>
+                <a:latin typeface="Consolas" panose="020B0609020204030204" pitchFamily="49" charset="0"/>
+              </a:rPr>
+              <a:t>{ 4, 5, 6 }[1] // 1-based, evaluates to 4</a:t>
+            </a:r>
+            <a:endParaRPr lang="en-US" dirty="0" smtClean="0"/>
+          </a:p>
+          <a:p>
+            <a:r>
+              <a:rPr lang="en-US" dirty="0" smtClean="0"/>
+              <a:t>Count</a:t>
+            </a:r>
+          </a:p>
+          <a:p>
+            <a:pPr lvl="1"/>
+            <a:r>
+              <a:rPr lang="en-US" dirty="0">
+                <a:solidFill>
+                  <a:srgbClr val="000000"/>
+                </a:solidFill>
+                <a:highlight>
+                  <a:srgbClr val="FFFFFF"/>
+                </a:highlight>
+                <a:latin typeface="Consolas" panose="020B0609020204030204" pitchFamily="49" charset="0"/>
+              </a:rPr>
+              <a:t>Count({ 4, 5, 6 }) // evaluates to 3</a:t>
+            </a:r>
+            <a:endParaRPr lang="en-US" dirty="0" smtClean="0"/>
+          </a:p>
+          <a:p>
+            <a:r>
+              <a:rPr lang="en-US" dirty="0" smtClean="0"/>
+              <a:t>First/Last</a:t>
+            </a:r>
+          </a:p>
+          <a:p>
+            <a:pPr lvl="1"/>
+            <a:r>
+              <a:rPr lang="en-US" dirty="0">
+                <a:solidFill>
+                  <a:srgbClr val="000000"/>
+                </a:solidFill>
+                <a:highlight>
+                  <a:srgbClr val="FFFFFF"/>
+                </a:highlight>
+                <a:latin typeface="Consolas" panose="020B0609020204030204" pitchFamily="49" charset="0"/>
+              </a:rPr>
+              <a:t>First({ 4, 5, 6 }) // evaluates to 4</a:t>
+            </a:r>
             <a:endParaRPr lang="en-US" dirty="0"/>
           </a:p>
         </p:txBody>
@@ -5110,7 +7022,7 @@
     </p:spTree>
     <p:extLst>
       <p:ext uri="{BB962C8B-B14F-4D97-AF65-F5344CB8AC3E}">
-        <p14:creationId xmlns:p14="http://schemas.microsoft.com/office/powerpoint/2010/main" val="1363575500"/>
+        <p14:creationId xmlns:p14="http://schemas.microsoft.com/office/powerpoint/2010/main" val="808036993"/>
       </p:ext>
     </p:extLst>
   </p:cSld>
@@ -5154,7 +7066,7 @@
           <a:p>
             <a:r>
               <a:rPr lang="en-US" dirty="0" smtClean="0"/>
-              <a:t>Set Operations</a:t>
+              <a:t>Queries</a:t>
             </a:r>
             <a:endParaRPr lang="en-US" dirty="0"/>
           </a:p>
@@ -5175,20 +7087,90 @@
           <a:bodyPr/>
           <a:lstStyle/>
           <a:p>
-            <a:endParaRPr lang="en-US"/>
-          </a:p>
-        </p:txBody>
-      </p:sp>
+            <a:r>
+              <a:rPr lang="en-US" dirty="0" smtClean="0"/>
+              <a:t>The “query” construct is used to perform various operations, including filtering, shaping, sorting, and relating results.</a:t>
+            </a:r>
+          </a:p>
+          <a:p>
+            <a:r>
+              <a:rPr lang="en-US" dirty="0" smtClean="0"/>
+              <a:t>Simplest query involves only a single source:</a:t>
+            </a:r>
+          </a:p>
+        </p:txBody>
+      </p:sp>
+      <p:sp>
+        <p:nvSpPr>
+          <p:cNvPr id="5" name="TextBox 4"/>
+          <p:cNvSpPr txBox="1"/>
+          <p:nvPr/>
+        </p:nvSpPr>
+        <p:spPr>
+          <a:xfrm>
+            <a:off x="838200" y="5486400"/>
+            <a:ext cx="7620000" cy="954107"/>
+          </a:xfrm>
+          <a:prstGeom prst="rect">
+            <a:avLst/>
+          </a:prstGeom>
+          <a:noFill/>
+        </p:spPr>
+        <p:txBody>
+          <a:bodyPr wrap="square" rtlCol="0">
+            <a:spAutoFit/>
+          </a:bodyPr>
+          <a:lstStyle/>
+          <a:p>
+            <a:r>
+              <a:rPr lang="en-US" sz="2800" dirty="0" smtClean="0"/>
+              <a:t>The alias “E” allows the source to be referenced anywhere within the query.</a:t>
+            </a:r>
+            <a:endParaRPr lang="en-US" sz="2800" dirty="0"/>
+          </a:p>
+        </p:txBody>
+      </p:sp>
+      <p:pic>
+        <p:nvPicPr>
+          <p:cNvPr id="6" name="Picture 5"/>
+          <p:cNvPicPr>
+            <a:picLocks noChangeAspect="1"/>
+          </p:cNvPicPr>
+          <p:nvPr/>
+        </p:nvPicPr>
+        <p:blipFill>
+          <a:blip r:embed="rId2"/>
+          <a:stretch>
+            <a:fillRect/>
+          </a:stretch>
+        </p:blipFill>
+        <p:spPr>
+          <a:xfrm>
+            <a:off x="1752600" y="4419600"/>
+            <a:ext cx="4807857" cy="381000"/>
+          </a:xfrm>
+          <a:prstGeom prst="rect">
+            <a:avLst/>
+          </a:prstGeom>
+        </p:spPr>
+      </p:pic>
     </p:spTree>
     <p:extLst>
       <p:ext uri="{BB962C8B-B14F-4D97-AF65-F5344CB8AC3E}">
-        <p14:creationId xmlns:p14="http://schemas.microsoft.com/office/powerpoint/2010/main" val="1224130417"/>
+        <p14:creationId xmlns:p14="http://schemas.microsoft.com/office/powerpoint/2010/main" val="156209768"/>
       </p:ext>
     </p:extLst>
   </p:cSld>
   <p:clrMapOvr>
     <a:masterClrMapping/>
   </p:clrMapOvr>
+  <p:timing>
+    <p:tnLst>
+      <p:par>
+        <p:cTn id="1" dur="indefinite" restart="never" nodeType="tmRoot"/>
+      </p:par>
+    </p:tnLst>
+  </p:timing>
 </p:sld>
 </file>
 
@@ -5226,7 +7208,7 @@
           <a:p>
             <a:r>
               <a:rPr lang="en-US" dirty="0" smtClean="0"/>
-              <a:t>Combining Results</a:t>
+              <a:t>Filtering</a:t>
             </a:r>
             <a:endParaRPr lang="en-US" dirty="0"/>
           </a:p>
@@ -5247,20 +7229,54 @@
           <a:bodyPr/>
           <a:lstStyle/>
           <a:p>
-            <a:endParaRPr lang="en-US"/>
-          </a:p>
-        </p:txBody>
-      </p:sp>
+            <a:r>
+              <a:rPr lang="en-US" dirty="0" smtClean="0"/>
+              <a:t>A “where” clause returns only those elements that satisfy the condition:</a:t>
+            </a:r>
+          </a:p>
+        </p:txBody>
+      </p:sp>
+      <p:pic>
+        <p:nvPicPr>
+          <p:cNvPr id="4" name="Picture 3"/>
+          <p:cNvPicPr>
+            <a:picLocks noChangeAspect="1"/>
+          </p:cNvPicPr>
+          <p:nvPr/>
+        </p:nvPicPr>
+        <p:blipFill>
+          <a:blip r:embed="rId2"/>
+          <a:stretch>
+            <a:fillRect/>
+          </a:stretch>
+        </p:blipFill>
+        <p:spPr>
+          <a:xfrm>
+            <a:off x="1260633" y="3539331"/>
+            <a:ext cx="6622733" cy="647700"/>
+          </a:xfrm>
+          <a:prstGeom prst="rect">
+            <a:avLst/>
+          </a:prstGeom>
+        </p:spPr>
+      </p:pic>
     </p:spTree>
     <p:extLst>
       <p:ext uri="{BB962C8B-B14F-4D97-AF65-F5344CB8AC3E}">
-        <p14:creationId xmlns:p14="http://schemas.microsoft.com/office/powerpoint/2010/main" val="3172554914"/>
+        <p14:creationId xmlns:p14="http://schemas.microsoft.com/office/powerpoint/2010/main" val="1271474877"/>
       </p:ext>
     </p:extLst>
   </p:cSld>
   <p:clrMapOvr>
     <a:masterClrMapping/>
   </p:clrMapOvr>
+  <p:timing>
+    <p:tnLst>
+      <p:par>
+        <p:cTn id="1" dur="indefinite" restart="never" nodeType="tmRoot"/>
+      </p:par>
+    </p:tnLst>
+  </p:timing>
 </p:sld>
 </file>
 
@@ -5298,7 +7314,7 @@
           <a:p>
             <a:r>
               <a:rPr lang="en-US" dirty="0" smtClean="0"/>
-              <a:t>Let Statements</a:t>
+              <a:t>Shaping</a:t>
             </a:r>
             <a:endParaRPr lang="en-US" dirty="0"/>
           </a:p>
@@ -5319,20 +7335,55 @@
           <a:bodyPr/>
           <a:lstStyle/>
           <a:p>
-            <a:endParaRPr lang="en-US"/>
-          </a:p>
-        </p:txBody>
-      </p:sp>
+            <a:r>
+              <a:rPr lang="en-US" dirty="0" smtClean="0"/>
+              <a:t>The “return” clause allows the shape of the result to be described:</a:t>
+            </a:r>
+            <a:endParaRPr lang="en-US" dirty="0"/>
+          </a:p>
+        </p:txBody>
+      </p:sp>
+      <p:pic>
+        <p:nvPicPr>
+          <p:cNvPr id="5" name="Picture 4"/>
+          <p:cNvPicPr>
+            <a:picLocks noChangeAspect="1"/>
+          </p:cNvPicPr>
+          <p:nvPr/>
+        </p:nvPicPr>
+        <p:blipFill>
+          <a:blip r:embed="rId2"/>
+          <a:stretch>
+            <a:fillRect/>
+          </a:stretch>
+        </p:blipFill>
+        <p:spPr>
+          <a:xfrm>
+            <a:off x="591477" y="3276600"/>
+            <a:ext cx="8095323" cy="2362200"/>
+          </a:xfrm>
+          <a:prstGeom prst="rect">
+            <a:avLst/>
+          </a:prstGeom>
+        </p:spPr>
+      </p:pic>
     </p:spTree>
     <p:extLst>
       <p:ext uri="{BB962C8B-B14F-4D97-AF65-F5344CB8AC3E}">
-        <p14:creationId xmlns:p14="http://schemas.microsoft.com/office/powerpoint/2010/main" val="1709965973"/>
+        <p14:creationId xmlns:p14="http://schemas.microsoft.com/office/powerpoint/2010/main" val="1474390360"/>
       </p:ext>
     </p:extLst>
   </p:cSld>
   <p:clrMapOvr>
     <a:masterClrMapping/>
   </p:clrMapOvr>
+  <p:timing>
+    <p:tnLst>
+      <p:par>
+        <p:cTn id="1" dur="indefinite" restart="never" nodeType="tmRoot"/>
+      </p:par>
+    </p:tnLst>
+  </p:timing>
 </p:sld>
 </file>
 
@@ -5370,7 +7421,7 @@
           <a:p>
             <a:r>
               <a:rPr lang="en-US" dirty="0" smtClean="0"/>
-              <a:t>Conditional Expressions</a:t>
+              <a:t>Sorting</a:t>
             </a:r>
             <a:endParaRPr lang="en-US" dirty="0"/>
           </a:p>
@@ -5391,20 +7442,61 @@
           <a:bodyPr/>
           <a:lstStyle/>
           <a:p>
-            <a:endParaRPr lang="en-US"/>
-          </a:p>
-        </p:txBody>
-      </p:sp>
+            <a:r>
+              <a:rPr lang="en-US" dirty="0" smtClean="0"/>
+              <a:t>“sort by” allows the results of a query to be ordered.</a:t>
+            </a:r>
+          </a:p>
+          <a:p>
+            <a:r>
+              <a:rPr lang="en-US" dirty="0" smtClean="0"/>
+              <a:t>Sorting is evaluated after any “return”</a:t>
+            </a:r>
+            <a:endParaRPr lang="en-US" dirty="0"/>
+          </a:p>
+        </p:txBody>
+      </p:sp>
+      <p:pic>
+        <p:nvPicPr>
+          <p:cNvPr id="5" name="Picture 4"/>
+          <p:cNvPicPr>
+            <a:picLocks noChangeAspect="1"/>
+          </p:cNvPicPr>
+          <p:nvPr/>
+        </p:nvPicPr>
+        <p:blipFill>
+          <a:blip r:embed="rId2"/>
+          <a:stretch>
+            <a:fillRect/>
+          </a:stretch>
+        </p:blipFill>
+        <p:spPr>
+          <a:xfrm>
+            <a:off x="493791" y="3962400"/>
+            <a:ext cx="8156418" cy="1447800"/>
+          </a:xfrm>
+          <a:prstGeom prst="rect">
+            <a:avLst/>
+          </a:prstGeom>
+        </p:spPr>
+      </p:pic>
     </p:spTree>
     <p:extLst>
       <p:ext uri="{BB962C8B-B14F-4D97-AF65-F5344CB8AC3E}">
-        <p14:creationId xmlns:p14="http://schemas.microsoft.com/office/powerpoint/2010/main" val="3157644089"/>
+        <p14:creationId xmlns:p14="http://schemas.microsoft.com/office/powerpoint/2010/main" val="2535558894"/>
       </p:ext>
     </p:extLst>
   </p:cSld>
   <p:clrMapOvr>
     <a:masterClrMapping/>
   </p:clrMapOvr>
+  <p:timing>
+    <p:tnLst>
+      <p:par>
+        <p:cTn id="1" dur="indefinite" restart="never" nodeType="tmRoot"/>
+      </p:par>
+    </p:tnLst>
+  </p:timing>
 </p:sld>
 </file>
 
@@ -5442,7 +7534,7 @@
           <a:p>
             <a:r>
               <a:rPr lang="en-US" dirty="0" smtClean="0"/>
-              <a:t>Aggregate Expressions</a:t>
+              <a:t>Filtering by Relationships</a:t>
             </a:r>
             <a:endParaRPr lang="en-US" dirty="0"/>
           </a:p>
@@ -5463,20 +7555,87 @@
           <a:bodyPr/>
           <a:lstStyle/>
           <a:p>
-            <a:endParaRPr lang="en-US"/>
+            <a:r>
+              <a:rPr lang="en-US" dirty="0" smtClean="0"/>
+              <a:t>Use the “with” keyword to introduce a filtering relationship:</a:t>
+            </a:r>
+          </a:p>
+          <a:p>
+            <a:endParaRPr lang="en-US" dirty="0"/>
+          </a:p>
+        </p:txBody>
+      </p:sp>
+      <p:pic>
+        <p:nvPicPr>
+          <p:cNvPr id="4" name="Picture 3"/>
+          <p:cNvPicPr>
+            <a:picLocks noChangeAspect="1"/>
+          </p:cNvPicPr>
+          <p:nvPr/>
+        </p:nvPicPr>
+        <p:blipFill>
+          <a:blip r:embed="rId2"/>
+          <a:stretch>
+            <a:fillRect/>
+          </a:stretch>
+        </p:blipFill>
+        <p:spPr>
+          <a:xfrm>
+            <a:off x="762000" y="3581400"/>
+            <a:ext cx="7459602" cy="1013619"/>
+          </a:xfrm>
+          <a:prstGeom prst="rect">
+            <a:avLst/>
+          </a:prstGeom>
+        </p:spPr>
+      </p:pic>
+      <p:sp>
+        <p:nvSpPr>
+          <p:cNvPr id="5" name="TextBox 4"/>
+          <p:cNvSpPr txBox="1"/>
+          <p:nvPr/>
+        </p:nvSpPr>
+        <p:spPr>
+          <a:xfrm>
+            <a:off x="990600" y="6124059"/>
+            <a:ext cx="6506909" cy="369332"/>
+          </a:xfrm>
+          <a:prstGeom prst="rect">
+            <a:avLst/>
+          </a:prstGeom>
+          <a:noFill/>
+        </p:spPr>
+        <p:txBody>
+          <a:bodyPr wrap="none" rtlCol="0">
+            <a:spAutoFit/>
+          </a:bodyPr>
+          <a:lstStyle/>
+          <a:p>
+            <a:r>
+              <a:rPr lang="en-US" dirty="0" smtClean="0"/>
+              <a:t>NOTE: This operation is known as a semi-join in database languages.</a:t>
+            </a:r>
+            <a:endParaRPr lang="en-US" dirty="0"/>
           </a:p>
         </p:txBody>
       </p:sp>
     </p:spTree>
     <p:extLst>
       <p:ext uri="{BB962C8B-B14F-4D97-AF65-F5344CB8AC3E}">
-        <p14:creationId xmlns:p14="http://schemas.microsoft.com/office/powerpoint/2010/main" val="3903863185"/>
+        <p14:creationId xmlns:p14="http://schemas.microsoft.com/office/powerpoint/2010/main" val="1363575500"/>
       </p:ext>
     </p:extLst>
   </p:cSld>
   <p:clrMapOvr>
     <a:masterClrMapping/>
   </p:clrMapOvr>
+  <p:timing>
+    <p:tnLst>
+      <p:par>
+        <p:cTn id="1" dur="indefinite" restart="never" nodeType="tmRoot"/>
+      </p:par>
+    </p:tnLst>
+  </p:timing>
 </p:sld>
 </file>
 
@@ -5586,11 +7745,18 @@
   <p:clrMapOvr>
     <a:masterClrMapping/>
   </p:clrMapOvr>
+  <p:timing>
+    <p:tnLst>
+      <p:par>
+        <p:cTn id="1" dur="indefinite" restart="never" nodeType="tmRoot"/>
+      </p:par>
+    </p:tnLst>
+  </p:timing>
 </p:sld>
 </file>
 
 <file path=ppt/slides/slide20.xml><?xml version="1.0" encoding="utf-8"?>
-<p:sld xmlns:a="http://schemas.openxmlformats.org/drawingml/2006/main" xmlns:r="http://schemas.openxmlformats.org/officeDocument/2006/relationships" xmlns:p="http://schemas.openxmlformats.org/presentationml/2006/main">
+<p:sld xmlns:a="http://schemas.openxmlformats.org/drawingml/2006/main" xmlns:r="http://schemas.openxmlformats.org/officeDocument/2006/relationships" xmlns:p="http://schemas.openxmlformats.org/presentationml/2006/main" show="0">
   <p:cSld>
     <p:spTree>
       <p:nvGrpSpPr>
@@ -5623,7 +7789,7 @@
           <a:p>
             <a:r>
               <a:rPr lang="en-US" dirty="0" smtClean="0"/>
-              <a:t>Advanced Constructs</a:t>
+              <a:t>Combining Results</a:t>
             </a:r>
             <a:endParaRPr lang="en-US" dirty="0"/>
           </a:p>
@@ -5644,20 +7810,63 @@
           <a:bodyPr/>
           <a:lstStyle/>
           <a:p>
-            <a:endParaRPr lang="en-US"/>
-          </a:p>
-        </p:txBody>
-      </p:sp>
+            <a:r>
+              <a:rPr lang="en-US" dirty="0" smtClean="0"/>
+              <a:t>The “combine” operation allows data from multiple sources to be combined:</a:t>
+            </a:r>
+            <a:endParaRPr lang="en-US" dirty="0"/>
+          </a:p>
+        </p:txBody>
+      </p:sp>
+      <p:pic>
+        <p:nvPicPr>
+          <p:cNvPr id="4" name="Picture 3"/>
+          <p:cNvPicPr>
+            <a:picLocks noChangeAspect="1"/>
+          </p:cNvPicPr>
+          <p:nvPr/>
+        </p:nvPicPr>
+        <p:blipFill>
+          <a:blip r:embed="rId2"/>
+          <a:stretch>
+            <a:fillRect/>
+          </a:stretch>
+        </p:blipFill>
+        <p:spPr>
+          <a:xfrm>
+            <a:off x="152400" y="3352800"/>
+            <a:ext cx="8904357" cy="838200"/>
+          </a:xfrm>
+          <a:prstGeom prst="rect">
+            <a:avLst/>
+          </a:prstGeom>
+        </p:spPr>
+      </p:pic>
     </p:spTree>
     <p:extLst>
       <p:ext uri="{BB962C8B-B14F-4D97-AF65-F5344CB8AC3E}">
-        <p14:creationId xmlns:p14="http://schemas.microsoft.com/office/powerpoint/2010/main" val="269679045"/>
+        <p14:creationId xmlns:p14="http://schemas.microsoft.com/office/powerpoint/2010/main" val="3172554914"/>
       </p:ext>
     </p:extLst>
   </p:cSld>
   <p:clrMapOvr>
     <a:masterClrMapping/>
   </p:clrMapOvr>
+  <mc:AlternateContent xmlns:mc="http://schemas.openxmlformats.org/markup-compatibility/2006" xmlns:p14="http://schemas.microsoft.com/office/powerpoint/2010/main">
+    <mc:Choice Requires="p14">
+      <p:transition spd="slow" p14:dur="2000"/>
+    </mc:Choice>
+    <mc:Fallback xmlns="">
+      <p:transition spd="slow"/>
+    </mc:Fallback>
+  </mc:AlternateContent>
+  <p:timing>
+    <p:tnLst>
+      <p:par>
+        <p:cTn id="1" dur="indefinite" restart="never" nodeType="tmRoot"/>
+      </p:par>
+    </p:tnLst>
+  </p:timing>
 </p:sld>
 </file>
 
@@ -5695,7 +7904,7 @@
           <a:p>
             <a:r>
               <a:rPr lang="en-US" dirty="0" smtClean="0"/>
-              <a:t>Defining Operators</a:t>
+              <a:t>Set Operations</a:t>
             </a:r>
             <a:endParaRPr lang="en-US" dirty="0"/>
           </a:p>
@@ -5716,20 +7925,62 @@
           <a:bodyPr/>
           <a:lstStyle/>
           <a:p>
-            <a:endParaRPr lang="en-US"/>
-          </a:p>
-        </p:txBody>
-      </p:sp>
+            <a:r>
+              <a:rPr lang="en-US" dirty="0" smtClean="0"/>
+              <a:t>CQL supports standard set operations:</a:t>
+            </a:r>
+          </a:p>
+          <a:p>
+            <a:pPr lvl="1"/>
+            <a:r>
+              <a:rPr lang="en-US" dirty="0" smtClean="0"/>
+              <a:t>union, intersection, and difference</a:t>
+            </a:r>
+            <a:endParaRPr lang="en-US" dirty="0"/>
+          </a:p>
+        </p:txBody>
+      </p:sp>
+      <p:pic>
+        <p:nvPicPr>
+          <p:cNvPr id="4" name="Picture 3"/>
+          <p:cNvPicPr>
+            <a:picLocks noChangeAspect="1"/>
+          </p:cNvPicPr>
+          <p:nvPr/>
+        </p:nvPicPr>
+        <p:blipFill>
+          <a:blip r:embed="rId2"/>
+          <a:stretch>
+            <a:fillRect/>
+          </a:stretch>
+        </p:blipFill>
+        <p:spPr>
+          <a:xfrm>
+            <a:off x="1524000" y="3276600"/>
+            <a:ext cx="5398741" cy="2057400"/>
+          </a:xfrm>
+          <a:prstGeom prst="rect">
+            <a:avLst/>
+          </a:prstGeom>
+        </p:spPr>
+      </p:pic>
     </p:spTree>
     <p:extLst>
       <p:ext uri="{BB962C8B-B14F-4D97-AF65-F5344CB8AC3E}">
-        <p14:creationId xmlns:p14="http://schemas.microsoft.com/office/powerpoint/2010/main" val="1600844107"/>
+        <p14:creationId xmlns:p14="http://schemas.microsoft.com/office/powerpoint/2010/main" val="1224130417"/>
       </p:ext>
     </p:extLst>
   </p:cSld>
   <p:clrMapOvr>
     <a:masterClrMapping/>
   </p:clrMapOvr>
+  <p:timing>
+    <p:tnLst>
+      <p:par>
+        <p:cTn id="1" dur="indefinite" restart="never" nodeType="tmRoot"/>
+      </p:par>
+    </p:tnLst>
+  </p:timing>
 </p:sld>
 </file>
 
@@ -5767,7 +8018,7 @@
           <a:p>
             <a:r>
               <a:rPr lang="en-US" dirty="0" smtClean="0"/>
-              <a:t>Defining Retrieves</a:t>
+              <a:t>Conditional Expressions</a:t>
             </a:r>
             <a:endParaRPr lang="en-US" dirty="0"/>
           </a:p>
@@ -5788,14 +8039,42 @@
           <a:bodyPr/>
           <a:lstStyle/>
           <a:p>
-            <a:endParaRPr lang="en-US"/>
-          </a:p>
-        </p:txBody>
-      </p:sp>
+            <a:r>
+              <a:rPr lang="en-US" dirty="0" smtClean="0"/>
+              <a:t>CQL supports an “if” expression, as well as a SQL-style “case” expression:</a:t>
+            </a:r>
+            <a:endParaRPr lang="en-US" dirty="0"/>
+          </a:p>
+        </p:txBody>
+      </p:sp>
+      <p:pic>
+        <p:nvPicPr>
+          <p:cNvPr id="4" name="Picture 3"/>
+          <p:cNvPicPr>
+            <a:picLocks noChangeAspect="1"/>
+          </p:cNvPicPr>
+          <p:nvPr/>
+        </p:nvPicPr>
+        <p:blipFill>
+          <a:blip r:embed="rId2"/>
+          <a:stretch>
+            <a:fillRect/>
+          </a:stretch>
+        </p:blipFill>
+        <p:spPr>
+          <a:xfrm>
+            <a:off x="2057400" y="3581400"/>
+            <a:ext cx="4706815" cy="1676400"/>
+          </a:xfrm>
+          <a:prstGeom prst="rect">
+            <a:avLst/>
+          </a:prstGeom>
+        </p:spPr>
+      </p:pic>
     </p:spTree>
     <p:extLst>
       <p:ext uri="{BB962C8B-B14F-4D97-AF65-F5344CB8AC3E}">
-        <p14:creationId xmlns:p14="http://schemas.microsoft.com/office/powerpoint/2010/main" val="107329143"/>
+        <p14:creationId xmlns:p14="http://schemas.microsoft.com/office/powerpoint/2010/main" val="3157644089"/>
       </p:ext>
     </p:extLst>
   </p:cSld>
@@ -5839,7 +8118,7 @@
           <a:p>
             <a:r>
               <a:rPr lang="en-US" dirty="0" smtClean="0"/>
-              <a:t>Using Libraries</a:t>
+              <a:t>Aggregate Expressions</a:t>
             </a:r>
             <a:endParaRPr lang="en-US" dirty="0"/>
           </a:p>
@@ -5860,14 +8139,65 @@
           <a:bodyPr/>
           <a:lstStyle/>
           <a:p>
-            <a:endParaRPr lang="en-US"/>
-          </a:p>
-        </p:txBody>
-      </p:sp>
+            <a:r>
+              <a:rPr lang="en-US" dirty="0" smtClean="0"/>
+              <a:t>CQL supports a full complement of aggregate expressions including:</a:t>
+            </a:r>
+            <a:endParaRPr lang="en-US" dirty="0"/>
+          </a:p>
+          <a:p>
+            <a:pPr lvl="1"/>
+            <a:r>
+              <a:rPr lang="en-US" dirty="0" smtClean="0"/>
+              <a:t>Count, Sum, Min, Max, </a:t>
+            </a:r>
+            <a:r>
+              <a:rPr lang="en-US" dirty="0" err="1" smtClean="0"/>
+              <a:t>Avg</a:t>
+            </a:r>
+            <a:endParaRPr lang="en-US" dirty="0"/>
+          </a:p>
+          <a:p>
+            <a:pPr lvl="1"/>
+            <a:r>
+              <a:rPr lang="en-US" dirty="0" err="1" smtClean="0"/>
+              <a:t>Std</a:t>
+            </a:r>
+            <a:r>
+              <a:rPr lang="en-US" dirty="0" smtClean="0"/>
+              <a:t> Dev, Variance, Median, Mode</a:t>
+            </a:r>
+          </a:p>
+        </p:txBody>
+      </p:sp>
+      <p:pic>
+        <p:nvPicPr>
+          <p:cNvPr id="4" name="Picture 3"/>
+          <p:cNvPicPr>
+            <a:picLocks noChangeAspect="1"/>
+          </p:cNvPicPr>
+          <p:nvPr/>
+        </p:nvPicPr>
+        <p:blipFill>
+          <a:blip r:embed="rId2"/>
+          <a:stretch>
+            <a:fillRect/>
+          </a:stretch>
+        </p:blipFill>
+        <p:spPr>
+          <a:xfrm>
+            <a:off x="1981200" y="4572000"/>
+            <a:ext cx="4963886" cy="1371600"/>
+          </a:xfrm>
+          <a:prstGeom prst="rect">
+            <a:avLst/>
+          </a:prstGeom>
+        </p:spPr>
+      </p:pic>
     </p:spTree>
     <p:extLst>
       <p:ext uri="{BB962C8B-B14F-4D97-AF65-F5344CB8AC3E}">
-        <p14:creationId xmlns:p14="http://schemas.microsoft.com/office/powerpoint/2010/main" val="1666891093"/>
+        <p14:creationId xmlns:p14="http://schemas.microsoft.com/office/powerpoint/2010/main" val="3903863185"/>
       </p:ext>
     </p:extLst>
   </p:cSld>
@@ -5911,7 +8241,7 @@
           <a:p>
             <a:r>
               <a:rPr lang="en-US" dirty="0" smtClean="0"/>
-              <a:t>Next Steps</a:t>
+              <a:t>Let Statements</a:t>
             </a:r>
             <a:endParaRPr lang="en-US" dirty="0"/>
           </a:p>
@@ -5929,6 +8259,437 @@
         </p:nvSpPr>
         <p:spPr/>
         <p:txBody>
+          <a:bodyPr/>
+          <a:lstStyle/>
+          <a:p>
+            <a:r>
+              <a:rPr lang="en-US" dirty="0" smtClean="0"/>
+              <a:t>“let” statements can be used to break expressions into smaller chunks:</a:t>
+            </a:r>
+            <a:endParaRPr lang="en-US" dirty="0"/>
+          </a:p>
+        </p:txBody>
+      </p:sp>
+      <p:pic>
+        <p:nvPicPr>
+          <p:cNvPr id="4" name="Picture 3"/>
+          <p:cNvPicPr>
+            <a:picLocks noChangeAspect="1"/>
+          </p:cNvPicPr>
+          <p:nvPr/>
+        </p:nvPicPr>
+        <p:blipFill>
+          <a:blip r:embed="rId2"/>
+          <a:stretch>
+            <a:fillRect/>
+          </a:stretch>
+        </p:blipFill>
+        <p:spPr>
+          <a:xfrm>
+            <a:off x="55571" y="3048000"/>
+            <a:ext cx="9088429" cy="2133600"/>
+          </a:xfrm>
+          <a:prstGeom prst="rect">
+            <a:avLst/>
+          </a:prstGeom>
+        </p:spPr>
+      </p:pic>
+    </p:spTree>
+    <p:extLst>
+      <p:ext uri="{BB962C8B-B14F-4D97-AF65-F5344CB8AC3E}">
+        <p14:creationId xmlns:p14="http://schemas.microsoft.com/office/powerpoint/2010/main" val="1709965973"/>
+      </p:ext>
+    </p:extLst>
+  </p:cSld>
+  <p:clrMapOvr>
+    <a:masterClrMapping/>
+  </p:clrMapOvr>
+</p:sld>
+</file>
+
+<file path=ppt/slides/slide25.xml><?xml version="1.0" encoding="utf-8"?>
+<p:sld xmlns:a="http://schemas.openxmlformats.org/drawingml/2006/main" xmlns:r="http://schemas.openxmlformats.org/officeDocument/2006/relationships" xmlns:p="http://schemas.openxmlformats.org/presentationml/2006/main">
+  <p:cSld>
+    <p:spTree>
+      <p:nvGrpSpPr>
+        <p:cNvPr id="1" name=""/>
+        <p:cNvGrpSpPr/>
+        <p:nvPr/>
+      </p:nvGrpSpPr>
+      <p:grpSpPr>
+        <a:xfrm>
+          <a:off x="0" y="0"/>
+          <a:ext cx="0" cy="0"/>
+          <a:chOff x="0" y="0"/>
+          <a:chExt cx="0" cy="0"/>
+        </a:xfrm>
+      </p:grpSpPr>
+      <p:sp>
+        <p:nvSpPr>
+          <p:cNvPr id="2" name="Title 1"/>
+          <p:cNvSpPr>
+            <a:spLocks noGrp="1"/>
+          </p:cNvSpPr>
+          <p:nvPr>
+            <p:ph type="title"/>
+          </p:nvPr>
+        </p:nvSpPr>
+        <p:spPr/>
+        <p:txBody>
+          <a:bodyPr/>
+          <a:lstStyle/>
+          <a:p>
+            <a:r>
+              <a:rPr lang="en-US" dirty="0" smtClean="0"/>
+              <a:t>Defining Functions</a:t>
+            </a:r>
+            <a:endParaRPr lang="en-US" dirty="0"/>
+          </a:p>
+        </p:txBody>
+      </p:sp>
+      <p:sp>
+        <p:nvSpPr>
+          <p:cNvPr id="3" name="Content Placeholder 2"/>
+          <p:cNvSpPr>
+            <a:spLocks noGrp="1"/>
+          </p:cNvSpPr>
+          <p:nvPr>
+            <p:ph idx="1"/>
+          </p:nvPr>
+        </p:nvSpPr>
+        <p:spPr/>
+        <p:txBody>
+          <a:bodyPr/>
+          <a:lstStyle/>
+          <a:p>
+            <a:r>
+              <a:rPr lang="en-US" dirty="0" smtClean="0"/>
+              <a:t>CQL allows functions to be defined:</a:t>
+            </a:r>
+            <a:endParaRPr lang="en-US" dirty="0"/>
+          </a:p>
+        </p:txBody>
+      </p:sp>
+      <p:pic>
+        <p:nvPicPr>
+          <p:cNvPr id="4" name="Picture 3"/>
+          <p:cNvPicPr>
+            <a:picLocks noChangeAspect="1"/>
+          </p:cNvPicPr>
+          <p:nvPr/>
+        </p:nvPicPr>
+        <p:blipFill>
+          <a:blip r:embed="rId2"/>
+          <a:stretch>
+            <a:fillRect/>
+          </a:stretch>
+        </p:blipFill>
+        <p:spPr>
+          <a:xfrm>
+            <a:off x="914400" y="3124200"/>
+            <a:ext cx="7027334" cy="1825460"/>
+          </a:xfrm>
+          <a:prstGeom prst="rect">
+            <a:avLst/>
+          </a:prstGeom>
+        </p:spPr>
+      </p:pic>
+    </p:spTree>
+    <p:extLst>
+      <p:ext uri="{BB962C8B-B14F-4D97-AF65-F5344CB8AC3E}">
+        <p14:creationId xmlns:p14="http://schemas.microsoft.com/office/powerpoint/2010/main" val="1600844107"/>
+      </p:ext>
+    </p:extLst>
+  </p:cSld>
+  <p:clrMapOvr>
+    <a:masterClrMapping/>
+  </p:clrMapOvr>
+</p:sld>
+</file>
+
+<file path=ppt/slides/slide26.xml><?xml version="1.0" encoding="utf-8"?>
+<p:sld xmlns:a="http://schemas.openxmlformats.org/drawingml/2006/main" xmlns:r="http://schemas.openxmlformats.org/officeDocument/2006/relationships" xmlns:p="http://schemas.openxmlformats.org/presentationml/2006/main">
+  <p:cSld>
+    <p:spTree>
+      <p:nvGrpSpPr>
+        <p:cNvPr id="1" name=""/>
+        <p:cNvGrpSpPr/>
+        <p:nvPr/>
+      </p:nvGrpSpPr>
+      <p:grpSpPr>
+        <a:xfrm>
+          <a:off x="0" y="0"/>
+          <a:ext cx="0" cy="0"/>
+          <a:chOff x="0" y="0"/>
+          <a:chExt cx="0" cy="0"/>
+        </a:xfrm>
+      </p:grpSpPr>
+      <p:sp>
+        <p:nvSpPr>
+          <p:cNvPr id="2" name="Title 1"/>
+          <p:cNvSpPr>
+            <a:spLocks noGrp="1"/>
+          </p:cNvSpPr>
+          <p:nvPr>
+            <p:ph type="title"/>
+          </p:nvPr>
+        </p:nvSpPr>
+        <p:spPr/>
+        <p:txBody>
+          <a:bodyPr/>
+          <a:lstStyle/>
+          <a:p>
+            <a:r>
+              <a:rPr lang="en-US" dirty="0" smtClean="0"/>
+              <a:t>Defining Retrieves</a:t>
+            </a:r>
+            <a:endParaRPr lang="en-US" dirty="0"/>
+          </a:p>
+        </p:txBody>
+      </p:sp>
+      <p:sp>
+        <p:nvSpPr>
+          <p:cNvPr id="3" name="Content Placeholder 2"/>
+          <p:cNvSpPr>
+            <a:spLocks noGrp="1"/>
+          </p:cNvSpPr>
+          <p:nvPr>
+            <p:ph idx="1"/>
+          </p:nvPr>
+        </p:nvSpPr>
+        <p:spPr/>
+        <p:txBody>
+          <a:bodyPr/>
+          <a:lstStyle/>
+          <a:p>
+            <a:r>
+              <a:rPr lang="en-US" dirty="0" smtClean="0"/>
+              <a:t>Retrieves can be defined for concept-mapping</a:t>
+            </a:r>
+          </a:p>
+          <a:p>
+            <a:endParaRPr lang="en-US" dirty="0"/>
+          </a:p>
+        </p:txBody>
+      </p:sp>
+      <p:pic>
+        <p:nvPicPr>
+          <p:cNvPr id="4" name="Picture 3"/>
+          <p:cNvPicPr>
+            <a:picLocks noChangeAspect="1"/>
+          </p:cNvPicPr>
+          <p:nvPr/>
+        </p:nvPicPr>
+        <p:blipFill>
+          <a:blip r:embed="rId2"/>
+          <a:stretch>
+            <a:fillRect/>
+          </a:stretch>
+        </p:blipFill>
+        <p:spPr>
+          <a:xfrm>
+            <a:off x="1066800" y="2362200"/>
+            <a:ext cx="6947115" cy="4407076"/>
+          </a:xfrm>
+          <a:prstGeom prst="rect">
+            <a:avLst/>
+          </a:prstGeom>
+        </p:spPr>
+      </p:pic>
+    </p:spTree>
+    <p:extLst>
+      <p:ext uri="{BB962C8B-B14F-4D97-AF65-F5344CB8AC3E}">
+        <p14:creationId xmlns:p14="http://schemas.microsoft.com/office/powerpoint/2010/main" val="107329143"/>
+      </p:ext>
+    </p:extLst>
+  </p:cSld>
+  <p:clrMapOvr>
+    <a:masterClrMapping/>
+  </p:clrMapOvr>
+</p:sld>
+</file>
+
+<file path=ppt/slides/slide27.xml><?xml version="1.0" encoding="utf-8"?>
+<p:sld xmlns:a="http://schemas.openxmlformats.org/drawingml/2006/main" xmlns:r="http://schemas.openxmlformats.org/officeDocument/2006/relationships" xmlns:p="http://schemas.openxmlformats.org/presentationml/2006/main">
+  <p:cSld>
+    <p:spTree>
+      <p:nvGrpSpPr>
+        <p:cNvPr id="1" name=""/>
+        <p:cNvGrpSpPr/>
+        <p:nvPr/>
+      </p:nvGrpSpPr>
+      <p:grpSpPr>
+        <a:xfrm>
+          <a:off x="0" y="0"/>
+          <a:ext cx="0" cy="0"/>
+          <a:chOff x="0" y="0"/>
+          <a:chExt cx="0" cy="0"/>
+        </a:xfrm>
+      </p:grpSpPr>
+      <p:sp>
+        <p:nvSpPr>
+          <p:cNvPr id="2" name="Title 1"/>
+          <p:cNvSpPr>
+            <a:spLocks noGrp="1"/>
+          </p:cNvSpPr>
+          <p:nvPr>
+            <p:ph type="title"/>
+          </p:nvPr>
+        </p:nvSpPr>
+        <p:spPr/>
+        <p:txBody>
+          <a:bodyPr/>
+          <a:lstStyle/>
+          <a:p>
+            <a:r>
+              <a:rPr lang="en-US" dirty="0" smtClean="0"/>
+              <a:t>Using Libraries</a:t>
+            </a:r>
+            <a:endParaRPr lang="en-US" dirty="0"/>
+          </a:p>
+        </p:txBody>
+      </p:sp>
+      <p:sp>
+        <p:nvSpPr>
+          <p:cNvPr id="3" name="Content Placeholder 2"/>
+          <p:cNvSpPr>
+            <a:spLocks noGrp="1"/>
+          </p:cNvSpPr>
+          <p:nvPr>
+            <p:ph idx="1"/>
+          </p:nvPr>
+        </p:nvSpPr>
+        <p:spPr/>
+        <p:txBody>
+          <a:bodyPr>
+            <a:normAutofit fontScale="92500" lnSpcReduction="20000"/>
+          </a:bodyPr>
+          <a:lstStyle/>
+          <a:p>
+            <a:r>
+              <a:rPr lang="en-US" dirty="0" smtClean="0"/>
+              <a:t>Each library defines a name and optional version</a:t>
+            </a:r>
+          </a:p>
+          <a:p>
+            <a:r>
+              <a:rPr lang="en-US" dirty="0" smtClean="0"/>
+              <a:t>Elements referenced from a library must be qualified</a:t>
+            </a:r>
+          </a:p>
+          <a:p>
+            <a:r>
+              <a:rPr lang="en-US" dirty="0" smtClean="0"/>
+              <a:t>Element names within a library must be unique</a:t>
+            </a:r>
+          </a:p>
+          <a:p>
+            <a:r>
+              <a:rPr lang="en-US" dirty="0" smtClean="0"/>
+              <a:t>Library names must be unique within a repository</a:t>
+            </a:r>
+          </a:p>
+          <a:p>
+            <a:r>
+              <a:rPr lang="en-US" dirty="0" smtClean="0"/>
+              <a:t>Version number is optional for library definition</a:t>
+            </a:r>
+          </a:p>
+          <a:p>
+            <a:pPr lvl="1"/>
+            <a:r>
+              <a:rPr lang="en-US" dirty="0" smtClean="0"/>
+              <a:t>If none given, references cannot use a version</a:t>
+            </a:r>
+          </a:p>
+          <a:p>
+            <a:r>
+              <a:rPr lang="en-US" dirty="0" smtClean="0"/>
+              <a:t>Version is optional for include definition</a:t>
+            </a:r>
+          </a:p>
+          <a:p>
+            <a:pPr lvl="1"/>
+            <a:r>
+              <a:rPr lang="en-US" dirty="0" smtClean="0"/>
+              <a:t>If specified, that version must be used</a:t>
+            </a:r>
+          </a:p>
+          <a:p>
+            <a:pPr lvl="1"/>
+            <a:r>
+              <a:rPr lang="en-US" dirty="0" smtClean="0"/>
+              <a:t>If none given, the “most recent” version is used</a:t>
+            </a:r>
+            <a:endParaRPr lang="en-US" dirty="0"/>
+          </a:p>
+        </p:txBody>
+      </p:sp>
+    </p:spTree>
+    <p:extLst>
+      <p:ext uri="{BB962C8B-B14F-4D97-AF65-F5344CB8AC3E}">
+        <p14:creationId xmlns:p14="http://schemas.microsoft.com/office/powerpoint/2010/main" val="1666891093"/>
+      </p:ext>
+    </p:extLst>
+  </p:cSld>
+  <p:clrMapOvr>
+    <a:masterClrMapping/>
+  </p:clrMapOvr>
+</p:sld>
+</file>
+
+<file path=ppt/slides/slide28.xml><?xml version="1.0" encoding="utf-8"?>
+<p:sld xmlns:a="http://schemas.openxmlformats.org/drawingml/2006/main" xmlns:r="http://schemas.openxmlformats.org/officeDocument/2006/relationships" xmlns:p="http://schemas.openxmlformats.org/presentationml/2006/main">
+  <p:cSld>
+    <p:spTree>
+      <p:nvGrpSpPr>
+        <p:cNvPr id="1" name=""/>
+        <p:cNvGrpSpPr/>
+        <p:nvPr/>
+      </p:nvGrpSpPr>
+      <p:grpSpPr>
+        <a:xfrm>
+          <a:off x="0" y="0"/>
+          <a:ext cx="0" cy="0"/>
+          <a:chOff x="0" y="0"/>
+          <a:chExt cx="0" cy="0"/>
+        </a:xfrm>
+      </p:grpSpPr>
+      <p:sp>
+        <p:nvSpPr>
+          <p:cNvPr id="2" name="Title 1"/>
+          <p:cNvSpPr>
+            <a:spLocks noGrp="1"/>
+          </p:cNvSpPr>
+          <p:nvPr>
+            <p:ph type="title"/>
+          </p:nvPr>
+        </p:nvSpPr>
+        <p:spPr/>
+        <p:txBody>
+          <a:bodyPr/>
+          <a:lstStyle/>
+          <a:p>
+            <a:r>
+              <a:rPr lang="en-US" dirty="0" smtClean="0"/>
+              <a:t>Next Steps</a:t>
+            </a:r>
+            <a:endParaRPr lang="en-US" dirty="0"/>
+          </a:p>
+        </p:txBody>
+      </p:sp>
+      <p:sp>
+        <p:nvSpPr>
+          <p:cNvPr id="3" name="Content Placeholder 2"/>
+          <p:cNvSpPr>
+            <a:spLocks noGrp="1"/>
+          </p:cNvSpPr>
+          <p:nvPr>
+            <p:ph idx="1"/>
+          </p:nvPr>
+        </p:nvSpPr>
+        <p:spPr/>
+        <p:txBody>
           <a:bodyPr>
             <a:normAutofit fontScale="85000" lnSpcReduction="20000"/>
           </a:bodyPr>
@@ -5943,14 +8704,22 @@
             <a:pPr lvl="1"/>
             <a:r>
               <a:rPr lang="en-US" dirty="0" smtClean="0"/>
-              <a:t>Completing/Refining the syntax</a:t>
+              <a:t>Continue to refine the syntax</a:t>
             </a:r>
           </a:p>
           <a:p>
             <a:pPr lvl="1"/>
             <a:r>
+              <a:rPr lang="en-US" smtClean="0"/>
+              <a:t>Mapping </a:t>
+            </a:r>
+            <a:r>
+              <a:rPr lang="en-US" smtClean="0"/>
+              <a:t>QUICK </a:t>
+            </a:r>
+            <a:r>
               <a:rPr lang="en-US" dirty="0" smtClean="0"/>
-              <a:t>Mapping QLIM to FHIR</a:t>
+              <a:t>to FHIR</a:t>
             </a:r>
           </a:p>
           <a:p>
@@ -6015,11 +8784,7 @@
             </a:r>
             <a:r>
               <a:rPr lang="en-US" dirty="0" smtClean="0"/>
-              <a:t> </a:t>
-            </a:r>
-            <a:r>
-              <a:rPr lang="en-US" dirty="0" smtClean="0"/>
-              <a:t>repository</a:t>
+              <a:t> repository</a:t>
             </a:r>
           </a:p>
           <a:p>
@@ -7278,11 +10043,7 @@
             <a:pPr algn="ctr"/>
             <a:r>
               <a:rPr lang="en-US" dirty="0" smtClean="0"/>
-              <a:t>Concepts defined in Quality Logical </a:t>
-            </a:r>
-            <a:r>
-              <a:rPr lang="en-US" dirty="0" smtClean="0"/>
-              <a:t>Model (QUICK)</a:t>
+              <a:t>Concepts defined in Quality Logical Model (QUICK)</a:t>
             </a:r>
             <a:endParaRPr lang="en-US" dirty="0"/>
           </a:p>
@@ -7872,6 +10633,13 @@
   <p:clrMapOvr>
     <a:masterClrMapping/>
   </p:clrMapOvr>
+  <p:timing>
+    <p:tnLst>
+      <p:par>
+        <p:cTn id="1" dur="indefinite" restart="never" nodeType="tmRoot"/>
+      </p:par>
+    </p:tnLst>
+  </p:timing>
 </p:sld>
 </file>
 
@@ -7939,19 +10707,19 @@
           <a:p>
             <a:r>
               <a:rPr lang="en-US" sz="2400" dirty="0" smtClean="0"/>
-              <a:t>Each rule or measure is readable, plain text file</a:t>
+              <a:t>Each library is a readable, plain text file</a:t>
             </a:r>
           </a:p>
           <a:p>
             <a:r>
               <a:rPr lang="en-US" sz="2400" dirty="0" smtClean="0"/>
-              <a:t>May include other files by reference</a:t>
+              <a:t>May include other libraries by reference</a:t>
             </a:r>
           </a:p>
           <a:p>
             <a:r>
               <a:rPr lang="en-US" sz="2400" dirty="0" smtClean="0"/>
-              <a:t>Logic in each file is a potentially reusable</a:t>
+              <a:t>Logic in each file is potentially reusable</a:t>
             </a:r>
             <a:r>
               <a:rPr lang="en-US" sz="2400" dirty="0"/>
@@ -7959,15 +10727,7 @@
             </a:r>
             <a:r>
               <a:rPr lang="en-US" sz="2400" dirty="0" smtClean="0"/>
-              <a:t>“</a:t>
-            </a:r>
-            <a:r>
-              <a:rPr lang="en-US" sz="2400" dirty="0"/>
-              <a:t>library</a:t>
-            </a:r>
-            <a:r>
-              <a:rPr lang="en-US" sz="2400" dirty="0" smtClean="0"/>
-              <a:t>” </a:t>
+              <a:t>by other libraries</a:t>
             </a:r>
           </a:p>
         </p:txBody>
@@ -8280,7 +11040,7 @@
         <p:spPr>
           <a:xfrm>
             <a:off x="1268479" y="4564561"/>
-            <a:ext cx="1232663" cy="830997"/>
+            <a:ext cx="1232663" cy="584775"/>
           </a:xfrm>
           <a:prstGeom prst="rect">
             <a:avLst/>
@@ -8295,17 +11055,9 @@
           <a:p>
             <a:pPr algn="ctr"/>
             <a:r>
-              <a:rPr lang="en-US" sz="1600" smtClean="0"/>
-              <a:t>May be comingled? </a:t>
-            </a:r>
-          </a:p>
-          <a:p>
-            <a:pPr algn="ctr"/>
-            <a:r>
-              <a:rPr lang="en-US" sz="1600" smtClean="0"/>
-              <a:t>(TBD)</a:t>
-            </a:r>
-            <a:endParaRPr lang="en-US" sz="1600"/>
+              <a:rPr lang="en-US" sz="1600" dirty="0" smtClean="0"/>
+              <a:t>May be comingled </a:t>
+            </a:r>
           </a:p>
         </p:txBody>
       </p:sp>
@@ -8321,7 +11073,7 @@
         <p:spPr>
           <a:xfrm flipV="1">
             <a:off x="2501142" y="4657984"/>
-            <a:ext cx="699261" cy="322076"/>
+            <a:ext cx="699261" cy="198965"/>
           </a:xfrm>
           <a:prstGeom prst="straightConnector1">
             <a:avLst/>
@@ -8356,8 +11108,8 @@
         </p:nvCxnSpPr>
         <p:spPr>
           <a:xfrm>
-            <a:off x="2501142" y="4980060"/>
-            <a:ext cx="699261" cy="365972"/>
+            <a:off x="2501142" y="4856949"/>
+            <a:ext cx="699261" cy="489081"/>
           </a:xfrm>
           <a:prstGeom prst="straightConnector1">
             <a:avLst/>
@@ -8391,6 +11143,13 @@
   <p:clrMapOvr>
     <a:masterClrMapping/>
   </p:clrMapOvr>
+  <p:timing>
+    <p:tnLst>
+      <p:par>
+        <p:cTn id="1" dur="indefinite" restart="never" nodeType="tmRoot"/>
+      </p:par>
+    </p:tnLst>
+  </p:timing>
 </p:sld>
 </file>
 
@@ -8522,7 +11281,7 @@
             <a:pPr lvl="1"/>
             <a:r>
               <a:rPr lang="en-US" dirty="0" smtClean="0"/>
-              <a:t>Define available “inputs” (and potentially “outputs”, TBD)</a:t>
+              <a:t>Define available “inputs”</a:t>
             </a:r>
             <a:endParaRPr lang="en-US" b="1" dirty="0" smtClean="0"/>
           </a:p>
@@ -8555,6 +11314,13 @@
   <p:clrMapOvr>
     <a:masterClrMapping/>
   </p:clrMapOvr>
+  <p:timing>
+    <p:tnLst>
+      <p:par>
+        <p:cTn id="1" dur="indefinite" restart="never" nodeType="tmRoot"/>
+      </p:par>
+    </p:tnLst>
+  </p:timing>
 </p:sld>
 </file>
 
@@ -8600,7 +11366,7 @@
       </p:sp>
       <p:pic>
         <p:nvPicPr>
-          <p:cNvPr id="5" name="Picture 4"/>
+          <p:cNvPr id="4" name="Picture 3"/>
           <p:cNvPicPr>
             <a:picLocks noChangeAspect="1"/>
           </p:cNvPicPr>
@@ -8614,8 +11380,8 @@
         </p:blipFill>
         <p:spPr>
           <a:xfrm>
-            <a:off x="990600" y="2133600"/>
-            <a:ext cx="7481637" cy="2667000"/>
+            <a:off x="1111045" y="2209800"/>
+            <a:ext cx="6921910" cy="2438400"/>
           </a:xfrm>
           <a:prstGeom prst="rect">
             <a:avLst/>
@@ -8632,6 +11398,13 @@
   <p:clrMapOvr>
     <a:masterClrMapping/>
   </p:clrMapOvr>
+  <p:timing>
+    <p:tnLst>
+      <p:par>
+        <p:cTn id="1" dur="indefinite" restart="never" nodeType="tmRoot"/>
+      </p:par>
+    </p:tnLst>
+  </p:timing>
 </p:sld>
 </file>
 
@@ -8669,11 +11442,7 @@
           <a:p>
             <a:r>
               <a:rPr lang="en-US" dirty="0" smtClean="0"/>
-              <a:t>QUICK Statement </a:t>
-            </a:r>
-            <a:r>
-              <a:rPr lang="en-US" dirty="0" smtClean="0"/>
-              <a:t>Structure</a:t>
+              <a:t>QUICK Statement Structure</a:t>
             </a:r>
             <a:endParaRPr lang="en-US" dirty="0"/>
           </a:p>
@@ -8728,7 +11497,7 @@
             <a:pPr lvl="1"/>
             <a:r>
               <a:rPr lang="en-US" dirty="0" smtClean="0"/>
-              <a:t>a Topic, either an Observable, or an Action</a:t>
+              <a:t>a Topic, either an Observable, or an Act</a:t>
             </a:r>
           </a:p>
           <a:p>
@@ -8773,15 +11542,7 @@
           <a:p>
             <a:r>
               <a:rPr lang="en-US" dirty="0" smtClean="0"/>
-              <a:t>In addition</a:t>
-            </a:r>
-            <a:r>
-              <a:rPr lang="en-US" smtClean="0"/>
-              <a:t>, Acts have </a:t>
-            </a:r>
-            <a:r>
-              <a:rPr lang="en-US" dirty="0" smtClean="0"/>
-              <a:t>Modality:</a:t>
+              <a:t>In addition, Acts have Modality:</a:t>
             </a:r>
           </a:p>
           <a:p>
@@ -8812,6 +11573,13 @@
   <p:clrMapOvr>
     <a:masterClrMapping/>
   </p:clrMapOvr>
+  <p:timing>
+    <p:tnLst>
+      <p:par>
+        <p:cTn id="1" dur="indefinite" restart="never" nodeType="tmRoot"/>
+      </p:par>
+    </p:tnLst>
+  </p:timing>
 </p:sld>
 </file>
 
@@ -9256,7 +12024,19 @@
                 </a:highlight>
                 <a:latin typeface="Consolas" panose="020B0609020204030204" pitchFamily="49" charset="0"/>
               </a:rPr>
-              <a:t>[Encounter, Performed: </a:t>
+              <a:t>[Encounter, </a:t>
+            </a:r>
+            <a:r>
+              <a:rPr lang="en-US" sz="2200" dirty="0" smtClean="0">
+                <a:solidFill>
+                  <a:srgbClr val="000000"/>
+                </a:solidFill>
+                <a:highlight>
+                  <a:srgbClr val="FFFFFF"/>
+                </a:highlight>
+                <a:latin typeface="Consolas" panose="020B0609020204030204" pitchFamily="49" charset="0"/>
+              </a:rPr>
+              <a:t>Performed, </a:t>
             </a:r>
             <a:r>
               <a:rPr lang="en-US" sz="2200" dirty="0">
@@ -9320,6 +12100,13 @@
   <p:clrMapOvr>
     <a:masterClrMapping/>
   </p:clrMapOvr>
+  <p:timing>
+    <p:tnLst>
+      <p:par>
+        <p:cTn id="1" dur="indefinite" restart="never" nodeType="tmRoot"/>
+      </p:par>
+    </p:tnLst>
+  </p:timing>
 </p:sld>
 </file>
 
@@ -9376,7 +12163,7 @@
         <p:spPr/>
         <p:txBody>
           <a:bodyPr>
-            <a:normAutofit fontScale="70000" lnSpcReduction="20000"/>
+            <a:normAutofit fontScale="62500" lnSpcReduction="20000"/>
           </a:bodyPr>
           <a:lstStyle/>
           <a:p>
@@ -9428,7 +12215,7 @@
                 </a:highlight>
                 <a:latin typeface="Consolas" panose="020B0609020204030204" pitchFamily="49" charset="0"/>
               </a:rPr>
-              <a:t>"female"</a:t>
+              <a:t>'female'</a:t>
             </a:r>
             <a:endParaRPr lang="en-US" dirty="0" smtClean="0"/>
           </a:p>
@@ -9484,7 +12271,7 @@
               <a:t>, 6 </a:t>
             </a:r>
             <a:r>
-              <a:rPr lang="en-US" dirty="0" err="1">
+              <a:rPr lang="en-US" dirty="0" err="1" smtClean="0">
                 <a:solidFill>
                   <a:srgbClr val="000000"/>
                 </a:solidFill>
@@ -9496,7 +12283,7 @@
               <a:t>u</a:t>
             </a:r>
             <a:r>
-              <a:rPr lang="en-US" dirty="0" err="1">
+              <a:rPr lang="en-US" dirty="0" err="1" smtClean="0">
                 <a:solidFill>
                   <a:srgbClr val="A31515"/>
                 </a:solidFill>
@@ -9505,7 +12292,19 @@
                 </a:highlight>
                 <a:latin typeface="Consolas" panose="020B0609020204030204" pitchFamily="49" charset="0"/>
               </a:rPr>
-              <a:t>"gm</a:t>
+              <a:t>'gm</a:t>
+            </a:r>
+            <a:r>
+              <a:rPr lang="en-US" dirty="0" smtClean="0">
+                <a:solidFill>
+                  <a:srgbClr val="A31515"/>
+                </a:solidFill>
+                <a:highlight>
+                  <a:srgbClr val="FFFFFF"/>
+                </a:highlight>
+                <a:latin typeface="Consolas" panose="020B0609020204030204" pitchFamily="49" charset="0"/>
+              </a:rPr>
+              <a:t>/cm3</a:t>
             </a:r>
             <a:r>
               <a:rPr lang="en-US" dirty="0">
@@ -9517,7 +12316,31 @@
                 </a:highlight>
                 <a:latin typeface="Consolas" panose="020B0609020204030204" pitchFamily="49" charset="0"/>
               </a:rPr>
-              <a:t>/cm3"</a:t>
+              <a:t>'</a:t>
+            </a:r>
+            <a:endParaRPr lang="en-US" dirty="0" smtClean="0">
+              <a:solidFill>
+                <a:srgbClr val="A31515"/>
+              </a:solidFill>
+              <a:highlight>
+                <a:srgbClr val="FFFFFF"/>
+              </a:highlight>
+              <a:latin typeface="Consolas" panose="020B0609020204030204" pitchFamily="49" charset="0"/>
+            </a:endParaRPr>
+          </a:p>
+          <a:p>
+            <a:pPr lvl="1"/>
+            <a:r>
+              <a:rPr lang="en-US" dirty="0">
+                <a:solidFill>
+                  <a:srgbClr val="A31515"/>
+                </a:solidFill>
+                <a:highlight>
+                  <a:srgbClr val="FFFFFF"/>
+                </a:highlight>
+                <a:latin typeface="Consolas" panose="020B0609020204030204" pitchFamily="49" charset="0"/>
+              </a:rPr>
+              <a:t>"Female Administrative Sex"</a:t>
             </a:r>
             <a:endParaRPr lang="en-US" dirty="0" smtClean="0"/>
           </a:p>
@@ -9581,7 +12404,19 @@
                 </a:highlight>
                 <a:latin typeface="Consolas" panose="020B0609020204030204" pitchFamily="49" charset="0"/>
               </a:rPr>
-              <a:t>"Patrick"</a:t>
+              <a:t>'Patrick'</a:t>
+            </a:r>
+            <a:r>
+              <a:rPr lang="en-US" dirty="0" smtClean="0">
+                <a:solidFill>
+                  <a:srgbClr val="000000"/>
+                </a:solidFill>
+                <a:highlight>
+                  <a:srgbClr val="FFFFFF"/>
+                </a:highlight>
+                <a:latin typeface="Consolas" panose="020B0609020204030204" pitchFamily="49" charset="0"/>
+              </a:rPr>
+              <a:t>, </a:t>
             </a:r>
             <a:r>
               <a:rPr lang="en-US" dirty="0">
@@ -9593,7 +12428,7 @@
                 </a:highlight>
                 <a:latin typeface="Consolas" panose="020B0609020204030204" pitchFamily="49" charset="0"/>
               </a:rPr>
-              <a:t>, DOB: Date(2014, 1, 1) }</a:t>
+              <a:t>DOB: Date(2014, 1, 1) }</a:t>
             </a:r>
             <a:endParaRPr lang="en-US" dirty="0" smtClean="0"/>
           </a:p>
@@ -9628,20 +12463,32 @@
           <a:p>
             <a:pPr lvl="1"/>
             <a:r>
+              <a:rPr lang="en-US" dirty="0" smtClean="0">
+                <a:solidFill>
+                  <a:srgbClr val="0000FF"/>
+                </a:solidFill>
+                <a:highlight>
+                  <a:srgbClr val="FFFFFF"/>
+                </a:highlight>
+                <a:latin typeface="Consolas" panose="020B0609020204030204" pitchFamily="49" charset="0"/>
+              </a:rPr>
+              <a:t>interval</a:t>
+            </a:r>
+            <a:r>
+              <a:rPr lang="en-US" dirty="0" smtClean="0">
+                <a:solidFill>
+                  <a:srgbClr val="000000"/>
+                </a:solidFill>
+                <a:highlight>
+                  <a:srgbClr val="FFFFFF"/>
+                </a:highlight>
+                <a:latin typeface="Consolas" panose="020B0609020204030204" pitchFamily="49" charset="0"/>
+              </a:rPr>
+              <a:t>(today </a:t>
+            </a:r>
+            <a:r>
               <a:rPr lang="en-US" dirty="0">
                 <a:solidFill>
-                  <a:srgbClr val="0000FF"/>
-                </a:solidFill>
-                <a:highlight>
-                  <a:srgbClr val="FFFFFF"/>
-                </a:highlight>
-                <a:latin typeface="Consolas" panose="020B0609020204030204" pitchFamily="49" charset="0"/>
-              </a:rPr>
-              <a:t>interval</a:t>
-            </a:r>
-            <a:r>
-              <a:rPr lang="en-US" dirty="0">
-                <a:solidFill>
                   <a:srgbClr val="000000"/>
                 </a:solidFill>
                 <a:highlight>
@@ -9649,7 +12496,7 @@
                 </a:highlight>
                 <a:latin typeface="Consolas" panose="020B0609020204030204" pitchFamily="49" charset="0"/>
               </a:rPr>
-              <a:t>[today - 1 </a:t>
+              <a:t>- 1 </a:t>
             </a:r>
             <a:r>
               <a:rPr lang="en-US" dirty="0">
@@ -9701,6 +12548,13 @@
   <p:clrMapOvr>
     <a:masterClrMapping/>
   </p:clrMapOvr>
+  <p:timing>
+    <p:tnLst>
+      <p:par>
+        <p:cTn id="1" dur="indefinite" restart="never" nodeType="tmRoot"/>
+      </p:par>
+    </p:tnLst>
+  </p:timing>
 </p:sld>
 </file>
 

--- a/CQL/Documents/CQL_Technical_Introduction_20140604.pptx
+++ b/CQL/Documents/CQL_Technical_Introduction_20140604.pptx
@@ -331,7 +331,7 @@
           <a:p>
             <a:fld id="{AE358F06-F08A-4581-9382-C6FEB46FADBD}" type="datetimeFigureOut">
               <a:rPr lang="en-US" smtClean="0"/>
-              <a:t>6/25/2014</a:t>
+              <a:t>7/21/2014</a:t>
             </a:fld>
             <a:endParaRPr lang="en-US"/>
           </a:p>
@@ -501,7 +501,7 @@
           <a:p>
             <a:fld id="{AE358F06-F08A-4581-9382-C6FEB46FADBD}" type="datetimeFigureOut">
               <a:rPr lang="en-US" smtClean="0"/>
-              <a:t>6/25/2014</a:t>
+              <a:t>7/21/2014</a:t>
             </a:fld>
             <a:endParaRPr lang="en-US"/>
           </a:p>
@@ -681,7 +681,7 @@
           <a:p>
             <a:fld id="{AE358F06-F08A-4581-9382-C6FEB46FADBD}" type="datetimeFigureOut">
               <a:rPr lang="en-US" smtClean="0"/>
-              <a:t>6/25/2014</a:t>
+              <a:t>7/21/2014</a:t>
             </a:fld>
             <a:endParaRPr lang="en-US"/>
           </a:p>
@@ -851,7 +851,7 @@
           <a:p>
             <a:fld id="{AE358F06-F08A-4581-9382-C6FEB46FADBD}" type="datetimeFigureOut">
               <a:rPr lang="en-US" smtClean="0"/>
-              <a:t>6/25/2014</a:t>
+              <a:t>7/21/2014</a:t>
             </a:fld>
             <a:endParaRPr lang="en-US"/>
           </a:p>
@@ -1097,7 +1097,7 @@
           <a:p>
             <a:fld id="{AE358F06-F08A-4581-9382-C6FEB46FADBD}" type="datetimeFigureOut">
               <a:rPr lang="en-US" smtClean="0"/>
-              <a:t>6/25/2014</a:t>
+              <a:t>7/21/2014</a:t>
             </a:fld>
             <a:endParaRPr lang="en-US"/>
           </a:p>
@@ -1385,7 +1385,7 @@
           <a:p>
             <a:fld id="{AE358F06-F08A-4581-9382-C6FEB46FADBD}" type="datetimeFigureOut">
               <a:rPr lang="en-US" smtClean="0"/>
-              <a:t>6/25/2014</a:t>
+              <a:t>7/21/2014</a:t>
             </a:fld>
             <a:endParaRPr lang="en-US"/>
           </a:p>
@@ -1807,7 +1807,7 @@
           <a:p>
             <a:fld id="{AE358F06-F08A-4581-9382-C6FEB46FADBD}" type="datetimeFigureOut">
               <a:rPr lang="en-US" smtClean="0"/>
-              <a:t>6/25/2014</a:t>
+              <a:t>7/21/2014</a:t>
             </a:fld>
             <a:endParaRPr lang="en-US"/>
           </a:p>
@@ -1925,7 +1925,7 @@
           <a:p>
             <a:fld id="{AE358F06-F08A-4581-9382-C6FEB46FADBD}" type="datetimeFigureOut">
               <a:rPr lang="en-US" smtClean="0"/>
-              <a:t>6/25/2014</a:t>
+              <a:t>7/21/2014</a:t>
             </a:fld>
             <a:endParaRPr lang="en-US"/>
           </a:p>
@@ -2020,7 +2020,7 @@
           <a:p>
             <a:fld id="{AE358F06-F08A-4581-9382-C6FEB46FADBD}" type="datetimeFigureOut">
               <a:rPr lang="en-US" smtClean="0"/>
-              <a:t>6/25/2014</a:t>
+              <a:t>7/21/2014</a:t>
             </a:fld>
             <a:endParaRPr lang="en-US"/>
           </a:p>
@@ -2297,7 +2297,7 @@
           <a:p>
             <a:fld id="{AE358F06-F08A-4581-9382-C6FEB46FADBD}" type="datetimeFigureOut">
               <a:rPr lang="en-US" smtClean="0"/>
-              <a:t>6/25/2014</a:t>
+              <a:t>7/21/2014</a:t>
             </a:fld>
             <a:endParaRPr lang="en-US"/>
           </a:p>
@@ -2550,7 +2550,7 @@
           <a:p>
             <a:fld id="{AE358F06-F08A-4581-9382-C6FEB46FADBD}" type="datetimeFigureOut">
               <a:rPr lang="en-US" smtClean="0"/>
-              <a:t>6/25/2014</a:t>
+              <a:t>7/21/2014</a:t>
             </a:fld>
             <a:endParaRPr lang="en-US"/>
           </a:p>
@@ -2763,7 +2763,7 @@
           <a:p>
             <a:fld id="{AE358F06-F08A-4581-9382-C6FEB46FADBD}" type="datetimeFigureOut">
               <a:rPr lang="en-US" smtClean="0"/>
-              <a:t>6/25/2014</a:t>
+              <a:t>7/21/2014</a:t>
             </a:fld>
             <a:endParaRPr lang="en-US"/>
           </a:p>
@@ -4340,7 +4340,7 @@
             <p:ph idx="1"/>
             <p:extLst>
               <p:ext uri="{D42A27DB-BD31-4B8C-83A1-F6EECF244321}">
-                <p14:modId xmlns:p14="http://schemas.microsoft.com/office/powerpoint/2010/main" val="3751426252"/>
+                <p14:modId xmlns:p14="http://schemas.microsoft.com/office/powerpoint/2010/main" val="142993698"/>
               </p:ext>
             </p:extLst>
           </p:nvPr>
@@ -4353,7 +4353,7 @@
           <a:graphicData uri="http://schemas.openxmlformats.org/drawingml/2006/table">
             <a:tbl>
               <a:tblPr firstRow="1" bandRow="1">
-                <a:tableStyleId>{5C22544A-7EE6-4342-B048-85BDC9FD1C3A}</a:tableStyleId>
+                <a:tableStyleId>{073A0DAA-6AF3-43AB-8588-CEC1D06C72B9}</a:tableStyleId>
               </a:tblPr>
               <a:tblGrid>
                 <a:gridCol w="2362200"/>
@@ -4412,13 +4412,29 @@
                     <a:p>
                       <a:r>
                         <a:rPr lang="en-US" dirty="0" smtClean="0"/>
-                        <a:t>X concurrent with Y</a:t>
+                        <a:t>X </a:t>
+                      </a:r>
+                      <a:r>
+                        <a:rPr lang="en-US" dirty="0" smtClean="0"/>
+                        <a:t>same as </a:t>
+                      </a:r>
+                      <a:r>
+                        <a:rPr lang="en-US" dirty="0" smtClean="0"/>
+                        <a:t>Y</a:t>
                       </a:r>
                     </a:p>
                     <a:p>
                       <a:r>
                         <a:rPr lang="en-US" dirty="0" smtClean="0"/>
-                        <a:t>Y concurrent with X</a:t>
+                        <a:t>Y </a:t>
+                      </a:r>
+                      <a:r>
+                        <a:rPr lang="en-US" dirty="0" smtClean="0"/>
+                        <a:t>same as </a:t>
+                      </a:r>
+                      <a:r>
+                        <a:rPr lang="en-US" dirty="0" smtClean="0"/>
+                        <a:t>X</a:t>
                       </a:r>
                       <a:endParaRPr lang="en-US" dirty="0"/>
                     </a:p>
@@ -4956,7 +4972,6 @@
                 <a:rPr lang="en-US" dirty="0"/>
                 <a:t>Y</a:t>
               </a:r>
-              <a:endParaRPr lang="en-US" dirty="0"/>
             </a:p>
           </p:txBody>
         </p:sp>
@@ -5106,7 +5121,6 @@
                 <a:rPr lang="en-US" dirty="0"/>
                 <a:t>Y</a:t>
               </a:r>
-              <a:endParaRPr lang="en-US" dirty="0"/>
             </a:p>
           </p:txBody>
         </p:sp>
@@ -5256,7 +5270,6 @@
                 <a:rPr lang="en-US" dirty="0"/>
                 <a:t>Y</a:t>
               </a:r>
-              <a:endParaRPr lang="en-US" dirty="0"/>
             </a:p>
           </p:txBody>
         </p:sp>
@@ -5406,7 +5419,6 @@
                 <a:rPr lang="en-US" dirty="0"/>
                 <a:t>Y</a:t>
               </a:r>
-              <a:endParaRPr lang="en-US" dirty="0"/>
             </a:p>
           </p:txBody>
         </p:sp>
@@ -5556,7 +5568,6 @@
                 <a:rPr lang="en-US" dirty="0"/>
                 <a:t>Y</a:t>
               </a:r>
-              <a:endParaRPr lang="en-US" dirty="0"/>
             </a:p>
           </p:txBody>
         </p:sp>
@@ -5706,7 +5717,6 @@
                 <a:rPr lang="en-US" dirty="0"/>
                 <a:t>Y</a:t>
               </a:r>
-              <a:endParaRPr lang="en-US" dirty="0"/>
             </a:p>
           </p:txBody>
         </p:sp>
@@ -5856,7 +5866,6 @@
                 <a:rPr lang="en-US" dirty="0"/>
                 <a:t>Y</a:t>
               </a:r>
-              <a:endParaRPr lang="en-US" dirty="0"/>
             </a:p>
           </p:txBody>
         </p:sp>
@@ -8711,11 +8720,7 @@
             <a:pPr lvl="1"/>
             <a:r>
               <a:rPr lang="en-US" smtClean="0"/>
-              <a:t>Mapping </a:t>
-            </a:r>
-            <a:r>
-              <a:rPr lang="en-US" smtClean="0"/>
-              <a:t>QUICK </a:t>
+              <a:t>Mapping QUICK </a:t>
             </a:r>
             <a:r>
               <a:rPr lang="en-US" dirty="0" smtClean="0"/>
@@ -11206,9 +11211,26 @@
         <p:spPr/>
         <p:txBody>
           <a:bodyPr>
-            <a:normAutofit fontScale="77500" lnSpcReduction="20000"/>
+            <a:normAutofit fontScale="70000" lnSpcReduction="20000"/>
           </a:bodyPr>
           <a:lstStyle/>
+          <a:p>
+            <a:r>
+              <a:rPr lang="en-US" b="1" dirty="0" smtClean="0"/>
+              <a:t>library </a:t>
+            </a:r>
+            <a:r>
+              <a:rPr lang="en-US" dirty="0" smtClean="0"/>
+              <a:t>declaration</a:t>
+            </a:r>
+          </a:p>
+          <a:p>
+            <a:pPr lvl="1"/>
+            <a:r>
+              <a:rPr lang="en-US" dirty="0" smtClean="0"/>
+              <a:t>Defines the name and optional version of the library</a:t>
+            </a:r>
+          </a:p>
           <a:p>
             <a:r>
               <a:rPr lang="en-US" b="1" dirty="0" smtClean="0"/>
@@ -11366,7 +11388,7 @@
       </p:sp>
       <p:pic>
         <p:nvPicPr>
-          <p:cNvPr id="4" name="Picture 3"/>
+          <p:cNvPr id="3" name="Picture 2"/>
           <p:cNvPicPr>
             <a:picLocks noChangeAspect="1"/>
           </p:cNvPicPr>
@@ -11380,8 +11402,8 @@
         </p:blipFill>
         <p:spPr>
           <a:xfrm>
-            <a:off x="1111045" y="2209800"/>
-            <a:ext cx="6921910" cy="2438400"/>
+            <a:off x="1143495" y="2057400"/>
+            <a:ext cx="6857010" cy="2971800"/>
           </a:xfrm>
           <a:prstGeom prst="rect">
             <a:avLst/>

--- a/CQL/Documents/CQL_Technical_Introduction_20140604.pptx
+++ b/CQL/Documents/CQL_Technical_Introduction_20140604.pptx
@@ -331,7 +331,7 @@
           <a:p>
             <a:fld id="{AE358F06-F08A-4581-9382-C6FEB46FADBD}" type="datetimeFigureOut">
               <a:rPr lang="en-US" smtClean="0"/>
-              <a:t>7/21/2014</a:t>
+              <a:t>7/30/2014</a:t>
             </a:fld>
             <a:endParaRPr lang="en-US"/>
           </a:p>
@@ -501,7 +501,7 @@
           <a:p>
             <a:fld id="{AE358F06-F08A-4581-9382-C6FEB46FADBD}" type="datetimeFigureOut">
               <a:rPr lang="en-US" smtClean="0"/>
-              <a:t>7/21/2014</a:t>
+              <a:t>7/30/2014</a:t>
             </a:fld>
             <a:endParaRPr lang="en-US"/>
           </a:p>
@@ -681,7 +681,7 @@
           <a:p>
             <a:fld id="{AE358F06-F08A-4581-9382-C6FEB46FADBD}" type="datetimeFigureOut">
               <a:rPr lang="en-US" smtClean="0"/>
-              <a:t>7/21/2014</a:t>
+              <a:t>7/30/2014</a:t>
             </a:fld>
             <a:endParaRPr lang="en-US"/>
           </a:p>
@@ -851,7 +851,7 @@
           <a:p>
             <a:fld id="{AE358F06-F08A-4581-9382-C6FEB46FADBD}" type="datetimeFigureOut">
               <a:rPr lang="en-US" smtClean="0"/>
-              <a:t>7/21/2014</a:t>
+              <a:t>7/30/2014</a:t>
             </a:fld>
             <a:endParaRPr lang="en-US"/>
           </a:p>
@@ -1097,7 +1097,7 @@
           <a:p>
             <a:fld id="{AE358F06-F08A-4581-9382-C6FEB46FADBD}" type="datetimeFigureOut">
               <a:rPr lang="en-US" smtClean="0"/>
-              <a:t>7/21/2014</a:t>
+              <a:t>7/30/2014</a:t>
             </a:fld>
             <a:endParaRPr lang="en-US"/>
           </a:p>
@@ -1385,7 +1385,7 @@
           <a:p>
             <a:fld id="{AE358F06-F08A-4581-9382-C6FEB46FADBD}" type="datetimeFigureOut">
               <a:rPr lang="en-US" smtClean="0"/>
-              <a:t>7/21/2014</a:t>
+              <a:t>7/30/2014</a:t>
             </a:fld>
             <a:endParaRPr lang="en-US"/>
           </a:p>
@@ -1807,7 +1807,7 @@
           <a:p>
             <a:fld id="{AE358F06-F08A-4581-9382-C6FEB46FADBD}" type="datetimeFigureOut">
               <a:rPr lang="en-US" smtClean="0"/>
-              <a:t>7/21/2014</a:t>
+              <a:t>7/30/2014</a:t>
             </a:fld>
             <a:endParaRPr lang="en-US"/>
           </a:p>
@@ -1925,7 +1925,7 @@
           <a:p>
             <a:fld id="{AE358F06-F08A-4581-9382-C6FEB46FADBD}" type="datetimeFigureOut">
               <a:rPr lang="en-US" smtClean="0"/>
-              <a:t>7/21/2014</a:t>
+              <a:t>7/30/2014</a:t>
             </a:fld>
             <a:endParaRPr lang="en-US"/>
           </a:p>
@@ -2020,7 +2020,7 @@
           <a:p>
             <a:fld id="{AE358F06-F08A-4581-9382-C6FEB46FADBD}" type="datetimeFigureOut">
               <a:rPr lang="en-US" smtClean="0"/>
-              <a:t>7/21/2014</a:t>
+              <a:t>7/30/2014</a:t>
             </a:fld>
             <a:endParaRPr lang="en-US"/>
           </a:p>
@@ -2297,7 +2297,7 @@
           <a:p>
             <a:fld id="{AE358F06-F08A-4581-9382-C6FEB46FADBD}" type="datetimeFigureOut">
               <a:rPr lang="en-US" smtClean="0"/>
-              <a:t>7/21/2014</a:t>
+              <a:t>7/30/2014</a:t>
             </a:fld>
             <a:endParaRPr lang="en-US"/>
           </a:p>
@@ -2550,7 +2550,7 @@
           <a:p>
             <a:fld id="{AE358F06-F08A-4581-9382-C6FEB46FADBD}" type="datetimeFigureOut">
               <a:rPr lang="en-US" smtClean="0"/>
-              <a:t>7/21/2014</a:t>
+              <a:t>7/30/2014</a:t>
             </a:fld>
             <a:endParaRPr lang="en-US"/>
           </a:p>
@@ -2763,7 +2763,7 @@
           <a:p>
             <a:fld id="{AE358F06-F08A-4581-9382-C6FEB46FADBD}" type="datetimeFigureOut">
               <a:rPr lang="en-US" smtClean="0"/>
-              <a:t>7/21/2014</a:t>
+              <a:t>7/30/2014</a:t>
             </a:fld>
             <a:endParaRPr lang="en-US"/>
           </a:p>
@@ -4412,29 +4412,13 @@
                     <a:p>
                       <a:r>
                         <a:rPr lang="en-US" dirty="0" smtClean="0"/>
-                        <a:t>X </a:t>
-                      </a:r>
-                      <a:r>
-                        <a:rPr lang="en-US" dirty="0" smtClean="0"/>
-                        <a:t>same as </a:t>
-                      </a:r>
-                      <a:r>
-                        <a:rPr lang="en-US" dirty="0" smtClean="0"/>
-                        <a:t>Y</a:t>
+                        <a:t>X same as Y</a:t>
                       </a:r>
                     </a:p>
                     <a:p>
                       <a:r>
                         <a:rPr lang="en-US" dirty="0" smtClean="0"/>
-                        <a:t>Y </a:t>
-                      </a:r>
-                      <a:r>
-                        <a:rPr lang="en-US" dirty="0" smtClean="0"/>
-                        <a:t>same as </a:t>
-                      </a:r>
-                      <a:r>
-                        <a:rPr lang="en-US" dirty="0" smtClean="0"/>
-                        <a:t>X</a:t>
+                        <a:t>Y same as X</a:t>
                       </a:r>
                       <a:endParaRPr lang="en-US" dirty="0"/>
                     </a:p>
